--- a/slides/02-smoothing.pptx
+++ b/slides/02-smoothing.pptx
@@ -5,10 +5,12 @@
     <p:sldMasterId id="2147483684" r:id="rId1"/>
   </p:sldMasterIdLst>
   <p:notesMasterIdLst>
-    <p:notesMasterId r:id="rId3"/>
+    <p:notesMasterId r:id="rId5"/>
   </p:notesMasterIdLst>
   <p:sldIdLst>
     <p:sldId id="256" r:id="rId2"/>
+    <p:sldId id="257" r:id="rId3"/>
+    <p:sldId id="274" r:id="rId4"/>
   </p:sldIdLst>
   <p:sldSz cx="12192000" cy="6858000"/>
   <p:notesSz cx="6858000" cy="9144000"/>
@@ -197,7 +199,7 @@
           <a:p>
             <a:fld id="{C3BDFCC3-9444-904F-8BDC-F0A1FF6E28DC}" type="datetimeFigureOut">
               <a:rPr lang="en-GB" smtClean="0"/>
-              <a:t>11/06/2024</a:t>
+              <a:t>09/07/2024</a:t>
             </a:fld>
             <a:endParaRPr lang="en-GB"/>
           </a:p>
@@ -595,7 +597,7 @@
           <a:p>
             <a:fld id="{C6CF10CA-94B3-504B-A812-19B0C18E6A91}" type="datetimeFigureOut">
               <a:rPr lang="en-GB" smtClean="0"/>
-              <a:t>11/06/2024</a:t>
+              <a:t>09/07/2024</a:t>
             </a:fld>
             <a:endParaRPr lang="en-GB"/>
           </a:p>
@@ -765,7 +767,7 @@
           <a:p>
             <a:fld id="{C6CF10CA-94B3-504B-A812-19B0C18E6A91}" type="datetimeFigureOut">
               <a:rPr lang="en-GB" smtClean="0"/>
-              <a:t>11/06/2024</a:t>
+              <a:t>09/07/2024</a:t>
             </a:fld>
             <a:endParaRPr lang="en-GB"/>
           </a:p>
@@ -945,7 +947,7 @@
           <a:p>
             <a:fld id="{C6CF10CA-94B3-504B-A812-19B0C18E6A91}" type="datetimeFigureOut">
               <a:rPr lang="en-GB" smtClean="0"/>
-              <a:t>11/06/2024</a:t>
+              <a:t>09/07/2024</a:t>
             </a:fld>
             <a:endParaRPr lang="en-GB"/>
           </a:p>
@@ -1115,7 +1117,7 @@
           <a:p>
             <a:fld id="{C6CF10CA-94B3-504B-A812-19B0C18E6A91}" type="datetimeFigureOut">
               <a:rPr lang="en-GB" smtClean="0"/>
-              <a:t>11/06/2024</a:t>
+              <a:t>09/07/2024</a:t>
             </a:fld>
             <a:endParaRPr lang="en-GB"/>
           </a:p>
@@ -1361,7 +1363,7 @@
           <a:p>
             <a:fld id="{C6CF10CA-94B3-504B-A812-19B0C18E6A91}" type="datetimeFigureOut">
               <a:rPr lang="en-GB" smtClean="0"/>
-              <a:t>11/06/2024</a:t>
+              <a:t>09/07/2024</a:t>
             </a:fld>
             <a:endParaRPr lang="en-GB"/>
           </a:p>
@@ -1593,7 +1595,7 @@
           <a:p>
             <a:fld id="{C6CF10CA-94B3-504B-A812-19B0C18E6A91}" type="datetimeFigureOut">
               <a:rPr lang="en-GB" smtClean="0"/>
-              <a:t>11/06/2024</a:t>
+              <a:t>09/07/2024</a:t>
             </a:fld>
             <a:endParaRPr lang="en-GB"/>
           </a:p>
@@ -1960,7 +1962,7 @@
           <a:p>
             <a:fld id="{C6CF10CA-94B3-504B-A812-19B0C18E6A91}" type="datetimeFigureOut">
               <a:rPr lang="en-GB" smtClean="0"/>
-              <a:t>11/06/2024</a:t>
+              <a:t>09/07/2024</a:t>
             </a:fld>
             <a:endParaRPr lang="en-GB"/>
           </a:p>
@@ -2078,7 +2080,7 @@
           <a:p>
             <a:fld id="{C6CF10CA-94B3-504B-A812-19B0C18E6A91}" type="datetimeFigureOut">
               <a:rPr lang="en-GB" smtClean="0"/>
-              <a:t>11/06/2024</a:t>
+              <a:t>09/07/2024</a:t>
             </a:fld>
             <a:endParaRPr lang="en-GB"/>
           </a:p>
@@ -2173,7 +2175,7 @@
           <a:p>
             <a:fld id="{C6CF10CA-94B3-504B-A812-19B0C18E6A91}" type="datetimeFigureOut">
               <a:rPr lang="en-GB" smtClean="0"/>
-              <a:t>11/06/2024</a:t>
+              <a:t>09/07/2024</a:t>
             </a:fld>
             <a:endParaRPr lang="en-GB"/>
           </a:p>
@@ -2450,7 +2452,7 @@
           <a:p>
             <a:fld id="{C6CF10CA-94B3-504B-A812-19B0C18E6A91}" type="datetimeFigureOut">
               <a:rPr lang="en-GB" smtClean="0"/>
-              <a:t>11/06/2024</a:t>
+              <a:t>09/07/2024</a:t>
             </a:fld>
             <a:endParaRPr lang="en-GB"/>
           </a:p>
@@ -2707,7 +2709,7 @@
           <a:p>
             <a:fld id="{C6CF10CA-94B3-504B-A812-19B0C18E6A91}" type="datetimeFigureOut">
               <a:rPr lang="en-GB" smtClean="0"/>
-              <a:t>11/06/2024</a:t>
+              <a:t>09/07/2024</a:t>
             </a:fld>
             <a:endParaRPr lang="en-GB"/>
           </a:p>
@@ -2920,7 +2922,7 @@
           <a:p>
             <a:fld id="{C6CF10CA-94B3-504B-A812-19B0C18E6A91}" type="datetimeFigureOut">
               <a:rPr lang="en-GB" smtClean="0"/>
-              <a:t>11/06/2024</a:t>
+              <a:t>09/07/2024</a:t>
             </a:fld>
             <a:endParaRPr lang="en-GB"/>
           </a:p>
@@ -3514,6 +3516,2219 @@
   <p:clrMapOvr>
     <a:masterClrMapping/>
   </p:clrMapOvr>
+</p:sld>
+</file>
+
+<file path=ppt/slides/slide2.xml><?xml version="1.0" encoding="utf-8"?>
+<p:sld xmlns:a="http://schemas.openxmlformats.org/drawingml/2006/main" xmlns:r="http://schemas.openxmlformats.org/officeDocument/2006/relationships" xmlns:p="http://schemas.openxmlformats.org/presentationml/2006/main">
+  <p:cSld>
+    <p:spTree>
+      <p:nvGrpSpPr>
+        <p:cNvPr id="1" name=""/>
+        <p:cNvGrpSpPr/>
+        <p:nvPr/>
+      </p:nvGrpSpPr>
+      <p:grpSpPr>
+        <a:xfrm>
+          <a:off x="0" y="0"/>
+          <a:ext cx="0" cy="0"/>
+          <a:chOff x="0" y="0"/>
+          <a:chExt cx="0" cy="0"/>
+        </a:xfrm>
+      </p:grpSpPr>
+      <p:sp>
+        <p:nvSpPr>
+          <p:cNvPr id="2" name="Title 1">
+            <a:extLst>
+              <a:ext uri="{FF2B5EF4-FFF2-40B4-BE49-F238E27FC236}">
+                <a16:creationId xmlns:a16="http://schemas.microsoft.com/office/drawing/2014/main" id="{F0B85A1A-E9CF-27F9-F0AE-7A2B405BA29B}"/>
+              </a:ext>
+            </a:extLst>
+          </p:cNvPr>
+          <p:cNvSpPr>
+            <a:spLocks noGrp="1"/>
+          </p:cNvSpPr>
+          <p:nvPr>
+            <p:ph type="title"/>
+          </p:nvPr>
+        </p:nvSpPr>
+        <p:spPr/>
+        <p:txBody>
+          <a:bodyPr/>
+          <a:lstStyle/>
+          <a:p>
+            <a:r>
+              <a:rPr lang="en-GB" dirty="0"/>
+              <a:t>Key Idea</a:t>
+            </a:r>
+          </a:p>
+        </p:txBody>
+      </p:sp>
+      <p:sp>
+        <p:nvSpPr>
+          <p:cNvPr id="3" name="Content Placeholder 2">
+            <a:extLst>
+              <a:ext uri="{FF2B5EF4-FFF2-40B4-BE49-F238E27FC236}">
+                <a16:creationId xmlns:a16="http://schemas.microsoft.com/office/drawing/2014/main" id="{6F072F63-4C62-F8A5-19A5-F5C2F666F73E}"/>
+              </a:ext>
+            </a:extLst>
+          </p:cNvPr>
+          <p:cNvSpPr>
+            <a:spLocks noGrp="1"/>
+          </p:cNvSpPr>
+          <p:nvPr>
+            <p:ph idx="1"/>
+          </p:nvPr>
+        </p:nvSpPr>
+        <p:spPr/>
+        <p:txBody>
+          <a:bodyPr/>
+          <a:lstStyle/>
+          <a:p>
+            <a:r>
+              <a:rPr lang="en-GB" dirty="0"/>
+              <a:t>For each curve, we have a series of discrete sampled measurements (typically “noisy”/ with error).</a:t>
+            </a:r>
+          </a:p>
+          <a:p>
+            <a:r>
+              <a:rPr lang="en-GB" dirty="0"/>
+              <a:t>We want to convert these to </a:t>
+            </a:r>
+            <a:r>
+              <a:rPr lang="en-GB" b="1" u="sng" dirty="0"/>
+              <a:t>smooth functions</a:t>
+            </a:r>
+            <a:r>
+              <a:rPr lang="en-GB" b="1" dirty="0"/>
+              <a:t> </a:t>
+            </a:r>
+            <a:r>
+              <a:rPr lang="en-GB" dirty="0"/>
+              <a:t>for analysis.</a:t>
+            </a:r>
+          </a:p>
+          <a:p>
+            <a:pPr marL="0" indent="0">
+              <a:buNone/>
+            </a:pPr>
+            <a:endParaRPr lang="en-GB" dirty="0"/>
+          </a:p>
+        </p:txBody>
+      </p:sp>
+      <p:sp>
+        <p:nvSpPr>
+          <p:cNvPr id="9" name="Left Bracket 8">
+            <a:extLst>
+              <a:ext uri="{FF2B5EF4-FFF2-40B4-BE49-F238E27FC236}">
+                <a16:creationId xmlns:a16="http://schemas.microsoft.com/office/drawing/2014/main" id="{97CAF77A-8103-B887-ECF1-8C641169CE8A}"/>
+              </a:ext>
+            </a:extLst>
+          </p:cNvPr>
+          <p:cNvSpPr/>
+          <p:nvPr/>
+        </p:nvSpPr>
+        <p:spPr>
+          <a:xfrm>
+            <a:off x="7374132" y="3428999"/>
+            <a:ext cx="522514" cy="3209460"/>
+          </a:xfrm>
+          <a:prstGeom prst="leftBracket">
+            <a:avLst/>
+          </a:prstGeom>
+          <a:ln w="19050"/>
+        </p:spPr>
+        <p:style>
+          <a:lnRef idx="1">
+            <a:schemeClr val="dk1"/>
+          </a:lnRef>
+          <a:fillRef idx="0">
+            <a:schemeClr val="dk1"/>
+          </a:fillRef>
+          <a:effectRef idx="0">
+            <a:schemeClr val="dk1"/>
+          </a:effectRef>
+          <a:fontRef idx="minor">
+            <a:schemeClr val="tx1"/>
+          </a:fontRef>
+        </p:style>
+        <p:txBody>
+          <a:bodyPr rtlCol="0" anchor="ctr"/>
+          <a:lstStyle/>
+          <a:p>
+            <a:pPr algn="ctr"/>
+            <a:endParaRPr lang="en-GB"/>
+          </a:p>
+        </p:txBody>
+      </p:sp>
+      <p:sp>
+        <p:nvSpPr>
+          <p:cNvPr id="10" name="Left Bracket 9">
+            <a:extLst>
+              <a:ext uri="{FF2B5EF4-FFF2-40B4-BE49-F238E27FC236}">
+                <a16:creationId xmlns:a16="http://schemas.microsoft.com/office/drawing/2014/main" id="{20220285-66D4-D235-A468-40414797E606}"/>
+              </a:ext>
+            </a:extLst>
+          </p:cNvPr>
+          <p:cNvSpPr/>
+          <p:nvPr/>
+        </p:nvSpPr>
+        <p:spPr>
+          <a:xfrm flipH="1">
+            <a:off x="8571557" y="3429000"/>
+            <a:ext cx="522513" cy="3209460"/>
+          </a:xfrm>
+          <a:prstGeom prst="leftBracket">
+            <a:avLst/>
+          </a:prstGeom>
+          <a:ln w="19050"/>
+        </p:spPr>
+        <p:style>
+          <a:lnRef idx="1">
+            <a:schemeClr val="dk1"/>
+          </a:lnRef>
+          <a:fillRef idx="0">
+            <a:schemeClr val="dk1"/>
+          </a:fillRef>
+          <a:effectRef idx="0">
+            <a:schemeClr val="dk1"/>
+          </a:effectRef>
+          <a:fontRef idx="minor">
+            <a:schemeClr val="tx1"/>
+          </a:fontRef>
+        </p:style>
+        <p:txBody>
+          <a:bodyPr rtlCol="0" anchor="ctr"/>
+          <a:lstStyle/>
+          <a:p>
+            <a:pPr algn="ctr"/>
+            <a:endParaRPr lang="en-GB"/>
+          </a:p>
+        </p:txBody>
+      </p:sp>
+      <p:pic>
+        <p:nvPicPr>
+          <p:cNvPr id="11" name="Picture 10">
+            <a:extLst>
+              <a:ext uri="{FF2B5EF4-FFF2-40B4-BE49-F238E27FC236}">
+                <a16:creationId xmlns:a16="http://schemas.microsoft.com/office/drawing/2014/main" id="{15C9EF66-D013-70E1-28DA-5E1FA7BD1AC4}"/>
+              </a:ext>
+            </a:extLst>
+          </p:cNvPr>
+          <p:cNvPicPr>
+            <a:picLocks noChangeAspect="1"/>
+          </p:cNvPicPr>
+          <p:nvPr/>
+        </p:nvPicPr>
+        <p:blipFill rotWithShape="1">
+          <a:blip r:embed="rId2"/>
+          <a:srcRect l="28200" t="24533" r="14815" b="33750"/>
+          <a:stretch/>
+        </p:blipFill>
+        <p:spPr>
+          <a:xfrm>
+            <a:off x="7751692" y="3662168"/>
+            <a:ext cx="1032739" cy="756032"/>
+          </a:xfrm>
+          <a:prstGeom prst="rect">
+            <a:avLst/>
+          </a:prstGeom>
+        </p:spPr>
+      </p:pic>
+      <p:sp>
+        <p:nvSpPr>
+          <p:cNvPr id="12" name="TextBox 11">
+            <a:extLst>
+              <a:ext uri="{FF2B5EF4-FFF2-40B4-BE49-F238E27FC236}">
+                <a16:creationId xmlns:a16="http://schemas.microsoft.com/office/drawing/2014/main" id="{8AD71521-1E40-8572-1223-06522F1C3DA3}"/>
+              </a:ext>
+            </a:extLst>
+          </p:cNvPr>
+          <p:cNvSpPr txBox="1"/>
+          <p:nvPr/>
+        </p:nvSpPr>
+        <p:spPr>
+          <a:xfrm>
+            <a:off x="8137670" y="4207467"/>
+            <a:ext cx="298751" cy="1477328"/>
+          </a:xfrm>
+          <a:prstGeom prst="rect">
+            <a:avLst/>
+          </a:prstGeom>
+          <a:noFill/>
+        </p:spPr>
+        <p:txBody>
+          <a:bodyPr wrap="square" rtlCol="0">
+            <a:spAutoFit/>
+          </a:bodyPr>
+          <a:lstStyle/>
+          <a:p>
+            <a:r>
+              <a:rPr lang="en-GB" sz="3000" dirty="0">
+                <a:latin typeface="CMU Serif" panose="02000603000000000000" pitchFamily="2" charset="0"/>
+                <a:ea typeface="CMU Serif" panose="02000603000000000000" pitchFamily="2" charset="0"/>
+                <a:cs typeface="CMU Serif" panose="02000603000000000000" pitchFamily="2" charset="0"/>
+              </a:rPr>
+              <a:t>.</a:t>
+            </a:r>
+          </a:p>
+          <a:p>
+            <a:r>
+              <a:rPr lang="en-GB" sz="3000" dirty="0">
+                <a:latin typeface="CMU Serif" panose="02000603000000000000" pitchFamily="2" charset="0"/>
+                <a:ea typeface="CMU Serif" panose="02000603000000000000" pitchFamily="2" charset="0"/>
+                <a:cs typeface="CMU Serif" panose="02000603000000000000" pitchFamily="2" charset="0"/>
+              </a:rPr>
+              <a:t>.</a:t>
+            </a:r>
+          </a:p>
+          <a:p>
+            <a:r>
+              <a:rPr lang="en-GB" sz="3000" dirty="0">
+                <a:latin typeface="CMU Serif" panose="02000603000000000000" pitchFamily="2" charset="0"/>
+                <a:ea typeface="CMU Serif" panose="02000603000000000000" pitchFamily="2" charset="0"/>
+                <a:cs typeface="CMU Serif" panose="02000603000000000000" pitchFamily="2" charset="0"/>
+              </a:rPr>
+              <a:t>.</a:t>
+            </a:r>
+          </a:p>
+        </p:txBody>
+      </p:sp>
+      <p:pic>
+        <p:nvPicPr>
+          <p:cNvPr id="13" name="Picture 12">
+            <a:extLst>
+              <a:ext uri="{FF2B5EF4-FFF2-40B4-BE49-F238E27FC236}">
+                <a16:creationId xmlns:a16="http://schemas.microsoft.com/office/drawing/2014/main" id="{CCEF31DB-FFFA-33D7-AB93-430751CF6539}"/>
+              </a:ext>
+            </a:extLst>
+          </p:cNvPr>
+          <p:cNvPicPr>
+            <a:picLocks noChangeAspect="1"/>
+          </p:cNvPicPr>
+          <p:nvPr/>
+        </p:nvPicPr>
+        <p:blipFill rotWithShape="1">
+          <a:blip r:embed="rId3"/>
+          <a:srcRect l="25822" t="19750" r="12171" b="30481"/>
+          <a:stretch/>
+        </p:blipFill>
+        <p:spPr>
+          <a:xfrm>
+            <a:off x="7682056" y="5482344"/>
+            <a:ext cx="1172010" cy="940703"/>
+          </a:xfrm>
+          <a:prstGeom prst="rect">
+            <a:avLst/>
+          </a:prstGeom>
+        </p:spPr>
+      </p:pic>
+      <p:graphicFrame>
+        <p:nvGraphicFramePr>
+          <p:cNvPr id="14" name="Table 10">
+            <a:extLst>
+              <a:ext uri="{FF2B5EF4-FFF2-40B4-BE49-F238E27FC236}">
+                <a16:creationId xmlns:a16="http://schemas.microsoft.com/office/drawing/2014/main" id="{DFAE76DD-BB45-9D3B-3F22-5407BB4B96C5}"/>
+              </a:ext>
+            </a:extLst>
+          </p:cNvPr>
+          <p:cNvGraphicFramePr>
+            <a:graphicFrameLocks noGrp="1"/>
+          </p:cNvGraphicFramePr>
+          <p:nvPr>
+            <p:extLst>
+              <p:ext uri="{D42A27DB-BD31-4B8C-83A1-F6EECF244321}">
+                <p14:modId xmlns:p14="http://schemas.microsoft.com/office/powerpoint/2010/main" val="1580555902"/>
+              </p:ext>
+            </p:extLst>
+          </p:nvPr>
+        </p:nvGraphicFramePr>
+        <p:xfrm>
+          <a:off x="1676403" y="3581405"/>
+          <a:ext cx="2904732" cy="3209467"/>
+        </p:xfrm>
+        <a:graphic>
+          <a:graphicData uri="http://schemas.openxmlformats.org/drawingml/2006/table">
+            <a:tbl>
+              <a:tblPr firstRow="1" bandRow="1">
+                <a:tableStyleId>{073A0DAA-6AF3-43AB-8588-CEC1D06C72B9}</a:tableStyleId>
+              </a:tblPr>
+              <a:tblGrid>
+                <a:gridCol w="726183">
+                  <a:extLst>
+                    <a:ext uri="{9D8B030D-6E8A-4147-A177-3AD203B41FA5}">
+                      <a16:colId xmlns:a16="http://schemas.microsoft.com/office/drawing/2014/main" val="3400477117"/>
+                    </a:ext>
+                  </a:extLst>
+                </a:gridCol>
+                <a:gridCol w="726183">
+                  <a:extLst>
+                    <a:ext uri="{9D8B030D-6E8A-4147-A177-3AD203B41FA5}">
+                      <a16:colId xmlns:a16="http://schemas.microsoft.com/office/drawing/2014/main" val="1352265184"/>
+                    </a:ext>
+                  </a:extLst>
+                </a:gridCol>
+                <a:gridCol w="726183">
+                  <a:extLst>
+                    <a:ext uri="{9D8B030D-6E8A-4147-A177-3AD203B41FA5}">
+                      <a16:colId xmlns:a16="http://schemas.microsoft.com/office/drawing/2014/main" val="2551266850"/>
+                    </a:ext>
+                  </a:extLst>
+                </a:gridCol>
+                <a:gridCol w="726183">
+                  <a:extLst>
+                    <a:ext uri="{9D8B030D-6E8A-4147-A177-3AD203B41FA5}">
+                      <a16:colId xmlns:a16="http://schemas.microsoft.com/office/drawing/2014/main" val="1864278853"/>
+                    </a:ext>
+                  </a:extLst>
+                </a:gridCol>
+              </a:tblGrid>
+              <a:tr h="797504">
+                <a:tc>
+                  <a:txBody>
+                    <a:bodyPr/>
+                    <a:lstStyle/>
+                    <a:p>
+                      <a:pPr algn="ctr"/>
+                      <a:r>
+                        <a:rPr lang="en-GB" sz="1600" b="0" i="0" dirty="0">
+                          <a:solidFill>
+                            <a:schemeClr val="tx1"/>
+                          </a:solidFill>
+                          <a:latin typeface="Gill Sans MT" panose="020B0502020104020203" pitchFamily="34" charset="77"/>
+                          <a:ea typeface="CMU Serif" panose="02000603000000000000" pitchFamily="2" charset="0"/>
+                          <a:cs typeface="Courier New" panose="02070309020205020404" pitchFamily="49" charset="0"/>
+                        </a:rPr>
+                        <a:t>y(t</a:t>
+                      </a:r>
+                      <a:r>
+                        <a:rPr lang="en-GB" sz="1600" b="0" i="0" baseline="-25000" dirty="0">
+                          <a:solidFill>
+                            <a:schemeClr val="tx1"/>
+                          </a:solidFill>
+                          <a:latin typeface="Gill Sans MT" panose="020B0502020104020203" pitchFamily="34" charset="77"/>
+                          <a:ea typeface="CMU Serif" panose="02000603000000000000" pitchFamily="2" charset="0"/>
+                          <a:cs typeface="Courier New" panose="02070309020205020404" pitchFamily="49" charset="0"/>
+                        </a:rPr>
+                        <a:t>1</a:t>
+                      </a:r>
+                      <a:r>
+                        <a:rPr lang="en-GB" sz="1600" b="0" i="0" dirty="0">
+                          <a:solidFill>
+                            <a:schemeClr val="tx1"/>
+                          </a:solidFill>
+                          <a:latin typeface="Gill Sans MT" panose="020B0502020104020203" pitchFamily="34" charset="77"/>
+                          <a:ea typeface="CMU Serif" panose="02000603000000000000" pitchFamily="2" charset="0"/>
+                          <a:cs typeface="Courier New" panose="02070309020205020404" pitchFamily="49" charset="0"/>
+                        </a:rPr>
+                        <a:t>)</a:t>
+                      </a:r>
+                    </a:p>
+                  </a:txBody>
+                  <a:tcPr anchor="ctr">
+                    <a:lnL w="12700" cap="flat" cmpd="sng" algn="ctr">
+                      <a:solidFill>
+                        <a:schemeClr val="tx1"/>
+                      </a:solidFill>
+                      <a:prstDash val="solid"/>
+                      <a:round/>
+                      <a:headEnd type="none" w="med" len="med"/>
+                      <a:tailEnd type="none" w="med" len="med"/>
+                    </a:lnL>
+                    <a:lnR w="12700" cap="flat" cmpd="sng" algn="ctr">
+                      <a:noFill/>
+                      <a:prstDash val="solid"/>
+                      <a:round/>
+                      <a:headEnd type="none" w="med" len="med"/>
+                      <a:tailEnd type="none" w="med" len="med"/>
+                    </a:lnR>
+                    <a:lnT w="12700" cap="flat" cmpd="sng" algn="ctr">
+                      <a:solidFill>
+                        <a:schemeClr val="tx1"/>
+                      </a:solidFill>
+                      <a:prstDash val="solid"/>
+                      <a:round/>
+                      <a:headEnd type="none" w="med" len="med"/>
+                      <a:tailEnd type="none" w="med" len="med"/>
+                    </a:lnT>
+                    <a:lnB w="12700" cap="flat" cmpd="sng" algn="ctr">
+                      <a:solidFill>
+                        <a:schemeClr val="tx1"/>
+                      </a:solidFill>
+                      <a:prstDash val="solid"/>
+                      <a:round/>
+                      <a:headEnd type="none" w="med" len="med"/>
+                      <a:tailEnd type="none" w="med" len="med"/>
+                    </a:lnB>
+                    <a:solidFill>
+                      <a:schemeClr val="bg2"/>
+                    </a:solidFill>
+                  </a:tcPr>
+                </a:tc>
+                <a:tc>
+                  <a:txBody>
+                    <a:bodyPr/>
+                    <a:lstStyle/>
+                    <a:p>
+                      <a:pPr algn="ctr"/>
+                      <a:r>
+                        <a:rPr lang="en-GB" sz="1600" b="0" i="0" dirty="0">
+                          <a:solidFill>
+                            <a:schemeClr val="tx1"/>
+                          </a:solidFill>
+                          <a:latin typeface="Gill Sans MT" panose="020B0502020104020203" pitchFamily="34" charset="77"/>
+                          <a:ea typeface="CMU Serif" panose="02000603000000000000" pitchFamily="2" charset="0"/>
+                          <a:cs typeface="Courier New" panose="02070309020205020404" pitchFamily="49" charset="0"/>
+                        </a:rPr>
+                        <a:t>y(t</a:t>
+                      </a:r>
+                      <a:r>
+                        <a:rPr lang="en-GB" sz="1600" b="0" i="0" baseline="-25000" dirty="0">
+                          <a:solidFill>
+                            <a:schemeClr val="tx1"/>
+                          </a:solidFill>
+                          <a:latin typeface="Gill Sans MT" panose="020B0502020104020203" pitchFamily="34" charset="77"/>
+                          <a:ea typeface="CMU Serif" panose="02000603000000000000" pitchFamily="2" charset="0"/>
+                          <a:cs typeface="Courier New" panose="02070309020205020404" pitchFamily="49" charset="0"/>
+                        </a:rPr>
+                        <a:t>2</a:t>
+                      </a:r>
+                      <a:r>
+                        <a:rPr lang="en-GB" sz="1600" b="0" i="0" dirty="0">
+                          <a:solidFill>
+                            <a:schemeClr val="tx1"/>
+                          </a:solidFill>
+                          <a:latin typeface="Gill Sans MT" panose="020B0502020104020203" pitchFamily="34" charset="77"/>
+                          <a:ea typeface="CMU Serif" panose="02000603000000000000" pitchFamily="2" charset="0"/>
+                          <a:cs typeface="Courier New" panose="02070309020205020404" pitchFamily="49" charset="0"/>
+                        </a:rPr>
+                        <a:t>)</a:t>
+                      </a:r>
+                    </a:p>
+                  </a:txBody>
+                  <a:tcPr anchor="ctr">
+                    <a:lnL w="12700" cap="flat" cmpd="sng" algn="ctr">
+                      <a:noFill/>
+                      <a:prstDash val="solid"/>
+                      <a:round/>
+                      <a:headEnd type="none" w="med" len="med"/>
+                      <a:tailEnd type="none" w="med" len="med"/>
+                    </a:lnL>
+                    <a:lnR w="12700" cap="flat" cmpd="sng" algn="ctr">
+                      <a:noFill/>
+                      <a:prstDash val="solid"/>
+                      <a:round/>
+                      <a:headEnd type="none" w="med" len="med"/>
+                      <a:tailEnd type="none" w="med" len="med"/>
+                    </a:lnR>
+                    <a:lnT w="12700" cap="flat" cmpd="sng" algn="ctr">
+                      <a:solidFill>
+                        <a:schemeClr val="tx1"/>
+                      </a:solidFill>
+                      <a:prstDash val="solid"/>
+                      <a:round/>
+                      <a:headEnd type="none" w="med" len="med"/>
+                      <a:tailEnd type="none" w="med" len="med"/>
+                    </a:lnT>
+                    <a:lnB w="12700" cap="flat" cmpd="sng" algn="ctr">
+                      <a:solidFill>
+                        <a:schemeClr val="tx1"/>
+                      </a:solidFill>
+                      <a:prstDash val="solid"/>
+                      <a:round/>
+                      <a:headEnd type="none" w="med" len="med"/>
+                      <a:tailEnd type="none" w="med" len="med"/>
+                    </a:lnB>
+                    <a:solidFill>
+                      <a:schemeClr val="bg2"/>
+                    </a:solidFill>
+                  </a:tcPr>
+                </a:tc>
+                <a:tc>
+                  <a:txBody>
+                    <a:bodyPr/>
+                    <a:lstStyle/>
+                    <a:p>
+                      <a:pPr algn="ctr"/>
+                      <a:r>
+                        <a:rPr lang="en-GB" sz="1600" b="0" i="0" dirty="0">
+                          <a:solidFill>
+                            <a:schemeClr val="tx1"/>
+                          </a:solidFill>
+                          <a:latin typeface="Gill Sans MT" panose="020B0502020104020203" pitchFamily="34" charset="77"/>
+                          <a:cs typeface="Courier New" panose="02070309020205020404" pitchFamily="49" charset="0"/>
+                        </a:rPr>
+                        <a:t>…</a:t>
+                      </a:r>
+                    </a:p>
+                  </a:txBody>
+                  <a:tcPr anchor="ctr">
+                    <a:lnL w="12700" cap="flat" cmpd="sng" algn="ctr">
+                      <a:noFill/>
+                      <a:prstDash val="solid"/>
+                      <a:round/>
+                      <a:headEnd type="none" w="med" len="med"/>
+                      <a:tailEnd type="none" w="med" len="med"/>
+                    </a:lnL>
+                    <a:lnR w="12700" cap="flat" cmpd="sng" algn="ctr">
+                      <a:noFill/>
+                      <a:prstDash val="solid"/>
+                      <a:round/>
+                      <a:headEnd type="none" w="med" len="med"/>
+                      <a:tailEnd type="none" w="med" len="med"/>
+                    </a:lnR>
+                    <a:lnT w="12700" cap="flat" cmpd="sng" algn="ctr">
+                      <a:solidFill>
+                        <a:schemeClr val="tx1"/>
+                      </a:solidFill>
+                      <a:prstDash val="solid"/>
+                      <a:round/>
+                      <a:headEnd type="none" w="med" len="med"/>
+                      <a:tailEnd type="none" w="med" len="med"/>
+                    </a:lnT>
+                    <a:lnB w="12700" cap="flat" cmpd="sng" algn="ctr">
+                      <a:solidFill>
+                        <a:schemeClr val="tx1"/>
+                      </a:solidFill>
+                      <a:prstDash val="solid"/>
+                      <a:round/>
+                      <a:headEnd type="none" w="med" len="med"/>
+                      <a:tailEnd type="none" w="med" len="med"/>
+                    </a:lnB>
+                    <a:solidFill>
+                      <a:schemeClr val="bg2"/>
+                    </a:solidFill>
+                  </a:tcPr>
+                </a:tc>
+                <a:tc>
+                  <a:txBody>
+                    <a:bodyPr/>
+                    <a:lstStyle/>
+                    <a:p>
+                      <a:pPr marL="0" marR="0" lvl="0" indent="0" algn="ctr" defTabSz="914400" rtl="0" eaLnBrk="1" fontAlgn="auto" latinLnBrk="0" hangingPunct="1">
+                        <a:lnSpc>
+                          <a:spcPct val="100000"/>
+                        </a:lnSpc>
+                        <a:spcBef>
+                          <a:spcPts val="0"/>
+                        </a:spcBef>
+                        <a:spcAft>
+                          <a:spcPts val="0"/>
+                        </a:spcAft>
+                        <a:buClrTx/>
+                        <a:buSzTx/>
+                        <a:buFontTx/>
+                        <a:buNone/>
+                        <a:tabLst/>
+                        <a:defRPr/>
+                      </a:pPr>
+                      <a:r>
+                        <a:rPr lang="en-GB" sz="1600" b="0" i="0" dirty="0">
+                          <a:solidFill>
+                            <a:schemeClr val="tx1"/>
+                          </a:solidFill>
+                          <a:latin typeface="Gill Sans MT" panose="020B0502020104020203" pitchFamily="34" charset="77"/>
+                          <a:ea typeface="CMU Serif" panose="02000603000000000000" pitchFamily="2" charset="0"/>
+                          <a:cs typeface="Courier New" panose="02070309020205020404" pitchFamily="49" charset="0"/>
+                        </a:rPr>
+                        <a:t>y(</a:t>
+                      </a:r>
+                      <a:r>
+                        <a:rPr lang="en-GB" sz="1600" b="0" i="0" dirty="0" err="1">
+                          <a:solidFill>
+                            <a:schemeClr val="tx1"/>
+                          </a:solidFill>
+                          <a:latin typeface="Gill Sans MT" panose="020B0502020104020203" pitchFamily="34" charset="77"/>
+                          <a:ea typeface="CMU Serif" panose="02000603000000000000" pitchFamily="2" charset="0"/>
+                          <a:cs typeface="Courier New" panose="02070309020205020404" pitchFamily="49" charset="0"/>
+                        </a:rPr>
+                        <a:t>t</a:t>
+                      </a:r>
+                      <a:r>
+                        <a:rPr lang="en-GB" sz="1600" b="0" i="0" baseline="-25000" dirty="0" err="1">
+                          <a:solidFill>
+                            <a:schemeClr val="tx1"/>
+                          </a:solidFill>
+                          <a:latin typeface="Gill Sans MT" panose="020B0502020104020203" pitchFamily="34" charset="77"/>
+                          <a:ea typeface="CMU Serif" panose="02000603000000000000" pitchFamily="2" charset="0"/>
+                          <a:cs typeface="Courier New" panose="02070309020205020404" pitchFamily="49" charset="0"/>
+                        </a:rPr>
+                        <a:t>T</a:t>
+                      </a:r>
+                      <a:r>
+                        <a:rPr lang="en-GB" sz="1600" b="0" i="0" dirty="0">
+                          <a:solidFill>
+                            <a:schemeClr val="tx1"/>
+                          </a:solidFill>
+                          <a:latin typeface="Gill Sans MT" panose="020B0502020104020203" pitchFamily="34" charset="77"/>
+                          <a:ea typeface="CMU Serif" panose="02000603000000000000" pitchFamily="2" charset="0"/>
+                          <a:cs typeface="Courier New" panose="02070309020205020404" pitchFamily="49" charset="0"/>
+                        </a:rPr>
+                        <a:t>)</a:t>
+                      </a:r>
+                    </a:p>
+                  </a:txBody>
+                  <a:tcPr anchor="ctr">
+                    <a:lnL w="12700" cap="flat" cmpd="sng" algn="ctr">
+                      <a:noFill/>
+                      <a:prstDash val="solid"/>
+                      <a:round/>
+                      <a:headEnd type="none" w="med" len="med"/>
+                      <a:tailEnd type="none" w="med" len="med"/>
+                    </a:lnL>
+                    <a:lnR w="12700" cap="flat" cmpd="sng" algn="ctr">
+                      <a:solidFill>
+                        <a:schemeClr val="tx1"/>
+                      </a:solidFill>
+                      <a:prstDash val="solid"/>
+                      <a:round/>
+                      <a:headEnd type="none" w="med" len="med"/>
+                      <a:tailEnd type="none" w="med" len="med"/>
+                    </a:lnR>
+                    <a:lnT w="12700" cap="flat" cmpd="sng" algn="ctr">
+                      <a:solidFill>
+                        <a:schemeClr val="tx1"/>
+                      </a:solidFill>
+                      <a:prstDash val="solid"/>
+                      <a:round/>
+                      <a:headEnd type="none" w="med" len="med"/>
+                      <a:tailEnd type="none" w="med" len="med"/>
+                    </a:lnT>
+                    <a:lnB w="12700" cap="flat" cmpd="sng" algn="ctr">
+                      <a:solidFill>
+                        <a:schemeClr val="tx1"/>
+                      </a:solidFill>
+                      <a:prstDash val="solid"/>
+                      <a:round/>
+                      <a:headEnd type="none" w="med" len="med"/>
+                      <a:tailEnd type="none" w="med" len="med"/>
+                    </a:lnB>
+                    <a:solidFill>
+                      <a:schemeClr val="bg2"/>
+                    </a:solidFill>
+                  </a:tcPr>
+                </a:tc>
+                <a:extLst>
+                  <a:ext uri="{0D108BD9-81ED-4DB2-BD59-A6C34878D82A}">
+                    <a16:rowId xmlns:a16="http://schemas.microsoft.com/office/drawing/2014/main" val="3639422233"/>
+                  </a:ext>
+                </a:extLst>
+              </a:tr>
+              <a:tr h="797504">
+                <a:tc>
+                  <a:txBody>
+                    <a:bodyPr/>
+                    <a:lstStyle/>
+                    <a:p>
+                      <a:pPr algn="ctr"/>
+                      <a:r>
+                        <a:rPr lang="en-GB" sz="1500" dirty="0">
+                          <a:solidFill>
+                            <a:schemeClr val="tx1"/>
+                          </a:solidFill>
+                          <a:latin typeface="Gill Sans MT" panose="020B0502020104020203" pitchFamily="34" charset="77"/>
+                          <a:cs typeface="Courier New" panose="02070309020205020404" pitchFamily="49" charset="0"/>
+                        </a:rPr>
+                        <a:t>-4.33</a:t>
+                      </a:r>
+                    </a:p>
+                  </a:txBody>
+                  <a:tcPr anchor="ctr">
+                    <a:lnL w="12700" cap="flat" cmpd="sng" algn="ctr">
+                      <a:solidFill>
+                        <a:schemeClr val="tx1"/>
+                      </a:solidFill>
+                      <a:prstDash val="solid"/>
+                      <a:round/>
+                      <a:headEnd type="none" w="med" len="med"/>
+                      <a:tailEnd type="none" w="med" len="med"/>
+                    </a:lnL>
+                    <a:lnR w="12700" cap="flat" cmpd="sng" algn="ctr">
+                      <a:noFill/>
+                      <a:prstDash val="solid"/>
+                      <a:round/>
+                      <a:headEnd type="none" w="med" len="med"/>
+                      <a:tailEnd type="none" w="med" len="med"/>
+                    </a:lnR>
+                    <a:lnT w="12700" cap="flat" cmpd="sng" algn="ctr">
+                      <a:solidFill>
+                        <a:schemeClr val="tx1"/>
+                      </a:solidFill>
+                      <a:prstDash val="solid"/>
+                      <a:round/>
+                      <a:headEnd type="none" w="med" len="med"/>
+                      <a:tailEnd type="none" w="med" len="med"/>
+                    </a:lnT>
+                    <a:lnB w="12700" cap="flat" cmpd="sng" algn="ctr">
+                      <a:solidFill>
+                        <a:schemeClr val="bg2">
+                          <a:lumMod val="90000"/>
+                        </a:schemeClr>
+                      </a:solidFill>
+                      <a:prstDash val="solid"/>
+                      <a:round/>
+                      <a:headEnd type="none" w="med" len="med"/>
+                      <a:tailEnd type="none" w="med" len="med"/>
+                    </a:lnB>
+                    <a:noFill/>
+                  </a:tcPr>
+                </a:tc>
+                <a:tc>
+                  <a:txBody>
+                    <a:bodyPr/>
+                    <a:lstStyle/>
+                    <a:p>
+                      <a:pPr algn="ctr"/>
+                      <a:r>
+                        <a:rPr lang="en-GB" sz="1500" dirty="0">
+                          <a:solidFill>
+                            <a:schemeClr val="tx1"/>
+                          </a:solidFill>
+                          <a:latin typeface="Gill Sans MT" panose="020B0502020104020203" pitchFamily="34" charset="77"/>
+                          <a:cs typeface="Courier New" panose="02070309020205020404" pitchFamily="49" charset="0"/>
+                        </a:rPr>
+                        <a:t>-5.26</a:t>
+                      </a:r>
+                    </a:p>
+                  </a:txBody>
+                  <a:tcPr anchor="ctr">
+                    <a:lnL w="12700" cap="flat" cmpd="sng" algn="ctr">
+                      <a:noFill/>
+                      <a:prstDash val="solid"/>
+                      <a:round/>
+                      <a:headEnd type="none" w="med" len="med"/>
+                      <a:tailEnd type="none" w="med" len="med"/>
+                    </a:lnL>
+                    <a:lnR w="12700" cap="flat" cmpd="sng" algn="ctr">
+                      <a:noFill/>
+                      <a:prstDash val="solid"/>
+                      <a:round/>
+                      <a:headEnd type="none" w="med" len="med"/>
+                      <a:tailEnd type="none" w="med" len="med"/>
+                    </a:lnR>
+                    <a:lnT w="12700" cap="flat" cmpd="sng" algn="ctr">
+                      <a:solidFill>
+                        <a:schemeClr val="tx1"/>
+                      </a:solidFill>
+                      <a:prstDash val="solid"/>
+                      <a:round/>
+                      <a:headEnd type="none" w="med" len="med"/>
+                      <a:tailEnd type="none" w="med" len="med"/>
+                    </a:lnT>
+                    <a:lnB w="12700" cap="flat" cmpd="sng" algn="ctr">
+                      <a:solidFill>
+                        <a:schemeClr val="bg2">
+                          <a:lumMod val="90000"/>
+                        </a:schemeClr>
+                      </a:solidFill>
+                      <a:prstDash val="solid"/>
+                      <a:round/>
+                      <a:headEnd type="none" w="med" len="med"/>
+                      <a:tailEnd type="none" w="med" len="med"/>
+                    </a:lnB>
+                    <a:noFill/>
+                  </a:tcPr>
+                </a:tc>
+                <a:tc>
+                  <a:txBody>
+                    <a:bodyPr/>
+                    <a:lstStyle/>
+                    <a:p>
+                      <a:pPr algn="ctr"/>
+                      <a:r>
+                        <a:rPr lang="en-GB" sz="1500" dirty="0">
+                          <a:solidFill>
+                            <a:schemeClr val="tx1"/>
+                          </a:solidFill>
+                          <a:latin typeface="Gill Sans MT" panose="020B0502020104020203" pitchFamily="34" charset="77"/>
+                          <a:cs typeface="Courier New" panose="02070309020205020404" pitchFamily="49" charset="0"/>
+                        </a:rPr>
+                        <a:t>…</a:t>
+                      </a:r>
+                    </a:p>
+                  </a:txBody>
+                  <a:tcPr anchor="ctr">
+                    <a:lnL w="12700" cap="flat" cmpd="sng" algn="ctr">
+                      <a:noFill/>
+                      <a:prstDash val="solid"/>
+                      <a:round/>
+                      <a:headEnd type="none" w="med" len="med"/>
+                      <a:tailEnd type="none" w="med" len="med"/>
+                    </a:lnL>
+                    <a:lnR w="12700" cap="flat" cmpd="sng" algn="ctr">
+                      <a:noFill/>
+                      <a:prstDash val="solid"/>
+                      <a:round/>
+                      <a:headEnd type="none" w="med" len="med"/>
+                      <a:tailEnd type="none" w="med" len="med"/>
+                    </a:lnR>
+                    <a:lnT w="12700" cap="flat" cmpd="sng" algn="ctr">
+                      <a:solidFill>
+                        <a:schemeClr val="tx1"/>
+                      </a:solidFill>
+                      <a:prstDash val="solid"/>
+                      <a:round/>
+                      <a:headEnd type="none" w="med" len="med"/>
+                      <a:tailEnd type="none" w="med" len="med"/>
+                    </a:lnT>
+                    <a:lnB w="12700" cap="flat" cmpd="sng" algn="ctr">
+                      <a:solidFill>
+                        <a:schemeClr val="bg2">
+                          <a:lumMod val="90000"/>
+                        </a:schemeClr>
+                      </a:solidFill>
+                      <a:prstDash val="solid"/>
+                      <a:round/>
+                      <a:headEnd type="none" w="med" len="med"/>
+                      <a:tailEnd type="none" w="med" len="med"/>
+                    </a:lnB>
+                    <a:noFill/>
+                  </a:tcPr>
+                </a:tc>
+                <a:tc>
+                  <a:txBody>
+                    <a:bodyPr/>
+                    <a:lstStyle/>
+                    <a:p>
+                      <a:pPr algn="ctr"/>
+                      <a:r>
+                        <a:rPr lang="en-GB" sz="1500" dirty="0">
+                          <a:solidFill>
+                            <a:schemeClr val="tx1"/>
+                          </a:solidFill>
+                          <a:latin typeface="Gill Sans MT" panose="020B0502020104020203" pitchFamily="34" charset="77"/>
+                          <a:cs typeface="Courier New" panose="02070309020205020404" pitchFamily="49" charset="0"/>
+                        </a:rPr>
+                        <a:t>-4.11</a:t>
+                      </a:r>
+                    </a:p>
+                  </a:txBody>
+                  <a:tcPr anchor="ctr">
+                    <a:lnL w="12700" cap="flat" cmpd="sng" algn="ctr">
+                      <a:noFill/>
+                      <a:prstDash val="solid"/>
+                      <a:round/>
+                      <a:headEnd type="none" w="med" len="med"/>
+                      <a:tailEnd type="none" w="med" len="med"/>
+                    </a:lnL>
+                    <a:lnR w="12700" cap="flat" cmpd="sng" algn="ctr">
+                      <a:solidFill>
+                        <a:schemeClr val="tx1"/>
+                      </a:solidFill>
+                      <a:prstDash val="solid"/>
+                      <a:round/>
+                      <a:headEnd type="none" w="med" len="med"/>
+                      <a:tailEnd type="none" w="med" len="med"/>
+                    </a:lnR>
+                    <a:lnT w="12700" cap="flat" cmpd="sng" algn="ctr">
+                      <a:solidFill>
+                        <a:schemeClr val="tx1"/>
+                      </a:solidFill>
+                      <a:prstDash val="solid"/>
+                      <a:round/>
+                      <a:headEnd type="none" w="med" len="med"/>
+                      <a:tailEnd type="none" w="med" len="med"/>
+                    </a:lnT>
+                    <a:lnB w="12700" cap="flat" cmpd="sng" algn="ctr">
+                      <a:solidFill>
+                        <a:schemeClr val="bg2">
+                          <a:lumMod val="90000"/>
+                        </a:schemeClr>
+                      </a:solidFill>
+                      <a:prstDash val="solid"/>
+                      <a:round/>
+                      <a:headEnd type="none" w="med" len="med"/>
+                      <a:tailEnd type="none" w="med" len="med"/>
+                    </a:lnB>
+                    <a:noFill/>
+                  </a:tcPr>
+                </a:tc>
+                <a:extLst>
+                  <a:ext uri="{0D108BD9-81ED-4DB2-BD59-A6C34878D82A}">
+                    <a16:rowId xmlns:a16="http://schemas.microsoft.com/office/drawing/2014/main" val="1335589307"/>
+                  </a:ext>
+                </a:extLst>
+              </a:tr>
+              <a:tr h="816955">
+                <a:tc>
+                  <a:txBody>
+                    <a:bodyPr/>
+                    <a:lstStyle/>
+                    <a:p>
+                      <a:pPr algn="ctr"/>
+                      <a:r>
+                        <a:rPr lang="en-GB" sz="1500" dirty="0">
+                          <a:solidFill>
+                            <a:schemeClr val="tx1"/>
+                          </a:solidFill>
+                          <a:latin typeface="Gill Sans MT" panose="020B0502020104020203" pitchFamily="34" charset="77"/>
+                          <a:cs typeface="Courier New" panose="02070309020205020404" pitchFamily="49" charset="0"/>
+                        </a:rPr>
+                        <a:t>.</a:t>
+                      </a:r>
+                    </a:p>
+                    <a:p>
+                      <a:pPr algn="ctr"/>
+                      <a:r>
+                        <a:rPr lang="en-GB" sz="1500" dirty="0">
+                          <a:solidFill>
+                            <a:schemeClr val="tx1"/>
+                          </a:solidFill>
+                          <a:latin typeface="Gill Sans MT" panose="020B0502020104020203" pitchFamily="34" charset="77"/>
+                          <a:cs typeface="Courier New" panose="02070309020205020404" pitchFamily="49" charset="0"/>
+                        </a:rPr>
+                        <a:t>.</a:t>
+                      </a:r>
+                    </a:p>
+                    <a:p>
+                      <a:pPr algn="ctr"/>
+                      <a:r>
+                        <a:rPr lang="en-GB" sz="1500" dirty="0">
+                          <a:solidFill>
+                            <a:schemeClr val="tx1"/>
+                          </a:solidFill>
+                          <a:latin typeface="Gill Sans MT" panose="020B0502020104020203" pitchFamily="34" charset="77"/>
+                          <a:cs typeface="Courier New" panose="02070309020205020404" pitchFamily="49" charset="0"/>
+                        </a:rPr>
+                        <a:t>.</a:t>
+                      </a:r>
+                    </a:p>
+                  </a:txBody>
+                  <a:tcPr anchor="ctr">
+                    <a:lnL w="12700" cap="flat" cmpd="sng" algn="ctr">
+                      <a:solidFill>
+                        <a:schemeClr val="tx1"/>
+                      </a:solidFill>
+                      <a:prstDash val="solid"/>
+                      <a:round/>
+                      <a:headEnd type="none" w="med" len="med"/>
+                      <a:tailEnd type="none" w="med" len="med"/>
+                    </a:lnL>
+                    <a:lnR w="12700" cap="flat" cmpd="sng" algn="ctr">
+                      <a:noFill/>
+                      <a:prstDash val="solid"/>
+                      <a:round/>
+                      <a:headEnd type="none" w="med" len="med"/>
+                      <a:tailEnd type="none" w="med" len="med"/>
+                    </a:lnR>
+                    <a:lnT w="12700" cap="flat" cmpd="sng" algn="ctr">
+                      <a:solidFill>
+                        <a:schemeClr val="bg2">
+                          <a:lumMod val="90000"/>
+                        </a:schemeClr>
+                      </a:solidFill>
+                      <a:prstDash val="solid"/>
+                      <a:round/>
+                      <a:headEnd type="none" w="med" len="med"/>
+                      <a:tailEnd type="none" w="med" len="med"/>
+                    </a:lnT>
+                    <a:lnB w="12700" cap="flat" cmpd="sng" algn="ctr">
+                      <a:solidFill>
+                        <a:schemeClr val="bg2">
+                          <a:lumMod val="90000"/>
+                        </a:schemeClr>
+                      </a:solidFill>
+                      <a:prstDash val="solid"/>
+                      <a:round/>
+                      <a:headEnd type="none" w="med" len="med"/>
+                      <a:tailEnd type="none" w="med" len="med"/>
+                    </a:lnB>
+                    <a:noFill/>
+                  </a:tcPr>
+                </a:tc>
+                <a:tc>
+                  <a:txBody>
+                    <a:bodyPr/>
+                    <a:lstStyle/>
+                    <a:p>
+                      <a:pPr algn="ctr"/>
+                      <a:r>
+                        <a:rPr lang="en-GB" sz="1500" dirty="0">
+                          <a:solidFill>
+                            <a:schemeClr val="tx1"/>
+                          </a:solidFill>
+                          <a:latin typeface="Gill Sans MT" panose="020B0502020104020203" pitchFamily="34" charset="77"/>
+                          <a:cs typeface="Courier New" panose="02070309020205020404" pitchFamily="49" charset="0"/>
+                        </a:rPr>
+                        <a:t>.</a:t>
+                      </a:r>
+                    </a:p>
+                    <a:p>
+                      <a:pPr algn="ctr"/>
+                      <a:r>
+                        <a:rPr lang="en-GB" sz="1500" dirty="0">
+                          <a:solidFill>
+                            <a:schemeClr val="tx1"/>
+                          </a:solidFill>
+                          <a:latin typeface="Gill Sans MT" panose="020B0502020104020203" pitchFamily="34" charset="77"/>
+                          <a:cs typeface="Courier New" panose="02070309020205020404" pitchFamily="49" charset="0"/>
+                        </a:rPr>
+                        <a:t>.</a:t>
+                      </a:r>
+                    </a:p>
+                    <a:p>
+                      <a:pPr algn="ctr"/>
+                      <a:r>
+                        <a:rPr lang="en-GB" sz="1500" dirty="0">
+                          <a:solidFill>
+                            <a:schemeClr val="tx1"/>
+                          </a:solidFill>
+                          <a:latin typeface="Gill Sans MT" panose="020B0502020104020203" pitchFamily="34" charset="77"/>
+                          <a:cs typeface="Courier New" panose="02070309020205020404" pitchFamily="49" charset="0"/>
+                        </a:rPr>
+                        <a:t>.</a:t>
+                      </a:r>
+                    </a:p>
+                  </a:txBody>
+                  <a:tcPr anchor="ctr">
+                    <a:lnL w="12700" cap="flat" cmpd="sng" algn="ctr">
+                      <a:noFill/>
+                      <a:prstDash val="solid"/>
+                      <a:round/>
+                      <a:headEnd type="none" w="med" len="med"/>
+                      <a:tailEnd type="none" w="med" len="med"/>
+                    </a:lnL>
+                    <a:lnR w="12700" cap="flat" cmpd="sng" algn="ctr">
+                      <a:noFill/>
+                      <a:prstDash val="solid"/>
+                      <a:round/>
+                      <a:headEnd type="none" w="med" len="med"/>
+                      <a:tailEnd type="none" w="med" len="med"/>
+                    </a:lnR>
+                    <a:lnT w="12700" cap="flat" cmpd="sng" algn="ctr">
+                      <a:solidFill>
+                        <a:schemeClr val="bg2">
+                          <a:lumMod val="90000"/>
+                        </a:schemeClr>
+                      </a:solidFill>
+                      <a:prstDash val="solid"/>
+                      <a:round/>
+                      <a:headEnd type="none" w="med" len="med"/>
+                      <a:tailEnd type="none" w="med" len="med"/>
+                    </a:lnT>
+                    <a:lnB w="12700" cap="flat" cmpd="sng" algn="ctr">
+                      <a:solidFill>
+                        <a:schemeClr val="bg2">
+                          <a:lumMod val="90000"/>
+                        </a:schemeClr>
+                      </a:solidFill>
+                      <a:prstDash val="solid"/>
+                      <a:round/>
+                      <a:headEnd type="none" w="med" len="med"/>
+                      <a:tailEnd type="none" w="med" len="med"/>
+                    </a:lnB>
+                    <a:noFill/>
+                  </a:tcPr>
+                </a:tc>
+                <a:tc>
+                  <a:txBody>
+                    <a:bodyPr/>
+                    <a:lstStyle/>
+                    <a:p>
+                      <a:pPr algn="ctr"/>
+                      <a:r>
+                        <a:rPr lang="en-GB" sz="1500" dirty="0">
+                          <a:solidFill>
+                            <a:schemeClr val="tx1"/>
+                          </a:solidFill>
+                          <a:latin typeface="Gill Sans MT" panose="020B0502020104020203" pitchFamily="34" charset="77"/>
+                          <a:cs typeface="Courier New" panose="02070309020205020404" pitchFamily="49" charset="0"/>
+                        </a:rPr>
+                        <a:t>.</a:t>
+                      </a:r>
+                    </a:p>
+                    <a:p>
+                      <a:pPr algn="ctr"/>
+                      <a:r>
+                        <a:rPr lang="en-GB" sz="1500" dirty="0">
+                          <a:solidFill>
+                            <a:schemeClr val="tx1"/>
+                          </a:solidFill>
+                          <a:latin typeface="Gill Sans MT" panose="020B0502020104020203" pitchFamily="34" charset="77"/>
+                          <a:cs typeface="Courier New" panose="02070309020205020404" pitchFamily="49" charset="0"/>
+                        </a:rPr>
+                        <a:t>.</a:t>
+                      </a:r>
+                    </a:p>
+                    <a:p>
+                      <a:pPr algn="ctr"/>
+                      <a:r>
+                        <a:rPr lang="en-GB" sz="1500" dirty="0">
+                          <a:solidFill>
+                            <a:schemeClr val="tx1"/>
+                          </a:solidFill>
+                          <a:latin typeface="Gill Sans MT" panose="020B0502020104020203" pitchFamily="34" charset="77"/>
+                          <a:cs typeface="Courier New" panose="02070309020205020404" pitchFamily="49" charset="0"/>
+                        </a:rPr>
+                        <a:t>.</a:t>
+                      </a:r>
+                    </a:p>
+                  </a:txBody>
+                  <a:tcPr anchor="ctr">
+                    <a:lnL w="12700" cap="flat" cmpd="sng" algn="ctr">
+                      <a:noFill/>
+                      <a:prstDash val="solid"/>
+                      <a:round/>
+                      <a:headEnd type="none" w="med" len="med"/>
+                      <a:tailEnd type="none" w="med" len="med"/>
+                    </a:lnL>
+                    <a:lnR w="12700" cap="flat" cmpd="sng" algn="ctr">
+                      <a:noFill/>
+                      <a:prstDash val="solid"/>
+                      <a:round/>
+                      <a:headEnd type="none" w="med" len="med"/>
+                      <a:tailEnd type="none" w="med" len="med"/>
+                    </a:lnR>
+                    <a:lnT w="12700" cap="flat" cmpd="sng" algn="ctr">
+                      <a:solidFill>
+                        <a:schemeClr val="bg2">
+                          <a:lumMod val="90000"/>
+                        </a:schemeClr>
+                      </a:solidFill>
+                      <a:prstDash val="solid"/>
+                      <a:round/>
+                      <a:headEnd type="none" w="med" len="med"/>
+                      <a:tailEnd type="none" w="med" len="med"/>
+                    </a:lnT>
+                    <a:lnB w="12700" cap="flat" cmpd="sng" algn="ctr">
+                      <a:solidFill>
+                        <a:schemeClr val="bg2">
+                          <a:lumMod val="90000"/>
+                        </a:schemeClr>
+                      </a:solidFill>
+                      <a:prstDash val="solid"/>
+                      <a:round/>
+                      <a:headEnd type="none" w="med" len="med"/>
+                      <a:tailEnd type="none" w="med" len="med"/>
+                    </a:lnB>
+                    <a:noFill/>
+                  </a:tcPr>
+                </a:tc>
+                <a:tc>
+                  <a:txBody>
+                    <a:bodyPr/>
+                    <a:lstStyle/>
+                    <a:p>
+                      <a:pPr algn="ctr"/>
+                      <a:r>
+                        <a:rPr lang="en-GB" sz="1500" dirty="0">
+                          <a:solidFill>
+                            <a:schemeClr val="tx1"/>
+                          </a:solidFill>
+                          <a:latin typeface="Gill Sans MT" panose="020B0502020104020203" pitchFamily="34" charset="77"/>
+                          <a:cs typeface="Courier New" panose="02070309020205020404" pitchFamily="49" charset="0"/>
+                        </a:rPr>
+                        <a:t>.</a:t>
+                      </a:r>
+                    </a:p>
+                    <a:p>
+                      <a:pPr algn="ctr"/>
+                      <a:r>
+                        <a:rPr lang="en-GB" sz="1500" dirty="0">
+                          <a:solidFill>
+                            <a:schemeClr val="tx1"/>
+                          </a:solidFill>
+                          <a:latin typeface="Gill Sans MT" panose="020B0502020104020203" pitchFamily="34" charset="77"/>
+                          <a:cs typeface="Courier New" panose="02070309020205020404" pitchFamily="49" charset="0"/>
+                        </a:rPr>
+                        <a:t>.</a:t>
+                      </a:r>
+                    </a:p>
+                    <a:p>
+                      <a:pPr algn="ctr"/>
+                      <a:r>
+                        <a:rPr lang="en-GB" sz="1500" dirty="0">
+                          <a:solidFill>
+                            <a:schemeClr val="tx1"/>
+                          </a:solidFill>
+                          <a:latin typeface="Gill Sans MT" panose="020B0502020104020203" pitchFamily="34" charset="77"/>
+                          <a:cs typeface="Courier New" panose="02070309020205020404" pitchFamily="49" charset="0"/>
+                        </a:rPr>
+                        <a:t>.</a:t>
+                      </a:r>
+                    </a:p>
+                  </a:txBody>
+                  <a:tcPr anchor="ctr">
+                    <a:lnL w="12700" cap="flat" cmpd="sng" algn="ctr">
+                      <a:noFill/>
+                      <a:prstDash val="solid"/>
+                      <a:round/>
+                      <a:headEnd type="none" w="med" len="med"/>
+                      <a:tailEnd type="none" w="med" len="med"/>
+                    </a:lnL>
+                    <a:lnR w="12700" cap="flat" cmpd="sng" algn="ctr">
+                      <a:solidFill>
+                        <a:schemeClr val="tx1"/>
+                      </a:solidFill>
+                      <a:prstDash val="solid"/>
+                      <a:round/>
+                      <a:headEnd type="none" w="med" len="med"/>
+                      <a:tailEnd type="none" w="med" len="med"/>
+                    </a:lnR>
+                    <a:lnT w="12700" cap="flat" cmpd="sng" algn="ctr">
+                      <a:solidFill>
+                        <a:schemeClr val="bg2">
+                          <a:lumMod val="90000"/>
+                        </a:schemeClr>
+                      </a:solidFill>
+                      <a:prstDash val="solid"/>
+                      <a:round/>
+                      <a:headEnd type="none" w="med" len="med"/>
+                      <a:tailEnd type="none" w="med" len="med"/>
+                    </a:lnT>
+                    <a:lnB w="12700" cap="flat" cmpd="sng" algn="ctr">
+                      <a:solidFill>
+                        <a:schemeClr val="bg2">
+                          <a:lumMod val="90000"/>
+                        </a:schemeClr>
+                      </a:solidFill>
+                      <a:prstDash val="solid"/>
+                      <a:round/>
+                      <a:headEnd type="none" w="med" len="med"/>
+                      <a:tailEnd type="none" w="med" len="med"/>
+                    </a:lnB>
+                    <a:noFill/>
+                  </a:tcPr>
+                </a:tc>
+                <a:extLst>
+                  <a:ext uri="{0D108BD9-81ED-4DB2-BD59-A6C34878D82A}">
+                    <a16:rowId xmlns:a16="http://schemas.microsoft.com/office/drawing/2014/main" val="2022789146"/>
+                  </a:ext>
+                </a:extLst>
+              </a:tr>
+              <a:tr h="797504">
+                <a:tc>
+                  <a:txBody>
+                    <a:bodyPr/>
+                    <a:lstStyle/>
+                    <a:p>
+                      <a:pPr algn="ctr"/>
+                      <a:r>
+                        <a:rPr lang="en-GB" sz="1500" dirty="0">
+                          <a:solidFill>
+                            <a:schemeClr val="tx1"/>
+                          </a:solidFill>
+                          <a:latin typeface="Gill Sans MT" panose="020B0502020104020203" pitchFamily="34" charset="77"/>
+                          <a:cs typeface="Courier New" panose="02070309020205020404" pitchFamily="49" charset="0"/>
+                        </a:rPr>
+                        <a:t>-3.95</a:t>
+                      </a:r>
+                    </a:p>
+                  </a:txBody>
+                  <a:tcPr anchor="ctr">
+                    <a:lnL w="12700" cap="flat" cmpd="sng" algn="ctr">
+                      <a:solidFill>
+                        <a:schemeClr val="tx1"/>
+                      </a:solidFill>
+                      <a:prstDash val="solid"/>
+                      <a:round/>
+                      <a:headEnd type="none" w="med" len="med"/>
+                      <a:tailEnd type="none" w="med" len="med"/>
+                    </a:lnL>
+                    <a:lnR w="12700" cap="flat" cmpd="sng" algn="ctr">
+                      <a:noFill/>
+                      <a:prstDash val="solid"/>
+                      <a:round/>
+                      <a:headEnd type="none" w="med" len="med"/>
+                      <a:tailEnd type="none" w="med" len="med"/>
+                    </a:lnR>
+                    <a:lnT w="12700" cap="flat" cmpd="sng" algn="ctr">
+                      <a:solidFill>
+                        <a:schemeClr val="bg2">
+                          <a:lumMod val="90000"/>
+                        </a:schemeClr>
+                      </a:solidFill>
+                      <a:prstDash val="solid"/>
+                      <a:round/>
+                      <a:headEnd type="none" w="med" len="med"/>
+                      <a:tailEnd type="none" w="med" len="med"/>
+                    </a:lnT>
+                    <a:lnB w="12700" cap="flat" cmpd="sng" algn="ctr">
+                      <a:solidFill>
+                        <a:schemeClr val="tx1"/>
+                      </a:solidFill>
+                      <a:prstDash val="solid"/>
+                      <a:round/>
+                      <a:headEnd type="none" w="med" len="med"/>
+                      <a:tailEnd type="none" w="med" len="med"/>
+                    </a:lnB>
+                    <a:noFill/>
+                  </a:tcPr>
+                </a:tc>
+                <a:tc>
+                  <a:txBody>
+                    <a:bodyPr/>
+                    <a:lstStyle/>
+                    <a:p>
+                      <a:pPr algn="ctr"/>
+                      <a:r>
+                        <a:rPr lang="en-GB" sz="1500" dirty="0">
+                          <a:solidFill>
+                            <a:schemeClr val="tx1"/>
+                          </a:solidFill>
+                          <a:latin typeface="Gill Sans MT" panose="020B0502020104020203" pitchFamily="34" charset="77"/>
+                          <a:cs typeface="Courier New" panose="02070309020205020404" pitchFamily="49" charset="0"/>
+                        </a:rPr>
+                        <a:t>-5.96</a:t>
+                      </a:r>
+                    </a:p>
+                  </a:txBody>
+                  <a:tcPr anchor="ctr">
+                    <a:lnL w="12700" cap="flat" cmpd="sng" algn="ctr">
+                      <a:noFill/>
+                      <a:prstDash val="solid"/>
+                      <a:round/>
+                      <a:headEnd type="none" w="med" len="med"/>
+                      <a:tailEnd type="none" w="med" len="med"/>
+                    </a:lnL>
+                    <a:lnR w="12700" cap="flat" cmpd="sng" algn="ctr">
+                      <a:noFill/>
+                      <a:prstDash val="solid"/>
+                      <a:round/>
+                      <a:headEnd type="none" w="med" len="med"/>
+                      <a:tailEnd type="none" w="med" len="med"/>
+                    </a:lnR>
+                    <a:lnT w="12700" cap="flat" cmpd="sng" algn="ctr">
+                      <a:solidFill>
+                        <a:schemeClr val="bg2">
+                          <a:lumMod val="90000"/>
+                        </a:schemeClr>
+                      </a:solidFill>
+                      <a:prstDash val="solid"/>
+                      <a:round/>
+                      <a:headEnd type="none" w="med" len="med"/>
+                      <a:tailEnd type="none" w="med" len="med"/>
+                    </a:lnT>
+                    <a:lnB w="12700" cap="flat" cmpd="sng" algn="ctr">
+                      <a:solidFill>
+                        <a:schemeClr val="tx1"/>
+                      </a:solidFill>
+                      <a:prstDash val="solid"/>
+                      <a:round/>
+                      <a:headEnd type="none" w="med" len="med"/>
+                      <a:tailEnd type="none" w="med" len="med"/>
+                    </a:lnB>
+                    <a:noFill/>
+                  </a:tcPr>
+                </a:tc>
+                <a:tc>
+                  <a:txBody>
+                    <a:bodyPr/>
+                    <a:lstStyle/>
+                    <a:p>
+                      <a:pPr algn="ctr"/>
+                      <a:r>
+                        <a:rPr lang="en-GB" sz="1500" dirty="0">
+                          <a:solidFill>
+                            <a:schemeClr val="tx1"/>
+                          </a:solidFill>
+                          <a:latin typeface="Gill Sans MT" panose="020B0502020104020203" pitchFamily="34" charset="77"/>
+                          <a:cs typeface="Courier New" panose="02070309020205020404" pitchFamily="49" charset="0"/>
+                        </a:rPr>
+                        <a:t>…</a:t>
+                      </a:r>
+                    </a:p>
+                  </a:txBody>
+                  <a:tcPr anchor="ctr">
+                    <a:lnL w="12700" cap="flat" cmpd="sng" algn="ctr">
+                      <a:noFill/>
+                      <a:prstDash val="solid"/>
+                      <a:round/>
+                      <a:headEnd type="none" w="med" len="med"/>
+                      <a:tailEnd type="none" w="med" len="med"/>
+                    </a:lnL>
+                    <a:lnR w="12700" cap="flat" cmpd="sng" algn="ctr">
+                      <a:noFill/>
+                      <a:prstDash val="solid"/>
+                      <a:round/>
+                      <a:headEnd type="none" w="med" len="med"/>
+                      <a:tailEnd type="none" w="med" len="med"/>
+                    </a:lnR>
+                    <a:lnT w="12700" cap="flat" cmpd="sng" algn="ctr">
+                      <a:solidFill>
+                        <a:schemeClr val="bg2">
+                          <a:lumMod val="90000"/>
+                        </a:schemeClr>
+                      </a:solidFill>
+                      <a:prstDash val="solid"/>
+                      <a:round/>
+                      <a:headEnd type="none" w="med" len="med"/>
+                      <a:tailEnd type="none" w="med" len="med"/>
+                    </a:lnT>
+                    <a:lnB w="12700" cap="flat" cmpd="sng" algn="ctr">
+                      <a:solidFill>
+                        <a:schemeClr val="tx1"/>
+                      </a:solidFill>
+                      <a:prstDash val="solid"/>
+                      <a:round/>
+                      <a:headEnd type="none" w="med" len="med"/>
+                      <a:tailEnd type="none" w="med" len="med"/>
+                    </a:lnB>
+                    <a:noFill/>
+                  </a:tcPr>
+                </a:tc>
+                <a:tc>
+                  <a:txBody>
+                    <a:bodyPr/>
+                    <a:lstStyle/>
+                    <a:p>
+                      <a:pPr algn="ctr"/>
+                      <a:r>
+                        <a:rPr lang="en-GB" sz="1500" dirty="0">
+                          <a:solidFill>
+                            <a:schemeClr val="tx1"/>
+                          </a:solidFill>
+                          <a:latin typeface="Gill Sans MT" panose="020B0502020104020203" pitchFamily="34" charset="77"/>
+                          <a:cs typeface="Courier New" panose="02070309020205020404" pitchFamily="49" charset="0"/>
+                        </a:rPr>
+                        <a:t>-2.12</a:t>
+                      </a:r>
+                    </a:p>
+                  </a:txBody>
+                  <a:tcPr anchor="ctr">
+                    <a:lnL w="12700" cap="flat" cmpd="sng" algn="ctr">
+                      <a:noFill/>
+                      <a:prstDash val="solid"/>
+                      <a:round/>
+                      <a:headEnd type="none" w="med" len="med"/>
+                      <a:tailEnd type="none" w="med" len="med"/>
+                    </a:lnL>
+                    <a:lnR w="12700" cap="flat" cmpd="sng" algn="ctr">
+                      <a:solidFill>
+                        <a:schemeClr val="tx1"/>
+                      </a:solidFill>
+                      <a:prstDash val="solid"/>
+                      <a:round/>
+                      <a:headEnd type="none" w="med" len="med"/>
+                      <a:tailEnd type="none" w="med" len="med"/>
+                    </a:lnR>
+                    <a:lnT w="12700" cap="flat" cmpd="sng" algn="ctr">
+                      <a:solidFill>
+                        <a:schemeClr val="bg2">
+                          <a:lumMod val="90000"/>
+                        </a:schemeClr>
+                      </a:solidFill>
+                      <a:prstDash val="solid"/>
+                      <a:round/>
+                      <a:headEnd type="none" w="med" len="med"/>
+                      <a:tailEnd type="none" w="med" len="med"/>
+                    </a:lnT>
+                    <a:lnB w="12700" cap="flat" cmpd="sng" algn="ctr">
+                      <a:solidFill>
+                        <a:schemeClr val="tx1"/>
+                      </a:solidFill>
+                      <a:prstDash val="solid"/>
+                      <a:round/>
+                      <a:headEnd type="none" w="med" len="med"/>
+                      <a:tailEnd type="none" w="med" len="med"/>
+                    </a:lnB>
+                    <a:noFill/>
+                  </a:tcPr>
+                </a:tc>
+                <a:extLst>
+                  <a:ext uri="{0D108BD9-81ED-4DB2-BD59-A6C34878D82A}">
+                    <a16:rowId xmlns:a16="http://schemas.microsoft.com/office/drawing/2014/main" val="66357649"/>
+                  </a:ext>
+                </a:extLst>
+              </a:tr>
+            </a:tbl>
+          </a:graphicData>
+        </a:graphic>
+      </p:graphicFrame>
+      <p:cxnSp>
+        <p:nvCxnSpPr>
+          <p:cNvPr id="16" name="Straight Arrow Connector 15">
+            <a:extLst>
+              <a:ext uri="{FF2B5EF4-FFF2-40B4-BE49-F238E27FC236}">
+                <a16:creationId xmlns:a16="http://schemas.microsoft.com/office/drawing/2014/main" id="{808B451E-411D-CD42-F84E-276B8372573A}"/>
+              </a:ext>
+            </a:extLst>
+          </p:cNvPr>
+          <p:cNvCxnSpPr/>
+          <p:nvPr/>
+        </p:nvCxnSpPr>
+        <p:spPr>
+          <a:xfrm>
+            <a:off x="4830567" y="4826000"/>
+            <a:ext cx="2294133" cy="0"/>
+          </a:xfrm>
+          <a:prstGeom prst="straightConnector1">
+            <a:avLst/>
+          </a:prstGeom>
+          <a:ln w="66675">
+            <a:solidFill>
+              <a:schemeClr val="tx1"/>
+            </a:solidFill>
+            <a:tailEnd type="triangle"/>
+          </a:ln>
+        </p:spPr>
+        <p:style>
+          <a:lnRef idx="2">
+            <a:schemeClr val="accent1"/>
+          </a:lnRef>
+          <a:fillRef idx="0">
+            <a:schemeClr val="accent1"/>
+          </a:fillRef>
+          <a:effectRef idx="1">
+            <a:schemeClr val="accent1"/>
+          </a:effectRef>
+          <a:fontRef idx="minor">
+            <a:schemeClr val="tx1"/>
+          </a:fontRef>
+        </p:style>
+      </p:cxnSp>
+      <p:sp>
+        <p:nvSpPr>
+          <p:cNvPr id="18" name="TextBox 17">
+            <a:extLst>
+              <a:ext uri="{FF2B5EF4-FFF2-40B4-BE49-F238E27FC236}">
+                <a16:creationId xmlns:a16="http://schemas.microsoft.com/office/drawing/2014/main" id="{3F974B16-CE15-A87F-4F23-7FFE2D3ADB16}"/>
+              </a:ext>
+            </a:extLst>
+          </p:cNvPr>
+          <p:cNvSpPr txBox="1"/>
+          <p:nvPr/>
+        </p:nvSpPr>
+        <p:spPr>
+          <a:xfrm>
+            <a:off x="4817869" y="3671754"/>
+            <a:ext cx="2302541" cy="923330"/>
+          </a:xfrm>
+          <a:prstGeom prst="rect">
+            <a:avLst/>
+          </a:prstGeom>
+          <a:noFill/>
+        </p:spPr>
+        <p:txBody>
+          <a:bodyPr wrap="square" rtlCol="0">
+            <a:spAutoFit/>
+          </a:bodyPr>
+          <a:lstStyle/>
+          <a:p>
+            <a:pPr algn="ctr"/>
+            <a:r>
+              <a:rPr lang="en-GB" dirty="0"/>
+              <a:t>We do this using basis function expansions</a:t>
+            </a:r>
+          </a:p>
+        </p:txBody>
+      </p:sp>
+    </p:spTree>
+    <p:extLst>
+      <p:ext uri="{BB962C8B-B14F-4D97-AF65-F5344CB8AC3E}">
+        <p14:creationId xmlns:p14="http://schemas.microsoft.com/office/powerpoint/2010/main" val="4244958497"/>
+      </p:ext>
+    </p:extLst>
+  </p:cSld>
+  <p:clrMapOvr>
+    <a:masterClrMapping/>
+  </p:clrMapOvr>
+</p:sld>
+</file>
+
+<file path=ppt/slides/slide3.xml><?xml version="1.0" encoding="utf-8"?>
+<p:sld xmlns:a="http://schemas.openxmlformats.org/drawingml/2006/main" xmlns:r="http://schemas.openxmlformats.org/officeDocument/2006/relationships" xmlns:p="http://schemas.openxmlformats.org/presentationml/2006/main">
+  <p:cSld>
+    <p:spTree>
+      <p:nvGrpSpPr>
+        <p:cNvPr id="1" name=""/>
+        <p:cNvGrpSpPr/>
+        <p:nvPr/>
+      </p:nvGrpSpPr>
+      <p:grpSpPr>
+        <a:xfrm>
+          <a:off x="0" y="0"/>
+          <a:ext cx="0" cy="0"/>
+          <a:chOff x="0" y="0"/>
+          <a:chExt cx="0" cy="0"/>
+        </a:xfrm>
+      </p:grpSpPr>
+      <p:sp>
+        <p:nvSpPr>
+          <p:cNvPr id="411657" name="Rectangle 9"/>
+          <p:cNvSpPr>
+            <a:spLocks noGrp="1" noChangeArrowheads="1"/>
+          </p:cNvSpPr>
+          <p:nvPr>
+            <p:ph type="title" idx="4294967295"/>
+          </p:nvPr>
+        </p:nvSpPr>
+        <p:spPr bwMode="auto">
+          <a:xfrm>
+            <a:off x="3000376" y="0"/>
+            <a:ext cx="6970713" cy="1143000"/>
+          </a:xfrm>
+          <a:prstGeom prst="rect">
+            <a:avLst/>
+          </a:prstGeom>
+          <a:extLst>
+            <a:ext uri="{909E8E84-426E-40DD-AFC4-6F175D3DCCD1}">
+              <a14:hiddenFill xmlns:a14="http://schemas.microsoft.com/office/drawing/2010/main">
+                <a:solidFill>
+                  <a:schemeClr val="accent1"/>
+                </a:solidFill>
+              </a14:hiddenFill>
+            </a:ext>
+            <a:ext uri="{91240B29-F687-4F45-9708-019B960494DF}">
+              <a14:hiddenLine xmlns:a14="http://schemas.microsoft.com/office/drawing/2010/main" w="9525">
+                <a:solidFill>
+                  <a:schemeClr val="tx1"/>
+                </a:solidFill>
+                <a:miter lim="800000"/>
+                <a:headEnd/>
+                <a:tailEnd/>
+              </a14:hiddenLine>
+            </a:ext>
+            <a:ext uri="{AF507438-7753-43E0-B8FC-AC1667EBCBE1}">
+              <a14:hiddenEffects xmlns:a14="http://schemas.microsoft.com/office/drawing/2010/main">
+                <a:effectLst>
+                  <a:outerShdw dist="35921" dir="2700000" algn="ctr" rotWithShape="0">
+                    <a:schemeClr val="bg2"/>
+                  </a:outerShdw>
+                </a:effectLst>
+              </a14:hiddenEffects>
+            </a:ext>
+          </a:extLst>
+        </p:spPr>
+        <p:txBody>
+          <a:bodyPr anchor="ctr"/>
+          <a:lstStyle/>
+          <a:p>
+            <a:pPr>
+              <a:defRPr/>
+            </a:pPr>
+            <a:r>
+              <a:rPr lang="en-US" sz="4000" dirty="0">
+                <a:effectLst>
+                  <a:outerShdw blurRad="38100" dist="38100" dir="2700000" algn="tl">
+                    <a:srgbClr val="C0C0C0"/>
+                  </a:outerShdw>
+                </a:effectLst>
+              </a:rPr>
+              <a:t>Basis Function Expansions</a:t>
+            </a:r>
+          </a:p>
+        </p:txBody>
+      </p:sp>
+      <p:pic>
+        <p:nvPicPr>
+          <p:cNvPr id="44036" name="Picture 5"/>
+          <p:cNvPicPr>
+            <a:picLocks noChangeAspect="1" noChangeArrowheads="1"/>
+          </p:cNvPicPr>
+          <p:nvPr/>
+        </p:nvPicPr>
+        <p:blipFill>
+          <a:blip r:embed="rId2">
+            <a:extLst>
+              <a:ext uri="{28A0092B-C50C-407E-A947-70E740481C1C}">
+                <a14:useLocalDpi xmlns:a14="http://schemas.microsoft.com/office/drawing/2010/main" val="0"/>
+              </a:ext>
+            </a:extLst>
+          </a:blip>
+          <a:srcRect/>
+          <a:stretch>
+            <a:fillRect/>
+          </a:stretch>
+        </p:blipFill>
+        <p:spPr bwMode="auto">
+          <a:xfrm>
+            <a:off x="2109788" y="1125539"/>
+            <a:ext cx="8388350" cy="4886325"/>
+          </a:xfrm>
+          <a:prstGeom prst="rect">
+            <a:avLst/>
+          </a:prstGeom>
+          <a:noFill/>
+          <a:ln>
+            <a:noFill/>
+          </a:ln>
+          <a:extLst>
+            <a:ext uri="{909E8E84-426E-40DD-AFC4-6F175D3DCCD1}">
+              <a14:hiddenFill xmlns:a14="http://schemas.microsoft.com/office/drawing/2010/main">
+                <a:solidFill>
+                  <a:schemeClr val="accent1"/>
+                </a:solidFill>
+              </a14:hiddenFill>
+            </a:ext>
+            <a:ext uri="{91240B29-F687-4F45-9708-019B960494DF}">
+              <a14:hiddenLine xmlns:a14="http://schemas.microsoft.com/office/drawing/2010/main" w="9525">
+                <a:solidFill>
+                  <a:schemeClr val="tx1"/>
+                </a:solidFill>
+                <a:miter lim="800000"/>
+                <a:headEnd/>
+                <a:tailEnd/>
+              </a14:hiddenLine>
+            </a:ext>
+          </a:extLst>
+        </p:spPr>
+      </p:pic>
+      <p:sp>
+        <p:nvSpPr>
+          <p:cNvPr id="2" name="Rectangle 1"/>
+          <p:cNvSpPr/>
+          <p:nvPr/>
+        </p:nvSpPr>
+        <p:spPr>
+          <a:xfrm>
+            <a:off x="2063750" y="1700214"/>
+            <a:ext cx="8135938" cy="1152525"/>
+          </a:xfrm>
+          <a:prstGeom prst="rect">
+            <a:avLst/>
+          </a:prstGeom>
+          <a:solidFill>
+            <a:schemeClr val="bg1"/>
+          </a:solidFill>
+          <a:ln>
+            <a:noFill/>
+          </a:ln>
+        </p:spPr>
+        <p:style>
+          <a:lnRef idx="2">
+            <a:schemeClr val="accent1">
+              <a:shade val="50000"/>
+            </a:schemeClr>
+          </a:lnRef>
+          <a:fillRef idx="1">
+            <a:schemeClr val="accent1"/>
+          </a:fillRef>
+          <a:effectRef idx="0">
+            <a:schemeClr val="accent1"/>
+          </a:effectRef>
+          <a:fontRef idx="minor">
+            <a:schemeClr val="lt1"/>
+          </a:fontRef>
+        </p:style>
+        <p:txBody>
+          <a:bodyPr anchor="ctr"/>
+          <a:lstStyle/>
+          <a:p>
+            <a:pPr algn="ctr">
+              <a:defRPr/>
+            </a:pPr>
+            <a:endParaRPr lang="en-IE"/>
+          </a:p>
+        </p:txBody>
+      </p:sp>
+      <p:pic>
+        <p:nvPicPr>
+          <p:cNvPr id="43013" name="Picture 5"/>
+          <p:cNvPicPr>
+            <a:picLocks noChangeAspect="1" noChangeArrowheads="1"/>
+          </p:cNvPicPr>
+          <p:nvPr/>
+        </p:nvPicPr>
+        <p:blipFill>
+          <a:blip r:embed="rId3">
+            <a:extLst>
+              <a:ext uri="{28A0092B-C50C-407E-A947-70E740481C1C}">
+                <a14:useLocalDpi xmlns:a14="http://schemas.microsoft.com/office/drawing/2010/main" val="0"/>
+              </a:ext>
+            </a:extLst>
+          </a:blip>
+          <a:srcRect/>
+          <a:stretch>
+            <a:fillRect/>
+          </a:stretch>
+        </p:blipFill>
+        <p:spPr bwMode="auto">
+          <a:xfrm>
+            <a:off x="2060576" y="2852739"/>
+            <a:ext cx="8266113" cy="936625"/>
+          </a:xfrm>
+          <a:prstGeom prst="rect">
+            <a:avLst/>
+          </a:prstGeom>
+          <a:noFill/>
+          <a:ln>
+            <a:noFill/>
+          </a:ln>
+          <a:effectLst/>
+          <a:extLst>
+            <a:ext uri="{909E8E84-426E-40DD-AFC4-6F175D3DCCD1}">
+              <a14:hiddenFill xmlns:a14="http://schemas.microsoft.com/office/drawing/2010/main">
+                <a:solidFill>
+                  <a:schemeClr val="accent1"/>
+                </a:solidFill>
+              </a14:hiddenFill>
+            </a:ext>
+            <a:ext uri="{91240B29-F687-4F45-9708-019B960494DF}">
+              <a14:hiddenLine xmlns:a14="http://schemas.microsoft.com/office/drawing/2010/main" w="9525">
+                <a:solidFill>
+                  <a:schemeClr val="tx1"/>
+                </a:solidFill>
+                <a:miter lim="800000"/>
+                <a:headEnd/>
+                <a:tailEnd/>
+              </a14:hiddenLine>
+            </a:ext>
+            <a:ext uri="{AF507438-7753-43E0-B8FC-AC1667EBCBE1}">
+              <a14:hiddenEffects xmlns:a14="http://schemas.microsoft.com/office/drawing/2010/main">
+                <a:effectLst>
+                  <a:outerShdw dist="35921" dir="2700000" algn="ctr" rotWithShape="0">
+                    <a:schemeClr val="bg2"/>
+                  </a:outerShdw>
+                </a:effectLst>
+              </a14:hiddenEffects>
+            </a:ext>
+          </a:extLst>
+        </p:spPr>
+      </p:pic>
+      <p:sp>
+        <p:nvSpPr>
+          <p:cNvPr id="3" name="Rectangle 2"/>
+          <p:cNvSpPr/>
+          <p:nvPr/>
+        </p:nvSpPr>
+        <p:spPr>
+          <a:xfrm>
+            <a:off x="2081214" y="3644901"/>
+            <a:ext cx="6192837" cy="1800225"/>
+          </a:xfrm>
+          <a:prstGeom prst="rect">
+            <a:avLst/>
+          </a:prstGeom>
+          <a:solidFill>
+            <a:schemeClr val="bg1"/>
+          </a:solidFill>
+          <a:ln>
+            <a:noFill/>
+          </a:ln>
+        </p:spPr>
+        <p:style>
+          <a:lnRef idx="2">
+            <a:schemeClr val="accent1">
+              <a:shade val="50000"/>
+            </a:schemeClr>
+          </a:lnRef>
+          <a:fillRef idx="1">
+            <a:schemeClr val="accent1"/>
+          </a:fillRef>
+          <a:effectRef idx="0">
+            <a:schemeClr val="accent1"/>
+          </a:effectRef>
+          <a:fontRef idx="minor">
+            <a:schemeClr val="lt1"/>
+          </a:fontRef>
+        </p:style>
+        <p:txBody>
+          <a:bodyPr anchor="ctr"/>
+          <a:lstStyle/>
+          <a:p>
+            <a:pPr algn="ctr">
+              <a:defRPr/>
+            </a:pPr>
+            <a:endParaRPr lang="en-IE"/>
+          </a:p>
+        </p:txBody>
+      </p:sp>
+      <p:sp>
+        <p:nvSpPr>
+          <p:cNvPr id="5" name="Rectangle 4"/>
+          <p:cNvSpPr/>
+          <p:nvPr/>
+        </p:nvSpPr>
+        <p:spPr>
+          <a:xfrm>
+            <a:off x="2063750" y="5589589"/>
+            <a:ext cx="5111750" cy="422275"/>
+          </a:xfrm>
+          <a:prstGeom prst="rect">
+            <a:avLst/>
+          </a:prstGeom>
+          <a:solidFill>
+            <a:schemeClr val="bg1"/>
+          </a:solidFill>
+          <a:ln>
+            <a:noFill/>
+          </a:ln>
+        </p:spPr>
+        <p:style>
+          <a:lnRef idx="2">
+            <a:schemeClr val="accent1">
+              <a:shade val="50000"/>
+            </a:schemeClr>
+          </a:lnRef>
+          <a:fillRef idx="1">
+            <a:schemeClr val="accent1"/>
+          </a:fillRef>
+          <a:effectRef idx="0">
+            <a:schemeClr val="accent1"/>
+          </a:effectRef>
+          <a:fontRef idx="minor">
+            <a:schemeClr val="lt1"/>
+          </a:fontRef>
+        </p:style>
+        <p:txBody>
+          <a:bodyPr anchor="ctr"/>
+          <a:lstStyle/>
+          <a:p>
+            <a:pPr algn="ctr">
+              <a:defRPr/>
+            </a:pPr>
+            <a:endParaRPr lang="en-IE"/>
+          </a:p>
+        </p:txBody>
+      </p:sp>
+    </p:spTree>
+    <p:extLst>
+      <p:ext uri="{BB962C8B-B14F-4D97-AF65-F5344CB8AC3E}">
+        <p14:creationId xmlns:p14="http://schemas.microsoft.com/office/powerpoint/2010/main" val="1051636114"/>
+      </p:ext>
+    </p:extLst>
+  </p:cSld>
+  <p:clrMapOvr>
+    <a:masterClrMapping/>
+  </p:clrMapOvr>
+  <p:timing>
+    <p:tnLst>
+      <p:par>
+        <p:cTn id="1" dur="indefinite" restart="never" nodeType="tmRoot">
+          <p:childTnLst>
+            <p:seq concurrent="1" nextAc="seek">
+              <p:cTn id="2" dur="indefinite" nodeType="mainSeq">
+                <p:childTnLst>
+                  <p:par>
+                    <p:cTn id="3" fill="hold" nodeType="clickPar">
+                      <p:stCondLst>
+                        <p:cond delay="indefinite"/>
+                      </p:stCondLst>
+                      <p:childTnLst>
+                        <p:par>
+                          <p:cTn id="4" fill="hold" nodeType="withGroup">
+                            <p:stCondLst>
+                              <p:cond delay="0"/>
+                            </p:stCondLst>
+                            <p:childTnLst>
+                              <p:par>
+                                <p:cTn id="5" presetID="10" presetClass="exit" presetSubtype="0" fill="hold" grpId="0" nodeType="clickEffect">
+                                  <p:stCondLst>
+                                    <p:cond delay="0"/>
+                                  </p:stCondLst>
+                                  <p:childTnLst>
+                                    <p:animEffect transition="out" filter="fade">
+                                      <p:cBhvr>
+                                        <p:cTn id="6" dur="500"/>
+                                        <p:tgtEl>
+                                          <p:spTgt spid="2"/>
+                                        </p:tgtEl>
+                                      </p:cBhvr>
+                                    </p:animEffect>
+                                    <p:set>
+                                      <p:cBhvr>
+                                        <p:cTn id="7" dur="1" fill="hold">
+                                          <p:stCondLst>
+                                            <p:cond delay="499"/>
+                                          </p:stCondLst>
+                                        </p:cTn>
+                                        <p:tgtEl>
+                                          <p:spTgt spid="2"/>
+                                        </p:tgtEl>
+                                        <p:attrNameLst>
+                                          <p:attrName>style.visibility</p:attrName>
+                                        </p:attrNameLst>
+                                      </p:cBhvr>
+                                      <p:to>
+                                        <p:strVal val="hidden"/>
+                                      </p:to>
+                                    </p:set>
+                                  </p:childTnLst>
+                                </p:cTn>
+                              </p:par>
+                            </p:childTnLst>
+                          </p:cTn>
+                        </p:par>
+                      </p:childTnLst>
+                    </p:cTn>
+                  </p:par>
+                  <p:par>
+                    <p:cTn id="8" fill="hold" nodeType="clickPar">
+                      <p:stCondLst>
+                        <p:cond delay="indefinite"/>
+                      </p:stCondLst>
+                      <p:childTnLst>
+                        <p:par>
+                          <p:cTn id="9" fill="hold" nodeType="withGroup">
+                            <p:stCondLst>
+                              <p:cond delay="0"/>
+                            </p:stCondLst>
+                            <p:childTnLst>
+                              <p:par>
+                                <p:cTn id="10" presetID="10" presetClass="exit" presetSubtype="0" fill="hold" nodeType="clickEffect">
+                                  <p:stCondLst>
+                                    <p:cond delay="0"/>
+                                  </p:stCondLst>
+                                  <p:childTnLst>
+                                    <p:animEffect transition="out" filter="fade">
+                                      <p:cBhvr>
+                                        <p:cTn id="11" dur="500"/>
+                                        <p:tgtEl>
+                                          <p:spTgt spid="43013"/>
+                                        </p:tgtEl>
+                                      </p:cBhvr>
+                                    </p:animEffect>
+                                    <p:set>
+                                      <p:cBhvr>
+                                        <p:cTn id="12" dur="1" fill="hold">
+                                          <p:stCondLst>
+                                            <p:cond delay="499"/>
+                                          </p:stCondLst>
+                                        </p:cTn>
+                                        <p:tgtEl>
+                                          <p:spTgt spid="43013"/>
+                                        </p:tgtEl>
+                                        <p:attrNameLst>
+                                          <p:attrName>style.visibility</p:attrName>
+                                        </p:attrNameLst>
+                                      </p:cBhvr>
+                                      <p:to>
+                                        <p:strVal val="hidden"/>
+                                      </p:to>
+                                    </p:set>
+                                  </p:childTnLst>
+                                </p:cTn>
+                              </p:par>
+                            </p:childTnLst>
+                          </p:cTn>
+                        </p:par>
+                      </p:childTnLst>
+                    </p:cTn>
+                  </p:par>
+                  <p:par>
+                    <p:cTn id="13" fill="hold" nodeType="clickPar">
+                      <p:stCondLst>
+                        <p:cond delay="indefinite"/>
+                      </p:stCondLst>
+                      <p:childTnLst>
+                        <p:par>
+                          <p:cTn id="14" fill="hold" nodeType="withGroup">
+                            <p:stCondLst>
+                              <p:cond delay="0"/>
+                            </p:stCondLst>
+                            <p:childTnLst>
+                              <p:par>
+                                <p:cTn id="15" presetID="10" presetClass="exit" presetSubtype="0" fill="hold" grpId="0" nodeType="clickEffect">
+                                  <p:stCondLst>
+                                    <p:cond delay="0"/>
+                                  </p:stCondLst>
+                                  <p:childTnLst>
+                                    <p:animEffect transition="out" filter="fade">
+                                      <p:cBhvr>
+                                        <p:cTn id="16" dur="500"/>
+                                        <p:tgtEl>
+                                          <p:spTgt spid="3"/>
+                                        </p:tgtEl>
+                                      </p:cBhvr>
+                                    </p:animEffect>
+                                    <p:set>
+                                      <p:cBhvr>
+                                        <p:cTn id="17" dur="1" fill="hold">
+                                          <p:stCondLst>
+                                            <p:cond delay="499"/>
+                                          </p:stCondLst>
+                                        </p:cTn>
+                                        <p:tgtEl>
+                                          <p:spTgt spid="3"/>
+                                        </p:tgtEl>
+                                        <p:attrNameLst>
+                                          <p:attrName>style.visibility</p:attrName>
+                                        </p:attrNameLst>
+                                      </p:cBhvr>
+                                      <p:to>
+                                        <p:strVal val="hidden"/>
+                                      </p:to>
+                                    </p:set>
+                                  </p:childTnLst>
+                                </p:cTn>
+                              </p:par>
+                            </p:childTnLst>
+                          </p:cTn>
+                        </p:par>
+                      </p:childTnLst>
+                    </p:cTn>
+                  </p:par>
+                  <p:par>
+                    <p:cTn id="18" fill="hold" nodeType="clickPar">
+                      <p:stCondLst>
+                        <p:cond delay="indefinite"/>
+                      </p:stCondLst>
+                      <p:childTnLst>
+                        <p:par>
+                          <p:cTn id="19" fill="hold" nodeType="withGroup">
+                            <p:stCondLst>
+                              <p:cond delay="0"/>
+                            </p:stCondLst>
+                            <p:childTnLst>
+                              <p:par>
+                                <p:cTn id="20" presetID="10" presetClass="exit" presetSubtype="0" fill="hold" grpId="0" nodeType="clickEffect">
+                                  <p:stCondLst>
+                                    <p:cond delay="0"/>
+                                  </p:stCondLst>
+                                  <p:childTnLst>
+                                    <p:animEffect transition="out" filter="fade">
+                                      <p:cBhvr>
+                                        <p:cTn id="21" dur="500"/>
+                                        <p:tgtEl>
+                                          <p:spTgt spid="5"/>
+                                        </p:tgtEl>
+                                      </p:cBhvr>
+                                    </p:animEffect>
+                                    <p:set>
+                                      <p:cBhvr>
+                                        <p:cTn id="22" dur="1" fill="hold">
+                                          <p:stCondLst>
+                                            <p:cond delay="499"/>
+                                          </p:stCondLst>
+                                        </p:cTn>
+                                        <p:tgtEl>
+                                          <p:spTgt spid="5"/>
+                                        </p:tgtEl>
+                                        <p:attrNameLst>
+                                          <p:attrName>style.visibility</p:attrName>
+                                        </p:attrNameLst>
+                                      </p:cBhvr>
+                                      <p:to>
+                                        <p:strVal val="hidden"/>
+                                      </p:to>
+                                    </p:set>
+                                  </p:childTnLst>
+                                </p:cTn>
+                              </p:par>
+                            </p:childTnLst>
+                          </p:cTn>
+                        </p:par>
+                      </p:childTnLst>
+                    </p:cTn>
+                  </p:par>
+                </p:childTnLst>
+              </p:cTn>
+              <p:prevCondLst>
+                <p:cond evt="onPrev" delay="0">
+                  <p:tgtEl>
+                    <p:sldTgt/>
+                  </p:tgtEl>
+                </p:cond>
+              </p:prevCondLst>
+              <p:nextCondLst>
+                <p:cond evt="onNext" delay="0">
+                  <p:tgtEl>
+                    <p:sldTgt/>
+                  </p:tgtEl>
+                </p:cond>
+              </p:nextCondLst>
+            </p:seq>
+          </p:childTnLst>
+        </p:cTn>
+      </p:par>
+    </p:tnLst>
+    <p:bldLst>
+      <p:bldP spid="2" grpId="0" animBg="1"/>
+      <p:bldP spid="3" grpId="0" animBg="1"/>
+      <p:bldP spid="5" grpId="0" animBg="1"/>
+    </p:bldLst>
+  </p:timing>
 </p:sld>
 </file>
 

--- a/slides/02-smoothing.pptx
+++ b/slides/02-smoothing.pptx
@@ -5,12 +5,14 @@
     <p:sldMasterId id="2147483684" r:id="rId1"/>
   </p:sldMasterIdLst>
   <p:notesMasterIdLst>
-    <p:notesMasterId r:id="rId5"/>
+    <p:notesMasterId r:id="rId7"/>
   </p:notesMasterIdLst>
   <p:sldIdLst>
     <p:sldId id="256" r:id="rId2"/>
     <p:sldId id="257" r:id="rId3"/>
-    <p:sldId id="274" r:id="rId4"/>
+    <p:sldId id="275" r:id="rId4"/>
+    <p:sldId id="276" r:id="rId5"/>
+    <p:sldId id="277" r:id="rId6"/>
   </p:sldIdLst>
   <p:sldSz cx="12192000" cy="6858000"/>
   <p:notesSz cx="6858000" cy="9144000"/>
@@ -3580,7 +3582,12 @@
             <p:ph idx="1"/>
           </p:nvPr>
         </p:nvSpPr>
-        <p:spPr/>
+        <p:spPr>
+          <a:xfrm>
+            <a:off x="838200" y="1690688"/>
+            <a:ext cx="10515600" cy="4486275"/>
+          </a:xfrm>
+        </p:spPr>
         <p:txBody>
           <a:bodyPr/>
           <a:lstStyle/>
@@ -3630,7 +3637,7 @@
         </p:nvSpPr>
         <p:spPr>
           <a:xfrm>
-            <a:off x="7374132" y="3428999"/>
+            <a:off x="7488432" y="3283414"/>
             <a:ext cx="522514" cy="3209460"/>
           </a:xfrm>
           <a:prstGeom prst="leftBracket">
@@ -3675,7 +3682,7 @@
         </p:nvSpPr>
         <p:spPr>
           <a:xfrm flipH="1">
-            <a:off x="8571557" y="3429000"/>
+            <a:off x="8685857" y="3283415"/>
             <a:ext cx="522513" cy="3209460"/>
           </a:xfrm>
           <a:prstGeom prst="leftBracket">
@@ -3727,7 +3734,7 @@
         </p:blipFill>
         <p:spPr>
           <a:xfrm>
-            <a:off x="7751692" y="3662168"/>
+            <a:off x="7865992" y="3516583"/>
             <a:ext cx="1032739" cy="756032"/>
           </a:xfrm>
           <a:prstGeom prst="rect">
@@ -3749,7 +3756,7 @@
         </p:nvSpPr>
         <p:spPr>
           <a:xfrm>
-            <a:off x="8137670" y="4207467"/>
+            <a:off x="8251970" y="4061882"/>
             <a:ext cx="298751" cy="1477328"/>
           </a:xfrm>
           <a:prstGeom prst="rect">
@@ -3815,7 +3822,7 @@
         </p:blipFill>
         <p:spPr>
           <a:xfrm>
-            <a:off x="7682056" y="5482344"/>
+            <a:off x="7796356" y="5336759"/>
             <a:ext cx="1172010" cy="940703"/>
           </a:xfrm>
           <a:prstGeom prst="rect">
@@ -3838,13 +3845,13 @@
           <p:nvPr>
             <p:extLst>
               <p:ext uri="{D42A27DB-BD31-4B8C-83A1-F6EECF244321}">
-                <p14:modId xmlns:p14="http://schemas.microsoft.com/office/powerpoint/2010/main" val="1580555902"/>
+                <p14:modId xmlns:p14="http://schemas.microsoft.com/office/powerpoint/2010/main" val="913006869"/>
               </p:ext>
             </p:extLst>
           </p:nvPr>
         </p:nvGraphicFramePr>
         <p:xfrm>
-          <a:off x="1676403" y="3581405"/>
+          <a:off x="1790703" y="3435820"/>
           <a:ext cx="2904732" cy="3209467"/>
         </p:xfrm>
         <a:graphic>
@@ -3899,7 +3906,7 @@
                           <a:ea typeface="CMU Serif" panose="02000603000000000000" pitchFamily="2" charset="0"/>
                           <a:cs typeface="Courier New" panose="02070309020205020404" pitchFamily="49" charset="0"/>
                         </a:rPr>
-                        <a:t>y(t</a:t>
+                        <a:t>x(t</a:t>
                       </a:r>
                       <a:r>
                         <a:rPr lang="en-GB" sz="1600" b="0" i="0" baseline="-25000" dirty="0">
@@ -3980,7 +3987,7 @@
                           <a:ea typeface="CMU Serif" panose="02000603000000000000" pitchFamily="2" charset="0"/>
                           <a:cs typeface="Courier New" panose="02070309020205020404" pitchFamily="49" charset="0"/>
                         </a:rPr>
-                        <a:t>y(t</a:t>
+                        <a:t>x(t</a:t>
                       </a:r>
                       <a:r>
                         <a:rPr lang="en-GB" sz="1600" b="0" i="0" baseline="-25000" dirty="0">
@@ -4131,7 +4138,7 @@
                           <a:ea typeface="CMU Serif" panose="02000603000000000000" pitchFamily="2" charset="0"/>
                           <a:cs typeface="Courier New" panose="02070309020205020404" pitchFamily="49" charset="0"/>
                         </a:rPr>
-                        <a:t>y(</a:t>
+                        <a:t>x(</a:t>
                       </a:r>
                       <a:r>
                         <a:rPr lang="en-GB" sz="1600" b="0" i="0" dirty="0" err="1">
@@ -5049,7 +5056,7 @@
         </p:nvCxnSpPr>
         <p:spPr>
           <a:xfrm>
-            <a:off x="4830567" y="4826000"/>
+            <a:off x="4944867" y="4680415"/>
             <a:ext cx="2294133" cy="0"/>
           </a:xfrm>
           <a:prstGeom prst="straightConnector1">
@@ -5091,8 +5098,8 @@
         </p:nvSpPr>
         <p:spPr>
           <a:xfrm>
-            <a:off x="4817869" y="3671754"/>
-            <a:ext cx="2302541" cy="923330"/>
+            <a:off x="4936459" y="3694468"/>
+            <a:ext cx="2302541" cy="646331"/>
           </a:xfrm>
           <a:prstGeom prst="rect">
             <a:avLst/>
@@ -5108,7 +5115,7 @@
             <a:pPr algn="ctr"/>
             <a:r>
               <a:rPr lang="en-GB" dirty="0"/>
-              <a:t>We do this using basis function expansions</a:t>
+              <a:t>Basis Function Expansions</a:t>
             </a:r>
           </a:p>
         </p:txBody>
@@ -5117,365 +5124,6 @@
     <p:extLst>
       <p:ext uri="{BB962C8B-B14F-4D97-AF65-F5344CB8AC3E}">
         <p14:creationId xmlns:p14="http://schemas.microsoft.com/office/powerpoint/2010/main" val="4244958497"/>
-      </p:ext>
-    </p:extLst>
-  </p:cSld>
-  <p:clrMapOvr>
-    <a:masterClrMapping/>
-  </p:clrMapOvr>
-</p:sld>
-</file>
-
-<file path=ppt/slides/slide3.xml><?xml version="1.0" encoding="utf-8"?>
-<p:sld xmlns:a="http://schemas.openxmlformats.org/drawingml/2006/main" xmlns:r="http://schemas.openxmlformats.org/officeDocument/2006/relationships" xmlns:p="http://schemas.openxmlformats.org/presentationml/2006/main">
-  <p:cSld>
-    <p:spTree>
-      <p:nvGrpSpPr>
-        <p:cNvPr id="1" name=""/>
-        <p:cNvGrpSpPr/>
-        <p:nvPr/>
-      </p:nvGrpSpPr>
-      <p:grpSpPr>
-        <a:xfrm>
-          <a:off x="0" y="0"/>
-          <a:ext cx="0" cy="0"/>
-          <a:chOff x="0" y="0"/>
-          <a:chExt cx="0" cy="0"/>
-        </a:xfrm>
-      </p:grpSpPr>
-      <p:sp>
-        <p:nvSpPr>
-          <p:cNvPr id="411657" name="Rectangle 9"/>
-          <p:cNvSpPr>
-            <a:spLocks noGrp="1" noChangeArrowheads="1"/>
-          </p:cNvSpPr>
-          <p:nvPr>
-            <p:ph type="title" idx="4294967295"/>
-          </p:nvPr>
-        </p:nvSpPr>
-        <p:spPr bwMode="auto">
-          <a:xfrm>
-            <a:off x="3000376" y="0"/>
-            <a:ext cx="6970713" cy="1143000"/>
-          </a:xfrm>
-          <a:prstGeom prst="rect">
-            <a:avLst/>
-          </a:prstGeom>
-          <a:extLst>
-            <a:ext uri="{909E8E84-426E-40DD-AFC4-6F175D3DCCD1}">
-              <a14:hiddenFill xmlns:a14="http://schemas.microsoft.com/office/drawing/2010/main">
-                <a:solidFill>
-                  <a:schemeClr val="accent1"/>
-                </a:solidFill>
-              </a14:hiddenFill>
-            </a:ext>
-            <a:ext uri="{91240B29-F687-4F45-9708-019B960494DF}">
-              <a14:hiddenLine xmlns:a14="http://schemas.microsoft.com/office/drawing/2010/main" w="9525">
-                <a:solidFill>
-                  <a:schemeClr val="tx1"/>
-                </a:solidFill>
-                <a:miter lim="800000"/>
-                <a:headEnd/>
-                <a:tailEnd/>
-              </a14:hiddenLine>
-            </a:ext>
-            <a:ext uri="{AF507438-7753-43E0-B8FC-AC1667EBCBE1}">
-              <a14:hiddenEffects xmlns:a14="http://schemas.microsoft.com/office/drawing/2010/main">
-                <a:effectLst>
-                  <a:outerShdw dist="35921" dir="2700000" algn="ctr" rotWithShape="0">
-                    <a:schemeClr val="bg2"/>
-                  </a:outerShdw>
-                </a:effectLst>
-              </a14:hiddenEffects>
-            </a:ext>
-          </a:extLst>
-        </p:spPr>
-        <p:txBody>
-          <a:bodyPr anchor="ctr"/>
-          <a:lstStyle/>
-          <a:p>
-            <a:pPr>
-              <a:defRPr/>
-            </a:pPr>
-            <a:r>
-              <a:rPr lang="en-US" sz="4000" dirty="0">
-                <a:effectLst>
-                  <a:outerShdw blurRad="38100" dist="38100" dir="2700000" algn="tl">
-                    <a:srgbClr val="C0C0C0"/>
-                  </a:outerShdw>
-                </a:effectLst>
-              </a:rPr>
-              <a:t>Basis Function Expansions</a:t>
-            </a:r>
-          </a:p>
-        </p:txBody>
-      </p:sp>
-      <p:pic>
-        <p:nvPicPr>
-          <p:cNvPr id="44036" name="Picture 5"/>
-          <p:cNvPicPr>
-            <a:picLocks noChangeAspect="1" noChangeArrowheads="1"/>
-          </p:cNvPicPr>
-          <p:nvPr/>
-        </p:nvPicPr>
-        <p:blipFill>
-          <a:blip r:embed="rId2">
-            <a:extLst>
-              <a:ext uri="{28A0092B-C50C-407E-A947-70E740481C1C}">
-                <a14:useLocalDpi xmlns:a14="http://schemas.microsoft.com/office/drawing/2010/main" val="0"/>
-              </a:ext>
-            </a:extLst>
-          </a:blip>
-          <a:srcRect/>
-          <a:stretch>
-            <a:fillRect/>
-          </a:stretch>
-        </p:blipFill>
-        <p:spPr bwMode="auto">
-          <a:xfrm>
-            <a:off x="2109788" y="1125539"/>
-            <a:ext cx="8388350" cy="4886325"/>
-          </a:xfrm>
-          <a:prstGeom prst="rect">
-            <a:avLst/>
-          </a:prstGeom>
-          <a:noFill/>
-          <a:ln>
-            <a:noFill/>
-          </a:ln>
-          <a:extLst>
-            <a:ext uri="{909E8E84-426E-40DD-AFC4-6F175D3DCCD1}">
-              <a14:hiddenFill xmlns:a14="http://schemas.microsoft.com/office/drawing/2010/main">
-                <a:solidFill>
-                  <a:schemeClr val="accent1"/>
-                </a:solidFill>
-              </a14:hiddenFill>
-            </a:ext>
-            <a:ext uri="{91240B29-F687-4F45-9708-019B960494DF}">
-              <a14:hiddenLine xmlns:a14="http://schemas.microsoft.com/office/drawing/2010/main" w="9525">
-                <a:solidFill>
-                  <a:schemeClr val="tx1"/>
-                </a:solidFill>
-                <a:miter lim="800000"/>
-                <a:headEnd/>
-                <a:tailEnd/>
-              </a14:hiddenLine>
-            </a:ext>
-          </a:extLst>
-        </p:spPr>
-      </p:pic>
-      <p:sp>
-        <p:nvSpPr>
-          <p:cNvPr id="2" name="Rectangle 1"/>
-          <p:cNvSpPr/>
-          <p:nvPr/>
-        </p:nvSpPr>
-        <p:spPr>
-          <a:xfrm>
-            <a:off x="2063750" y="1700214"/>
-            <a:ext cx="8135938" cy="1152525"/>
-          </a:xfrm>
-          <a:prstGeom prst="rect">
-            <a:avLst/>
-          </a:prstGeom>
-          <a:solidFill>
-            <a:schemeClr val="bg1"/>
-          </a:solidFill>
-          <a:ln>
-            <a:noFill/>
-          </a:ln>
-        </p:spPr>
-        <p:style>
-          <a:lnRef idx="2">
-            <a:schemeClr val="accent1">
-              <a:shade val="50000"/>
-            </a:schemeClr>
-          </a:lnRef>
-          <a:fillRef idx="1">
-            <a:schemeClr val="accent1"/>
-          </a:fillRef>
-          <a:effectRef idx="0">
-            <a:schemeClr val="accent1"/>
-          </a:effectRef>
-          <a:fontRef idx="minor">
-            <a:schemeClr val="lt1"/>
-          </a:fontRef>
-        </p:style>
-        <p:txBody>
-          <a:bodyPr anchor="ctr"/>
-          <a:lstStyle/>
-          <a:p>
-            <a:pPr algn="ctr">
-              <a:defRPr/>
-            </a:pPr>
-            <a:endParaRPr lang="en-IE"/>
-          </a:p>
-        </p:txBody>
-      </p:sp>
-      <p:pic>
-        <p:nvPicPr>
-          <p:cNvPr id="43013" name="Picture 5"/>
-          <p:cNvPicPr>
-            <a:picLocks noChangeAspect="1" noChangeArrowheads="1"/>
-          </p:cNvPicPr>
-          <p:nvPr/>
-        </p:nvPicPr>
-        <p:blipFill>
-          <a:blip r:embed="rId3">
-            <a:extLst>
-              <a:ext uri="{28A0092B-C50C-407E-A947-70E740481C1C}">
-                <a14:useLocalDpi xmlns:a14="http://schemas.microsoft.com/office/drawing/2010/main" val="0"/>
-              </a:ext>
-            </a:extLst>
-          </a:blip>
-          <a:srcRect/>
-          <a:stretch>
-            <a:fillRect/>
-          </a:stretch>
-        </p:blipFill>
-        <p:spPr bwMode="auto">
-          <a:xfrm>
-            <a:off x="2060576" y="2852739"/>
-            <a:ext cx="8266113" cy="936625"/>
-          </a:xfrm>
-          <a:prstGeom prst="rect">
-            <a:avLst/>
-          </a:prstGeom>
-          <a:noFill/>
-          <a:ln>
-            <a:noFill/>
-          </a:ln>
-          <a:effectLst/>
-          <a:extLst>
-            <a:ext uri="{909E8E84-426E-40DD-AFC4-6F175D3DCCD1}">
-              <a14:hiddenFill xmlns:a14="http://schemas.microsoft.com/office/drawing/2010/main">
-                <a:solidFill>
-                  <a:schemeClr val="accent1"/>
-                </a:solidFill>
-              </a14:hiddenFill>
-            </a:ext>
-            <a:ext uri="{91240B29-F687-4F45-9708-019B960494DF}">
-              <a14:hiddenLine xmlns:a14="http://schemas.microsoft.com/office/drawing/2010/main" w="9525">
-                <a:solidFill>
-                  <a:schemeClr val="tx1"/>
-                </a:solidFill>
-                <a:miter lim="800000"/>
-                <a:headEnd/>
-                <a:tailEnd/>
-              </a14:hiddenLine>
-            </a:ext>
-            <a:ext uri="{AF507438-7753-43E0-B8FC-AC1667EBCBE1}">
-              <a14:hiddenEffects xmlns:a14="http://schemas.microsoft.com/office/drawing/2010/main">
-                <a:effectLst>
-                  <a:outerShdw dist="35921" dir="2700000" algn="ctr" rotWithShape="0">
-                    <a:schemeClr val="bg2"/>
-                  </a:outerShdw>
-                </a:effectLst>
-              </a14:hiddenEffects>
-            </a:ext>
-          </a:extLst>
-        </p:spPr>
-      </p:pic>
-      <p:sp>
-        <p:nvSpPr>
-          <p:cNvPr id="3" name="Rectangle 2"/>
-          <p:cNvSpPr/>
-          <p:nvPr/>
-        </p:nvSpPr>
-        <p:spPr>
-          <a:xfrm>
-            <a:off x="2081214" y="3644901"/>
-            <a:ext cx="6192837" cy="1800225"/>
-          </a:xfrm>
-          <a:prstGeom prst="rect">
-            <a:avLst/>
-          </a:prstGeom>
-          <a:solidFill>
-            <a:schemeClr val="bg1"/>
-          </a:solidFill>
-          <a:ln>
-            <a:noFill/>
-          </a:ln>
-        </p:spPr>
-        <p:style>
-          <a:lnRef idx="2">
-            <a:schemeClr val="accent1">
-              <a:shade val="50000"/>
-            </a:schemeClr>
-          </a:lnRef>
-          <a:fillRef idx="1">
-            <a:schemeClr val="accent1"/>
-          </a:fillRef>
-          <a:effectRef idx="0">
-            <a:schemeClr val="accent1"/>
-          </a:effectRef>
-          <a:fontRef idx="minor">
-            <a:schemeClr val="lt1"/>
-          </a:fontRef>
-        </p:style>
-        <p:txBody>
-          <a:bodyPr anchor="ctr"/>
-          <a:lstStyle/>
-          <a:p>
-            <a:pPr algn="ctr">
-              <a:defRPr/>
-            </a:pPr>
-            <a:endParaRPr lang="en-IE"/>
-          </a:p>
-        </p:txBody>
-      </p:sp>
-      <p:sp>
-        <p:nvSpPr>
-          <p:cNvPr id="5" name="Rectangle 4"/>
-          <p:cNvSpPr/>
-          <p:nvPr/>
-        </p:nvSpPr>
-        <p:spPr>
-          <a:xfrm>
-            <a:off x="2063750" y="5589589"/>
-            <a:ext cx="5111750" cy="422275"/>
-          </a:xfrm>
-          <a:prstGeom prst="rect">
-            <a:avLst/>
-          </a:prstGeom>
-          <a:solidFill>
-            <a:schemeClr val="bg1"/>
-          </a:solidFill>
-          <a:ln>
-            <a:noFill/>
-          </a:ln>
-        </p:spPr>
-        <p:style>
-          <a:lnRef idx="2">
-            <a:schemeClr val="accent1">
-              <a:shade val="50000"/>
-            </a:schemeClr>
-          </a:lnRef>
-          <a:fillRef idx="1">
-            <a:schemeClr val="accent1"/>
-          </a:fillRef>
-          <a:effectRef idx="0">
-            <a:schemeClr val="accent1"/>
-          </a:effectRef>
-          <a:fontRef idx="minor">
-            <a:schemeClr val="lt1"/>
-          </a:fontRef>
-        </p:style>
-        <p:txBody>
-          <a:bodyPr anchor="ctr"/>
-          <a:lstStyle/>
-          <a:p>
-            <a:pPr algn="ctr">
-              <a:defRPr/>
-            </a:pPr>
-            <a:endParaRPr lang="en-IE"/>
-          </a:p>
-        </p:txBody>
-      </p:sp>
-    </p:spTree>
-    <p:extLst>
-      <p:ext uri="{BB962C8B-B14F-4D97-AF65-F5344CB8AC3E}">
-        <p14:creationId xmlns:p14="http://schemas.microsoft.com/office/powerpoint/2010/main" val="1051636114"/>
       </p:ext>
     </p:extLst>
   </p:cSld>
@@ -5491,206 +5139,39 @@
               <p:cTn id="2" dur="indefinite" nodeType="mainSeq">
                 <p:childTnLst>
                   <p:par>
-                    <p:cTn id="3" fill="hold" nodeType="clickPar">
+                    <p:cTn id="3" fill="hold">
                       <p:stCondLst>
                         <p:cond delay="indefinite"/>
                       </p:stCondLst>
                       <p:childTnLst>
                         <p:par>
-                          <p:cTn id="4" fill="hold" nodeType="withGroup">
+                          <p:cTn id="4" fill="hold">
                             <p:stCondLst>
                               <p:cond delay="0"/>
                             </p:stCondLst>
                             <p:childTnLst>
                               <p:par>
-                                <p:cTn id="5" presetID="10" presetClass="exit" presetSubtype="0" fill="hold" grpId="0" nodeType="clickEffect">
+                                <p:cTn id="5" presetID="1" presetClass="entr" presetSubtype="0" fill="hold" grpId="0" nodeType="clickEffect">
                                   <p:stCondLst>
                                     <p:cond delay="0"/>
                                   </p:stCondLst>
                                   <p:childTnLst>
-                                    <p:animEffect transition="out" filter="fade">
-                                      <p:cBhvr>
-                                        <p:cTn id="6" dur="500"/>
-                                        <p:tgtEl>
-                                          <p:spTgt spid="2"/>
-                                        </p:tgtEl>
-                                      </p:cBhvr>
-                                    </p:animEffect>
                                     <p:set>
                                       <p:cBhvr>
-                                        <p:cTn id="7" dur="1" fill="hold">
+                                        <p:cTn id="6" dur="1" fill="hold">
                                           <p:stCondLst>
-                                            <p:cond delay="499"/>
+                                            <p:cond delay="0"/>
                                           </p:stCondLst>
                                         </p:cTn>
                                         <p:tgtEl>
-                                          <p:spTgt spid="2"/>
+                                          <p:spTgt spid="18"/>
                                         </p:tgtEl>
                                         <p:attrNameLst>
                                           <p:attrName>style.visibility</p:attrName>
                                         </p:attrNameLst>
                                       </p:cBhvr>
                                       <p:to>
-                                        <p:strVal val="hidden"/>
-                                      </p:to>
-                                    </p:set>
-                                  </p:childTnLst>
-                                </p:cTn>
-                              </p:par>
-                            </p:childTnLst>
-                          </p:cTn>
-                        </p:par>
-                      </p:childTnLst>
-                    </p:cTn>
-                  </p:par>
-                  <p:par>
-                    <p:cTn id="8" fill="hold" nodeType="clickPar">
-                      <p:stCondLst>
-                        <p:cond delay="indefinite"/>
-                      </p:stCondLst>
-                      <p:childTnLst>
-                        <p:par>
-                          <p:cTn id="9" fill="hold" nodeType="withGroup">
-                            <p:stCondLst>
-                              <p:cond delay="0"/>
-                            </p:stCondLst>
-                            <p:childTnLst>
-                              <p:par>
-                                <p:cTn id="10" presetID="10" presetClass="exit" presetSubtype="0" fill="hold" nodeType="clickEffect">
-                                  <p:stCondLst>
-                                    <p:cond delay="0"/>
-                                  </p:stCondLst>
-                                  <p:childTnLst>
-                                    <p:animEffect transition="out" filter="fade">
-                                      <p:cBhvr>
-                                        <p:cTn id="11" dur="500"/>
-                                        <p:tgtEl>
-                                          <p:spTgt spid="43013"/>
-                                        </p:tgtEl>
-                                      </p:cBhvr>
-                                    </p:animEffect>
-                                    <p:set>
-                                      <p:cBhvr>
-                                        <p:cTn id="12" dur="1" fill="hold">
-                                          <p:stCondLst>
-                                            <p:cond delay="499"/>
-                                          </p:stCondLst>
-                                        </p:cTn>
-                                        <p:tgtEl>
-                                          <p:spTgt spid="43013"/>
-                                        </p:tgtEl>
-                                        <p:attrNameLst>
-                                          <p:attrName>style.visibility</p:attrName>
-                                        </p:attrNameLst>
-                                      </p:cBhvr>
-                                      <p:to>
-                                        <p:strVal val="hidden"/>
-                                      </p:to>
-                                    </p:set>
-                                  </p:childTnLst>
-                                </p:cTn>
-                              </p:par>
-                            </p:childTnLst>
-                          </p:cTn>
-                        </p:par>
-                      </p:childTnLst>
-                    </p:cTn>
-                  </p:par>
-                  <p:par>
-                    <p:cTn id="13" fill="hold" nodeType="clickPar">
-                      <p:stCondLst>
-                        <p:cond delay="indefinite"/>
-                      </p:stCondLst>
-                      <p:childTnLst>
-                        <p:par>
-                          <p:cTn id="14" fill="hold" nodeType="withGroup">
-                            <p:stCondLst>
-                              <p:cond delay="0"/>
-                            </p:stCondLst>
-                            <p:childTnLst>
-                              <p:par>
-                                <p:cTn id="15" presetID="10" presetClass="exit" presetSubtype="0" fill="hold" grpId="0" nodeType="clickEffect">
-                                  <p:stCondLst>
-                                    <p:cond delay="0"/>
-                                  </p:stCondLst>
-                                  <p:childTnLst>
-                                    <p:animEffect transition="out" filter="fade">
-                                      <p:cBhvr>
-                                        <p:cTn id="16" dur="500"/>
-                                        <p:tgtEl>
-                                          <p:spTgt spid="3"/>
-                                        </p:tgtEl>
-                                      </p:cBhvr>
-                                    </p:animEffect>
-                                    <p:set>
-                                      <p:cBhvr>
-                                        <p:cTn id="17" dur="1" fill="hold">
-                                          <p:stCondLst>
-                                            <p:cond delay="499"/>
-                                          </p:stCondLst>
-                                        </p:cTn>
-                                        <p:tgtEl>
-                                          <p:spTgt spid="3"/>
-                                        </p:tgtEl>
-                                        <p:attrNameLst>
-                                          <p:attrName>style.visibility</p:attrName>
-                                        </p:attrNameLst>
-                                      </p:cBhvr>
-                                      <p:to>
-                                        <p:strVal val="hidden"/>
-                                      </p:to>
-                                    </p:set>
-                                  </p:childTnLst>
-                                </p:cTn>
-                              </p:par>
-                            </p:childTnLst>
-                          </p:cTn>
-                        </p:par>
-                      </p:childTnLst>
-                    </p:cTn>
-                  </p:par>
-                  <p:par>
-                    <p:cTn id="18" fill="hold" nodeType="clickPar">
-                      <p:stCondLst>
-                        <p:cond delay="indefinite"/>
-                      </p:stCondLst>
-                      <p:childTnLst>
-                        <p:par>
-                          <p:cTn id="19" fill="hold" nodeType="withGroup">
-                            <p:stCondLst>
-                              <p:cond delay="0"/>
-                            </p:stCondLst>
-                            <p:childTnLst>
-                              <p:par>
-                                <p:cTn id="20" presetID="10" presetClass="exit" presetSubtype="0" fill="hold" grpId="0" nodeType="clickEffect">
-                                  <p:stCondLst>
-                                    <p:cond delay="0"/>
-                                  </p:stCondLst>
-                                  <p:childTnLst>
-                                    <p:animEffect transition="out" filter="fade">
-                                      <p:cBhvr>
-                                        <p:cTn id="21" dur="500"/>
-                                        <p:tgtEl>
-                                          <p:spTgt spid="5"/>
-                                        </p:tgtEl>
-                                      </p:cBhvr>
-                                    </p:animEffect>
-                                    <p:set>
-                                      <p:cBhvr>
-                                        <p:cTn id="22" dur="1" fill="hold">
-                                          <p:stCondLst>
-                                            <p:cond delay="499"/>
-                                          </p:stCondLst>
-                                        </p:cTn>
-                                        <p:tgtEl>
-                                          <p:spTgt spid="5"/>
-                                        </p:tgtEl>
-                                        <p:attrNameLst>
-                                          <p:attrName>style.visibility</p:attrName>
-                                        </p:attrNameLst>
-                                      </p:cBhvr>
-                                      <p:to>
-                                        <p:strVal val="hidden"/>
+                                        <p:strVal val="visible"/>
                                       </p:to>
                                     </p:set>
                                   </p:childTnLst>
@@ -5724,9 +5205,2030 @@
       </p:par>
     </p:tnLst>
     <p:bldLst>
-      <p:bldP spid="2" grpId="0" animBg="1"/>
-      <p:bldP spid="3" grpId="0" animBg="1"/>
-      <p:bldP spid="5" grpId="0" animBg="1"/>
+      <p:bldP spid="18" grpId="0"/>
+    </p:bldLst>
+  </p:timing>
+</p:sld>
+</file>
+
+<file path=ppt/slides/slide3.xml><?xml version="1.0" encoding="utf-8"?>
+<p:sld xmlns:a="http://schemas.openxmlformats.org/drawingml/2006/main" xmlns:r="http://schemas.openxmlformats.org/officeDocument/2006/relationships" xmlns:p="http://schemas.openxmlformats.org/presentationml/2006/main">
+  <p:cSld>
+    <p:spTree>
+      <p:nvGrpSpPr>
+        <p:cNvPr id="1" name=""/>
+        <p:cNvGrpSpPr/>
+        <p:nvPr/>
+      </p:nvGrpSpPr>
+      <p:grpSpPr>
+        <a:xfrm>
+          <a:off x="0" y="0"/>
+          <a:ext cx="0" cy="0"/>
+          <a:chOff x="0" y="0"/>
+          <a:chExt cx="0" cy="0"/>
+        </a:xfrm>
+      </p:grpSpPr>
+      <p:sp>
+        <p:nvSpPr>
+          <p:cNvPr id="2" name="Title 1">
+            <a:extLst>
+              <a:ext uri="{FF2B5EF4-FFF2-40B4-BE49-F238E27FC236}">
+                <a16:creationId xmlns:a16="http://schemas.microsoft.com/office/drawing/2014/main" id="{7510116C-1ADA-FDA6-6F7E-360890477E0F}"/>
+              </a:ext>
+            </a:extLst>
+          </p:cNvPr>
+          <p:cNvSpPr>
+            <a:spLocks noGrp="1"/>
+          </p:cNvSpPr>
+          <p:nvPr>
+            <p:ph type="title"/>
+          </p:nvPr>
+        </p:nvSpPr>
+        <p:spPr/>
+        <p:txBody>
+          <a:bodyPr/>
+          <a:lstStyle/>
+          <a:p>
+            <a:r>
+              <a:rPr lang="en-GB" dirty="0"/>
+              <a:t>Basis Functions</a:t>
+            </a:r>
+          </a:p>
+        </p:txBody>
+      </p:sp>
+      <mc:AlternateContent xmlns:mc="http://schemas.openxmlformats.org/markup-compatibility/2006">
+        <mc:Choice xmlns:a14="http://schemas.microsoft.com/office/drawing/2010/main" Requires="a14">
+          <p:sp>
+            <p:nvSpPr>
+              <p:cNvPr id="3" name="Content Placeholder 2">
+                <a:extLst>
+                  <a:ext uri="{FF2B5EF4-FFF2-40B4-BE49-F238E27FC236}">
+                    <a16:creationId xmlns:a16="http://schemas.microsoft.com/office/drawing/2014/main" id="{F0372D8D-8985-5EC4-A2AE-DDF339570C17}"/>
+                  </a:ext>
+                </a:extLst>
+              </p:cNvPr>
+              <p:cNvSpPr>
+                <a:spLocks noGrp="1"/>
+              </p:cNvSpPr>
+              <p:nvPr>
+                <p:ph idx="1"/>
+              </p:nvPr>
+            </p:nvSpPr>
+            <p:spPr>
+              <a:xfrm>
+                <a:off x="838200" y="1524000"/>
+                <a:ext cx="10515600" cy="4652963"/>
+              </a:xfrm>
+            </p:spPr>
+            <p:txBody>
+              <a:bodyPr/>
+              <a:lstStyle/>
+              <a:p>
+                <a:r>
+                  <a:rPr lang="en-GB" dirty="0"/>
+                  <a:t>Set of </a:t>
+                </a:r>
+                <a14:m>
+                  <m:oMath xmlns:m="http://schemas.openxmlformats.org/officeDocument/2006/math">
+                    <m:r>
+                      <a:rPr lang="en-IE" b="0" i="1" smtClean="0">
+                        <a:latin typeface="Cambria Math" panose="02040503050406030204" pitchFamily="18" charset="0"/>
+                      </a:rPr>
+                      <m:t>𝐾</m:t>
+                    </m:r>
+                  </m:oMath>
+                </a14:m>
+                <a:r>
+                  <a:rPr lang="en-GB" dirty="0"/>
+                  <a:t> known functions </a:t>
+                </a:r>
+                <a14:m>
+                  <m:oMath xmlns:m="http://schemas.openxmlformats.org/officeDocument/2006/math">
+                    <m:sSub>
+                      <m:sSubPr>
+                        <m:ctrlPr>
+                          <a:rPr lang="en-IE" b="0" i="1" smtClean="0">
+                            <a:latin typeface="Cambria Math" panose="02040503050406030204" pitchFamily="18" charset="0"/>
+                          </a:rPr>
+                        </m:ctrlPr>
+                      </m:sSubPr>
+                      <m:e>
+                        <m:r>
+                          <a:rPr lang="en-IE" b="0" i="1" smtClean="0">
+                            <a:latin typeface="Cambria Math" panose="02040503050406030204" pitchFamily="18" charset="0"/>
+                          </a:rPr>
+                          <m:t>𝜙</m:t>
+                        </m:r>
+                      </m:e>
+                      <m:sub>
+                        <m:r>
+                          <a:rPr lang="en-IE" b="0" i="1" smtClean="0">
+                            <a:latin typeface="Cambria Math" panose="02040503050406030204" pitchFamily="18" charset="0"/>
+                          </a:rPr>
+                          <m:t>1</m:t>
+                        </m:r>
+                      </m:sub>
+                    </m:sSub>
+                    <m:d>
+                      <m:dPr>
+                        <m:ctrlPr>
+                          <a:rPr lang="en-IE" b="0" i="1" smtClean="0">
+                            <a:latin typeface="Cambria Math" panose="02040503050406030204" pitchFamily="18" charset="0"/>
+                          </a:rPr>
+                        </m:ctrlPr>
+                      </m:dPr>
+                      <m:e>
+                        <m:r>
+                          <a:rPr lang="en-IE" b="0" i="1" smtClean="0">
+                            <a:latin typeface="Cambria Math" panose="02040503050406030204" pitchFamily="18" charset="0"/>
+                          </a:rPr>
+                          <m:t>𝑡</m:t>
+                        </m:r>
+                      </m:e>
+                    </m:d>
+                    <m:r>
+                      <a:rPr lang="en-IE" b="0" i="1" smtClean="0">
+                        <a:latin typeface="Cambria Math" panose="02040503050406030204" pitchFamily="18" charset="0"/>
+                      </a:rPr>
+                      <m:t>, …,</m:t>
+                    </m:r>
+                    <m:sSub>
+                      <m:sSubPr>
+                        <m:ctrlPr>
+                          <a:rPr lang="en-IE" b="0" i="1" smtClean="0">
+                            <a:latin typeface="Cambria Math" panose="02040503050406030204" pitchFamily="18" charset="0"/>
+                          </a:rPr>
+                        </m:ctrlPr>
+                      </m:sSubPr>
+                      <m:e>
+                        <m:r>
+                          <a:rPr lang="en-IE" b="0" i="1" smtClean="0">
+                            <a:latin typeface="Cambria Math" panose="02040503050406030204" pitchFamily="18" charset="0"/>
+                          </a:rPr>
+                          <m:t>𝜙</m:t>
+                        </m:r>
+                      </m:e>
+                      <m:sub>
+                        <m:r>
+                          <a:rPr lang="en-IE" b="0" i="1" smtClean="0">
+                            <a:latin typeface="Cambria Math" panose="02040503050406030204" pitchFamily="18" charset="0"/>
+                          </a:rPr>
+                          <m:t>𝐾</m:t>
+                        </m:r>
+                      </m:sub>
+                    </m:sSub>
+                    <m:r>
+                      <a:rPr lang="en-IE" b="0" i="1" smtClean="0">
+                        <a:latin typeface="Cambria Math" panose="02040503050406030204" pitchFamily="18" charset="0"/>
+                      </a:rPr>
+                      <m:t>(</m:t>
+                    </m:r>
+                    <m:r>
+                      <a:rPr lang="en-IE" b="0" i="1" smtClean="0">
+                        <a:latin typeface="Cambria Math" panose="02040503050406030204" pitchFamily="18" charset="0"/>
+                      </a:rPr>
+                      <m:t>𝑡</m:t>
+                    </m:r>
+                    <m:r>
+                      <a:rPr lang="en-IE" b="0" i="1" smtClean="0">
+                        <a:latin typeface="Cambria Math" panose="02040503050406030204" pitchFamily="18" charset="0"/>
+                      </a:rPr>
+                      <m:t>)</m:t>
+                    </m:r>
+                  </m:oMath>
+                </a14:m>
+                <a:endParaRPr lang="en-GB" dirty="0"/>
+              </a:p>
+              <a:p>
+                <a:r>
+                  <a:rPr lang="en-GB" dirty="0"/>
+                  <a:t>Can use a linear combination (or “weighted sum”) of them to approximate any function to a desired degree by making </a:t>
+                </a:r>
+                <a14:m>
+                  <m:oMath xmlns:m="http://schemas.openxmlformats.org/officeDocument/2006/math">
+                    <m:r>
+                      <a:rPr lang="en-IE" b="0" i="1" smtClean="0">
+                        <a:latin typeface="Cambria Math" panose="02040503050406030204" pitchFamily="18" charset="0"/>
+                      </a:rPr>
+                      <m:t>𝐾</m:t>
+                    </m:r>
+                  </m:oMath>
+                </a14:m>
+                <a:r>
+                  <a:rPr lang="en-GB" dirty="0"/>
+                  <a:t> sufficiently large.</a:t>
+                </a:r>
+              </a:p>
+              <a:p>
+                <a:pPr marL="0" indent="0">
+                  <a:buNone/>
+                </a:pPr>
+                <a:endParaRPr lang="en-GB" dirty="0"/>
+              </a:p>
+            </p:txBody>
+          </p:sp>
+        </mc:Choice>
+        <mc:Fallback>
+          <p:sp>
+            <p:nvSpPr>
+              <p:cNvPr id="3" name="Content Placeholder 2">
+                <a:extLst>
+                  <a:ext uri="{FF2B5EF4-FFF2-40B4-BE49-F238E27FC236}">
+                    <a16:creationId xmlns:a16="http://schemas.microsoft.com/office/drawing/2014/main" id="{F0372D8D-8985-5EC4-A2AE-DDF339570C17}"/>
+                  </a:ext>
+                </a:extLst>
+              </p:cNvPr>
+              <p:cNvSpPr>
+                <a:spLocks noGrp="1" noRot="1" noChangeAspect="1" noMove="1" noResize="1" noEditPoints="1" noAdjustHandles="1" noChangeArrowheads="1" noChangeShapeType="1" noTextEdit="1"/>
+              </p:cNvSpPr>
+              <p:nvPr>
+                <p:ph idx="1"/>
+              </p:nvPr>
+            </p:nvSpPr>
+            <p:spPr>
+              <a:xfrm>
+                <a:off x="838200" y="1524000"/>
+                <a:ext cx="10515600" cy="4652963"/>
+              </a:xfrm>
+              <a:blipFill>
+                <a:blip r:embed="rId2"/>
+                <a:stretch>
+                  <a:fillRect l="-1086" t="-2452"/>
+                </a:stretch>
+              </a:blipFill>
+            </p:spPr>
+            <p:txBody>
+              <a:bodyPr/>
+              <a:lstStyle/>
+              <a:p>
+                <a:r>
+                  <a:rPr lang="en-GB">
+                    <a:noFill/>
+                  </a:rPr>
+                  <a:t> </a:t>
+                </a:r>
+              </a:p>
+            </p:txBody>
+          </p:sp>
+        </mc:Fallback>
+      </mc:AlternateContent>
+      <p:pic>
+        <p:nvPicPr>
+          <p:cNvPr id="5" name="Picture 4">
+            <a:extLst>
+              <a:ext uri="{FF2B5EF4-FFF2-40B4-BE49-F238E27FC236}">
+                <a16:creationId xmlns:a16="http://schemas.microsoft.com/office/drawing/2014/main" id="{CFD42447-C84C-D4E4-4383-A82E3DF7D691}"/>
+              </a:ext>
+            </a:extLst>
+          </p:cNvPr>
+          <p:cNvPicPr>
+            <a:picLocks noChangeAspect="1"/>
+          </p:cNvPicPr>
+          <p:nvPr/>
+        </p:nvPicPr>
+        <p:blipFill>
+          <a:blip r:embed="rId3"/>
+          <a:stretch>
+            <a:fillRect/>
+          </a:stretch>
+        </p:blipFill>
+        <p:spPr>
+          <a:xfrm>
+            <a:off x="2534125" y="3276600"/>
+            <a:ext cx="7123749" cy="3397250"/>
+          </a:xfrm>
+          <a:prstGeom prst="rect">
+            <a:avLst/>
+          </a:prstGeom>
+        </p:spPr>
+      </p:pic>
+    </p:spTree>
+    <p:extLst>
+      <p:ext uri="{BB962C8B-B14F-4D97-AF65-F5344CB8AC3E}">
+        <p14:creationId xmlns:p14="http://schemas.microsoft.com/office/powerpoint/2010/main" val="396589393"/>
+      </p:ext>
+    </p:extLst>
+  </p:cSld>
+  <p:clrMapOvr>
+    <a:masterClrMapping/>
+  </p:clrMapOvr>
+  <p:timing>
+    <p:tnLst>
+      <p:par>
+        <p:cTn id="1" dur="indefinite" restart="never" nodeType="tmRoot">
+          <p:childTnLst>
+            <p:seq concurrent="1" nextAc="seek">
+              <p:cTn id="2" dur="indefinite" nodeType="mainSeq">
+                <p:childTnLst>
+                  <p:par>
+                    <p:cTn id="3" fill="hold">
+                      <p:stCondLst>
+                        <p:cond delay="indefinite"/>
+                      </p:stCondLst>
+                      <p:childTnLst>
+                        <p:par>
+                          <p:cTn id="4" fill="hold">
+                            <p:stCondLst>
+                              <p:cond delay="0"/>
+                            </p:stCondLst>
+                            <p:childTnLst>
+                              <p:par>
+                                <p:cTn id="5" presetID="1" presetClass="entr" presetSubtype="0" fill="hold" nodeType="clickEffect">
+                                  <p:stCondLst>
+                                    <p:cond delay="0"/>
+                                  </p:stCondLst>
+                                  <p:childTnLst>
+                                    <p:set>
+                                      <p:cBhvr>
+                                        <p:cTn id="6" dur="1" fill="hold">
+                                          <p:stCondLst>
+                                            <p:cond delay="0"/>
+                                          </p:stCondLst>
+                                        </p:cTn>
+                                        <p:tgtEl>
+                                          <p:spTgt spid="3">
+                                            <p:txEl>
+                                              <p:pRg st="0" end="0"/>
+                                            </p:txEl>
+                                          </p:spTgt>
+                                        </p:tgtEl>
+                                        <p:attrNameLst>
+                                          <p:attrName>style.visibility</p:attrName>
+                                        </p:attrNameLst>
+                                      </p:cBhvr>
+                                      <p:to>
+                                        <p:strVal val="visible"/>
+                                      </p:to>
+                                    </p:set>
+                                  </p:childTnLst>
+                                </p:cTn>
+                              </p:par>
+                            </p:childTnLst>
+                          </p:cTn>
+                        </p:par>
+                      </p:childTnLst>
+                    </p:cTn>
+                  </p:par>
+                  <p:par>
+                    <p:cTn id="7" fill="hold">
+                      <p:stCondLst>
+                        <p:cond delay="indefinite"/>
+                      </p:stCondLst>
+                      <p:childTnLst>
+                        <p:par>
+                          <p:cTn id="8" fill="hold">
+                            <p:stCondLst>
+                              <p:cond delay="0"/>
+                            </p:stCondLst>
+                            <p:childTnLst>
+                              <p:par>
+                                <p:cTn id="9" presetID="1" presetClass="entr" presetSubtype="0" fill="hold" nodeType="clickEffect">
+                                  <p:stCondLst>
+                                    <p:cond delay="0"/>
+                                  </p:stCondLst>
+                                  <p:childTnLst>
+                                    <p:set>
+                                      <p:cBhvr>
+                                        <p:cTn id="10" dur="1" fill="hold">
+                                          <p:stCondLst>
+                                            <p:cond delay="0"/>
+                                          </p:stCondLst>
+                                        </p:cTn>
+                                        <p:tgtEl>
+                                          <p:spTgt spid="3">
+                                            <p:txEl>
+                                              <p:pRg st="1" end="1"/>
+                                            </p:txEl>
+                                          </p:spTgt>
+                                        </p:tgtEl>
+                                        <p:attrNameLst>
+                                          <p:attrName>style.visibility</p:attrName>
+                                        </p:attrNameLst>
+                                      </p:cBhvr>
+                                      <p:to>
+                                        <p:strVal val="visible"/>
+                                      </p:to>
+                                    </p:set>
+                                  </p:childTnLst>
+                                </p:cTn>
+                              </p:par>
+                            </p:childTnLst>
+                          </p:cTn>
+                        </p:par>
+                      </p:childTnLst>
+                    </p:cTn>
+                  </p:par>
+                  <p:par>
+                    <p:cTn id="11" fill="hold">
+                      <p:stCondLst>
+                        <p:cond delay="indefinite"/>
+                      </p:stCondLst>
+                      <p:childTnLst>
+                        <p:par>
+                          <p:cTn id="12" fill="hold">
+                            <p:stCondLst>
+                              <p:cond delay="0"/>
+                            </p:stCondLst>
+                            <p:childTnLst>
+                              <p:par>
+                                <p:cTn id="13" presetID="1" presetClass="entr" presetSubtype="0" fill="hold" nodeType="clickEffect">
+                                  <p:stCondLst>
+                                    <p:cond delay="0"/>
+                                  </p:stCondLst>
+                                  <p:childTnLst>
+                                    <p:set>
+                                      <p:cBhvr>
+                                        <p:cTn id="14" dur="1" fill="hold">
+                                          <p:stCondLst>
+                                            <p:cond delay="0"/>
+                                          </p:stCondLst>
+                                        </p:cTn>
+                                        <p:tgtEl>
+                                          <p:spTgt spid="5"/>
+                                        </p:tgtEl>
+                                        <p:attrNameLst>
+                                          <p:attrName>style.visibility</p:attrName>
+                                        </p:attrNameLst>
+                                      </p:cBhvr>
+                                      <p:to>
+                                        <p:strVal val="visible"/>
+                                      </p:to>
+                                    </p:set>
+                                  </p:childTnLst>
+                                </p:cTn>
+                              </p:par>
+                            </p:childTnLst>
+                          </p:cTn>
+                        </p:par>
+                      </p:childTnLst>
+                    </p:cTn>
+                  </p:par>
+                </p:childTnLst>
+              </p:cTn>
+              <p:prevCondLst>
+                <p:cond evt="onPrev" delay="0">
+                  <p:tgtEl>
+                    <p:sldTgt/>
+                  </p:tgtEl>
+                </p:cond>
+              </p:prevCondLst>
+              <p:nextCondLst>
+                <p:cond evt="onNext" delay="0">
+                  <p:tgtEl>
+                    <p:sldTgt/>
+                  </p:tgtEl>
+                </p:cond>
+              </p:nextCondLst>
+            </p:seq>
+          </p:childTnLst>
+        </p:cTn>
+      </p:par>
+    </p:tnLst>
+  </p:timing>
+</p:sld>
+</file>
+
+<file path=ppt/slides/slide4.xml><?xml version="1.0" encoding="utf-8"?>
+<p:sld xmlns:a="http://schemas.openxmlformats.org/drawingml/2006/main" xmlns:r="http://schemas.openxmlformats.org/officeDocument/2006/relationships" xmlns:p="http://schemas.openxmlformats.org/presentationml/2006/main">
+  <p:cSld>
+    <p:spTree>
+      <p:nvGrpSpPr>
+        <p:cNvPr id="1" name=""/>
+        <p:cNvGrpSpPr/>
+        <p:nvPr/>
+      </p:nvGrpSpPr>
+      <p:grpSpPr>
+        <a:xfrm>
+          <a:off x="0" y="0"/>
+          <a:ext cx="0" cy="0"/>
+          <a:chOff x="0" y="0"/>
+          <a:chExt cx="0" cy="0"/>
+        </a:xfrm>
+      </p:grpSpPr>
+      <p:sp>
+        <p:nvSpPr>
+          <p:cNvPr id="2" name="Title 1">
+            <a:extLst>
+              <a:ext uri="{FF2B5EF4-FFF2-40B4-BE49-F238E27FC236}">
+                <a16:creationId xmlns:a16="http://schemas.microsoft.com/office/drawing/2014/main" id="{7510116C-1ADA-FDA6-6F7E-360890477E0F}"/>
+              </a:ext>
+            </a:extLst>
+          </p:cNvPr>
+          <p:cNvSpPr>
+            <a:spLocks noGrp="1"/>
+          </p:cNvSpPr>
+          <p:nvPr>
+            <p:ph type="title"/>
+          </p:nvPr>
+        </p:nvSpPr>
+        <p:spPr/>
+        <p:txBody>
+          <a:bodyPr/>
+          <a:lstStyle/>
+          <a:p>
+            <a:r>
+              <a:rPr lang="en-GB" dirty="0"/>
+              <a:t>Basis Functions</a:t>
+            </a:r>
+          </a:p>
+        </p:txBody>
+      </p:sp>
+      <mc:AlternateContent xmlns:mc="http://schemas.openxmlformats.org/markup-compatibility/2006">
+        <mc:Choice xmlns:a14="http://schemas.microsoft.com/office/drawing/2010/main" Requires="a14">
+          <p:sp>
+            <p:nvSpPr>
+              <p:cNvPr id="3" name="Content Placeholder 2">
+                <a:extLst>
+                  <a:ext uri="{FF2B5EF4-FFF2-40B4-BE49-F238E27FC236}">
+                    <a16:creationId xmlns:a16="http://schemas.microsoft.com/office/drawing/2014/main" id="{F0372D8D-8985-5EC4-A2AE-DDF339570C17}"/>
+                  </a:ext>
+                </a:extLst>
+              </p:cNvPr>
+              <p:cNvSpPr>
+                <a:spLocks noGrp="1"/>
+              </p:cNvSpPr>
+              <p:nvPr>
+                <p:ph idx="1"/>
+              </p:nvPr>
+            </p:nvSpPr>
+            <p:spPr>
+              <a:xfrm>
+                <a:off x="838200" y="1524000"/>
+                <a:ext cx="10515600" cy="4652963"/>
+              </a:xfrm>
+            </p:spPr>
+            <p:txBody>
+              <a:bodyPr/>
+              <a:lstStyle/>
+              <a:p>
+                <a:r>
+                  <a:rPr lang="en-GB" dirty="0"/>
+                  <a:t>Set of </a:t>
+                </a:r>
+                <a14:m>
+                  <m:oMath xmlns:m="http://schemas.openxmlformats.org/officeDocument/2006/math">
+                    <m:r>
+                      <a:rPr lang="en-IE" b="0" i="1" smtClean="0">
+                        <a:latin typeface="Cambria Math" panose="02040503050406030204" pitchFamily="18" charset="0"/>
+                      </a:rPr>
+                      <m:t>𝐾</m:t>
+                    </m:r>
+                  </m:oMath>
+                </a14:m>
+                <a:r>
+                  <a:rPr lang="en-GB" dirty="0"/>
+                  <a:t> known functions </a:t>
+                </a:r>
+                <a14:m>
+                  <m:oMath xmlns:m="http://schemas.openxmlformats.org/officeDocument/2006/math">
+                    <m:sSub>
+                      <m:sSubPr>
+                        <m:ctrlPr>
+                          <a:rPr lang="en-IE" b="0" i="1" smtClean="0">
+                            <a:latin typeface="Cambria Math" panose="02040503050406030204" pitchFamily="18" charset="0"/>
+                          </a:rPr>
+                        </m:ctrlPr>
+                      </m:sSubPr>
+                      <m:e>
+                        <m:r>
+                          <a:rPr lang="en-IE" b="0" i="1" smtClean="0">
+                            <a:latin typeface="Cambria Math" panose="02040503050406030204" pitchFamily="18" charset="0"/>
+                          </a:rPr>
+                          <m:t>𝜙</m:t>
+                        </m:r>
+                      </m:e>
+                      <m:sub>
+                        <m:r>
+                          <a:rPr lang="en-IE" b="0" i="1" smtClean="0">
+                            <a:latin typeface="Cambria Math" panose="02040503050406030204" pitchFamily="18" charset="0"/>
+                          </a:rPr>
+                          <m:t>1</m:t>
+                        </m:r>
+                      </m:sub>
+                    </m:sSub>
+                    <m:d>
+                      <m:dPr>
+                        <m:ctrlPr>
+                          <a:rPr lang="en-IE" b="0" i="1" smtClean="0">
+                            <a:latin typeface="Cambria Math" panose="02040503050406030204" pitchFamily="18" charset="0"/>
+                          </a:rPr>
+                        </m:ctrlPr>
+                      </m:dPr>
+                      <m:e>
+                        <m:r>
+                          <a:rPr lang="en-IE" b="0" i="1" smtClean="0">
+                            <a:latin typeface="Cambria Math" panose="02040503050406030204" pitchFamily="18" charset="0"/>
+                          </a:rPr>
+                          <m:t>𝑡</m:t>
+                        </m:r>
+                      </m:e>
+                    </m:d>
+                    <m:r>
+                      <a:rPr lang="en-IE" b="0" i="1" smtClean="0">
+                        <a:latin typeface="Cambria Math" panose="02040503050406030204" pitchFamily="18" charset="0"/>
+                      </a:rPr>
+                      <m:t>, …,</m:t>
+                    </m:r>
+                    <m:sSub>
+                      <m:sSubPr>
+                        <m:ctrlPr>
+                          <a:rPr lang="en-IE" b="0" i="1" smtClean="0">
+                            <a:latin typeface="Cambria Math" panose="02040503050406030204" pitchFamily="18" charset="0"/>
+                          </a:rPr>
+                        </m:ctrlPr>
+                      </m:sSubPr>
+                      <m:e>
+                        <m:r>
+                          <a:rPr lang="en-IE" b="0" i="1" smtClean="0">
+                            <a:latin typeface="Cambria Math" panose="02040503050406030204" pitchFamily="18" charset="0"/>
+                          </a:rPr>
+                          <m:t>𝜙</m:t>
+                        </m:r>
+                      </m:e>
+                      <m:sub>
+                        <m:r>
+                          <a:rPr lang="en-IE" b="0" i="1" smtClean="0">
+                            <a:latin typeface="Cambria Math" panose="02040503050406030204" pitchFamily="18" charset="0"/>
+                          </a:rPr>
+                          <m:t>𝐾</m:t>
+                        </m:r>
+                      </m:sub>
+                    </m:sSub>
+                    <m:r>
+                      <a:rPr lang="en-IE" b="0" i="1" smtClean="0">
+                        <a:latin typeface="Cambria Math" panose="02040503050406030204" pitchFamily="18" charset="0"/>
+                      </a:rPr>
+                      <m:t>(</m:t>
+                    </m:r>
+                    <m:r>
+                      <a:rPr lang="en-IE" b="0" i="1" smtClean="0">
+                        <a:latin typeface="Cambria Math" panose="02040503050406030204" pitchFamily="18" charset="0"/>
+                      </a:rPr>
+                      <m:t>𝑡</m:t>
+                    </m:r>
+                    <m:r>
+                      <a:rPr lang="en-IE" b="0" i="1" smtClean="0">
+                        <a:latin typeface="Cambria Math" panose="02040503050406030204" pitchFamily="18" charset="0"/>
+                      </a:rPr>
+                      <m:t>)</m:t>
+                    </m:r>
+                  </m:oMath>
+                </a14:m>
+                <a:endParaRPr lang="en-GB" dirty="0"/>
+              </a:p>
+              <a:p>
+                <a:r>
+                  <a:rPr lang="en-GB" dirty="0"/>
+                  <a:t>Can use a linear combination (or “weighted sum”) of them to approximate any function to a desired degree by making </a:t>
+                </a:r>
+                <a14:m>
+                  <m:oMath xmlns:m="http://schemas.openxmlformats.org/officeDocument/2006/math">
+                    <m:r>
+                      <a:rPr lang="en-IE" b="0" i="1" smtClean="0">
+                        <a:latin typeface="Cambria Math" panose="02040503050406030204" pitchFamily="18" charset="0"/>
+                      </a:rPr>
+                      <m:t>𝐾</m:t>
+                    </m:r>
+                  </m:oMath>
+                </a14:m>
+                <a:r>
+                  <a:rPr lang="en-GB" dirty="0"/>
+                  <a:t> sufficiently large.</a:t>
+                </a:r>
+              </a:p>
+              <a:p>
+                <a:r>
+                  <a:rPr lang="en-GB" dirty="0"/>
+                  <a:t>Different bases suit different data types:</a:t>
+                </a:r>
+              </a:p>
+              <a:p>
+                <a:pPr lvl="1"/>
+                <a:r>
+                  <a:rPr lang="en-GB" dirty="0"/>
+                  <a:t>Periodic/ cyclical movements (e.g., gait) = </a:t>
+                </a:r>
+                <a:r>
+                  <a:rPr lang="en-GB" b="1" dirty="0"/>
+                  <a:t>Fourier</a:t>
+                </a:r>
+              </a:p>
+              <a:p>
+                <a:pPr lvl="1"/>
+                <a:r>
+                  <a:rPr lang="en-GB" dirty="0"/>
+                  <a:t>General smooth functions = </a:t>
+                </a:r>
+                <a:r>
+                  <a:rPr lang="en-GB" b="1" dirty="0"/>
+                  <a:t>B-spline</a:t>
+                </a:r>
+                <a:r>
+                  <a:rPr lang="en-GB" dirty="0"/>
+                  <a:t> (good “all-rounder”)</a:t>
+                </a:r>
+              </a:p>
+              <a:p>
+                <a:pPr lvl="1"/>
+                <a:r>
+                  <a:rPr lang="en-GB" dirty="0"/>
+                  <a:t>Spiky/ non-smooth functions (e.g., EMG, EEG, ECG) = </a:t>
+                </a:r>
+                <a:r>
+                  <a:rPr lang="en-GB" b="1" dirty="0"/>
+                  <a:t>wavelets</a:t>
+                </a:r>
+              </a:p>
+              <a:p>
+                <a:pPr marL="0" indent="0">
+                  <a:buNone/>
+                </a:pPr>
+                <a:endParaRPr lang="en-GB" dirty="0"/>
+              </a:p>
+            </p:txBody>
+          </p:sp>
+        </mc:Choice>
+        <mc:Fallback>
+          <p:sp>
+            <p:nvSpPr>
+              <p:cNvPr id="3" name="Content Placeholder 2">
+                <a:extLst>
+                  <a:ext uri="{FF2B5EF4-FFF2-40B4-BE49-F238E27FC236}">
+                    <a16:creationId xmlns:a16="http://schemas.microsoft.com/office/drawing/2014/main" id="{F0372D8D-8985-5EC4-A2AE-DDF339570C17}"/>
+                  </a:ext>
+                </a:extLst>
+              </p:cNvPr>
+              <p:cNvSpPr>
+                <a:spLocks noGrp="1" noRot="1" noChangeAspect="1" noMove="1" noResize="1" noEditPoints="1" noAdjustHandles="1" noChangeArrowheads="1" noChangeShapeType="1" noTextEdit="1"/>
+              </p:cNvSpPr>
+              <p:nvPr>
+                <p:ph idx="1"/>
+              </p:nvPr>
+            </p:nvSpPr>
+            <p:spPr>
+              <a:xfrm>
+                <a:off x="838200" y="1524000"/>
+                <a:ext cx="10515600" cy="4652963"/>
+              </a:xfrm>
+              <a:blipFill>
+                <a:blip r:embed="rId2"/>
+                <a:stretch>
+                  <a:fillRect l="-1086" t="-2452"/>
+                </a:stretch>
+              </a:blipFill>
+            </p:spPr>
+            <p:txBody>
+              <a:bodyPr/>
+              <a:lstStyle/>
+              <a:p>
+                <a:r>
+                  <a:rPr lang="en-GB">
+                    <a:noFill/>
+                  </a:rPr>
+                  <a:t> </a:t>
+                </a:r>
+              </a:p>
+            </p:txBody>
+          </p:sp>
+        </mc:Fallback>
+      </mc:AlternateContent>
+    </p:spTree>
+    <p:extLst>
+      <p:ext uri="{BB962C8B-B14F-4D97-AF65-F5344CB8AC3E}">
+        <p14:creationId xmlns:p14="http://schemas.microsoft.com/office/powerpoint/2010/main" val="2437817968"/>
+      </p:ext>
+    </p:extLst>
+  </p:cSld>
+  <p:clrMapOvr>
+    <a:masterClrMapping/>
+  </p:clrMapOvr>
+  <p:timing>
+    <p:tnLst>
+      <p:par>
+        <p:cTn id="1" dur="indefinite" restart="never" nodeType="tmRoot">
+          <p:childTnLst>
+            <p:seq concurrent="1" nextAc="seek">
+              <p:cTn id="2" dur="indefinite" nodeType="mainSeq">
+                <p:childTnLst>
+                  <p:par>
+                    <p:cTn id="3" fill="hold">
+                      <p:stCondLst>
+                        <p:cond delay="indefinite"/>
+                      </p:stCondLst>
+                      <p:childTnLst>
+                        <p:par>
+                          <p:cTn id="4" fill="hold">
+                            <p:stCondLst>
+                              <p:cond delay="0"/>
+                            </p:stCondLst>
+                            <p:childTnLst>
+                              <p:par>
+                                <p:cTn id="5" presetID="1" presetClass="entr" presetSubtype="0" fill="hold" nodeType="clickEffect">
+                                  <p:stCondLst>
+                                    <p:cond delay="0"/>
+                                  </p:stCondLst>
+                                  <p:childTnLst>
+                                    <p:set>
+                                      <p:cBhvr>
+                                        <p:cTn id="6" dur="1" fill="hold">
+                                          <p:stCondLst>
+                                            <p:cond delay="0"/>
+                                          </p:stCondLst>
+                                        </p:cTn>
+                                        <p:tgtEl>
+                                          <p:spTgt spid="3">
+                                            <p:txEl>
+                                              <p:pRg st="2" end="2"/>
+                                            </p:txEl>
+                                          </p:spTgt>
+                                        </p:tgtEl>
+                                        <p:attrNameLst>
+                                          <p:attrName>style.visibility</p:attrName>
+                                        </p:attrNameLst>
+                                      </p:cBhvr>
+                                      <p:to>
+                                        <p:strVal val="visible"/>
+                                      </p:to>
+                                    </p:set>
+                                  </p:childTnLst>
+                                </p:cTn>
+                              </p:par>
+                              <p:par>
+                                <p:cTn id="7" presetID="1" presetClass="entr" presetSubtype="0" fill="hold" nodeType="withEffect">
+                                  <p:stCondLst>
+                                    <p:cond delay="0"/>
+                                  </p:stCondLst>
+                                  <p:childTnLst>
+                                    <p:set>
+                                      <p:cBhvr>
+                                        <p:cTn id="8" dur="1" fill="hold">
+                                          <p:stCondLst>
+                                            <p:cond delay="0"/>
+                                          </p:stCondLst>
+                                        </p:cTn>
+                                        <p:tgtEl>
+                                          <p:spTgt spid="3">
+                                            <p:txEl>
+                                              <p:pRg st="3" end="3"/>
+                                            </p:txEl>
+                                          </p:spTgt>
+                                        </p:tgtEl>
+                                        <p:attrNameLst>
+                                          <p:attrName>style.visibility</p:attrName>
+                                        </p:attrNameLst>
+                                      </p:cBhvr>
+                                      <p:to>
+                                        <p:strVal val="visible"/>
+                                      </p:to>
+                                    </p:set>
+                                  </p:childTnLst>
+                                </p:cTn>
+                              </p:par>
+                              <p:par>
+                                <p:cTn id="9" presetID="1" presetClass="entr" presetSubtype="0" fill="hold" nodeType="withEffect">
+                                  <p:stCondLst>
+                                    <p:cond delay="0"/>
+                                  </p:stCondLst>
+                                  <p:childTnLst>
+                                    <p:set>
+                                      <p:cBhvr>
+                                        <p:cTn id="10" dur="1" fill="hold">
+                                          <p:stCondLst>
+                                            <p:cond delay="0"/>
+                                          </p:stCondLst>
+                                        </p:cTn>
+                                        <p:tgtEl>
+                                          <p:spTgt spid="3">
+                                            <p:txEl>
+                                              <p:pRg st="4" end="4"/>
+                                            </p:txEl>
+                                          </p:spTgt>
+                                        </p:tgtEl>
+                                        <p:attrNameLst>
+                                          <p:attrName>style.visibility</p:attrName>
+                                        </p:attrNameLst>
+                                      </p:cBhvr>
+                                      <p:to>
+                                        <p:strVal val="visible"/>
+                                      </p:to>
+                                    </p:set>
+                                  </p:childTnLst>
+                                </p:cTn>
+                              </p:par>
+                              <p:par>
+                                <p:cTn id="11" presetID="1" presetClass="entr" presetSubtype="0" fill="hold" nodeType="withEffect">
+                                  <p:stCondLst>
+                                    <p:cond delay="0"/>
+                                  </p:stCondLst>
+                                  <p:childTnLst>
+                                    <p:set>
+                                      <p:cBhvr>
+                                        <p:cTn id="12" dur="1" fill="hold">
+                                          <p:stCondLst>
+                                            <p:cond delay="0"/>
+                                          </p:stCondLst>
+                                        </p:cTn>
+                                        <p:tgtEl>
+                                          <p:spTgt spid="3">
+                                            <p:txEl>
+                                              <p:pRg st="5" end="5"/>
+                                            </p:txEl>
+                                          </p:spTgt>
+                                        </p:tgtEl>
+                                        <p:attrNameLst>
+                                          <p:attrName>style.visibility</p:attrName>
+                                        </p:attrNameLst>
+                                      </p:cBhvr>
+                                      <p:to>
+                                        <p:strVal val="visible"/>
+                                      </p:to>
+                                    </p:set>
+                                  </p:childTnLst>
+                                </p:cTn>
+                              </p:par>
+                            </p:childTnLst>
+                          </p:cTn>
+                        </p:par>
+                      </p:childTnLst>
+                    </p:cTn>
+                  </p:par>
+                </p:childTnLst>
+              </p:cTn>
+              <p:prevCondLst>
+                <p:cond evt="onPrev" delay="0">
+                  <p:tgtEl>
+                    <p:sldTgt/>
+                  </p:tgtEl>
+                </p:cond>
+              </p:prevCondLst>
+              <p:nextCondLst>
+                <p:cond evt="onNext" delay="0">
+                  <p:tgtEl>
+                    <p:sldTgt/>
+                  </p:tgtEl>
+                </p:cond>
+              </p:nextCondLst>
+            </p:seq>
+          </p:childTnLst>
+        </p:cTn>
+      </p:par>
+    </p:tnLst>
+  </p:timing>
+</p:sld>
+</file>
+
+<file path=ppt/slides/slide5.xml><?xml version="1.0" encoding="utf-8"?>
+<p:sld xmlns:a="http://schemas.openxmlformats.org/drawingml/2006/main" xmlns:r="http://schemas.openxmlformats.org/officeDocument/2006/relationships" xmlns:p="http://schemas.openxmlformats.org/presentationml/2006/main">
+  <p:cSld>
+    <p:spTree>
+      <p:nvGrpSpPr>
+        <p:cNvPr id="1" name=""/>
+        <p:cNvGrpSpPr/>
+        <p:nvPr/>
+      </p:nvGrpSpPr>
+      <p:grpSpPr>
+        <a:xfrm>
+          <a:off x="0" y="0"/>
+          <a:ext cx="0" cy="0"/>
+          <a:chOff x="0" y="0"/>
+          <a:chExt cx="0" cy="0"/>
+        </a:xfrm>
+      </p:grpSpPr>
+      <p:pic>
+        <p:nvPicPr>
+          <p:cNvPr id="13" name="Picture 12">
+            <a:extLst>
+              <a:ext uri="{FF2B5EF4-FFF2-40B4-BE49-F238E27FC236}">
+                <a16:creationId xmlns:a16="http://schemas.microsoft.com/office/drawing/2014/main" id="{258E99CE-CE63-2F9B-E913-71DF398A0205}"/>
+              </a:ext>
+            </a:extLst>
+          </p:cNvPr>
+          <p:cNvPicPr>
+            <a:picLocks noChangeAspect="1"/>
+          </p:cNvPicPr>
+          <p:nvPr/>
+        </p:nvPicPr>
+        <p:blipFill>
+          <a:blip r:embed="rId2"/>
+          <a:stretch>
+            <a:fillRect/>
+          </a:stretch>
+        </p:blipFill>
+        <p:spPr>
+          <a:xfrm>
+            <a:off x="2921000" y="3524250"/>
+            <a:ext cx="6667500" cy="3333750"/>
+          </a:xfrm>
+          <a:prstGeom prst="rect">
+            <a:avLst/>
+          </a:prstGeom>
+        </p:spPr>
+      </p:pic>
+      <p:sp>
+        <p:nvSpPr>
+          <p:cNvPr id="2" name="Title 1">
+            <a:extLst>
+              <a:ext uri="{FF2B5EF4-FFF2-40B4-BE49-F238E27FC236}">
+                <a16:creationId xmlns:a16="http://schemas.microsoft.com/office/drawing/2014/main" id="{5AB40E93-880D-478C-BAED-33EDCF726601}"/>
+              </a:ext>
+            </a:extLst>
+          </p:cNvPr>
+          <p:cNvSpPr>
+            <a:spLocks noGrp="1"/>
+          </p:cNvSpPr>
+          <p:nvPr>
+            <p:ph type="title"/>
+          </p:nvPr>
+        </p:nvSpPr>
+        <p:spPr/>
+        <p:txBody>
+          <a:bodyPr/>
+          <a:lstStyle/>
+          <a:p>
+            <a:r>
+              <a:rPr lang="en-GB" dirty="0"/>
+              <a:t>Basis Functions</a:t>
+            </a:r>
+          </a:p>
+        </p:txBody>
+      </p:sp>
+      <mc:AlternateContent xmlns:mc="http://schemas.openxmlformats.org/markup-compatibility/2006">
+        <mc:Choice xmlns:a14="http://schemas.microsoft.com/office/drawing/2010/main" Requires="a14">
+          <p:sp>
+            <p:nvSpPr>
+              <p:cNvPr id="3" name="Content Placeholder 2">
+                <a:extLst>
+                  <a:ext uri="{FF2B5EF4-FFF2-40B4-BE49-F238E27FC236}">
+                    <a16:creationId xmlns:a16="http://schemas.microsoft.com/office/drawing/2014/main" id="{3E745B99-FFFC-2526-1DAC-D42BC20CC6AE}"/>
+                  </a:ext>
+                </a:extLst>
+              </p:cNvPr>
+              <p:cNvSpPr>
+                <a:spLocks noGrp="1"/>
+              </p:cNvSpPr>
+              <p:nvPr>
+                <p:ph idx="1"/>
+              </p:nvPr>
+            </p:nvSpPr>
+            <p:spPr/>
+            <p:txBody>
+              <a:bodyPr/>
+              <a:lstStyle/>
+              <a:p>
+                <a:pPr marL="0" indent="0">
+                  <a:buNone/>
+                </a:pPr>
+                <a:r>
+                  <a:rPr lang="en-GB" dirty="0"/>
+                  <a:t>Express smooth function as the weighted sum</a:t>
+                </a:r>
+              </a:p>
+              <a:p>
+                <a:pPr marL="0" indent="0">
+                  <a:buNone/>
+                </a:pPr>
+                <a14:m>
+                  <m:oMathPara xmlns:m="http://schemas.openxmlformats.org/officeDocument/2006/math">
+                    <m:oMathParaPr>
+                      <m:jc m:val="centerGroup"/>
+                    </m:oMathParaPr>
+                    <m:oMath xmlns:m="http://schemas.openxmlformats.org/officeDocument/2006/math">
+                      <m:r>
+                        <a:rPr lang="en-IE" b="0" i="1" smtClean="0">
+                          <a:latin typeface="Cambria Math" panose="02040503050406030204" pitchFamily="18" charset="0"/>
+                        </a:rPr>
+                        <m:t>𝑥</m:t>
+                      </m:r>
+                      <m:d>
+                        <m:dPr>
+                          <m:ctrlPr>
+                            <a:rPr lang="en-IE" b="0" i="1" smtClean="0">
+                              <a:latin typeface="Cambria Math" panose="02040503050406030204" pitchFamily="18" charset="0"/>
+                            </a:rPr>
+                          </m:ctrlPr>
+                        </m:dPr>
+                        <m:e>
+                          <m:r>
+                            <a:rPr lang="en-IE" b="0" i="1" smtClean="0">
+                              <a:latin typeface="Cambria Math" panose="02040503050406030204" pitchFamily="18" charset="0"/>
+                            </a:rPr>
+                            <m:t>𝑡</m:t>
+                          </m:r>
+                        </m:e>
+                      </m:d>
+                      <m:r>
+                        <a:rPr lang="en-IE" b="0" i="1" smtClean="0">
+                          <a:latin typeface="Cambria Math" panose="02040503050406030204" pitchFamily="18" charset="0"/>
+                        </a:rPr>
+                        <m:t>=</m:t>
+                      </m:r>
+                      <m:nary>
+                        <m:naryPr>
+                          <m:chr m:val="∑"/>
+                          <m:ctrlPr>
+                            <a:rPr lang="en-IE" b="0" i="1" smtClean="0">
+                              <a:latin typeface="Cambria Math" panose="02040503050406030204" pitchFamily="18" charset="0"/>
+                            </a:rPr>
+                          </m:ctrlPr>
+                        </m:naryPr>
+                        <m:sub>
+                          <m:r>
+                            <m:rPr>
+                              <m:brk m:alnAt="23"/>
+                            </m:rPr>
+                            <a:rPr lang="en-IE" b="0" i="1" smtClean="0">
+                              <a:latin typeface="Cambria Math" panose="02040503050406030204" pitchFamily="18" charset="0"/>
+                            </a:rPr>
+                            <m:t>𝑘</m:t>
+                          </m:r>
+                          <m:r>
+                            <a:rPr lang="en-IE" b="0" i="1" smtClean="0">
+                              <a:latin typeface="Cambria Math" panose="02040503050406030204" pitchFamily="18" charset="0"/>
+                            </a:rPr>
+                            <m:t>=1</m:t>
+                          </m:r>
+                        </m:sub>
+                        <m:sup>
+                          <m:r>
+                            <a:rPr lang="en-IE" b="0" i="1" smtClean="0">
+                              <a:latin typeface="Cambria Math" panose="02040503050406030204" pitchFamily="18" charset="0"/>
+                            </a:rPr>
+                            <m:t>𝐾</m:t>
+                          </m:r>
+                        </m:sup>
+                        <m:e>
+                          <m:sSub>
+                            <m:sSubPr>
+                              <m:ctrlPr>
+                                <a:rPr lang="en-IE" b="0" i="1" smtClean="0">
+                                  <a:latin typeface="Cambria Math" panose="02040503050406030204" pitchFamily="18" charset="0"/>
+                                </a:rPr>
+                              </m:ctrlPr>
+                            </m:sSubPr>
+                            <m:e>
+                              <m:r>
+                                <a:rPr lang="en-IE" b="0" i="1" smtClean="0">
+                                  <a:latin typeface="Cambria Math" panose="02040503050406030204" pitchFamily="18" charset="0"/>
+                                </a:rPr>
+                                <m:t>𝑐</m:t>
+                              </m:r>
+                            </m:e>
+                            <m:sub>
+                              <m:r>
+                                <a:rPr lang="en-IE" b="0" i="1" smtClean="0">
+                                  <a:latin typeface="Cambria Math" panose="02040503050406030204" pitchFamily="18" charset="0"/>
+                                </a:rPr>
+                                <m:t>𝑘</m:t>
+                              </m:r>
+                            </m:sub>
+                          </m:sSub>
+                          <m:sSub>
+                            <m:sSubPr>
+                              <m:ctrlPr>
+                                <a:rPr lang="en-IE" b="0" i="1" smtClean="0">
+                                  <a:latin typeface="Cambria Math" panose="02040503050406030204" pitchFamily="18" charset="0"/>
+                                </a:rPr>
+                              </m:ctrlPr>
+                            </m:sSubPr>
+                            <m:e>
+                              <m:r>
+                                <a:rPr lang="en-IE" b="0" i="1" smtClean="0">
+                                  <a:latin typeface="Cambria Math" panose="02040503050406030204" pitchFamily="18" charset="0"/>
+                                </a:rPr>
+                                <m:t>𝜙</m:t>
+                              </m:r>
+                            </m:e>
+                            <m:sub>
+                              <m:r>
+                                <a:rPr lang="en-IE" b="0" i="1" smtClean="0">
+                                  <a:latin typeface="Cambria Math" panose="02040503050406030204" pitchFamily="18" charset="0"/>
+                                </a:rPr>
+                                <m:t>𝑘</m:t>
+                              </m:r>
+                            </m:sub>
+                          </m:sSub>
+                          <m:r>
+                            <a:rPr lang="en-IE" b="0" i="1" smtClean="0">
+                              <a:latin typeface="Cambria Math" panose="02040503050406030204" pitchFamily="18" charset="0"/>
+                            </a:rPr>
+                            <m:t>(</m:t>
+                          </m:r>
+                          <m:r>
+                            <a:rPr lang="en-IE" b="0" i="1" smtClean="0">
+                              <a:latin typeface="Cambria Math" panose="02040503050406030204" pitchFamily="18" charset="0"/>
+                            </a:rPr>
+                            <m:t>𝑡</m:t>
+                          </m:r>
+                          <m:r>
+                            <a:rPr lang="en-IE" b="0" i="1" smtClean="0">
+                              <a:latin typeface="Cambria Math" panose="02040503050406030204" pitchFamily="18" charset="0"/>
+                            </a:rPr>
+                            <m:t>)</m:t>
+                          </m:r>
+                        </m:e>
+                      </m:nary>
+                    </m:oMath>
+                  </m:oMathPara>
+                </a14:m>
+                <a:endParaRPr lang="en-GB" dirty="0"/>
+              </a:p>
+            </p:txBody>
+          </p:sp>
+        </mc:Choice>
+        <mc:Fallback>
+          <p:sp>
+            <p:nvSpPr>
+              <p:cNvPr id="3" name="Content Placeholder 2">
+                <a:extLst>
+                  <a:ext uri="{FF2B5EF4-FFF2-40B4-BE49-F238E27FC236}">
+                    <a16:creationId xmlns:a16="http://schemas.microsoft.com/office/drawing/2014/main" id="{3E745B99-FFFC-2526-1DAC-D42BC20CC6AE}"/>
+                  </a:ext>
+                </a:extLst>
+              </p:cNvPr>
+              <p:cNvSpPr>
+                <a:spLocks noGrp="1" noRot="1" noChangeAspect="1" noMove="1" noResize="1" noEditPoints="1" noAdjustHandles="1" noChangeArrowheads="1" noChangeShapeType="1" noTextEdit="1"/>
+              </p:cNvSpPr>
+              <p:nvPr>
+                <p:ph idx="1"/>
+              </p:nvPr>
+            </p:nvSpPr>
+            <p:spPr>
+              <a:blipFill>
+                <a:blip r:embed="rId3"/>
+                <a:stretch>
+                  <a:fillRect l="-1206" t="-23837"/>
+                </a:stretch>
+              </a:blipFill>
+            </p:spPr>
+            <p:txBody>
+              <a:bodyPr/>
+              <a:lstStyle/>
+              <a:p>
+                <a:r>
+                  <a:rPr lang="en-GB">
+                    <a:noFill/>
+                  </a:rPr>
+                  <a:t> </a:t>
+                </a:r>
+              </a:p>
+            </p:txBody>
+          </p:sp>
+        </mc:Fallback>
+      </mc:AlternateContent>
+      <p:sp>
+        <p:nvSpPr>
+          <p:cNvPr id="6" name="TextBox 5">
+            <a:extLst>
+              <a:ext uri="{FF2B5EF4-FFF2-40B4-BE49-F238E27FC236}">
+                <a16:creationId xmlns:a16="http://schemas.microsoft.com/office/drawing/2014/main" id="{5A212776-1E2C-25EE-27FE-BDEA1957F7BD}"/>
+              </a:ext>
+            </a:extLst>
+          </p:cNvPr>
+          <p:cNvSpPr txBox="1"/>
+          <p:nvPr/>
+        </p:nvSpPr>
+        <p:spPr>
+          <a:xfrm>
+            <a:off x="4165600" y="3631962"/>
+            <a:ext cx="1663700" cy="369332"/>
+          </a:xfrm>
+          <a:prstGeom prst="rect">
+            <a:avLst/>
+          </a:prstGeom>
+          <a:noFill/>
+        </p:spPr>
+        <p:txBody>
+          <a:bodyPr wrap="square" rtlCol="0">
+            <a:spAutoFit/>
+          </a:bodyPr>
+          <a:lstStyle/>
+          <a:p>
+            <a:pPr algn="ctr"/>
+            <a:r>
+              <a:rPr lang="en-GB" dirty="0"/>
+              <a:t>Fitted Curve</a:t>
+            </a:r>
+          </a:p>
+        </p:txBody>
+      </p:sp>
+      <p:cxnSp>
+        <p:nvCxnSpPr>
+          <p:cNvPr id="8" name="Straight Arrow Connector 7">
+            <a:extLst>
+              <a:ext uri="{FF2B5EF4-FFF2-40B4-BE49-F238E27FC236}">
+                <a16:creationId xmlns:a16="http://schemas.microsoft.com/office/drawing/2014/main" id="{AFD47FA8-4F44-A12D-39A3-1969EC8B5590}"/>
+              </a:ext>
+            </a:extLst>
+          </p:cNvPr>
+          <p:cNvCxnSpPr>
+            <a:stCxn id="6" idx="0"/>
+          </p:cNvCxnSpPr>
+          <p:nvPr/>
+        </p:nvCxnSpPr>
+        <p:spPr>
+          <a:xfrm flipV="1">
+            <a:off x="4997450" y="3073400"/>
+            <a:ext cx="6350" cy="558562"/>
+          </a:xfrm>
+          <a:prstGeom prst="straightConnector1">
+            <a:avLst/>
+          </a:prstGeom>
+          <a:ln>
+            <a:tailEnd type="triangle"/>
+          </a:ln>
+        </p:spPr>
+        <p:style>
+          <a:lnRef idx="2">
+            <a:schemeClr val="accent1"/>
+          </a:lnRef>
+          <a:fillRef idx="0">
+            <a:schemeClr val="accent1"/>
+          </a:fillRef>
+          <a:effectRef idx="1">
+            <a:schemeClr val="accent1"/>
+          </a:effectRef>
+          <a:fontRef idx="minor">
+            <a:schemeClr val="tx1"/>
+          </a:fontRef>
+        </p:style>
+      </p:cxnSp>
+      <p:sp>
+        <p:nvSpPr>
+          <p:cNvPr id="9" name="TextBox 8">
+            <a:extLst>
+              <a:ext uri="{FF2B5EF4-FFF2-40B4-BE49-F238E27FC236}">
+                <a16:creationId xmlns:a16="http://schemas.microsoft.com/office/drawing/2014/main" id="{BAC103F7-A209-B03B-CEBA-84D6E3C57C14}"/>
+              </a:ext>
+            </a:extLst>
+          </p:cNvPr>
+          <p:cNvSpPr txBox="1"/>
+          <p:nvPr/>
+        </p:nvSpPr>
+        <p:spPr>
+          <a:xfrm>
+            <a:off x="5683250" y="3631962"/>
+            <a:ext cx="1663700" cy="646331"/>
+          </a:xfrm>
+          <a:prstGeom prst="rect">
+            <a:avLst/>
+          </a:prstGeom>
+          <a:noFill/>
+        </p:spPr>
+        <p:txBody>
+          <a:bodyPr wrap="square" rtlCol="0">
+            <a:spAutoFit/>
+          </a:bodyPr>
+          <a:lstStyle/>
+          <a:p>
+            <a:pPr algn="ctr"/>
+            <a:r>
+              <a:rPr lang="en-GB" dirty="0"/>
+              <a:t>Basis Coefficient</a:t>
+            </a:r>
+          </a:p>
+        </p:txBody>
+      </p:sp>
+      <p:cxnSp>
+        <p:nvCxnSpPr>
+          <p:cNvPr id="10" name="Straight Arrow Connector 9">
+            <a:extLst>
+              <a:ext uri="{FF2B5EF4-FFF2-40B4-BE49-F238E27FC236}">
+                <a16:creationId xmlns:a16="http://schemas.microsoft.com/office/drawing/2014/main" id="{B6F58551-A0EB-938B-9988-6AF4E77B7554}"/>
+              </a:ext>
+            </a:extLst>
+          </p:cNvPr>
+          <p:cNvCxnSpPr>
+            <a:stCxn id="9" idx="0"/>
+          </p:cNvCxnSpPr>
+          <p:nvPr/>
+        </p:nvCxnSpPr>
+        <p:spPr>
+          <a:xfrm flipV="1">
+            <a:off x="6515100" y="3073400"/>
+            <a:ext cx="6350" cy="558562"/>
+          </a:xfrm>
+          <a:prstGeom prst="straightConnector1">
+            <a:avLst/>
+          </a:prstGeom>
+          <a:ln>
+            <a:tailEnd type="triangle"/>
+          </a:ln>
+        </p:spPr>
+        <p:style>
+          <a:lnRef idx="2">
+            <a:schemeClr val="accent1"/>
+          </a:lnRef>
+          <a:fillRef idx="0">
+            <a:schemeClr val="accent1"/>
+          </a:fillRef>
+          <a:effectRef idx="1">
+            <a:schemeClr val="accent1"/>
+          </a:effectRef>
+          <a:fontRef idx="minor">
+            <a:schemeClr val="tx1"/>
+          </a:fontRef>
+        </p:style>
+      </p:cxnSp>
+      <p:sp>
+        <p:nvSpPr>
+          <p:cNvPr id="11" name="TextBox 10">
+            <a:extLst>
+              <a:ext uri="{FF2B5EF4-FFF2-40B4-BE49-F238E27FC236}">
+                <a16:creationId xmlns:a16="http://schemas.microsoft.com/office/drawing/2014/main" id="{EECB70B6-0858-11EA-B9A7-E1C6903B89C3}"/>
+              </a:ext>
+            </a:extLst>
+          </p:cNvPr>
+          <p:cNvSpPr txBox="1"/>
+          <p:nvPr/>
+        </p:nvSpPr>
+        <p:spPr>
+          <a:xfrm>
+            <a:off x="6175375" y="3631962"/>
+            <a:ext cx="1663700" cy="369332"/>
+          </a:xfrm>
+          <a:prstGeom prst="rect">
+            <a:avLst/>
+          </a:prstGeom>
+          <a:noFill/>
+        </p:spPr>
+        <p:txBody>
+          <a:bodyPr wrap="square" rtlCol="0">
+            <a:spAutoFit/>
+          </a:bodyPr>
+          <a:lstStyle/>
+          <a:p>
+            <a:pPr algn="ctr"/>
+            <a:r>
+              <a:rPr lang="en-GB" dirty="0"/>
+              <a:t>Basis Function</a:t>
+            </a:r>
+          </a:p>
+        </p:txBody>
+      </p:sp>
+      <p:cxnSp>
+        <p:nvCxnSpPr>
+          <p:cNvPr id="12" name="Straight Arrow Connector 11">
+            <a:extLst>
+              <a:ext uri="{FF2B5EF4-FFF2-40B4-BE49-F238E27FC236}">
+                <a16:creationId xmlns:a16="http://schemas.microsoft.com/office/drawing/2014/main" id="{786861EE-8066-3A8A-1026-A06AAA1AFEEF}"/>
+              </a:ext>
+            </a:extLst>
+          </p:cNvPr>
+          <p:cNvCxnSpPr>
+            <a:stCxn id="11" idx="0"/>
+          </p:cNvCxnSpPr>
+          <p:nvPr/>
+        </p:nvCxnSpPr>
+        <p:spPr>
+          <a:xfrm flipV="1">
+            <a:off x="7007225" y="3073400"/>
+            <a:ext cx="6350" cy="558562"/>
+          </a:xfrm>
+          <a:prstGeom prst="straightConnector1">
+            <a:avLst/>
+          </a:prstGeom>
+          <a:ln>
+            <a:tailEnd type="triangle"/>
+          </a:ln>
+        </p:spPr>
+        <p:style>
+          <a:lnRef idx="2">
+            <a:schemeClr val="accent1"/>
+          </a:lnRef>
+          <a:fillRef idx="0">
+            <a:schemeClr val="accent1"/>
+          </a:fillRef>
+          <a:effectRef idx="1">
+            <a:schemeClr val="accent1"/>
+          </a:effectRef>
+          <a:fontRef idx="minor">
+            <a:schemeClr val="tx1"/>
+          </a:fontRef>
+        </p:style>
+      </p:cxnSp>
+    </p:spTree>
+    <p:extLst>
+      <p:ext uri="{BB962C8B-B14F-4D97-AF65-F5344CB8AC3E}">
+        <p14:creationId xmlns:p14="http://schemas.microsoft.com/office/powerpoint/2010/main" val="1745501209"/>
+      </p:ext>
+    </p:extLst>
+  </p:cSld>
+  <p:clrMapOvr>
+    <a:masterClrMapping/>
+  </p:clrMapOvr>
+  <p:timing>
+    <p:tnLst>
+      <p:par>
+        <p:cTn id="1" dur="indefinite" restart="never" nodeType="tmRoot">
+          <p:childTnLst>
+            <p:seq concurrent="1" nextAc="seek">
+              <p:cTn id="2" dur="indefinite" nodeType="mainSeq">
+                <p:childTnLst>
+                  <p:par>
+                    <p:cTn id="3" fill="hold">
+                      <p:stCondLst>
+                        <p:cond delay="indefinite"/>
+                      </p:stCondLst>
+                      <p:childTnLst>
+                        <p:par>
+                          <p:cTn id="4" fill="hold">
+                            <p:stCondLst>
+                              <p:cond delay="0"/>
+                            </p:stCondLst>
+                            <p:childTnLst>
+                              <p:par>
+                                <p:cTn id="5" presetID="1" presetClass="entr" presetSubtype="0" fill="hold" nodeType="clickEffect">
+                                  <p:stCondLst>
+                                    <p:cond delay="0"/>
+                                  </p:stCondLst>
+                                  <p:childTnLst>
+                                    <p:set>
+                                      <p:cBhvr>
+                                        <p:cTn id="6" dur="1" fill="hold">
+                                          <p:stCondLst>
+                                            <p:cond delay="0"/>
+                                          </p:stCondLst>
+                                        </p:cTn>
+                                        <p:tgtEl>
+                                          <p:spTgt spid="8"/>
+                                        </p:tgtEl>
+                                        <p:attrNameLst>
+                                          <p:attrName>style.visibility</p:attrName>
+                                        </p:attrNameLst>
+                                      </p:cBhvr>
+                                      <p:to>
+                                        <p:strVal val="visible"/>
+                                      </p:to>
+                                    </p:set>
+                                  </p:childTnLst>
+                                </p:cTn>
+                              </p:par>
+                              <p:par>
+                                <p:cTn id="7" presetID="1" presetClass="entr" presetSubtype="0" fill="hold" grpId="0" nodeType="withEffect">
+                                  <p:stCondLst>
+                                    <p:cond delay="0"/>
+                                  </p:stCondLst>
+                                  <p:childTnLst>
+                                    <p:set>
+                                      <p:cBhvr>
+                                        <p:cTn id="8" dur="1" fill="hold">
+                                          <p:stCondLst>
+                                            <p:cond delay="0"/>
+                                          </p:stCondLst>
+                                        </p:cTn>
+                                        <p:tgtEl>
+                                          <p:spTgt spid="6"/>
+                                        </p:tgtEl>
+                                        <p:attrNameLst>
+                                          <p:attrName>style.visibility</p:attrName>
+                                        </p:attrNameLst>
+                                      </p:cBhvr>
+                                      <p:to>
+                                        <p:strVal val="visible"/>
+                                      </p:to>
+                                    </p:set>
+                                  </p:childTnLst>
+                                </p:cTn>
+                              </p:par>
+                            </p:childTnLst>
+                          </p:cTn>
+                        </p:par>
+                      </p:childTnLst>
+                    </p:cTn>
+                  </p:par>
+                  <p:par>
+                    <p:cTn id="9" fill="hold">
+                      <p:stCondLst>
+                        <p:cond delay="indefinite"/>
+                      </p:stCondLst>
+                      <p:childTnLst>
+                        <p:par>
+                          <p:cTn id="10" fill="hold">
+                            <p:stCondLst>
+                              <p:cond delay="0"/>
+                            </p:stCondLst>
+                            <p:childTnLst>
+                              <p:par>
+                                <p:cTn id="11" presetID="1" presetClass="exit" presetSubtype="0" fill="hold" nodeType="clickEffect">
+                                  <p:stCondLst>
+                                    <p:cond delay="0"/>
+                                  </p:stCondLst>
+                                  <p:childTnLst>
+                                    <p:set>
+                                      <p:cBhvr>
+                                        <p:cTn id="12" dur="1" fill="hold">
+                                          <p:stCondLst>
+                                            <p:cond delay="0"/>
+                                          </p:stCondLst>
+                                        </p:cTn>
+                                        <p:tgtEl>
+                                          <p:spTgt spid="8"/>
+                                        </p:tgtEl>
+                                        <p:attrNameLst>
+                                          <p:attrName>style.visibility</p:attrName>
+                                        </p:attrNameLst>
+                                      </p:cBhvr>
+                                      <p:to>
+                                        <p:strVal val="hidden"/>
+                                      </p:to>
+                                    </p:set>
+                                  </p:childTnLst>
+                                </p:cTn>
+                              </p:par>
+                              <p:par>
+                                <p:cTn id="13" presetID="1" presetClass="exit" presetSubtype="0" fill="hold" grpId="1" nodeType="withEffect">
+                                  <p:stCondLst>
+                                    <p:cond delay="0"/>
+                                  </p:stCondLst>
+                                  <p:childTnLst>
+                                    <p:set>
+                                      <p:cBhvr>
+                                        <p:cTn id="14" dur="1" fill="hold">
+                                          <p:stCondLst>
+                                            <p:cond delay="0"/>
+                                          </p:stCondLst>
+                                        </p:cTn>
+                                        <p:tgtEl>
+                                          <p:spTgt spid="6"/>
+                                        </p:tgtEl>
+                                        <p:attrNameLst>
+                                          <p:attrName>style.visibility</p:attrName>
+                                        </p:attrNameLst>
+                                      </p:cBhvr>
+                                      <p:to>
+                                        <p:strVal val="hidden"/>
+                                      </p:to>
+                                    </p:set>
+                                  </p:childTnLst>
+                                </p:cTn>
+                              </p:par>
+                            </p:childTnLst>
+                          </p:cTn>
+                        </p:par>
+                      </p:childTnLst>
+                    </p:cTn>
+                  </p:par>
+                  <p:par>
+                    <p:cTn id="15" fill="hold">
+                      <p:stCondLst>
+                        <p:cond delay="indefinite"/>
+                      </p:stCondLst>
+                      <p:childTnLst>
+                        <p:par>
+                          <p:cTn id="16" fill="hold">
+                            <p:stCondLst>
+                              <p:cond delay="0"/>
+                            </p:stCondLst>
+                            <p:childTnLst>
+                              <p:par>
+                                <p:cTn id="17" presetID="1" presetClass="entr" presetSubtype="0" fill="hold" grpId="0" nodeType="clickEffect">
+                                  <p:stCondLst>
+                                    <p:cond delay="0"/>
+                                  </p:stCondLst>
+                                  <p:childTnLst>
+                                    <p:set>
+                                      <p:cBhvr>
+                                        <p:cTn id="18" dur="1" fill="hold">
+                                          <p:stCondLst>
+                                            <p:cond delay="0"/>
+                                          </p:stCondLst>
+                                        </p:cTn>
+                                        <p:tgtEl>
+                                          <p:spTgt spid="9"/>
+                                        </p:tgtEl>
+                                        <p:attrNameLst>
+                                          <p:attrName>style.visibility</p:attrName>
+                                        </p:attrNameLst>
+                                      </p:cBhvr>
+                                      <p:to>
+                                        <p:strVal val="visible"/>
+                                      </p:to>
+                                    </p:set>
+                                  </p:childTnLst>
+                                </p:cTn>
+                              </p:par>
+                              <p:par>
+                                <p:cTn id="19" presetID="1" presetClass="entr" presetSubtype="0" fill="hold" nodeType="withEffect">
+                                  <p:stCondLst>
+                                    <p:cond delay="0"/>
+                                  </p:stCondLst>
+                                  <p:childTnLst>
+                                    <p:set>
+                                      <p:cBhvr>
+                                        <p:cTn id="20" dur="1" fill="hold">
+                                          <p:stCondLst>
+                                            <p:cond delay="0"/>
+                                          </p:stCondLst>
+                                        </p:cTn>
+                                        <p:tgtEl>
+                                          <p:spTgt spid="10"/>
+                                        </p:tgtEl>
+                                        <p:attrNameLst>
+                                          <p:attrName>style.visibility</p:attrName>
+                                        </p:attrNameLst>
+                                      </p:cBhvr>
+                                      <p:to>
+                                        <p:strVal val="visible"/>
+                                      </p:to>
+                                    </p:set>
+                                  </p:childTnLst>
+                                </p:cTn>
+                              </p:par>
+                            </p:childTnLst>
+                          </p:cTn>
+                        </p:par>
+                      </p:childTnLst>
+                    </p:cTn>
+                  </p:par>
+                  <p:par>
+                    <p:cTn id="21" fill="hold">
+                      <p:stCondLst>
+                        <p:cond delay="indefinite"/>
+                      </p:stCondLst>
+                      <p:childTnLst>
+                        <p:par>
+                          <p:cTn id="22" fill="hold">
+                            <p:stCondLst>
+                              <p:cond delay="0"/>
+                            </p:stCondLst>
+                            <p:childTnLst>
+                              <p:par>
+                                <p:cTn id="23" presetID="1" presetClass="exit" presetSubtype="0" fill="hold" grpId="1" nodeType="clickEffect">
+                                  <p:stCondLst>
+                                    <p:cond delay="0"/>
+                                  </p:stCondLst>
+                                  <p:childTnLst>
+                                    <p:set>
+                                      <p:cBhvr>
+                                        <p:cTn id="24" dur="1" fill="hold">
+                                          <p:stCondLst>
+                                            <p:cond delay="0"/>
+                                          </p:stCondLst>
+                                        </p:cTn>
+                                        <p:tgtEl>
+                                          <p:spTgt spid="9"/>
+                                        </p:tgtEl>
+                                        <p:attrNameLst>
+                                          <p:attrName>style.visibility</p:attrName>
+                                        </p:attrNameLst>
+                                      </p:cBhvr>
+                                      <p:to>
+                                        <p:strVal val="hidden"/>
+                                      </p:to>
+                                    </p:set>
+                                  </p:childTnLst>
+                                </p:cTn>
+                              </p:par>
+                            </p:childTnLst>
+                          </p:cTn>
+                        </p:par>
+                      </p:childTnLst>
+                    </p:cTn>
+                  </p:par>
+                  <p:par>
+                    <p:cTn id="25" fill="hold">
+                      <p:stCondLst>
+                        <p:cond delay="indefinite"/>
+                      </p:stCondLst>
+                      <p:childTnLst>
+                        <p:par>
+                          <p:cTn id="26" fill="hold">
+                            <p:stCondLst>
+                              <p:cond delay="0"/>
+                            </p:stCondLst>
+                            <p:childTnLst>
+                              <p:par>
+                                <p:cTn id="27" presetID="1" presetClass="entr" presetSubtype="0" fill="hold" grpId="1" nodeType="clickEffect">
+                                  <p:stCondLst>
+                                    <p:cond delay="0"/>
+                                  </p:stCondLst>
+                                  <p:childTnLst>
+                                    <p:set>
+                                      <p:cBhvr>
+                                        <p:cTn id="28" dur="1" fill="hold">
+                                          <p:stCondLst>
+                                            <p:cond delay="0"/>
+                                          </p:stCondLst>
+                                        </p:cTn>
+                                        <p:tgtEl>
+                                          <p:spTgt spid="11"/>
+                                        </p:tgtEl>
+                                        <p:attrNameLst>
+                                          <p:attrName>style.visibility</p:attrName>
+                                        </p:attrNameLst>
+                                      </p:cBhvr>
+                                      <p:to>
+                                        <p:strVal val="visible"/>
+                                      </p:to>
+                                    </p:set>
+                                  </p:childTnLst>
+                                </p:cTn>
+                              </p:par>
+                              <p:par>
+                                <p:cTn id="29" presetID="1" presetClass="entr" presetSubtype="0" fill="hold" nodeType="withEffect">
+                                  <p:stCondLst>
+                                    <p:cond delay="0"/>
+                                  </p:stCondLst>
+                                  <p:childTnLst>
+                                    <p:set>
+                                      <p:cBhvr>
+                                        <p:cTn id="30" dur="1" fill="hold">
+                                          <p:stCondLst>
+                                            <p:cond delay="0"/>
+                                          </p:stCondLst>
+                                        </p:cTn>
+                                        <p:tgtEl>
+                                          <p:spTgt spid="12"/>
+                                        </p:tgtEl>
+                                        <p:attrNameLst>
+                                          <p:attrName>style.visibility</p:attrName>
+                                        </p:attrNameLst>
+                                      </p:cBhvr>
+                                      <p:to>
+                                        <p:strVal val="visible"/>
+                                      </p:to>
+                                    </p:set>
+                                  </p:childTnLst>
+                                </p:cTn>
+                              </p:par>
+                              <p:par>
+                                <p:cTn id="31" presetID="1" presetClass="exit" presetSubtype="0" fill="hold" nodeType="withEffect">
+                                  <p:stCondLst>
+                                    <p:cond delay="0"/>
+                                  </p:stCondLst>
+                                  <p:childTnLst>
+                                    <p:set>
+                                      <p:cBhvr>
+                                        <p:cTn id="32" dur="1" fill="hold">
+                                          <p:stCondLst>
+                                            <p:cond delay="0"/>
+                                          </p:stCondLst>
+                                        </p:cTn>
+                                        <p:tgtEl>
+                                          <p:spTgt spid="10"/>
+                                        </p:tgtEl>
+                                        <p:attrNameLst>
+                                          <p:attrName>style.visibility</p:attrName>
+                                        </p:attrNameLst>
+                                      </p:cBhvr>
+                                      <p:to>
+                                        <p:strVal val="hidden"/>
+                                      </p:to>
+                                    </p:set>
+                                  </p:childTnLst>
+                                </p:cTn>
+                              </p:par>
+                            </p:childTnLst>
+                          </p:cTn>
+                        </p:par>
+                      </p:childTnLst>
+                    </p:cTn>
+                  </p:par>
+                  <p:par>
+                    <p:cTn id="33" fill="hold">
+                      <p:stCondLst>
+                        <p:cond delay="indefinite"/>
+                      </p:stCondLst>
+                      <p:childTnLst>
+                        <p:par>
+                          <p:cTn id="34" fill="hold">
+                            <p:stCondLst>
+                              <p:cond delay="0"/>
+                            </p:stCondLst>
+                            <p:childTnLst>
+                              <p:par>
+                                <p:cTn id="35" presetID="1" presetClass="exit" presetSubtype="0" fill="hold" grpId="0" nodeType="clickEffect">
+                                  <p:stCondLst>
+                                    <p:cond delay="0"/>
+                                  </p:stCondLst>
+                                  <p:childTnLst>
+                                    <p:set>
+                                      <p:cBhvr>
+                                        <p:cTn id="36" dur="1" fill="hold">
+                                          <p:stCondLst>
+                                            <p:cond delay="0"/>
+                                          </p:stCondLst>
+                                        </p:cTn>
+                                        <p:tgtEl>
+                                          <p:spTgt spid="11"/>
+                                        </p:tgtEl>
+                                        <p:attrNameLst>
+                                          <p:attrName>style.visibility</p:attrName>
+                                        </p:attrNameLst>
+                                      </p:cBhvr>
+                                      <p:to>
+                                        <p:strVal val="hidden"/>
+                                      </p:to>
+                                    </p:set>
+                                  </p:childTnLst>
+                                </p:cTn>
+                              </p:par>
+                              <p:par>
+                                <p:cTn id="37" presetID="1" presetClass="exit" presetSubtype="0" fill="hold" nodeType="withEffect">
+                                  <p:stCondLst>
+                                    <p:cond delay="0"/>
+                                  </p:stCondLst>
+                                  <p:childTnLst>
+                                    <p:set>
+                                      <p:cBhvr>
+                                        <p:cTn id="38" dur="1" fill="hold">
+                                          <p:stCondLst>
+                                            <p:cond delay="0"/>
+                                          </p:stCondLst>
+                                        </p:cTn>
+                                        <p:tgtEl>
+                                          <p:spTgt spid="12"/>
+                                        </p:tgtEl>
+                                        <p:attrNameLst>
+                                          <p:attrName>style.visibility</p:attrName>
+                                        </p:attrNameLst>
+                                      </p:cBhvr>
+                                      <p:to>
+                                        <p:strVal val="hidden"/>
+                                      </p:to>
+                                    </p:set>
+                                  </p:childTnLst>
+                                </p:cTn>
+                              </p:par>
+                            </p:childTnLst>
+                          </p:cTn>
+                        </p:par>
+                      </p:childTnLst>
+                    </p:cTn>
+                  </p:par>
+                  <p:par>
+                    <p:cTn id="39" fill="hold">
+                      <p:stCondLst>
+                        <p:cond delay="indefinite"/>
+                      </p:stCondLst>
+                      <p:childTnLst>
+                        <p:par>
+                          <p:cTn id="40" fill="hold">
+                            <p:stCondLst>
+                              <p:cond delay="0"/>
+                            </p:stCondLst>
+                            <p:childTnLst>
+                              <p:par>
+                                <p:cTn id="41" presetID="1" presetClass="entr" presetSubtype="0" fill="hold" nodeType="clickEffect">
+                                  <p:stCondLst>
+                                    <p:cond delay="0"/>
+                                  </p:stCondLst>
+                                  <p:childTnLst>
+                                    <p:set>
+                                      <p:cBhvr>
+                                        <p:cTn id="42" dur="1" fill="hold">
+                                          <p:stCondLst>
+                                            <p:cond delay="0"/>
+                                          </p:stCondLst>
+                                        </p:cTn>
+                                        <p:tgtEl>
+                                          <p:spTgt spid="13"/>
+                                        </p:tgtEl>
+                                        <p:attrNameLst>
+                                          <p:attrName>style.visibility</p:attrName>
+                                        </p:attrNameLst>
+                                      </p:cBhvr>
+                                      <p:to>
+                                        <p:strVal val="visible"/>
+                                      </p:to>
+                                    </p:set>
+                                  </p:childTnLst>
+                                </p:cTn>
+                              </p:par>
+                            </p:childTnLst>
+                          </p:cTn>
+                        </p:par>
+                      </p:childTnLst>
+                    </p:cTn>
+                  </p:par>
+                </p:childTnLst>
+              </p:cTn>
+              <p:prevCondLst>
+                <p:cond evt="onPrev" delay="0">
+                  <p:tgtEl>
+                    <p:sldTgt/>
+                  </p:tgtEl>
+                </p:cond>
+              </p:prevCondLst>
+              <p:nextCondLst>
+                <p:cond evt="onNext" delay="0">
+                  <p:tgtEl>
+                    <p:sldTgt/>
+                  </p:tgtEl>
+                </p:cond>
+              </p:nextCondLst>
+            </p:seq>
+          </p:childTnLst>
+        </p:cTn>
+      </p:par>
+    </p:tnLst>
+    <p:bldLst>
+      <p:bldP spid="6" grpId="0"/>
+      <p:bldP spid="6" grpId="1"/>
+      <p:bldP spid="9" grpId="0"/>
+      <p:bldP spid="9" grpId="1"/>
+      <p:bldP spid="11" grpId="0"/>
+      <p:bldP spid="11" grpId="1"/>
     </p:bldLst>
   </p:timing>
 </p:sld>

--- a/slides/02-smoothing.pptx
+++ b/slides/02-smoothing.pptx
@@ -5,7 +5,7 @@
     <p:sldMasterId id="2147483684" r:id="rId1"/>
   </p:sldMasterIdLst>
   <p:notesMasterIdLst>
-    <p:notesMasterId r:id="rId7"/>
+    <p:notesMasterId r:id="rId13"/>
   </p:notesMasterIdLst>
   <p:sldIdLst>
     <p:sldId id="256" r:id="rId2"/>
@@ -13,6 +13,12 @@
     <p:sldId id="275" r:id="rId4"/>
     <p:sldId id="276" r:id="rId5"/>
     <p:sldId id="277" r:id="rId6"/>
+    <p:sldId id="278" r:id="rId7"/>
+    <p:sldId id="279" r:id="rId8"/>
+    <p:sldId id="280" r:id="rId9"/>
+    <p:sldId id="281" r:id="rId10"/>
+    <p:sldId id="282" r:id="rId11"/>
+    <p:sldId id="283" r:id="rId12"/>
   </p:sldIdLst>
   <p:sldSz cx="12192000" cy="6858000"/>
   <p:notesSz cx="6858000" cy="9144000"/>
@@ -468,6 +474,258 @@
 </p:notesMaster>
 </file>
 
+<file path=ppt/notesSlides/notesSlide1.xml><?xml version="1.0" encoding="utf-8"?>
+<p:notes xmlns:a="http://schemas.openxmlformats.org/drawingml/2006/main" xmlns:r="http://schemas.openxmlformats.org/officeDocument/2006/relationships" xmlns:p="http://schemas.openxmlformats.org/presentationml/2006/main">
+  <p:cSld>
+    <p:spTree>
+      <p:nvGrpSpPr>
+        <p:cNvPr id="1" name=""/>
+        <p:cNvGrpSpPr/>
+        <p:nvPr/>
+      </p:nvGrpSpPr>
+      <p:grpSpPr>
+        <a:xfrm>
+          <a:off x="0" y="0"/>
+          <a:ext cx="0" cy="0"/>
+          <a:chOff x="0" y="0"/>
+          <a:chExt cx="0" cy="0"/>
+        </a:xfrm>
+      </p:grpSpPr>
+      <p:sp>
+        <p:nvSpPr>
+          <p:cNvPr id="2" name="Slide Image Placeholder 1"/>
+          <p:cNvSpPr>
+            <a:spLocks noGrp="1" noRot="1" noChangeAspect="1"/>
+          </p:cNvSpPr>
+          <p:nvPr>
+            <p:ph type="sldImg"/>
+          </p:nvPr>
+        </p:nvSpPr>
+        <p:spPr/>
+      </p:sp>
+      <p:sp>
+        <p:nvSpPr>
+          <p:cNvPr id="3" name="Notes Placeholder 2"/>
+          <p:cNvSpPr>
+            <a:spLocks noGrp="1"/>
+          </p:cNvSpPr>
+          <p:nvPr>
+            <p:ph type="body" idx="1"/>
+          </p:nvPr>
+        </p:nvSpPr>
+        <p:spPr/>
+        <p:txBody>
+          <a:bodyPr/>
+          <a:lstStyle/>
+          <a:p>
+            <a:endParaRPr lang="en-GB" dirty="0"/>
+          </a:p>
+        </p:txBody>
+      </p:sp>
+      <p:sp>
+        <p:nvSpPr>
+          <p:cNvPr id="4" name="Slide Number Placeholder 3"/>
+          <p:cNvSpPr>
+            <a:spLocks noGrp="1"/>
+          </p:cNvSpPr>
+          <p:nvPr>
+            <p:ph type="sldNum" sz="quarter" idx="5"/>
+          </p:nvPr>
+        </p:nvSpPr>
+        <p:spPr/>
+        <p:txBody>
+          <a:bodyPr/>
+          <a:lstStyle/>
+          <a:p>
+            <a:fld id="{F781B4EB-0248-0C41-8423-3C4A0934FE0D}" type="slidenum">
+              <a:rPr lang="en-GB" smtClean="0"/>
+              <a:t>7</a:t>
+            </a:fld>
+            <a:endParaRPr lang="en-GB"/>
+          </a:p>
+        </p:txBody>
+      </p:sp>
+    </p:spTree>
+    <p:extLst>
+      <p:ext uri="{BB962C8B-B14F-4D97-AF65-F5344CB8AC3E}">
+        <p14:creationId xmlns:p14="http://schemas.microsoft.com/office/powerpoint/2010/main" val="3267423914"/>
+      </p:ext>
+    </p:extLst>
+  </p:cSld>
+  <p:clrMapOvr>
+    <a:masterClrMapping/>
+  </p:clrMapOvr>
+</p:notes>
+</file>
+
+<file path=ppt/notesSlides/notesSlide2.xml><?xml version="1.0" encoding="utf-8"?>
+<p:notes xmlns:a="http://schemas.openxmlformats.org/drawingml/2006/main" xmlns:r="http://schemas.openxmlformats.org/officeDocument/2006/relationships" xmlns:p="http://schemas.openxmlformats.org/presentationml/2006/main">
+  <p:cSld>
+    <p:spTree>
+      <p:nvGrpSpPr>
+        <p:cNvPr id="1" name=""/>
+        <p:cNvGrpSpPr/>
+        <p:nvPr/>
+      </p:nvGrpSpPr>
+      <p:grpSpPr>
+        <a:xfrm>
+          <a:off x="0" y="0"/>
+          <a:ext cx="0" cy="0"/>
+          <a:chOff x="0" y="0"/>
+          <a:chExt cx="0" cy="0"/>
+        </a:xfrm>
+      </p:grpSpPr>
+      <p:sp>
+        <p:nvSpPr>
+          <p:cNvPr id="2" name="Slide Image Placeholder 1"/>
+          <p:cNvSpPr>
+            <a:spLocks noGrp="1" noRot="1" noChangeAspect="1"/>
+          </p:cNvSpPr>
+          <p:nvPr>
+            <p:ph type="sldImg"/>
+          </p:nvPr>
+        </p:nvSpPr>
+        <p:spPr/>
+      </p:sp>
+      <p:sp>
+        <p:nvSpPr>
+          <p:cNvPr id="3" name="Notes Placeholder 2"/>
+          <p:cNvSpPr>
+            <a:spLocks noGrp="1"/>
+          </p:cNvSpPr>
+          <p:nvPr>
+            <p:ph type="body" idx="1"/>
+          </p:nvPr>
+        </p:nvSpPr>
+        <p:spPr/>
+        <p:txBody>
+          <a:bodyPr/>
+          <a:lstStyle/>
+          <a:p>
+            <a:endParaRPr lang="en-GB" dirty="0"/>
+          </a:p>
+        </p:txBody>
+      </p:sp>
+      <p:sp>
+        <p:nvSpPr>
+          <p:cNvPr id="4" name="Slide Number Placeholder 3"/>
+          <p:cNvSpPr>
+            <a:spLocks noGrp="1"/>
+          </p:cNvSpPr>
+          <p:nvPr>
+            <p:ph type="sldNum" sz="quarter" idx="5"/>
+          </p:nvPr>
+        </p:nvSpPr>
+        <p:spPr/>
+        <p:txBody>
+          <a:bodyPr/>
+          <a:lstStyle/>
+          <a:p>
+            <a:fld id="{F781B4EB-0248-0C41-8423-3C4A0934FE0D}" type="slidenum">
+              <a:rPr lang="en-GB" smtClean="0"/>
+              <a:t>9</a:t>
+            </a:fld>
+            <a:endParaRPr lang="en-GB"/>
+          </a:p>
+        </p:txBody>
+      </p:sp>
+    </p:spTree>
+    <p:extLst>
+      <p:ext uri="{BB962C8B-B14F-4D97-AF65-F5344CB8AC3E}">
+        <p14:creationId xmlns:p14="http://schemas.microsoft.com/office/powerpoint/2010/main" val="1632232325"/>
+      </p:ext>
+    </p:extLst>
+  </p:cSld>
+  <p:clrMapOvr>
+    <a:masterClrMapping/>
+  </p:clrMapOvr>
+</p:notes>
+</file>
+
+<file path=ppt/notesSlides/notesSlide3.xml><?xml version="1.0" encoding="utf-8"?>
+<p:notes xmlns:a="http://schemas.openxmlformats.org/drawingml/2006/main" xmlns:r="http://schemas.openxmlformats.org/officeDocument/2006/relationships" xmlns:p="http://schemas.openxmlformats.org/presentationml/2006/main">
+  <p:cSld>
+    <p:spTree>
+      <p:nvGrpSpPr>
+        <p:cNvPr id="1" name=""/>
+        <p:cNvGrpSpPr/>
+        <p:nvPr/>
+      </p:nvGrpSpPr>
+      <p:grpSpPr>
+        <a:xfrm>
+          <a:off x="0" y="0"/>
+          <a:ext cx="0" cy="0"/>
+          <a:chOff x="0" y="0"/>
+          <a:chExt cx="0" cy="0"/>
+        </a:xfrm>
+      </p:grpSpPr>
+      <p:sp>
+        <p:nvSpPr>
+          <p:cNvPr id="2" name="Slide Image Placeholder 1"/>
+          <p:cNvSpPr>
+            <a:spLocks noGrp="1" noRot="1" noChangeAspect="1"/>
+          </p:cNvSpPr>
+          <p:nvPr>
+            <p:ph type="sldImg"/>
+          </p:nvPr>
+        </p:nvSpPr>
+        <p:spPr/>
+      </p:sp>
+      <p:sp>
+        <p:nvSpPr>
+          <p:cNvPr id="3" name="Notes Placeholder 2"/>
+          <p:cNvSpPr>
+            <a:spLocks noGrp="1"/>
+          </p:cNvSpPr>
+          <p:nvPr>
+            <p:ph type="body" idx="1"/>
+          </p:nvPr>
+        </p:nvSpPr>
+        <p:spPr/>
+        <p:txBody>
+          <a:bodyPr/>
+          <a:lstStyle/>
+          <a:p>
+            <a:endParaRPr lang="en-GB" dirty="0"/>
+          </a:p>
+        </p:txBody>
+      </p:sp>
+      <p:sp>
+        <p:nvSpPr>
+          <p:cNvPr id="4" name="Slide Number Placeholder 3"/>
+          <p:cNvSpPr>
+            <a:spLocks noGrp="1"/>
+          </p:cNvSpPr>
+          <p:nvPr>
+            <p:ph type="sldNum" sz="quarter" idx="5"/>
+          </p:nvPr>
+        </p:nvSpPr>
+        <p:spPr/>
+        <p:txBody>
+          <a:bodyPr/>
+          <a:lstStyle/>
+          <a:p>
+            <a:fld id="{F781B4EB-0248-0C41-8423-3C4A0934FE0D}" type="slidenum">
+              <a:rPr lang="en-GB" smtClean="0"/>
+              <a:t>10</a:t>
+            </a:fld>
+            <a:endParaRPr lang="en-GB"/>
+          </a:p>
+        </p:txBody>
+      </p:sp>
+    </p:spTree>
+    <p:extLst>
+      <p:ext uri="{BB962C8B-B14F-4D97-AF65-F5344CB8AC3E}">
+        <p14:creationId xmlns:p14="http://schemas.microsoft.com/office/powerpoint/2010/main" val="3994825593"/>
+      </p:ext>
+    </p:extLst>
+  </p:cSld>
+  <p:clrMapOvr>
+    <a:masterClrMapping/>
+  </p:clrMapOvr>
+</p:notes>
+</file>
+
 <file path=ppt/slideLayouts/slideLayout1.xml><?xml version="1.0" encoding="utf-8"?>
 <p:sldLayout xmlns:a="http://schemas.openxmlformats.org/drawingml/2006/main" xmlns:r="http://schemas.openxmlformats.org/officeDocument/2006/relationships" xmlns:p="http://schemas.openxmlformats.org/presentationml/2006/main" type="title" preserve="1">
   <p:cSld name="Title Slide">
@@ -3032,6 +3290,35 @@
           <a:xfrm>
             <a:off x="10569575" y="77788"/>
             <a:ext cx="1568450" cy="1568450"/>
+          </a:xfrm>
+          <a:prstGeom prst="rect">
+            <a:avLst/>
+          </a:prstGeom>
+        </p:spPr>
+      </p:pic>
+      <p:pic>
+        <p:nvPicPr>
+          <p:cNvPr id="9" name="Picture 8" descr="A blue circle with white outline of people running&#10;&#10;Description automatically generated">
+            <a:extLst>
+              <a:ext uri="{FF2B5EF4-FFF2-40B4-BE49-F238E27FC236}">
+                <a16:creationId xmlns:a16="http://schemas.microsoft.com/office/drawing/2014/main" id="{FB818124-78AD-BA86-41B2-5AFE0F8EE8D4}"/>
+              </a:ext>
+            </a:extLst>
+          </p:cNvPr>
+          <p:cNvPicPr>
+            <a:picLocks noChangeAspect="1"/>
+          </p:cNvPicPr>
+          <p:nvPr userDrawn="1"/>
+        </p:nvPicPr>
+        <p:blipFill rotWithShape="1">
+          <a:blip r:embed="rId14"/>
+          <a:srcRect l="30845" t="29502" r="33291" b="23258"/>
+          <a:stretch/>
+        </p:blipFill>
+        <p:spPr>
+          <a:xfrm>
+            <a:off x="10410093" y="-17585"/>
+            <a:ext cx="1781908" cy="1761659"/>
           </a:xfrm>
           <a:prstGeom prst="rect">
             <a:avLst/>
@@ -3405,13 +3692,13 @@
         </p:nvSpPr>
         <p:spPr>
           <a:xfrm>
-            <a:off x="1524000" y="3602037"/>
-            <a:ext cx="9144000" cy="2387600"/>
+            <a:off x="1524000" y="3602036"/>
+            <a:ext cx="9144000" cy="2836863"/>
           </a:xfrm>
         </p:spPr>
         <p:txBody>
           <a:bodyPr>
-            <a:normAutofit fontScale="62500" lnSpcReduction="20000"/>
+            <a:normAutofit fontScale="85000" lnSpcReduction="20000"/>
           </a:bodyPr>
           <a:lstStyle/>
           <a:p>
@@ -3512,6 +3799,671 @@
     <p:extLst>
       <p:ext uri="{BB962C8B-B14F-4D97-AF65-F5344CB8AC3E}">
         <p14:creationId xmlns:p14="http://schemas.microsoft.com/office/powerpoint/2010/main" val="2028405263"/>
+      </p:ext>
+    </p:extLst>
+  </p:cSld>
+  <p:clrMapOvr>
+    <a:masterClrMapping/>
+  </p:clrMapOvr>
+</p:sld>
+</file>
+
+<file path=ppt/slides/slide10.xml><?xml version="1.0" encoding="utf-8"?>
+<p:sld xmlns:a="http://schemas.openxmlformats.org/drawingml/2006/main" xmlns:r="http://schemas.openxmlformats.org/officeDocument/2006/relationships" xmlns:p="http://schemas.openxmlformats.org/presentationml/2006/main">
+  <p:cSld>
+    <p:spTree>
+      <p:nvGrpSpPr>
+        <p:cNvPr id="1" name=""/>
+        <p:cNvGrpSpPr/>
+        <p:nvPr/>
+      </p:nvGrpSpPr>
+      <p:grpSpPr>
+        <a:xfrm>
+          <a:off x="0" y="0"/>
+          <a:ext cx="0" cy="0"/>
+          <a:chOff x="0" y="0"/>
+          <a:chExt cx="0" cy="0"/>
+        </a:xfrm>
+      </p:grpSpPr>
+      <p:sp>
+        <p:nvSpPr>
+          <p:cNvPr id="2" name="Title 1">
+            <a:extLst>
+              <a:ext uri="{FF2B5EF4-FFF2-40B4-BE49-F238E27FC236}">
+                <a16:creationId xmlns:a16="http://schemas.microsoft.com/office/drawing/2014/main" id="{372F90B8-B403-A452-0CFB-F102C4C7F002}"/>
+              </a:ext>
+            </a:extLst>
+          </p:cNvPr>
+          <p:cNvSpPr>
+            <a:spLocks noGrp="1"/>
+          </p:cNvSpPr>
+          <p:nvPr>
+            <p:ph type="title"/>
+          </p:nvPr>
+        </p:nvSpPr>
+        <p:spPr/>
+        <p:txBody>
+          <a:bodyPr/>
+          <a:lstStyle/>
+          <a:p>
+            <a:r>
+              <a:rPr lang="en-GB" dirty="0"/>
+              <a:t>Summary</a:t>
+            </a:r>
+          </a:p>
+        </p:txBody>
+      </p:sp>
+      <mc:AlternateContent xmlns:mc="http://schemas.openxmlformats.org/markup-compatibility/2006">
+        <mc:Choice xmlns:a14="http://schemas.microsoft.com/office/drawing/2010/main" Requires="a14">
+          <p:sp>
+            <p:nvSpPr>
+              <p:cNvPr id="3" name="Content Placeholder 2">
+                <a:extLst>
+                  <a:ext uri="{FF2B5EF4-FFF2-40B4-BE49-F238E27FC236}">
+                    <a16:creationId xmlns:a16="http://schemas.microsoft.com/office/drawing/2014/main" id="{3EE61E2C-AFA6-1BB3-87E1-AA839F34FBA1}"/>
+                  </a:ext>
+                </a:extLst>
+              </p:cNvPr>
+              <p:cNvSpPr>
+                <a:spLocks noGrp="1"/>
+              </p:cNvSpPr>
+              <p:nvPr>
+                <p:ph idx="1"/>
+              </p:nvPr>
+            </p:nvSpPr>
+            <p:spPr/>
+            <p:txBody>
+              <a:bodyPr>
+                <a:normAutofit lnSpcReduction="10000"/>
+              </a:bodyPr>
+              <a:lstStyle/>
+              <a:p>
+                <a:r>
+                  <a:rPr lang="en-GB" dirty="0"/>
+                  <a:t>Basis functions = “building blocks” for functional data</a:t>
+                </a:r>
+              </a:p>
+              <a:p>
+                <a:r>
+                  <a:rPr lang="en-GB" dirty="0"/>
+                  <a:t>Represent each curve as a weighted sum of the basis functions</a:t>
+                </a:r>
+              </a:p>
+              <a:p>
+                <a:pPr lvl="1"/>
+                <a:r>
+                  <a:rPr lang="en-GB" dirty="0"/>
+                  <a:t>Representation can </a:t>
+                </a:r>
+                <a:r>
+                  <a:rPr lang="en-GB" b="1" dirty="0"/>
+                  <a:t>interpolate</a:t>
+                </a:r>
+                <a:r>
+                  <a:rPr lang="en-GB" dirty="0"/>
+                  <a:t> or </a:t>
+                </a:r>
+                <a:r>
+                  <a:rPr lang="en-GB" b="1" dirty="0"/>
+                  <a:t>smooth</a:t>
+                </a:r>
+              </a:p>
+              <a:p>
+                <a:r>
+                  <a:rPr lang="en-GB" b="1" dirty="0"/>
+                  <a:t>Smoothing</a:t>
+                </a:r>
+                <a:r>
+                  <a:rPr lang="en-GB" dirty="0"/>
+                  <a:t> can be done in two main ways:</a:t>
+                </a:r>
+              </a:p>
+              <a:p>
+                <a:pPr marL="914400" lvl="1" indent="-457200">
+                  <a:buFont typeface="+mj-lt"/>
+                  <a:buAutoNum type="arabicPeriod"/>
+                </a:pPr>
+                <a:r>
+                  <a:rPr lang="en-GB" dirty="0"/>
+                  <a:t>Changing number of basis functions </a:t>
+                </a:r>
+                <a14:m>
+                  <m:oMath xmlns:m="http://schemas.openxmlformats.org/officeDocument/2006/math">
+                    <m:r>
+                      <a:rPr lang="en-IE" b="0" i="1" smtClean="0">
+                        <a:latin typeface="Cambria Math" panose="02040503050406030204" pitchFamily="18" charset="0"/>
+                      </a:rPr>
+                      <m:t>𝐾</m:t>
+                    </m:r>
+                  </m:oMath>
+                </a14:m>
+                <a:endParaRPr lang="en-GB" dirty="0"/>
+              </a:p>
+              <a:p>
+                <a:pPr marL="914400" lvl="1" indent="-457200">
+                  <a:buFont typeface="+mj-lt"/>
+                  <a:buAutoNum type="arabicPeriod"/>
+                </a:pPr>
+                <a:r>
+                  <a:rPr lang="en-GB" dirty="0"/>
+                  <a:t>Penalised least squares approach (choosing </a:t>
+                </a:r>
+                <a14:m>
+                  <m:oMath xmlns:m="http://schemas.openxmlformats.org/officeDocument/2006/math">
+                    <m:r>
+                      <a:rPr lang="en-IE" b="0" i="1" smtClean="0">
+                        <a:latin typeface="Cambria Math" panose="02040503050406030204" pitchFamily="18" charset="0"/>
+                      </a:rPr>
+                      <m:t>𝜆</m:t>
+                    </m:r>
+                  </m:oMath>
+                </a14:m>
+                <a:r>
+                  <a:rPr lang="en-GB" dirty="0"/>
+                  <a:t>)</a:t>
+                </a:r>
+              </a:p>
+              <a:p>
+                <a:pPr marL="0" indent="0">
+                  <a:buNone/>
+                </a:pPr>
+                <a:endParaRPr lang="en-GB" dirty="0"/>
+              </a:p>
+              <a:p>
+                <a:pPr>
+                  <a:buFont typeface="Wingdings" pitchFamily="2" charset="2"/>
+                  <a:buChar char="Ø"/>
+                </a:pPr>
+                <a:r>
+                  <a:rPr lang="en-GB" dirty="0"/>
+                  <a:t> The basis representation will be used “under the hood” in all subsequent calculations, with the possibility to facilitate additional smoothing.</a:t>
+                </a:r>
+              </a:p>
+            </p:txBody>
+          </p:sp>
+        </mc:Choice>
+        <mc:Fallback>
+          <p:sp>
+            <p:nvSpPr>
+              <p:cNvPr id="3" name="Content Placeholder 2">
+                <a:extLst>
+                  <a:ext uri="{FF2B5EF4-FFF2-40B4-BE49-F238E27FC236}">
+                    <a16:creationId xmlns:a16="http://schemas.microsoft.com/office/drawing/2014/main" id="{3EE61E2C-AFA6-1BB3-87E1-AA839F34FBA1}"/>
+                  </a:ext>
+                </a:extLst>
+              </p:cNvPr>
+              <p:cNvSpPr>
+                <a:spLocks noGrp="1" noRot="1" noChangeAspect="1" noMove="1" noResize="1" noEditPoints="1" noAdjustHandles="1" noChangeArrowheads="1" noChangeShapeType="1" noTextEdit="1"/>
+              </p:cNvSpPr>
+              <p:nvPr>
+                <p:ph idx="1"/>
+              </p:nvPr>
+            </p:nvSpPr>
+            <p:spPr>
+              <a:blipFill>
+                <a:blip r:embed="rId3"/>
+                <a:stretch>
+                  <a:fillRect l="-1086" t="-3198"/>
+                </a:stretch>
+              </a:blipFill>
+            </p:spPr>
+            <p:txBody>
+              <a:bodyPr/>
+              <a:lstStyle/>
+              <a:p>
+                <a:r>
+                  <a:rPr lang="en-GB">
+                    <a:noFill/>
+                  </a:rPr>
+                  <a:t> </a:t>
+                </a:r>
+              </a:p>
+            </p:txBody>
+          </p:sp>
+        </mc:Fallback>
+      </mc:AlternateContent>
+    </p:spTree>
+    <p:extLst>
+      <p:ext uri="{BB962C8B-B14F-4D97-AF65-F5344CB8AC3E}">
+        <p14:creationId xmlns:p14="http://schemas.microsoft.com/office/powerpoint/2010/main" val="2037242373"/>
+      </p:ext>
+    </p:extLst>
+  </p:cSld>
+  <p:clrMapOvr>
+    <a:masterClrMapping/>
+  </p:clrMapOvr>
+  <p:timing>
+    <p:tnLst>
+      <p:par>
+        <p:cTn id="1" dur="indefinite" restart="never" nodeType="tmRoot">
+          <p:childTnLst>
+            <p:seq concurrent="1" nextAc="seek">
+              <p:cTn id="2" dur="indefinite" nodeType="mainSeq">
+                <p:childTnLst>
+                  <p:par>
+                    <p:cTn id="3" fill="hold">
+                      <p:stCondLst>
+                        <p:cond delay="indefinite"/>
+                      </p:stCondLst>
+                      <p:childTnLst>
+                        <p:par>
+                          <p:cTn id="4" fill="hold">
+                            <p:stCondLst>
+                              <p:cond delay="0"/>
+                            </p:stCondLst>
+                            <p:childTnLst>
+                              <p:par>
+                                <p:cTn id="5" presetID="1" presetClass="entr" presetSubtype="0" fill="hold" nodeType="clickEffect">
+                                  <p:stCondLst>
+                                    <p:cond delay="0"/>
+                                  </p:stCondLst>
+                                  <p:childTnLst>
+                                    <p:set>
+                                      <p:cBhvr>
+                                        <p:cTn id="6" dur="1" fill="hold">
+                                          <p:stCondLst>
+                                            <p:cond delay="0"/>
+                                          </p:stCondLst>
+                                        </p:cTn>
+                                        <p:tgtEl>
+                                          <p:spTgt spid="3">
+                                            <p:txEl>
+                                              <p:pRg st="0" end="0"/>
+                                            </p:txEl>
+                                          </p:spTgt>
+                                        </p:tgtEl>
+                                        <p:attrNameLst>
+                                          <p:attrName>style.visibility</p:attrName>
+                                        </p:attrNameLst>
+                                      </p:cBhvr>
+                                      <p:to>
+                                        <p:strVal val="visible"/>
+                                      </p:to>
+                                    </p:set>
+                                  </p:childTnLst>
+                                </p:cTn>
+                              </p:par>
+                            </p:childTnLst>
+                          </p:cTn>
+                        </p:par>
+                      </p:childTnLst>
+                    </p:cTn>
+                  </p:par>
+                  <p:par>
+                    <p:cTn id="7" fill="hold">
+                      <p:stCondLst>
+                        <p:cond delay="indefinite"/>
+                      </p:stCondLst>
+                      <p:childTnLst>
+                        <p:par>
+                          <p:cTn id="8" fill="hold">
+                            <p:stCondLst>
+                              <p:cond delay="0"/>
+                            </p:stCondLst>
+                            <p:childTnLst>
+                              <p:par>
+                                <p:cTn id="9" presetID="1" presetClass="entr" presetSubtype="0" fill="hold" nodeType="clickEffect">
+                                  <p:stCondLst>
+                                    <p:cond delay="0"/>
+                                  </p:stCondLst>
+                                  <p:childTnLst>
+                                    <p:set>
+                                      <p:cBhvr>
+                                        <p:cTn id="10" dur="1" fill="hold">
+                                          <p:stCondLst>
+                                            <p:cond delay="0"/>
+                                          </p:stCondLst>
+                                        </p:cTn>
+                                        <p:tgtEl>
+                                          <p:spTgt spid="3">
+                                            <p:txEl>
+                                              <p:pRg st="1" end="1"/>
+                                            </p:txEl>
+                                          </p:spTgt>
+                                        </p:tgtEl>
+                                        <p:attrNameLst>
+                                          <p:attrName>style.visibility</p:attrName>
+                                        </p:attrNameLst>
+                                      </p:cBhvr>
+                                      <p:to>
+                                        <p:strVal val="visible"/>
+                                      </p:to>
+                                    </p:set>
+                                  </p:childTnLst>
+                                </p:cTn>
+                              </p:par>
+                              <p:par>
+                                <p:cTn id="11" presetID="1" presetClass="entr" presetSubtype="0" fill="hold" nodeType="withEffect">
+                                  <p:stCondLst>
+                                    <p:cond delay="0"/>
+                                  </p:stCondLst>
+                                  <p:childTnLst>
+                                    <p:set>
+                                      <p:cBhvr>
+                                        <p:cTn id="12" dur="1" fill="hold">
+                                          <p:stCondLst>
+                                            <p:cond delay="0"/>
+                                          </p:stCondLst>
+                                        </p:cTn>
+                                        <p:tgtEl>
+                                          <p:spTgt spid="3">
+                                            <p:txEl>
+                                              <p:pRg st="2" end="2"/>
+                                            </p:txEl>
+                                          </p:spTgt>
+                                        </p:tgtEl>
+                                        <p:attrNameLst>
+                                          <p:attrName>style.visibility</p:attrName>
+                                        </p:attrNameLst>
+                                      </p:cBhvr>
+                                      <p:to>
+                                        <p:strVal val="visible"/>
+                                      </p:to>
+                                    </p:set>
+                                  </p:childTnLst>
+                                </p:cTn>
+                              </p:par>
+                            </p:childTnLst>
+                          </p:cTn>
+                        </p:par>
+                      </p:childTnLst>
+                    </p:cTn>
+                  </p:par>
+                  <p:par>
+                    <p:cTn id="13" fill="hold">
+                      <p:stCondLst>
+                        <p:cond delay="indefinite"/>
+                      </p:stCondLst>
+                      <p:childTnLst>
+                        <p:par>
+                          <p:cTn id="14" fill="hold">
+                            <p:stCondLst>
+                              <p:cond delay="0"/>
+                            </p:stCondLst>
+                            <p:childTnLst>
+                              <p:par>
+                                <p:cTn id="15" presetID="1" presetClass="entr" presetSubtype="0" fill="hold" nodeType="clickEffect">
+                                  <p:stCondLst>
+                                    <p:cond delay="0"/>
+                                  </p:stCondLst>
+                                  <p:childTnLst>
+                                    <p:set>
+                                      <p:cBhvr>
+                                        <p:cTn id="16" dur="1" fill="hold">
+                                          <p:stCondLst>
+                                            <p:cond delay="0"/>
+                                          </p:stCondLst>
+                                        </p:cTn>
+                                        <p:tgtEl>
+                                          <p:spTgt spid="3">
+                                            <p:txEl>
+                                              <p:pRg st="3" end="3"/>
+                                            </p:txEl>
+                                          </p:spTgt>
+                                        </p:tgtEl>
+                                        <p:attrNameLst>
+                                          <p:attrName>style.visibility</p:attrName>
+                                        </p:attrNameLst>
+                                      </p:cBhvr>
+                                      <p:to>
+                                        <p:strVal val="visible"/>
+                                      </p:to>
+                                    </p:set>
+                                  </p:childTnLst>
+                                </p:cTn>
+                              </p:par>
+                              <p:par>
+                                <p:cTn id="17" presetID="1" presetClass="entr" presetSubtype="0" fill="hold" nodeType="withEffect">
+                                  <p:stCondLst>
+                                    <p:cond delay="0"/>
+                                  </p:stCondLst>
+                                  <p:childTnLst>
+                                    <p:set>
+                                      <p:cBhvr>
+                                        <p:cTn id="18" dur="1" fill="hold">
+                                          <p:stCondLst>
+                                            <p:cond delay="0"/>
+                                          </p:stCondLst>
+                                        </p:cTn>
+                                        <p:tgtEl>
+                                          <p:spTgt spid="3">
+                                            <p:txEl>
+                                              <p:pRg st="4" end="4"/>
+                                            </p:txEl>
+                                          </p:spTgt>
+                                        </p:tgtEl>
+                                        <p:attrNameLst>
+                                          <p:attrName>style.visibility</p:attrName>
+                                        </p:attrNameLst>
+                                      </p:cBhvr>
+                                      <p:to>
+                                        <p:strVal val="visible"/>
+                                      </p:to>
+                                    </p:set>
+                                  </p:childTnLst>
+                                </p:cTn>
+                              </p:par>
+                              <p:par>
+                                <p:cTn id="19" presetID="1" presetClass="entr" presetSubtype="0" fill="hold" nodeType="withEffect">
+                                  <p:stCondLst>
+                                    <p:cond delay="0"/>
+                                  </p:stCondLst>
+                                  <p:childTnLst>
+                                    <p:set>
+                                      <p:cBhvr>
+                                        <p:cTn id="20" dur="1" fill="hold">
+                                          <p:stCondLst>
+                                            <p:cond delay="0"/>
+                                          </p:stCondLst>
+                                        </p:cTn>
+                                        <p:tgtEl>
+                                          <p:spTgt spid="3">
+                                            <p:txEl>
+                                              <p:pRg st="5" end="5"/>
+                                            </p:txEl>
+                                          </p:spTgt>
+                                        </p:tgtEl>
+                                        <p:attrNameLst>
+                                          <p:attrName>style.visibility</p:attrName>
+                                        </p:attrNameLst>
+                                      </p:cBhvr>
+                                      <p:to>
+                                        <p:strVal val="visible"/>
+                                      </p:to>
+                                    </p:set>
+                                  </p:childTnLst>
+                                </p:cTn>
+                              </p:par>
+                            </p:childTnLst>
+                          </p:cTn>
+                        </p:par>
+                      </p:childTnLst>
+                    </p:cTn>
+                  </p:par>
+                  <p:par>
+                    <p:cTn id="21" fill="hold">
+                      <p:stCondLst>
+                        <p:cond delay="indefinite"/>
+                      </p:stCondLst>
+                      <p:childTnLst>
+                        <p:par>
+                          <p:cTn id="22" fill="hold">
+                            <p:stCondLst>
+                              <p:cond delay="0"/>
+                            </p:stCondLst>
+                            <p:childTnLst>
+                              <p:par>
+                                <p:cTn id="23" presetID="1" presetClass="entr" presetSubtype="0" fill="hold" nodeType="clickEffect">
+                                  <p:stCondLst>
+                                    <p:cond delay="0"/>
+                                  </p:stCondLst>
+                                  <p:childTnLst>
+                                    <p:set>
+                                      <p:cBhvr>
+                                        <p:cTn id="24" dur="1" fill="hold">
+                                          <p:stCondLst>
+                                            <p:cond delay="0"/>
+                                          </p:stCondLst>
+                                        </p:cTn>
+                                        <p:tgtEl>
+                                          <p:spTgt spid="3">
+                                            <p:txEl>
+                                              <p:pRg st="7" end="7"/>
+                                            </p:txEl>
+                                          </p:spTgt>
+                                        </p:tgtEl>
+                                        <p:attrNameLst>
+                                          <p:attrName>style.visibility</p:attrName>
+                                        </p:attrNameLst>
+                                      </p:cBhvr>
+                                      <p:to>
+                                        <p:strVal val="visible"/>
+                                      </p:to>
+                                    </p:set>
+                                  </p:childTnLst>
+                                </p:cTn>
+                              </p:par>
+                            </p:childTnLst>
+                          </p:cTn>
+                        </p:par>
+                      </p:childTnLst>
+                    </p:cTn>
+                  </p:par>
+                </p:childTnLst>
+              </p:cTn>
+              <p:prevCondLst>
+                <p:cond evt="onPrev" delay="0">
+                  <p:tgtEl>
+                    <p:sldTgt/>
+                  </p:tgtEl>
+                </p:cond>
+              </p:prevCondLst>
+              <p:nextCondLst>
+                <p:cond evt="onNext" delay="0">
+                  <p:tgtEl>
+                    <p:sldTgt/>
+                  </p:tgtEl>
+                </p:cond>
+              </p:nextCondLst>
+            </p:seq>
+          </p:childTnLst>
+        </p:cTn>
+      </p:par>
+    </p:tnLst>
+  </p:timing>
+</p:sld>
+</file>
+
+<file path=ppt/slides/slide11.xml><?xml version="1.0" encoding="utf-8"?>
+<p:sld xmlns:a="http://schemas.openxmlformats.org/drawingml/2006/main" xmlns:r="http://schemas.openxmlformats.org/officeDocument/2006/relationships" xmlns:p="http://schemas.openxmlformats.org/presentationml/2006/main">
+  <p:cSld>
+    <p:spTree>
+      <p:nvGrpSpPr>
+        <p:cNvPr id="1" name=""/>
+        <p:cNvGrpSpPr/>
+        <p:nvPr/>
+      </p:nvGrpSpPr>
+      <p:grpSpPr>
+        <a:xfrm>
+          <a:off x="0" y="0"/>
+          <a:ext cx="0" cy="0"/>
+          <a:chOff x="0" y="0"/>
+          <a:chExt cx="0" cy="0"/>
+        </a:xfrm>
+      </p:grpSpPr>
+      <p:sp>
+        <p:nvSpPr>
+          <p:cNvPr id="2" name="Title 1">
+            <a:extLst>
+              <a:ext uri="{FF2B5EF4-FFF2-40B4-BE49-F238E27FC236}">
+                <a16:creationId xmlns:a16="http://schemas.microsoft.com/office/drawing/2014/main" id="{9A7C5259-1980-B13F-7917-F6C61EBD6A7C}"/>
+              </a:ext>
+            </a:extLst>
+          </p:cNvPr>
+          <p:cNvSpPr>
+            <a:spLocks noGrp="1"/>
+          </p:cNvSpPr>
+          <p:nvPr>
+            <p:ph type="title"/>
+          </p:nvPr>
+        </p:nvSpPr>
+        <p:spPr/>
+        <p:txBody>
+          <a:bodyPr/>
+          <a:lstStyle/>
+          <a:p>
+            <a:r>
+              <a:rPr lang="en-GB" dirty="0"/>
+              <a:t>References</a:t>
+            </a:r>
+          </a:p>
+        </p:txBody>
+      </p:sp>
+      <p:sp>
+        <p:nvSpPr>
+          <p:cNvPr id="3" name="Content Placeholder 2">
+            <a:extLst>
+              <a:ext uri="{FF2B5EF4-FFF2-40B4-BE49-F238E27FC236}">
+                <a16:creationId xmlns:a16="http://schemas.microsoft.com/office/drawing/2014/main" id="{C83BA66B-E4BF-632C-7E1A-2956C05C6C3D}"/>
+              </a:ext>
+            </a:extLst>
+          </p:cNvPr>
+          <p:cNvSpPr>
+            <a:spLocks noGrp="1"/>
+          </p:cNvSpPr>
+          <p:nvPr>
+            <p:ph idx="1"/>
+          </p:nvPr>
+        </p:nvSpPr>
+        <p:spPr/>
+        <p:txBody>
+          <a:bodyPr/>
+          <a:lstStyle/>
+          <a:p>
+            <a:r>
+              <a:rPr lang="en-IE" b="1" dirty="0">
+                <a:effectLst/>
+              </a:rPr>
+              <a:t>Chapters 3 - 5 </a:t>
+            </a:r>
+            <a:r>
+              <a:rPr lang="en-IE" dirty="0">
+                <a:effectLst/>
+              </a:rPr>
+              <a:t>of Ramsay, J. O., &amp; Silverman, B. W. (2005). </a:t>
+            </a:r>
+            <a:r>
+              <a:rPr lang="en-IE" i="1" dirty="0">
+                <a:effectLst/>
+              </a:rPr>
+              <a:t>Functional Data Analysis</a:t>
+            </a:r>
+            <a:r>
+              <a:rPr lang="en-IE" dirty="0">
+                <a:effectLst/>
+              </a:rPr>
+              <a:t> (2nd ed.). Springer-Verlag. </a:t>
+            </a:r>
+            <a:r>
+              <a:rPr lang="en-IE" dirty="0">
+                <a:effectLst/>
+                <a:hlinkClick r:id="rId2"/>
+              </a:rPr>
+              <a:t>https://doi.org/10.1007/b98888</a:t>
+            </a:r>
+            <a:endParaRPr lang="en-IE" dirty="0">
+              <a:effectLst/>
+            </a:endParaRPr>
+          </a:p>
+          <a:p>
+            <a:endParaRPr lang="en-GB" dirty="0"/>
+          </a:p>
+        </p:txBody>
+      </p:sp>
+    </p:spTree>
+    <p:extLst>
+      <p:ext uri="{BB962C8B-B14F-4D97-AF65-F5344CB8AC3E}">
+        <p14:creationId xmlns:p14="http://schemas.microsoft.com/office/powerpoint/2010/main" val="119565891"/>
       </p:ext>
     </p:extLst>
   </p:cSld>
@@ -5151,7 +6103,7 @@
                             </p:stCondLst>
                             <p:childTnLst>
                               <p:par>
-                                <p:cTn id="5" presetID="1" presetClass="entr" presetSubtype="0" fill="hold" grpId="0" nodeType="clickEffect">
+                                <p:cTn id="5" presetID="1" presetClass="entr" presetSubtype="0" fill="hold" nodeType="clickEffect">
                                   <p:stCondLst>
                                     <p:cond delay="0"/>
                                   </p:stCondLst>
@@ -5164,7 +6116,330 @@
                                           </p:stCondLst>
                                         </p:cTn>
                                         <p:tgtEl>
+                                          <p:spTgt spid="3">
+                                            <p:txEl>
+                                              <p:pRg st="0" end="0"/>
+                                            </p:txEl>
+                                          </p:spTgt>
+                                        </p:tgtEl>
+                                        <p:attrNameLst>
+                                          <p:attrName>style.visibility</p:attrName>
+                                        </p:attrNameLst>
+                                      </p:cBhvr>
+                                      <p:to>
+                                        <p:strVal val="visible"/>
+                                      </p:to>
+                                    </p:set>
+                                  </p:childTnLst>
+                                </p:cTn>
+                              </p:par>
+                            </p:childTnLst>
+                          </p:cTn>
+                        </p:par>
+                      </p:childTnLst>
+                    </p:cTn>
+                  </p:par>
+                  <p:par>
+                    <p:cTn id="7" fill="hold">
+                      <p:stCondLst>
+                        <p:cond delay="indefinite"/>
+                      </p:stCondLst>
+                      <p:childTnLst>
+                        <p:par>
+                          <p:cTn id="8" fill="hold">
+                            <p:stCondLst>
+                              <p:cond delay="0"/>
+                            </p:stCondLst>
+                            <p:childTnLst>
+                              <p:par>
+                                <p:cTn id="9" presetID="1" presetClass="entr" presetSubtype="0" fill="hold" nodeType="clickEffect">
+                                  <p:stCondLst>
+                                    <p:cond delay="0"/>
+                                  </p:stCondLst>
+                                  <p:childTnLst>
+                                    <p:set>
+                                      <p:cBhvr>
+                                        <p:cTn id="10" dur="1" fill="hold">
+                                          <p:stCondLst>
+                                            <p:cond delay="0"/>
+                                          </p:stCondLst>
+                                        </p:cTn>
+                                        <p:tgtEl>
+                                          <p:spTgt spid="3">
+                                            <p:txEl>
+                                              <p:pRg st="1" end="1"/>
+                                            </p:txEl>
+                                          </p:spTgt>
+                                        </p:tgtEl>
+                                        <p:attrNameLst>
+                                          <p:attrName>style.visibility</p:attrName>
+                                        </p:attrNameLst>
+                                      </p:cBhvr>
+                                      <p:to>
+                                        <p:strVal val="visible"/>
+                                      </p:to>
+                                    </p:set>
+                                  </p:childTnLst>
+                                </p:cTn>
+                              </p:par>
+                            </p:childTnLst>
+                          </p:cTn>
+                        </p:par>
+                      </p:childTnLst>
+                    </p:cTn>
+                  </p:par>
+                  <p:par>
+                    <p:cTn id="11" fill="hold">
+                      <p:stCondLst>
+                        <p:cond delay="indefinite"/>
+                      </p:stCondLst>
+                      <p:childTnLst>
+                        <p:par>
+                          <p:cTn id="12" fill="hold">
+                            <p:stCondLst>
+                              <p:cond delay="0"/>
+                            </p:stCondLst>
+                            <p:childTnLst>
+                              <p:par>
+                                <p:cTn id="13" presetID="1" presetClass="entr" presetSubtype="0" fill="hold" nodeType="clickEffect">
+                                  <p:stCondLst>
+                                    <p:cond delay="0"/>
+                                  </p:stCondLst>
+                                  <p:childTnLst>
+                                    <p:set>
+                                      <p:cBhvr>
+                                        <p:cTn id="14" dur="1" fill="hold">
+                                          <p:stCondLst>
+                                            <p:cond delay="0"/>
+                                          </p:stCondLst>
+                                        </p:cTn>
+                                        <p:tgtEl>
+                                          <p:spTgt spid="14"/>
+                                        </p:tgtEl>
+                                        <p:attrNameLst>
+                                          <p:attrName>style.visibility</p:attrName>
+                                        </p:attrNameLst>
+                                      </p:cBhvr>
+                                      <p:to>
+                                        <p:strVal val="visible"/>
+                                      </p:to>
+                                    </p:set>
+                                  </p:childTnLst>
+                                </p:cTn>
+                              </p:par>
+                            </p:childTnLst>
+                          </p:cTn>
+                        </p:par>
+                      </p:childTnLst>
+                    </p:cTn>
+                  </p:par>
+                  <p:par>
+                    <p:cTn id="15" fill="hold">
+                      <p:stCondLst>
+                        <p:cond delay="indefinite"/>
+                      </p:stCondLst>
+                      <p:childTnLst>
+                        <p:par>
+                          <p:cTn id="16" fill="hold">
+                            <p:stCondLst>
+                              <p:cond delay="0"/>
+                            </p:stCondLst>
+                            <p:childTnLst>
+                              <p:par>
+                                <p:cTn id="17" presetID="1" presetClass="entr" presetSubtype="0" fill="hold" nodeType="clickEffect">
+                                  <p:stCondLst>
+                                    <p:cond delay="0"/>
+                                  </p:stCondLst>
+                                  <p:childTnLst>
+                                    <p:set>
+                                      <p:cBhvr>
+                                        <p:cTn id="18" dur="1" fill="hold">
+                                          <p:stCondLst>
+                                            <p:cond delay="0"/>
+                                          </p:stCondLst>
+                                        </p:cTn>
+                                        <p:tgtEl>
+                                          <p:spTgt spid="16"/>
+                                        </p:tgtEl>
+                                        <p:attrNameLst>
+                                          <p:attrName>style.visibility</p:attrName>
+                                        </p:attrNameLst>
+                                      </p:cBhvr>
+                                      <p:to>
+                                        <p:strVal val="visible"/>
+                                      </p:to>
+                                    </p:set>
+                                  </p:childTnLst>
+                                </p:cTn>
+                              </p:par>
+                              <p:par>
+                                <p:cTn id="19" presetID="1" presetClass="entr" presetSubtype="0" fill="hold" grpId="0" nodeType="withEffect">
+                                  <p:stCondLst>
+                                    <p:cond delay="0"/>
+                                  </p:stCondLst>
+                                  <p:childTnLst>
+                                    <p:set>
+                                      <p:cBhvr>
+                                        <p:cTn id="20" dur="1" fill="hold">
+                                          <p:stCondLst>
+                                            <p:cond delay="0"/>
+                                          </p:stCondLst>
+                                        </p:cTn>
+                                        <p:tgtEl>
                                           <p:spTgt spid="18"/>
+                                        </p:tgtEl>
+                                        <p:attrNameLst>
+                                          <p:attrName>style.visibility</p:attrName>
+                                        </p:attrNameLst>
+                                      </p:cBhvr>
+                                      <p:to>
+                                        <p:strVal val="visible"/>
+                                      </p:to>
+                                    </p:set>
+                                  </p:childTnLst>
+                                </p:cTn>
+                              </p:par>
+                            </p:childTnLst>
+                          </p:cTn>
+                        </p:par>
+                      </p:childTnLst>
+                    </p:cTn>
+                  </p:par>
+                  <p:par>
+                    <p:cTn id="21" fill="hold">
+                      <p:stCondLst>
+                        <p:cond delay="indefinite"/>
+                      </p:stCondLst>
+                      <p:childTnLst>
+                        <p:par>
+                          <p:cTn id="22" fill="hold">
+                            <p:stCondLst>
+                              <p:cond delay="0"/>
+                            </p:stCondLst>
+                            <p:childTnLst>
+                              <p:par>
+                                <p:cTn id="23" presetID="1" presetClass="entr" presetSubtype="0" fill="hold" nodeType="clickEffect">
+                                  <p:stCondLst>
+                                    <p:cond delay="0"/>
+                                  </p:stCondLst>
+                                  <p:childTnLst>
+                                    <p:set>
+                                      <p:cBhvr>
+                                        <p:cTn id="24" dur="1" fill="hold">
+                                          <p:stCondLst>
+                                            <p:cond delay="0"/>
+                                          </p:stCondLst>
+                                        </p:cTn>
+                                        <p:tgtEl>
+                                          <p:spTgt spid="11"/>
+                                        </p:tgtEl>
+                                        <p:attrNameLst>
+                                          <p:attrName>style.visibility</p:attrName>
+                                        </p:attrNameLst>
+                                      </p:cBhvr>
+                                      <p:to>
+                                        <p:strVal val="visible"/>
+                                      </p:to>
+                                    </p:set>
+                                  </p:childTnLst>
+                                </p:cTn>
+                              </p:par>
+                              <p:par>
+                                <p:cTn id="25" presetID="1" presetClass="entr" presetSubtype="0" fill="hold" grpId="0" nodeType="withEffect">
+                                  <p:stCondLst>
+                                    <p:cond delay="0"/>
+                                  </p:stCondLst>
+                                  <p:childTnLst>
+                                    <p:set>
+                                      <p:cBhvr>
+                                        <p:cTn id="26" dur="1" fill="hold">
+                                          <p:stCondLst>
+                                            <p:cond delay="0"/>
+                                          </p:stCondLst>
+                                        </p:cTn>
+                                        <p:tgtEl>
+                                          <p:spTgt spid="9"/>
+                                        </p:tgtEl>
+                                        <p:attrNameLst>
+                                          <p:attrName>style.visibility</p:attrName>
+                                        </p:attrNameLst>
+                                      </p:cBhvr>
+                                      <p:to>
+                                        <p:strVal val="visible"/>
+                                      </p:to>
+                                    </p:set>
+                                  </p:childTnLst>
+                                </p:cTn>
+                              </p:par>
+                              <p:par>
+                                <p:cTn id="27" presetID="1" presetClass="entr" presetSubtype="0" fill="hold" grpId="0" nodeType="withEffect">
+                                  <p:stCondLst>
+                                    <p:cond delay="0"/>
+                                  </p:stCondLst>
+                                  <p:childTnLst>
+                                    <p:set>
+                                      <p:cBhvr>
+                                        <p:cTn id="28" dur="1" fill="hold">
+                                          <p:stCondLst>
+                                            <p:cond delay="0"/>
+                                          </p:stCondLst>
+                                        </p:cTn>
+                                        <p:tgtEl>
+                                          <p:spTgt spid="10"/>
+                                        </p:tgtEl>
+                                        <p:attrNameLst>
+                                          <p:attrName>style.visibility</p:attrName>
+                                        </p:attrNameLst>
+                                      </p:cBhvr>
+                                      <p:to>
+                                        <p:strVal val="visible"/>
+                                      </p:to>
+                                    </p:set>
+                                  </p:childTnLst>
+                                </p:cTn>
+                              </p:par>
+                              <p:par>
+                                <p:cTn id="29" presetID="1" presetClass="entr" presetSubtype="0" fill="hold" grpId="0" nodeType="withEffect">
+                                  <p:stCondLst>
+                                    <p:cond delay="0"/>
+                                  </p:stCondLst>
+                                  <p:childTnLst>
+                                    <p:set>
+                                      <p:cBhvr>
+                                        <p:cTn id="30" dur="1" fill="hold">
+                                          <p:stCondLst>
+                                            <p:cond delay="0"/>
+                                          </p:stCondLst>
+                                        </p:cTn>
+                                        <p:tgtEl>
+                                          <p:spTgt spid="12"/>
+                                        </p:tgtEl>
+                                        <p:attrNameLst>
+                                          <p:attrName>style.visibility</p:attrName>
+                                        </p:attrNameLst>
+                                      </p:cBhvr>
+                                      <p:to>
+                                        <p:strVal val="visible"/>
+                                      </p:to>
+                                    </p:set>
+                                  </p:childTnLst>
+                                </p:cTn>
+                              </p:par>
+                              <p:par>
+                                <p:cTn id="31" presetID="1" presetClass="entr" presetSubtype="0" fill="hold" nodeType="withEffect">
+                                  <p:stCondLst>
+                                    <p:cond delay="0"/>
+                                  </p:stCondLst>
+                                  <p:childTnLst>
+                                    <p:set>
+                                      <p:cBhvr>
+                                        <p:cTn id="32" dur="1" fill="hold">
+                                          <p:stCondLst>
+                                            <p:cond delay="0"/>
+                                          </p:stCondLst>
+                                        </p:cTn>
+                                        <p:tgtEl>
+                                          <p:spTgt spid="13"/>
                                         </p:tgtEl>
                                         <p:attrNameLst>
                                           <p:attrName>style.visibility</p:attrName>
@@ -5205,6 +6480,9 @@
       </p:par>
     </p:tnLst>
     <p:bldLst>
+      <p:bldP spid="9" grpId="0" animBg="1"/>
+      <p:bldP spid="10" grpId="0" animBg="1"/>
+      <p:bldP spid="12" grpId="0"/>
       <p:bldP spid="18" grpId="0"/>
     </p:bldLst>
   </p:timing>
@@ -5256,8 +6534,8 @@
           </a:p>
         </p:txBody>
       </p:sp>
-      <mc:AlternateContent xmlns:mc="http://schemas.openxmlformats.org/markup-compatibility/2006">
-        <mc:Choice xmlns:a14="http://schemas.microsoft.com/office/drawing/2010/main" Requires="a14">
+      <mc:AlternateContent xmlns:mc="http://schemas.openxmlformats.org/markup-compatibility/2006" xmlns:a14="http://schemas.microsoft.com/office/drawing/2010/main">
+        <mc:Choice Requires="a14">
           <p:sp>
             <p:nvSpPr>
               <p:cNvPr id="3" name="Content Placeholder 2">
@@ -5428,7 +6706,7 @@
             </p:txBody>
           </p:sp>
         </mc:Choice>
-        <mc:Fallback>
+        <mc:Fallback xmlns="">
           <p:sp>
             <p:nvSpPr>
               <p:cNvPr id="3" name="Content Placeholder 2">
@@ -5733,8 +7011,8 @@
           </a:p>
         </p:txBody>
       </p:sp>
-      <mc:AlternateContent xmlns:mc="http://schemas.openxmlformats.org/markup-compatibility/2006">
-        <mc:Choice xmlns:a14="http://schemas.microsoft.com/office/drawing/2010/main" Requires="a14">
+      <mc:AlternateContent xmlns:mc="http://schemas.openxmlformats.org/markup-compatibility/2006" xmlns:a14="http://schemas.microsoft.com/office/drawing/2010/main">
+        <mc:Choice Requires="a14">
           <p:sp>
             <p:nvSpPr>
               <p:cNvPr id="3" name="Content Placeholder 2">
@@ -5948,7 +7226,7 @@
             </p:txBody>
           </p:sp>
         </mc:Choice>
-        <mc:Fallback>
+        <mc:Fallback xmlns="">
           <p:sp>
             <p:nvSpPr>
               <p:cNvPr id="3" name="Content Placeholder 2">
@@ -6252,8 +7530,8 @@
           </a:p>
         </p:txBody>
       </p:sp>
-      <mc:AlternateContent xmlns:mc="http://schemas.openxmlformats.org/markup-compatibility/2006">
-        <mc:Choice xmlns:a14="http://schemas.microsoft.com/office/drawing/2010/main" Requires="a14">
+      <mc:AlternateContent xmlns:mc="http://schemas.openxmlformats.org/markup-compatibility/2006" xmlns:a14="http://schemas.microsoft.com/office/drawing/2010/main">
+        <mc:Choice Requires="a14">
           <p:sp>
             <p:nvSpPr>
               <p:cNvPr id="3" name="Content Placeholder 2">
@@ -6435,7 +7713,7 @@
             </p:txBody>
           </p:sp>
         </mc:Choice>
-        <mc:Fallback>
+        <mc:Fallback xmlns="">
           <p:sp>
             <p:nvSpPr>
               <p:cNvPr id="3" name="Content Placeholder 2">
@@ -7229,6 +8507,3928 @@
       <p:bldP spid="9" grpId="1"/>
       <p:bldP spid="11" grpId="0"/>
       <p:bldP spid="11" grpId="1"/>
+    </p:bldLst>
+  </p:timing>
+</p:sld>
+</file>
+
+<file path=ppt/slides/slide6.xml><?xml version="1.0" encoding="utf-8"?>
+<p:sld xmlns:a="http://schemas.openxmlformats.org/drawingml/2006/main" xmlns:r="http://schemas.openxmlformats.org/officeDocument/2006/relationships" xmlns:p="http://schemas.openxmlformats.org/presentationml/2006/main">
+  <p:cSld>
+    <p:spTree>
+      <p:nvGrpSpPr>
+        <p:cNvPr id="1" name=""/>
+        <p:cNvGrpSpPr/>
+        <p:nvPr/>
+      </p:nvGrpSpPr>
+      <p:grpSpPr>
+        <a:xfrm>
+          <a:off x="0" y="0"/>
+          <a:ext cx="0" cy="0"/>
+          <a:chOff x="0" y="0"/>
+          <a:chExt cx="0" cy="0"/>
+        </a:xfrm>
+      </p:grpSpPr>
+      <mc:AlternateContent xmlns:mc="http://schemas.openxmlformats.org/markup-compatibility/2006">
+        <mc:Choice xmlns:a14="http://schemas.microsoft.com/office/drawing/2010/main" Requires="a14">
+          <p:sp>
+            <p:nvSpPr>
+              <p:cNvPr id="2" name="Title 1">
+                <a:extLst>
+                  <a:ext uri="{FF2B5EF4-FFF2-40B4-BE49-F238E27FC236}">
+                    <a16:creationId xmlns:a16="http://schemas.microsoft.com/office/drawing/2014/main" id="{049AFE89-33F7-F10C-FCAC-9244FC391B86}"/>
+                  </a:ext>
+                </a:extLst>
+              </p:cNvPr>
+              <p:cNvSpPr>
+                <a:spLocks noGrp="1"/>
+              </p:cNvSpPr>
+              <p:nvPr>
+                <p:ph type="title"/>
+              </p:nvPr>
+            </p:nvSpPr>
+            <p:spPr/>
+            <p:txBody>
+              <a:bodyPr/>
+              <a:lstStyle/>
+              <a:p>
+                <a:r>
+                  <a:rPr lang="en-GB" dirty="0"/>
+                  <a:t>How do we choose </a:t>
+                </a:r>
+                <a14:m>
+                  <m:oMath xmlns:m="http://schemas.openxmlformats.org/officeDocument/2006/math">
+                    <m:r>
+                      <a:rPr lang="en-IE" b="0" i="1" smtClean="0">
+                        <a:latin typeface="Cambria Math" panose="02040503050406030204" pitchFamily="18" charset="0"/>
+                      </a:rPr>
+                      <m:t>𝐾</m:t>
+                    </m:r>
+                  </m:oMath>
+                </a14:m>
+                <a:r>
+                  <a:rPr lang="en-GB" dirty="0"/>
+                  <a:t>?</a:t>
+                </a:r>
+              </a:p>
+            </p:txBody>
+          </p:sp>
+        </mc:Choice>
+        <mc:Fallback>
+          <p:sp>
+            <p:nvSpPr>
+              <p:cNvPr id="2" name="Title 1">
+                <a:extLst>
+                  <a:ext uri="{FF2B5EF4-FFF2-40B4-BE49-F238E27FC236}">
+                    <a16:creationId xmlns:a16="http://schemas.microsoft.com/office/drawing/2014/main" id="{049AFE89-33F7-F10C-FCAC-9244FC391B86}"/>
+                  </a:ext>
+                </a:extLst>
+              </p:cNvPr>
+              <p:cNvSpPr>
+                <a:spLocks noGrp="1" noRot="1" noChangeAspect="1" noMove="1" noResize="1" noEditPoints="1" noAdjustHandles="1" noChangeArrowheads="1" noChangeShapeType="1" noTextEdit="1"/>
+              </p:cNvSpPr>
+              <p:nvPr>
+                <p:ph type="title"/>
+              </p:nvPr>
+            </p:nvSpPr>
+            <p:spPr>
+              <a:blipFill>
+                <a:blip r:embed="rId2"/>
+                <a:stretch>
+                  <a:fillRect l="-2413"/>
+                </a:stretch>
+              </a:blipFill>
+            </p:spPr>
+            <p:txBody>
+              <a:bodyPr/>
+              <a:lstStyle/>
+              <a:p>
+                <a:r>
+                  <a:rPr lang="en-GB">
+                    <a:noFill/>
+                  </a:rPr>
+                  <a:t> </a:t>
+                </a:r>
+              </a:p>
+            </p:txBody>
+          </p:sp>
+        </mc:Fallback>
+      </mc:AlternateContent>
+      <mc:AlternateContent xmlns:mc="http://schemas.openxmlformats.org/markup-compatibility/2006">
+        <mc:Choice xmlns:a14="http://schemas.microsoft.com/office/drawing/2010/main" Requires="a14">
+          <p:sp>
+            <p:nvSpPr>
+              <p:cNvPr id="3" name="Content Placeholder 2">
+                <a:extLst>
+                  <a:ext uri="{FF2B5EF4-FFF2-40B4-BE49-F238E27FC236}">
+                    <a16:creationId xmlns:a16="http://schemas.microsoft.com/office/drawing/2014/main" id="{63973EEA-A01B-3225-56AA-CEB2D327EE0D}"/>
+                  </a:ext>
+                </a:extLst>
+              </p:cNvPr>
+              <p:cNvSpPr>
+                <a:spLocks noGrp="1"/>
+              </p:cNvSpPr>
+              <p:nvPr>
+                <p:ph idx="1"/>
+              </p:nvPr>
+            </p:nvSpPr>
+            <p:spPr/>
+            <p:txBody>
+              <a:bodyPr>
+                <a:normAutofit/>
+              </a:bodyPr>
+              <a:lstStyle/>
+              <a:p>
+                <a:r>
+                  <a:rPr lang="en-GB" dirty="0"/>
+                  <a:t>For each curve, we have </a:t>
+                </a:r>
+                <a14:m>
+                  <m:oMath xmlns:m="http://schemas.openxmlformats.org/officeDocument/2006/math">
+                    <m:r>
+                      <a:rPr lang="en-IE" b="0" i="1" smtClean="0">
+                        <a:latin typeface="Cambria Math" panose="02040503050406030204" pitchFamily="18" charset="0"/>
+                      </a:rPr>
+                      <m:t>𝑛</m:t>
+                    </m:r>
+                  </m:oMath>
+                </a14:m>
+                <a:r>
+                  <a:rPr lang="en-GB" dirty="0"/>
+                  <a:t> sampled measurements </a:t>
+                </a:r>
+                <a14:m>
+                  <m:oMath xmlns:m="http://schemas.openxmlformats.org/officeDocument/2006/math">
+                    <m:sSub>
+                      <m:sSubPr>
+                        <m:ctrlPr>
+                          <a:rPr lang="en-IE" b="0" i="1" smtClean="0">
+                            <a:latin typeface="Cambria Math" panose="02040503050406030204" pitchFamily="18" charset="0"/>
+                          </a:rPr>
+                        </m:ctrlPr>
+                      </m:sSubPr>
+                      <m:e>
+                        <m:r>
+                          <a:rPr lang="en-IE" b="0" i="1" smtClean="0">
+                            <a:latin typeface="Cambria Math" panose="02040503050406030204" pitchFamily="18" charset="0"/>
+                          </a:rPr>
+                          <m:t>𝑦</m:t>
+                        </m:r>
+                      </m:e>
+                      <m:sub>
+                        <m:r>
+                          <a:rPr lang="en-IE" b="0" i="1" smtClean="0">
+                            <a:latin typeface="Cambria Math" panose="02040503050406030204" pitchFamily="18" charset="0"/>
+                          </a:rPr>
+                          <m:t>1</m:t>
+                        </m:r>
+                      </m:sub>
+                    </m:sSub>
+                    <m:r>
+                      <a:rPr lang="en-IE" b="0" i="1" smtClean="0">
+                        <a:latin typeface="Cambria Math" panose="02040503050406030204" pitchFamily="18" charset="0"/>
+                      </a:rPr>
+                      <m:t>,…,</m:t>
+                    </m:r>
+                    <m:sSub>
+                      <m:sSubPr>
+                        <m:ctrlPr>
+                          <a:rPr lang="en-IE" b="0" i="1" smtClean="0">
+                            <a:latin typeface="Cambria Math" panose="02040503050406030204" pitchFamily="18" charset="0"/>
+                          </a:rPr>
+                        </m:ctrlPr>
+                      </m:sSubPr>
+                      <m:e>
+                        <m:r>
+                          <a:rPr lang="en-IE" b="0" i="1" smtClean="0">
+                            <a:latin typeface="Cambria Math" panose="02040503050406030204" pitchFamily="18" charset="0"/>
+                          </a:rPr>
+                          <m:t>𝑦</m:t>
+                        </m:r>
+                      </m:e>
+                      <m:sub>
+                        <m:r>
+                          <a:rPr lang="en-IE" b="0" i="1" smtClean="0">
+                            <a:latin typeface="Cambria Math" panose="02040503050406030204" pitchFamily="18" charset="0"/>
+                          </a:rPr>
+                          <m:t>𝑛</m:t>
+                        </m:r>
+                      </m:sub>
+                    </m:sSub>
+                  </m:oMath>
+                </a14:m>
+                <a:r>
+                  <a:rPr lang="en-GB" dirty="0"/>
+                  <a:t>.</a:t>
+                </a:r>
+              </a:p>
+              <a:p>
+                <a:r>
+                  <a:rPr lang="en-GB" dirty="0"/>
+                  <a:t>To estimate the coefficients </a:t>
+                </a:r>
+                <a14:m>
+                  <m:oMath xmlns:m="http://schemas.openxmlformats.org/officeDocument/2006/math">
+                    <m:sSub>
+                      <m:sSubPr>
+                        <m:ctrlPr>
+                          <a:rPr lang="en-IE" b="0" i="1" smtClean="0">
+                            <a:latin typeface="Cambria Math" panose="02040503050406030204" pitchFamily="18" charset="0"/>
+                          </a:rPr>
+                        </m:ctrlPr>
+                      </m:sSubPr>
+                      <m:e>
+                        <m:r>
+                          <a:rPr lang="en-IE" b="0" i="1" smtClean="0">
+                            <a:latin typeface="Cambria Math" panose="02040503050406030204" pitchFamily="18" charset="0"/>
+                          </a:rPr>
+                          <m:t>𝑐</m:t>
+                        </m:r>
+                      </m:e>
+                      <m:sub>
+                        <m:r>
+                          <a:rPr lang="en-IE" b="0" i="1" smtClean="0">
+                            <a:latin typeface="Cambria Math" panose="02040503050406030204" pitchFamily="18" charset="0"/>
+                          </a:rPr>
+                          <m:t>1</m:t>
+                        </m:r>
+                      </m:sub>
+                    </m:sSub>
+                    <m:r>
+                      <a:rPr lang="en-IE" b="0" i="1" smtClean="0">
+                        <a:latin typeface="Cambria Math" panose="02040503050406030204" pitchFamily="18" charset="0"/>
+                      </a:rPr>
+                      <m:t>,…,</m:t>
+                    </m:r>
+                    <m:sSub>
+                      <m:sSubPr>
+                        <m:ctrlPr>
+                          <a:rPr lang="en-IE" b="0" i="1" smtClean="0">
+                            <a:latin typeface="Cambria Math" panose="02040503050406030204" pitchFamily="18" charset="0"/>
+                          </a:rPr>
+                        </m:ctrlPr>
+                      </m:sSubPr>
+                      <m:e>
+                        <m:r>
+                          <a:rPr lang="en-IE" b="0" i="1" smtClean="0">
+                            <a:latin typeface="Cambria Math" panose="02040503050406030204" pitchFamily="18" charset="0"/>
+                          </a:rPr>
+                          <m:t>𝑐</m:t>
+                        </m:r>
+                      </m:e>
+                      <m:sub>
+                        <m:r>
+                          <a:rPr lang="en-IE" b="0" i="1" smtClean="0">
+                            <a:latin typeface="Cambria Math" panose="02040503050406030204" pitchFamily="18" charset="0"/>
+                          </a:rPr>
+                          <m:t>𝐾</m:t>
+                        </m:r>
+                      </m:sub>
+                    </m:sSub>
+                    <m:r>
+                      <a:rPr lang="en-IE" b="0" i="1" smtClean="0">
+                        <a:latin typeface="Cambria Math" panose="02040503050406030204" pitchFamily="18" charset="0"/>
+                      </a:rPr>
+                      <m:t>,</m:t>
+                    </m:r>
+                  </m:oMath>
+                </a14:m>
+                <a:r>
+                  <a:rPr lang="en-GB" dirty="0"/>
+                  <a:t> we can minimise the sum of squared errors</a:t>
+                </a:r>
+              </a:p>
+              <a:p>
+                <a:pPr marL="0" indent="0">
+                  <a:buNone/>
+                </a:pPr>
+                <a14:m>
+                  <m:oMathPara xmlns:m="http://schemas.openxmlformats.org/officeDocument/2006/math">
+                    <m:oMathParaPr>
+                      <m:jc m:val="centerGroup"/>
+                    </m:oMathParaPr>
+                    <m:oMath xmlns:m="http://schemas.openxmlformats.org/officeDocument/2006/math">
+                      <m:r>
+                        <m:rPr>
+                          <m:sty m:val="p"/>
+                        </m:rPr>
+                        <a:rPr lang="en-IE" b="0" i="0" smtClean="0">
+                          <a:latin typeface="Cambria Math" panose="02040503050406030204" pitchFamily="18" charset="0"/>
+                        </a:rPr>
+                        <m:t>SSE</m:t>
+                      </m:r>
+                      <m:r>
+                        <a:rPr lang="en-IE" b="0" i="1" smtClean="0">
+                          <a:latin typeface="Cambria Math" panose="02040503050406030204" pitchFamily="18" charset="0"/>
+                        </a:rPr>
+                        <m:t>= </m:t>
+                      </m:r>
+                      <m:nary>
+                        <m:naryPr>
+                          <m:chr m:val="∑"/>
+                          <m:ctrlPr>
+                            <a:rPr lang="en-IE" b="0" i="1" smtClean="0">
+                              <a:latin typeface="Cambria Math" panose="02040503050406030204" pitchFamily="18" charset="0"/>
+                            </a:rPr>
+                          </m:ctrlPr>
+                        </m:naryPr>
+                        <m:sub>
+                          <m:r>
+                            <m:rPr>
+                              <m:brk m:alnAt="23"/>
+                            </m:rPr>
+                            <a:rPr lang="en-IE" b="0" i="1" smtClean="0">
+                              <a:latin typeface="Cambria Math" panose="02040503050406030204" pitchFamily="18" charset="0"/>
+                            </a:rPr>
+                            <m:t>𝑗</m:t>
+                          </m:r>
+                          <m:r>
+                            <a:rPr lang="en-IE" b="0" i="1" smtClean="0">
+                              <a:latin typeface="Cambria Math" panose="02040503050406030204" pitchFamily="18" charset="0"/>
+                            </a:rPr>
+                            <m:t>=1</m:t>
+                          </m:r>
+                        </m:sub>
+                        <m:sup>
+                          <m:r>
+                            <a:rPr lang="en-IE" b="0" i="1" smtClean="0">
+                              <a:latin typeface="Cambria Math" panose="02040503050406030204" pitchFamily="18" charset="0"/>
+                            </a:rPr>
+                            <m:t>𝑛</m:t>
+                          </m:r>
+                        </m:sup>
+                        <m:e>
+                          <m:sSup>
+                            <m:sSupPr>
+                              <m:ctrlPr>
+                                <a:rPr lang="en-IE" b="0" i="1" smtClean="0">
+                                  <a:latin typeface="Cambria Math" panose="02040503050406030204" pitchFamily="18" charset="0"/>
+                                </a:rPr>
+                              </m:ctrlPr>
+                            </m:sSupPr>
+                            <m:e>
+                              <m:d>
+                                <m:dPr>
+                                  <m:ctrlPr>
+                                    <a:rPr lang="en-IE" b="0" i="1" smtClean="0">
+                                      <a:latin typeface="Cambria Math" panose="02040503050406030204" pitchFamily="18" charset="0"/>
+                                    </a:rPr>
+                                  </m:ctrlPr>
+                                </m:dPr>
+                                <m:e>
+                                  <m:sSub>
+                                    <m:sSubPr>
+                                      <m:ctrlPr>
+                                        <a:rPr lang="en-IE" b="0" i="1" smtClean="0">
+                                          <a:latin typeface="Cambria Math" panose="02040503050406030204" pitchFamily="18" charset="0"/>
+                                        </a:rPr>
+                                      </m:ctrlPr>
+                                    </m:sSubPr>
+                                    <m:e>
+                                      <m:r>
+                                        <a:rPr lang="en-IE" b="0" i="1" smtClean="0">
+                                          <a:latin typeface="Cambria Math" panose="02040503050406030204" pitchFamily="18" charset="0"/>
+                                        </a:rPr>
+                                        <m:t>𝑦</m:t>
+                                      </m:r>
+                                    </m:e>
+                                    <m:sub>
+                                      <m:r>
+                                        <a:rPr lang="en-IE" b="0" i="1" smtClean="0">
+                                          <a:latin typeface="Cambria Math" panose="02040503050406030204" pitchFamily="18" charset="0"/>
+                                        </a:rPr>
+                                        <m:t>𝑗</m:t>
+                                      </m:r>
+                                    </m:sub>
+                                  </m:sSub>
+                                  <m:r>
+                                    <a:rPr lang="en-IE" b="0" i="1" smtClean="0">
+                                      <a:latin typeface="Cambria Math" panose="02040503050406030204" pitchFamily="18" charset="0"/>
+                                    </a:rPr>
+                                    <m:t>−</m:t>
+                                  </m:r>
+                                  <m:nary>
+                                    <m:naryPr>
+                                      <m:chr m:val="∑"/>
+                                      <m:ctrlPr>
+                                        <a:rPr lang="en-IE" i="1">
+                                          <a:latin typeface="Cambria Math" panose="02040503050406030204" pitchFamily="18" charset="0"/>
+                                        </a:rPr>
+                                      </m:ctrlPr>
+                                    </m:naryPr>
+                                    <m:sub>
+                                      <m:r>
+                                        <m:rPr>
+                                          <m:brk m:alnAt="23"/>
+                                        </m:rPr>
+                                        <a:rPr lang="en-IE" i="1">
+                                          <a:latin typeface="Cambria Math" panose="02040503050406030204" pitchFamily="18" charset="0"/>
+                                        </a:rPr>
+                                        <m:t>𝑘</m:t>
+                                      </m:r>
+                                      <m:r>
+                                        <a:rPr lang="en-IE" i="1">
+                                          <a:latin typeface="Cambria Math" panose="02040503050406030204" pitchFamily="18" charset="0"/>
+                                        </a:rPr>
+                                        <m:t>=1</m:t>
+                                      </m:r>
+                                    </m:sub>
+                                    <m:sup>
+                                      <m:r>
+                                        <a:rPr lang="en-IE" i="1">
+                                          <a:latin typeface="Cambria Math" panose="02040503050406030204" pitchFamily="18" charset="0"/>
+                                        </a:rPr>
+                                        <m:t>𝐾</m:t>
+                                      </m:r>
+                                    </m:sup>
+                                    <m:e>
+                                      <m:sSub>
+                                        <m:sSubPr>
+                                          <m:ctrlPr>
+                                            <a:rPr lang="en-IE" i="1">
+                                              <a:latin typeface="Cambria Math" panose="02040503050406030204" pitchFamily="18" charset="0"/>
+                                            </a:rPr>
+                                          </m:ctrlPr>
+                                        </m:sSubPr>
+                                        <m:e>
+                                          <m:r>
+                                            <a:rPr lang="en-IE" i="1">
+                                              <a:latin typeface="Cambria Math" panose="02040503050406030204" pitchFamily="18" charset="0"/>
+                                            </a:rPr>
+                                            <m:t>𝑐</m:t>
+                                          </m:r>
+                                        </m:e>
+                                        <m:sub>
+                                          <m:r>
+                                            <a:rPr lang="en-IE" i="1">
+                                              <a:latin typeface="Cambria Math" panose="02040503050406030204" pitchFamily="18" charset="0"/>
+                                            </a:rPr>
+                                            <m:t>𝑘</m:t>
+                                          </m:r>
+                                        </m:sub>
+                                      </m:sSub>
+                                      <m:sSub>
+                                        <m:sSubPr>
+                                          <m:ctrlPr>
+                                            <a:rPr lang="en-IE" i="1">
+                                              <a:latin typeface="Cambria Math" panose="02040503050406030204" pitchFamily="18" charset="0"/>
+                                            </a:rPr>
+                                          </m:ctrlPr>
+                                        </m:sSubPr>
+                                        <m:e>
+                                          <m:r>
+                                            <a:rPr lang="en-IE" i="1">
+                                              <a:latin typeface="Cambria Math" panose="02040503050406030204" pitchFamily="18" charset="0"/>
+                                            </a:rPr>
+                                            <m:t>𝜙</m:t>
+                                          </m:r>
+                                        </m:e>
+                                        <m:sub>
+                                          <m:r>
+                                            <a:rPr lang="en-IE" i="1">
+                                              <a:latin typeface="Cambria Math" panose="02040503050406030204" pitchFamily="18" charset="0"/>
+                                            </a:rPr>
+                                            <m:t>𝑘</m:t>
+                                          </m:r>
+                                        </m:sub>
+                                      </m:sSub>
+                                      <m:d>
+                                        <m:dPr>
+                                          <m:ctrlPr>
+                                            <a:rPr lang="en-IE" i="1">
+                                              <a:latin typeface="Cambria Math" panose="02040503050406030204" pitchFamily="18" charset="0"/>
+                                            </a:rPr>
+                                          </m:ctrlPr>
+                                        </m:dPr>
+                                        <m:e>
+                                          <m:sSub>
+                                            <m:sSubPr>
+                                              <m:ctrlPr>
+                                                <a:rPr lang="en-IE" b="0" i="1" smtClean="0">
+                                                  <a:latin typeface="Cambria Math" panose="02040503050406030204" pitchFamily="18" charset="0"/>
+                                                </a:rPr>
+                                              </m:ctrlPr>
+                                            </m:sSubPr>
+                                            <m:e>
+                                              <m:r>
+                                                <a:rPr lang="en-IE" i="1">
+                                                  <a:latin typeface="Cambria Math" panose="02040503050406030204" pitchFamily="18" charset="0"/>
+                                                </a:rPr>
+                                                <m:t>𝑡</m:t>
+                                              </m:r>
+                                            </m:e>
+                                            <m:sub>
+                                              <m:r>
+                                                <a:rPr lang="en-IE" b="0" i="1" smtClean="0">
+                                                  <a:latin typeface="Cambria Math" panose="02040503050406030204" pitchFamily="18" charset="0"/>
+                                                </a:rPr>
+                                                <m:t>𝑗</m:t>
+                                              </m:r>
+                                            </m:sub>
+                                          </m:sSub>
+                                        </m:e>
+                                      </m:d>
+                                    </m:e>
+                                  </m:nary>
+                                </m:e>
+                              </m:d>
+                            </m:e>
+                            <m:sup>
+                              <m:r>
+                                <a:rPr lang="en-IE" b="0" i="1" smtClean="0">
+                                  <a:latin typeface="Cambria Math" panose="02040503050406030204" pitchFamily="18" charset="0"/>
+                                </a:rPr>
+                                <m:t>2</m:t>
+                              </m:r>
+                            </m:sup>
+                          </m:sSup>
+                          <m:r>
+                            <a:rPr lang="en-IE" b="0" i="1" smtClean="0">
+                              <a:latin typeface="Cambria Math" panose="02040503050406030204" pitchFamily="18" charset="0"/>
+                            </a:rPr>
+                            <m:t>.</m:t>
+                          </m:r>
+                        </m:e>
+                      </m:nary>
+                    </m:oMath>
+                  </m:oMathPara>
+                </a14:m>
+                <a:endParaRPr lang="en-GB" dirty="0"/>
+              </a:p>
+              <a:p>
+                <a:r>
+                  <a:rPr lang="en-GB" dirty="0"/>
+                  <a:t>If we have perfect measurements </a:t>
+                </a:r>
+                <a14:m>
+                  <m:oMath xmlns:m="http://schemas.openxmlformats.org/officeDocument/2006/math">
+                    <m:sSub>
+                      <m:sSubPr>
+                        <m:ctrlPr>
+                          <a:rPr lang="en-IE" b="0" i="1" smtClean="0">
+                            <a:latin typeface="Cambria Math" panose="02040503050406030204" pitchFamily="18" charset="0"/>
+                          </a:rPr>
+                        </m:ctrlPr>
+                      </m:sSubPr>
+                      <m:e>
+                        <m:r>
+                          <a:rPr lang="en-IE" b="0" i="1" smtClean="0">
+                            <a:latin typeface="Cambria Math" panose="02040503050406030204" pitchFamily="18" charset="0"/>
+                          </a:rPr>
+                          <m:t>𝑦</m:t>
+                        </m:r>
+                      </m:e>
+                      <m:sub>
+                        <m:r>
+                          <a:rPr lang="en-IE" b="0" i="1" smtClean="0">
+                            <a:latin typeface="Cambria Math" panose="02040503050406030204" pitchFamily="18" charset="0"/>
+                          </a:rPr>
+                          <m:t>𝑗</m:t>
+                        </m:r>
+                      </m:sub>
+                    </m:sSub>
+                    <m:r>
+                      <a:rPr lang="en-IE" b="0" i="1" smtClean="0">
+                        <a:latin typeface="Cambria Math" panose="02040503050406030204" pitchFamily="18" charset="0"/>
+                      </a:rPr>
+                      <m:t>=</m:t>
+                    </m:r>
+                    <m:r>
+                      <a:rPr lang="en-IE" b="0" i="1" smtClean="0">
+                        <a:latin typeface="Cambria Math" panose="02040503050406030204" pitchFamily="18" charset="0"/>
+                      </a:rPr>
+                      <m:t>𝑥</m:t>
+                    </m:r>
+                    <m:r>
+                      <a:rPr lang="en-IE" b="0" i="1" smtClean="0">
+                        <a:latin typeface="Cambria Math" panose="02040503050406030204" pitchFamily="18" charset="0"/>
+                      </a:rPr>
+                      <m:t>(</m:t>
+                    </m:r>
+                    <m:sSub>
+                      <m:sSubPr>
+                        <m:ctrlPr>
+                          <a:rPr lang="en-IE" b="0" i="1" smtClean="0">
+                            <a:latin typeface="Cambria Math" panose="02040503050406030204" pitchFamily="18" charset="0"/>
+                          </a:rPr>
+                        </m:ctrlPr>
+                      </m:sSubPr>
+                      <m:e>
+                        <m:r>
+                          <a:rPr lang="en-IE" b="0" i="1" smtClean="0">
+                            <a:latin typeface="Cambria Math" panose="02040503050406030204" pitchFamily="18" charset="0"/>
+                          </a:rPr>
+                          <m:t>𝑡</m:t>
+                        </m:r>
+                      </m:e>
+                      <m:sub>
+                        <m:r>
+                          <a:rPr lang="en-IE" b="0" i="1" smtClean="0">
+                            <a:latin typeface="Cambria Math" panose="02040503050406030204" pitchFamily="18" charset="0"/>
+                          </a:rPr>
+                          <m:t>𝑗</m:t>
+                        </m:r>
+                      </m:sub>
+                    </m:sSub>
+                    <m:r>
+                      <a:rPr lang="en-IE" b="0" i="1" smtClean="0">
+                        <a:latin typeface="Cambria Math" panose="02040503050406030204" pitchFamily="18" charset="0"/>
+                      </a:rPr>
+                      <m:t>)</m:t>
+                    </m:r>
+                  </m:oMath>
+                </a14:m>
+                <a:r>
+                  <a:rPr lang="en-GB" dirty="0"/>
+                  <a:t> </a:t>
+                </a:r>
+                <a14:m>
+                  <m:oMath xmlns:m="http://schemas.openxmlformats.org/officeDocument/2006/math">
+                    <m:r>
+                      <a:rPr lang="en-IE" b="0" i="1" dirty="0" smtClean="0">
+                        <a:latin typeface="Cambria Math" panose="02040503050406030204" pitchFamily="18" charset="0"/>
+                      </a:rPr>
+                      <m:t>→</m:t>
+                    </m:r>
+                  </m:oMath>
+                </a14:m>
+                <a:r>
+                  <a:rPr lang="en-GB" dirty="0"/>
+                  <a:t> simply choose </a:t>
+                </a:r>
+                <a14:m>
+                  <m:oMath xmlns:m="http://schemas.openxmlformats.org/officeDocument/2006/math">
+                    <m:r>
+                      <a:rPr lang="en-IE" b="0" i="1" smtClean="0">
+                        <a:latin typeface="Cambria Math" panose="02040503050406030204" pitchFamily="18" charset="0"/>
+                      </a:rPr>
+                      <m:t>𝐾</m:t>
+                    </m:r>
+                    <m:r>
+                      <a:rPr lang="en-IE" b="0" i="1" smtClean="0">
+                        <a:latin typeface="Cambria Math" panose="02040503050406030204" pitchFamily="18" charset="0"/>
+                      </a:rPr>
+                      <m:t>=</m:t>
+                    </m:r>
+                    <m:r>
+                      <a:rPr lang="en-IE" b="0" i="1" smtClean="0">
+                        <a:latin typeface="Cambria Math" panose="02040503050406030204" pitchFamily="18" charset="0"/>
+                      </a:rPr>
+                      <m:t>𝑛</m:t>
+                    </m:r>
+                  </m:oMath>
+                </a14:m>
+                <a:r>
+                  <a:rPr lang="en-GB" dirty="0"/>
+                  <a:t> and our representation can interpolate the data.</a:t>
+                </a:r>
+              </a:p>
+            </p:txBody>
+          </p:sp>
+        </mc:Choice>
+        <mc:Fallback>
+          <p:sp>
+            <p:nvSpPr>
+              <p:cNvPr id="3" name="Content Placeholder 2">
+                <a:extLst>
+                  <a:ext uri="{FF2B5EF4-FFF2-40B4-BE49-F238E27FC236}">
+                    <a16:creationId xmlns:a16="http://schemas.microsoft.com/office/drawing/2014/main" id="{63973EEA-A01B-3225-56AA-CEB2D327EE0D}"/>
+                  </a:ext>
+                </a:extLst>
+              </p:cNvPr>
+              <p:cNvSpPr>
+                <a:spLocks noGrp="1" noRot="1" noChangeAspect="1" noMove="1" noResize="1" noEditPoints="1" noAdjustHandles="1" noChangeArrowheads="1" noChangeShapeType="1" noTextEdit="1"/>
+              </p:cNvSpPr>
+              <p:nvPr>
+                <p:ph idx="1"/>
+              </p:nvPr>
+            </p:nvSpPr>
+            <p:spPr>
+              <a:blipFill>
+                <a:blip r:embed="rId3"/>
+                <a:stretch>
+                  <a:fillRect l="-1086" t="-2326" r="-483" b="-6686"/>
+                </a:stretch>
+              </a:blipFill>
+            </p:spPr>
+            <p:txBody>
+              <a:bodyPr/>
+              <a:lstStyle/>
+              <a:p>
+                <a:r>
+                  <a:rPr lang="en-GB">
+                    <a:noFill/>
+                  </a:rPr>
+                  <a:t> </a:t>
+                </a:r>
+              </a:p>
+            </p:txBody>
+          </p:sp>
+        </mc:Fallback>
+      </mc:AlternateContent>
+    </p:spTree>
+    <p:extLst>
+      <p:ext uri="{BB962C8B-B14F-4D97-AF65-F5344CB8AC3E}">
+        <p14:creationId xmlns:p14="http://schemas.microsoft.com/office/powerpoint/2010/main" val="3088874383"/>
+      </p:ext>
+    </p:extLst>
+  </p:cSld>
+  <p:clrMapOvr>
+    <a:masterClrMapping/>
+  </p:clrMapOvr>
+  <p:timing>
+    <p:tnLst>
+      <p:par>
+        <p:cTn id="1" dur="indefinite" restart="never" nodeType="tmRoot">
+          <p:childTnLst>
+            <p:seq concurrent="1" nextAc="seek">
+              <p:cTn id="2" dur="indefinite" nodeType="mainSeq">
+                <p:childTnLst>
+                  <p:par>
+                    <p:cTn id="3" fill="hold">
+                      <p:stCondLst>
+                        <p:cond delay="indefinite"/>
+                      </p:stCondLst>
+                      <p:childTnLst>
+                        <p:par>
+                          <p:cTn id="4" fill="hold">
+                            <p:stCondLst>
+                              <p:cond delay="0"/>
+                            </p:stCondLst>
+                            <p:childTnLst>
+                              <p:par>
+                                <p:cTn id="5" presetID="1" presetClass="entr" presetSubtype="0" fill="hold" nodeType="clickEffect">
+                                  <p:stCondLst>
+                                    <p:cond delay="0"/>
+                                  </p:stCondLst>
+                                  <p:childTnLst>
+                                    <p:set>
+                                      <p:cBhvr>
+                                        <p:cTn id="6" dur="1" fill="hold">
+                                          <p:stCondLst>
+                                            <p:cond delay="0"/>
+                                          </p:stCondLst>
+                                        </p:cTn>
+                                        <p:tgtEl>
+                                          <p:spTgt spid="3">
+                                            <p:txEl>
+                                              <p:pRg st="0" end="0"/>
+                                            </p:txEl>
+                                          </p:spTgt>
+                                        </p:tgtEl>
+                                        <p:attrNameLst>
+                                          <p:attrName>style.visibility</p:attrName>
+                                        </p:attrNameLst>
+                                      </p:cBhvr>
+                                      <p:to>
+                                        <p:strVal val="visible"/>
+                                      </p:to>
+                                    </p:set>
+                                  </p:childTnLst>
+                                </p:cTn>
+                              </p:par>
+                            </p:childTnLst>
+                          </p:cTn>
+                        </p:par>
+                      </p:childTnLst>
+                    </p:cTn>
+                  </p:par>
+                  <p:par>
+                    <p:cTn id="7" fill="hold">
+                      <p:stCondLst>
+                        <p:cond delay="indefinite"/>
+                      </p:stCondLst>
+                      <p:childTnLst>
+                        <p:par>
+                          <p:cTn id="8" fill="hold">
+                            <p:stCondLst>
+                              <p:cond delay="0"/>
+                            </p:stCondLst>
+                            <p:childTnLst>
+                              <p:par>
+                                <p:cTn id="9" presetID="1" presetClass="entr" presetSubtype="0" fill="hold" nodeType="clickEffect">
+                                  <p:stCondLst>
+                                    <p:cond delay="0"/>
+                                  </p:stCondLst>
+                                  <p:childTnLst>
+                                    <p:set>
+                                      <p:cBhvr>
+                                        <p:cTn id="10" dur="1" fill="hold">
+                                          <p:stCondLst>
+                                            <p:cond delay="0"/>
+                                          </p:stCondLst>
+                                        </p:cTn>
+                                        <p:tgtEl>
+                                          <p:spTgt spid="3">
+                                            <p:txEl>
+                                              <p:pRg st="1" end="1"/>
+                                            </p:txEl>
+                                          </p:spTgt>
+                                        </p:tgtEl>
+                                        <p:attrNameLst>
+                                          <p:attrName>style.visibility</p:attrName>
+                                        </p:attrNameLst>
+                                      </p:cBhvr>
+                                      <p:to>
+                                        <p:strVal val="visible"/>
+                                      </p:to>
+                                    </p:set>
+                                  </p:childTnLst>
+                                </p:cTn>
+                              </p:par>
+                              <p:par>
+                                <p:cTn id="11" presetID="1" presetClass="entr" presetSubtype="0" fill="hold" nodeType="withEffect">
+                                  <p:stCondLst>
+                                    <p:cond delay="0"/>
+                                  </p:stCondLst>
+                                  <p:childTnLst>
+                                    <p:set>
+                                      <p:cBhvr>
+                                        <p:cTn id="12" dur="1" fill="hold">
+                                          <p:stCondLst>
+                                            <p:cond delay="0"/>
+                                          </p:stCondLst>
+                                        </p:cTn>
+                                        <p:tgtEl>
+                                          <p:spTgt spid="3">
+                                            <p:txEl>
+                                              <p:pRg st="2" end="2"/>
+                                            </p:txEl>
+                                          </p:spTgt>
+                                        </p:tgtEl>
+                                        <p:attrNameLst>
+                                          <p:attrName>style.visibility</p:attrName>
+                                        </p:attrNameLst>
+                                      </p:cBhvr>
+                                      <p:to>
+                                        <p:strVal val="visible"/>
+                                      </p:to>
+                                    </p:set>
+                                  </p:childTnLst>
+                                </p:cTn>
+                              </p:par>
+                            </p:childTnLst>
+                          </p:cTn>
+                        </p:par>
+                      </p:childTnLst>
+                    </p:cTn>
+                  </p:par>
+                  <p:par>
+                    <p:cTn id="13" fill="hold">
+                      <p:stCondLst>
+                        <p:cond delay="indefinite"/>
+                      </p:stCondLst>
+                      <p:childTnLst>
+                        <p:par>
+                          <p:cTn id="14" fill="hold">
+                            <p:stCondLst>
+                              <p:cond delay="0"/>
+                            </p:stCondLst>
+                            <p:childTnLst>
+                              <p:par>
+                                <p:cTn id="15" presetID="1" presetClass="entr" presetSubtype="0" fill="hold" nodeType="clickEffect">
+                                  <p:stCondLst>
+                                    <p:cond delay="0"/>
+                                  </p:stCondLst>
+                                  <p:childTnLst>
+                                    <p:set>
+                                      <p:cBhvr>
+                                        <p:cTn id="16" dur="1" fill="hold">
+                                          <p:stCondLst>
+                                            <p:cond delay="0"/>
+                                          </p:stCondLst>
+                                        </p:cTn>
+                                        <p:tgtEl>
+                                          <p:spTgt spid="3">
+                                            <p:txEl>
+                                              <p:pRg st="3" end="3"/>
+                                            </p:txEl>
+                                          </p:spTgt>
+                                        </p:tgtEl>
+                                        <p:attrNameLst>
+                                          <p:attrName>style.visibility</p:attrName>
+                                        </p:attrNameLst>
+                                      </p:cBhvr>
+                                      <p:to>
+                                        <p:strVal val="visible"/>
+                                      </p:to>
+                                    </p:set>
+                                  </p:childTnLst>
+                                </p:cTn>
+                              </p:par>
+                            </p:childTnLst>
+                          </p:cTn>
+                        </p:par>
+                      </p:childTnLst>
+                    </p:cTn>
+                  </p:par>
+                </p:childTnLst>
+              </p:cTn>
+              <p:prevCondLst>
+                <p:cond evt="onPrev" delay="0">
+                  <p:tgtEl>
+                    <p:sldTgt/>
+                  </p:tgtEl>
+                </p:cond>
+              </p:prevCondLst>
+              <p:nextCondLst>
+                <p:cond evt="onNext" delay="0">
+                  <p:tgtEl>
+                    <p:sldTgt/>
+                  </p:tgtEl>
+                </p:cond>
+              </p:nextCondLst>
+            </p:seq>
+          </p:childTnLst>
+        </p:cTn>
+      </p:par>
+    </p:tnLst>
+  </p:timing>
+</p:sld>
+</file>
+
+<file path=ppt/slides/slide7.xml><?xml version="1.0" encoding="utf-8"?>
+<p:sld xmlns:a="http://schemas.openxmlformats.org/drawingml/2006/main" xmlns:r="http://schemas.openxmlformats.org/officeDocument/2006/relationships" xmlns:p="http://schemas.openxmlformats.org/presentationml/2006/main">
+  <p:cSld>
+    <p:spTree>
+      <p:nvGrpSpPr>
+        <p:cNvPr id="1" name=""/>
+        <p:cNvGrpSpPr/>
+        <p:nvPr/>
+      </p:nvGrpSpPr>
+      <p:grpSpPr>
+        <a:xfrm>
+          <a:off x="0" y="0"/>
+          <a:ext cx="0" cy="0"/>
+          <a:chOff x="0" y="0"/>
+          <a:chExt cx="0" cy="0"/>
+        </a:xfrm>
+      </p:grpSpPr>
+      <mc:AlternateContent xmlns:mc="http://schemas.openxmlformats.org/markup-compatibility/2006">
+        <mc:Choice xmlns:a14="http://schemas.microsoft.com/office/drawing/2010/main" Requires="a14">
+          <p:sp>
+            <p:nvSpPr>
+              <p:cNvPr id="2" name="Title 1">
+                <a:extLst>
+                  <a:ext uri="{FF2B5EF4-FFF2-40B4-BE49-F238E27FC236}">
+                    <a16:creationId xmlns:a16="http://schemas.microsoft.com/office/drawing/2014/main" id="{98B7DA1B-D37C-0C42-C8A1-4529833635E8}"/>
+                  </a:ext>
+                </a:extLst>
+              </p:cNvPr>
+              <p:cNvSpPr>
+                <a:spLocks noGrp="1"/>
+              </p:cNvSpPr>
+              <p:nvPr>
+                <p:ph type="title"/>
+              </p:nvPr>
+            </p:nvSpPr>
+            <p:spPr/>
+            <p:txBody>
+              <a:bodyPr/>
+              <a:lstStyle/>
+              <a:p>
+                <a:r>
+                  <a:rPr lang="en-GB" dirty="0"/>
+                  <a:t>How do we choose </a:t>
+                </a:r>
+                <a14:m>
+                  <m:oMath xmlns:m="http://schemas.openxmlformats.org/officeDocument/2006/math">
+                    <m:r>
+                      <a:rPr lang="en-IE" b="0" i="1" smtClean="0">
+                        <a:latin typeface="Cambria Math" panose="02040503050406030204" pitchFamily="18" charset="0"/>
+                      </a:rPr>
+                      <m:t>𝐾</m:t>
+                    </m:r>
+                  </m:oMath>
+                </a14:m>
+                <a:r>
+                  <a:rPr lang="en-GB" dirty="0"/>
+                  <a:t>?</a:t>
+                </a:r>
+              </a:p>
+            </p:txBody>
+          </p:sp>
+        </mc:Choice>
+        <mc:Fallback>
+          <p:sp>
+            <p:nvSpPr>
+              <p:cNvPr id="2" name="Title 1">
+                <a:extLst>
+                  <a:ext uri="{FF2B5EF4-FFF2-40B4-BE49-F238E27FC236}">
+                    <a16:creationId xmlns:a16="http://schemas.microsoft.com/office/drawing/2014/main" id="{98B7DA1B-D37C-0C42-C8A1-4529833635E8}"/>
+                  </a:ext>
+                </a:extLst>
+              </p:cNvPr>
+              <p:cNvSpPr>
+                <a:spLocks noGrp="1" noRot="1" noChangeAspect="1" noMove="1" noResize="1" noEditPoints="1" noAdjustHandles="1" noChangeArrowheads="1" noChangeShapeType="1" noTextEdit="1"/>
+              </p:cNvSpPr>
+              <p:nvPr>
+                <p:ph type="title"/>
+              </p:nvPr>
+            </p:nvSpPr>
+            <p:spPr>
+              <a:blipFill>
+                <a:blip r:embed="rId3"/>
+                <a:stretch>
+                  <a:fillRect l="-2413"/>
+                </a:stretch>
+              </a:blipFill>
+            </p:spPr>
+            <p:txBody>
+              <a:bodyPr/>
+              <a:lstStyle/>
+              <a:p>
+                <a:r>
+                  <a:rPr lang="en-GB">
+                    <a:noFill/>
+                  </a:rPr>
+                  <a:t> </a:t>
+                </a:r>
+              </a:p>
+            </p:txBody>
+          </p:sp>
+        </mc:Fallback>
+      </mc:AlternateContent>
+      <mc:AlternateContent xmlns:mc="http://schemas.openxmlformats.org/markup-compatibility/2006">
+        <mc:Choice xmlns:a14="http://schemas.microsoft.com/office/drawing/2010/main" Requires="a14">
+          <p:sp>
+            <p:nvSpPr>
+              <p:cNvPr id="3" name="Content Placeholder 2">
+                <a:extLst>
+                  <a:ext uri="{FF2B5EF4-FFF2-40B4-BE49-F238E27FC236}">
+                    <a16:creationId xmlns:a16="http://schemas.microsoft.com/office/drawing/2014/main" id="{CAAC3569-4027-6D29-69AC-D4B2F6CD7395}"/>
+                  </a:ext>
+                </a:extLst>
+              </p:cNvPr>
+              <p:cNvSpPr>
+                <a:spLocks noGrp="1"/>
+              </p:cNvSpPr>
+              <p:nvPr>
+                <p:ph idx="1"/>
+              </p:nvPr>
+            </p:nvSpPr>
+            <p:spPr/>
+            <p:txBody>
+              <a:bodyPr/>
+              <a:lstStyle/>
+              <a:p>
+                <a:r>
+                  <a:rPr lang="en-GB" dirty="0"/>
+                  <a:t>However, more often we have noisy measurements</a:t>
+                </a:r>
+              </a:p>
+              <a:p>
+                <a:pPr marL="0" indent="0">
+                  <a:buNone/>
+                </a:pPr>
+                <a14:m>
+                  <m:oMathPara xmlns:m="http://schemas.openxmlformats.org/officeDocument/2006/math">
+                    <m:oMathParaPr>
+                      <m:jc m:val="centerGroup"/>
+                    </m:oMathParaPr>
+                    <m:oMath xmlns:m="http://schemas.openxmlformats.org/officeDocument/2006/math">
+                      <m:sSub>
+                        <m:sSubPr>
+                          <m:ctrlPr>
+                            <a:rPr lang="en-IE" b="0" i="1" smtClean="0">
+                              <a:latin typeface="Cambria Math" panose="02040503050406030204" pitchFamily="18" charset="0"/>
+                            </a:rPr>
+                          </m:ctrlPr>
+                        </m:sSubPr>
+                        <m:e>
+                          <m:r>
+                            <a:rPr lang="en-IE" b="0" i="1" smtClean="0">
+                              <a:latin typeface="Cambria Math" panose="02040503050406030204" pitchFamily="18" charset="0"/>
+                            </a:rPr>
+                            <m:t>𝑦</m:t>
+                          </m:r>
+                        </m:e>
+                        <m:sub>
+                          <m:r>
+                            <a:rPr lang="en-IE" b="0" i="1" smtClean="0">
+                              <a:latin typeface="Cambria Math" panose="02040503050406030204" pitchFamily="18" charset="0"/>
+                            </a:rPr>
+                            <m:t>𝑗</m:t>
+                          </m:r>
+                        </m:sub>
+                      </m:sSub>
+                      <m:r>
+                        <a:rPr lang="en-IE" b="0" i="1" smtClean="0">
+                          <a:latin typeface="Cambria Math" panose="02040503050406030204" pitchFamily="18" charset="0"/>
+                        </a:rPr>
+                        <m:t>=</m:t>
+                      </m:r>
+                      <m:r>
+                        <a:rPr lang="en-IE" b="0" i="1" smtClean="0">
+                          <a:latin typeface="Cambria Math" panose="02040503050406030204" pitchFamily="18" charset="0"/>
+                        </a:rPr>
+                        <m:t>𝑥</m:t>
+                      </m:r>
+                      <m:d>
+                        <m:dPr>
+                          <m:ctrlPr>
+                            <a:rPr lang="en-IE" b="0" i="1" smtClean="0">
+                              <a:latin typeface="Cambria Math" panose="02040503050406030204" pitchFamily="18" charset="0"/>
+                            </a:rPr>
+                          </m:ctrlPr>
+                        </m:dPr>
+                        <m:e>
+                          <m:sSub>
+                            <m:sSubPr>
+                              <m:ctrlPr>
+                                <a:rPr lang="en-IE" b="0" i="1" smtClean="0">
+                                  <a:latin typeface="Cambria Math" panose="02040503050406030204" pitchFamily="18" charset="0"/>
+                                </a:rPr>
+                              </m:ctrlPr>
+                            </m:sSubPr>
+                            <m:e>
+                              <m:r>
+                                <a:rPr lang="en-IE" b="0" i="1" smtClean="0">
+                                  <a:latin typeface="Cambria Math" panose="02040503050406030204" pitchFamily="18" charset="0"/>
+                                </a:rPr>
+                                <m:t>𝑡</m:t>
+                              </m:r>
+                            </m:e>
+                            <m:sub>
+                              <m:r>
+                                <a:rPr lang="en-IE" b="0" i="1" smtClean="0">
+                                  <a:latin typeface="Cambria Math" panose="02040503050406030204" pitchFamily="18" charset="0"/>
+                                </a:rPr>
+                                <m:t>𝑗</m:t>
+                              </m:r>
+                            </m:sub>
+                          </m:sSub>
+                        </m:e>
+                      </m:d>
+                      <m:r>
+                        <a:rPr lang="en-IE" b="0" i="1" smtClean="0">
+                          <a:latin typeface="Cambria Math" panose="02040503050406030204" pitchFamily="18" charset="0"/>
+                        </a:rPr>
+                        <m:t>+</m:t>
+                      </m:r>
+                      <m:sSub>
+                        <m:sSubPr>
+                          <m:ctrlPr>
+                            <a:rPr lang="en-IE" b="0" i="1" smtClean="0">
+                              <a:latin typeface="Cambria Math" panose="02040503050406030204" pitchFamily="18" charset="0"/>
+                            </a:rPr>
+                          </m:ctrlPr>
+                        </m:sSubPr>
+                        <m:e>
+                          <m:r>
+                            <a:rPr lang="en-IE" b="0" i="1" smtClean="0">
+                              <a:latin typeface="Cambria Math" panose="02040503050406030204" pitchFamily="18" charset="0"/>
+                            </a:rPr>
+                            <m:t>𝜖</m:t>
+                          </m:r>
+                        </m:e>
+                        <m:sub>
+                          <m:r>
+                            <a:rPr lang="en-IE" b="0" i="1" smtClean="0">
+                              <a:latin typeface="Cambria Math" panose="02040503050406030204" pitchFamily="18" charset="0"/>
+                            </a:rPr>
+                            <m:t>𝑗</m:t>
+                          </m:r>
+                        </m:sub>
+                      </m:sSub>
+                      <m:r>
+                        <a:rPr lang="en-IE" b="0" i="1" smtClean="0">
+                          <a:latin typeface="Cambria Math" panose="02040503050406030204" pitchFamily="18" charset="0"/>
+                        </a:rPr>
+                        <m:t>,</m:t>
+                      </m:r>
+                    </m:oMath>
+                  </m:oMathPara>
+                </a14:m>
+                <a:endParaRPr lang="en-IE" b="0" dirty="0"/>
+              </a:p>
+              <a:p>
+                <a:pPr marL="0" indent="0">
+                  <a:buNone/>
+                </a:pPr>
+                <a:r>
+                  <a:rPr lang="en-GB" dirty="0"/>
+                  <a:t>so, we want to balance smoothness and fit to the data.</a:t>
+                </a:r>
+              </a:p>
+              <a:p>
+                <a:r>
+                  <a:rPr lang="en-GB" dirty="0"/>
+                  <a:t>Then </a:t>
+                </a:r>
+                <a14:m>
+                  <m:oMath xmlns:m="http://schemas.openxmlformats.org/officeDocument/2006/math">
+                    <m:r>
+                      <a:rPr lang="en-IE" b="0" i="1" smtClean="0">
+                        <a:latin typeface="Cambria Math" panose="02040503050406030204" pitchFamily="18" charset="0"/>
+                      </a:rPr>
+                      <m:t>𝐾</m:t>
+                    </m:r>
+                  </m:oMath>
+                </a14:m>
+                <a:r>
+                  <a:rPr lang="en-GB" dirty="0"/>
+                  <a:t> controls the level of smoothness (see </a:t>
+                </a:r>
+                <a:r>
+                  <a:rPr lang="en-GB" dirty="0">
+                    <a:hlinkClick r:id="rId4"/>
+                  </a:rPr>
+                  <a:t>our Shiny app</a:t>
+                </a:r>
+                <a:r>
+                  <a:rPr lang="en-GB" dirty="0"/>
+                  <a:t>):</a:t>
+                </a:r>
+              </a:p>
+              <a:p>
+                <a:pPr lvl="1"/>
+                <a14:m>
+                  <m:oMath xmlns:m="http://schemas.openxmlformats.org/officeDocument/2006/math">
+                    <m:r>
+                      <a:rPr lang="en-IE" b="0" i="1" smtClean="0">
+                        <a:latin typeface="Cambria Math" panose="02040503050406030204" pitchFamily="18" charset="0"/>
+                      </a:rPr>
+                      <m:t>𝐾</m:t>
+                    </m:r>
+                  </m:oMath>
+                </a14:m>
+                <a:r>
+                  <a:rPr lang="en-GB" dirty="0"/>
+                  <a:t> larger </a:t>
+                </a:r>
+                <a14:m>
+                  <m:oMath xmlns:m="http://schemas.openxmlformats.org/officeDocument/2006/math">
+                    <m:r>
+                      <a:rPr lang="en-IE" b="0" i="1" smtClean="0">
+                        <a:latin typeface="Cambria Math" panose="02040503050406030204" pitchFamily="18" charset="0"/>
+                      </a:rPr>
+                      <m:t>→</m:t>
+                    </m:r>
+                  </m:oMath>
+                </a14:m>
+                <a:r>
+                  <a:rPr lang="en-GB" dirty="0"/>
+                  <a:t> wigglier fit</a:t>
+                </a:r>
+              </a:p>
+              <a:p>
+                <a:pPr lvl="1"/>
+                <a14:m>
+                  <m:oMath xmlns:m="http://schemas.openxmlformats.org/officeDocument/2006/math">
+                    <m:r>
+                      <a:rPr lang="en-IE" b="0" i="1" smtClean="0">
+                        <a:latin typeface="Cambria Math" panose="02040503050406030204" pitchFamily="18" charset="0"/>
+                      </a:rPr>
+                      <m:t>𝐾</m:t>
+                    </m:r>
+                  </m:oMath>
+                </a14:m>
+                <a:r>
+                  <a:rPr lang="en-GB" dirty="0"/>
+                  <a:t> smaller </a:t>
+                </a:r>
+                <a14:m>
+                  <m:oMath xmlns:m="http://schemas.openxmlformats.org/officeDocument/2006/math">
+                    <m:r>
+                      <a:rPr lang="en-IE" b="0" i="1" smtClean="0">
+                        <a:latin typeface="Cambria Math" panose="02040503050406030204" pitchFamily="18" charset="0"/>
+                      </a:rPr>
+                      <m:t>→</m:t>
+                    </m:r>
+                  </m:oMath>
+                </a14:m>
+                <a:r>
+                  <a:rPr lang="en-GB" dirty="0"/>
+                  <a:t> smoother fit</a:t>
+                </a:r>
+              </a:p>
+              <a:p>
+                <a:r>
+                  <a:rPr lang="en-GB" dirty="0"/>
+                  <a:t>However, choosing an optimal value of </a:t>
+                </a:r>
+                <a14:m>
+                  <m:oMath xmlns:m="http://schemas.openxmlformats.org/officeDocument/2006/math">
+                    <m:r>
+                      <a:rPr lang="en-IE" b="0" i="1" smtClean="0">
+                        <a:latin typeface="Cambria Math" panose="02040503050406030204" pitchFamily="18" charset="0"/>
+                      </a:rPr>
+                      <m:t>𝐾</m:t>
+                    </m:r>
+                  </m:oMath>
+                </a14:m>
+                <a:r>
+                  <a:rPr lang="en-GB" dirty="0"/>
+                  <a:t> can be problematic </a:t>
+                </a:r>
+                <a14:m>
+                  <m:oMath xmlns:m="http://schemas.openxmlformats.org/officeDocument/2006/math">
+                    <m:r>
+                      <a:rPr lang="en-IE" b="0" i="1" smtClean="0">
+                        <a:latin typeface="Cambria Math" panose="02040503050406030204" pitchFamily="18" charset="0"/>
+                      </a:rPr>
+                      <m:t>→</m:t>
+                    </m:r>
+                  </m:oMath>
+                </a14:m>
+                <a:r>
+                  <a:rPr lang="en-GB" dirty="0"/>
+                  <a:t> motivates a more refined approach.</a:t>
+                </a:r>
+              </a:p>
+            </p:txBody>
+          </p:sp>
+        </mc:Choice>
+        <mc:Fallback>
+          <p:sp>
+            <p:nvSpPr>
+              <p:cNvPr id="3" name="Content Placeholder 2">
+                <a:extLst>
+                  <a:ext uri="{FF2B5EF4-FFF2-40B4-BE49-F238E27FC236}">
+                    <a16:creationId xmlns:a16="http://schemas.microsoft.com/office/drawing/2014/main" id="{CAAC3569-4027-6D29-69AC-D4B2F6CD7395}"/>
+                  </a:ext>
+                </a:extLst>
+              </p:cNvPr>
+              <p:cNvSpPr>
+                <a:spLocks noGrp="1" noRot="1" noChangeAspect="1" noMove="1" noResize="1" noEditPoints="1" noAdjustHandles="1" noChangeArrowheads="1" noChangeShapeType="1" noTextEdit="1"/>
+              </p:cNvSpPr>
+              <p:nvPr>
+                <p:ph idx="1"/>
+              </p:nvPr>
+            </p:nvSpPr>
+            <p:spPr>
+              <a:blipFill>
+                <a:blip r:embed="rId5"/>
+                <a:stretch>
+                  <a:fillRect l="-1206" t="-2326"/>
+                </a:stretch>
+              </a:blipFill>
+            </p:spPr>
+            <p:txBody>
+              <a:bodyPr/>
+              <a:lstStyle/>
+              <a:p>
+                <a:r>
+                  <a:rPr lang="en-GB">
+                    <a:noFill/>
+                  </a:rPr>
+                  <a:t> </a:t>
+                </a:r>
+              </a:p>
+            </p:txBody>
+          </p:sp>
+        </mc:Fallback>
+      </mc:AlternateContent>
+    </p:spTree>
+    <p:extLst>
+      <p:ext uri="{BB962C8B-B14F-4D97-AF65-F5344CB8AC3E}">
+        <p14:creationId xmlns:p14="http://schemas.microsoft.com/office/powerpoint/2010/main" val="3523223513"/>
+      </p:ext>
+    </p:extLst>
+  </p:cSld>
+  <p:clrMapOvr>
+    <a:masterClrMapping/>
+  </p:clrMapOvr>
+  <p:timing>
+    <p:tnLst>
+      <p:par>
+        <p:cTn id="1" dur="indefinite" restart="never" nodeType="tmRoot">
+          <p:childTnLst>
+            <p:seq concurrent="1" nextAc="seek">
+              <p:cTn id="2" dur="indefinite" nodeType="mainSeq">
+                <p:childTnLst>
+                  <p:par>
+                    <p:cTn id="3" fill="hold">
+                      <p:stCondLst>
+                        <p:cond delay="indefinite"/>
+                      </p:stCondLst>
+                      <p:childTnLst>
+                        <p:par>
+                          <p:cTn id="4" fill="hold">
+                            <p:stCondLst>
+                              <p:cond delay="0"/>
+                            </p:stCondLst>
+                            <p:childTnLst>
+                              <p:par>
+                                <p:cTn id="5" presetID="1" presetClass="entr" presetSubtype="0" fill="hold" nodeType="clickEffect">
+                                  <p:stCondLst>
+                                    <p:cond delay="0"/>
+                                  </p:stCondLst>
+                                  <p:childTnLst>
+                                    <p:set>
+                                      <p:cBhvr>
+                                        <p:cTn id="6" dur="1" fill="hold">
+                                          <p:stCondLst>
+                                            <p:cond delay="0"/>
+                                          </p:stCondLst>
+                                        </p:cTn>
+                                        <p:tgtEl>
+                                          <p:spTgt spid="3">
+                                            <p:txEl>
+                                              <p:pRg st="0" end="0"/>
+                                            </p:txEl>
+                                          </p:spTgt>
+                                        </p:tgtEl>
+                                        <p:attrNameLst>
+                                          <p:attrName>style.visibility</p:attrName>
+                                        </p:attrNameLst>
+                                      </p:cBhvr>
+                                      <p:to>
+                                        <p:strVal val="visible"/>
+                                      </p:to>
+                                    </p:set>
+                                  </p:childTnLst>
+                                </p:cTn>
+                              </p:par>
+                              <p:par>
+                                <p:cTn id="7" presetID="1" presetClass="entr" presetSubtype="0" fill="hold" nodeType="withEffect">
+                                  <p:stCondLst>
+                                    <p:cond delay="0"/>
+                                  </p:stCondLst>
+                                  <p:childTnLst>
+                                    <p:set>
+                                      <p:cBhvr>
+                                        <p:cTn id="8" dur="1" fill="hold">
+                                          <p:stCondLst>
+                                            <p:cond delay="0"/>
+                                          </p:stCondLst>
+                                        </p:cTn>
+                                        <p:tgtEl>
+                                          <p:spTgt spid="3">
+                                            <p:txEl>
+                                              <p:pRg st="1" end="1"/>
+                                            </p:txEl>
+                                          </p:spTgt>
+                                        </p:tgtEl>
+                                        <p:attrNameLst>
+                                          <p:attrName>style.visibility</p:attrName>
+                                        </p:attrNameLst>
+                                      </p:cBhvr>
+                                      <p:to>
+                                        <p:strVal val="visible"/>
+                                      </p:to>
+                                    </p:set>
+                                  </p:childTnLst>
+                                </p:cTn>
+                              </p:par>
+                            </p:childTnLst>
+                          </p:cTn>
+                        </p:par>
+                      </p:childTnLst>
+                    </p:cTn>
+                  </p:par>
+                  <p:par>
+                    <p:cTn id="9" fill="hold">
+                      <p:stCondLst>
+                        <p:cond delay="indefinite"/>
+                      </p:stCondLst>
+                      <p:childTnLst>
+                        <p:par>
+                          <p:cTn id="10" fill="hold">
+                            <p:stCondLst>
+                              <p:cond delay="0"/>
+                            </p:stCondLst>
+                            <p:childTnLst>
+                              <p:par>
+                                <p:cTn id="11" presetID="1" presetClass="entr" presetSubtype="0" fill="hold" nodeType="clickEffect">
+                                  <p:stCondLst>
+                                    <p:cond delay="0"/>
+                                  </p:stCondLst>
+                                  <p:childTnLst>
+                                    <p:set>
+                                      <p:cBhvr>
+                                        <p:cTn id="12" dur="1" fill="hold">
+                                          <p:stCondLst>
+                                            <p:cond delay="0"/>
+                                          </p:stCondLst>
+                                        </p:cTn>
+                                        <p:tgtEl>
+                                          <p:spTgt spid="3">
+                                            <p:txEl>
+                                              <p:pRg st="2" end="2"/>
+                                            </p:txEl>
+                                          </p:spTgt>
+                                        </p:tgtEl>
+                                        <p:attrNameLst>
+                                          <p:attrName>style.visibility</p:attrName>
+                                        </p:attrNameLst>
+                                      </p:cBhvr>
+                                      <p:to>
+                                        <p:strVal val="visible"/>
+                                      </p:to>
+                                    </p:set>
+                                  </p:childTnLst>
+                                </p:cTn>
+                              </p:par>
+                            </p:childTnLst>
+                          </p:cTn>
+                        </p:par>
+                      </p:childTnLst>
+                    </p:cTn>
+                  </p:par>
+                  <p:par>
+                    <p:cTn id="13" fill="hold">
+                      <p:stCondLst>
+                        <p:cond delay="indefinite"/>
+                      </p:stCondLst>
+                      <p:childTnLst>
+                        <p:par>
+                          <p:cTn id="14" fill="hold">
+                            <p:stCondLst>
+                              <p:cond delay="0"/>
+                            </p:stCondLst>
+                            <p:childTnLst>
+                              <p:par>
+                                <p:cTn id="15" presetID="1" presetClass="entr" presetSubtype="0" fill="hold" nodeType="clickEffect">
+                                  <p:stCondLst>
+                                    <p:cond delay="0"/>
+                                  </p:stCondLst>
+                                  <p:childTnLst>
+                                    <p:set>
+                                      <p:cBhvr>
+                                        <p:cTn id="16" dur="1" fill="hold">
+                                          <p:stCondLst>
+                                            <p:cond delay="0"/>
+                                          </p:stCondLst>
+                                        </p:cTn>
+                                        <p:tgtEl>
+                                          <p:spTgt spid="3">
+                                            <p:txEl>
+                                              <p:pRg st="3" end="3"/>
+                                            </p:txEl>
+                                          </p:spTgt>
+                                        </p:tgtEl>
+                                        <p:attrNameLst>
+                                          <p:attrName>style.visibility</p:attrName>
+                                        </p:attrNameLst>
+                                      </p:cBhvr>
+                                      <p:to>
+                                        <p:strVal val="visible"/>
+                                      </p:to>
+                                    </p:set>
+                                  </p:childTnLst>
+                                </p:cTn>
+                              </p:par>
+                              <p:par>
+                                <p:cTn id="17" presetID="1" presetClass="entr" presetSubtype="0" fill="hold" nodeType="withEffect">
+                                  <p:stCondLst>
+                                    <p:cond delay="0"/>
+                                  </p:stCondLst>
+                                  <p:childTnLst>
+                                    <p:set>
+                                      <p:cBhvr>
+                                        <p:cTn id="18" dur="1" fill="hold">
+                                          <p:stCondLst>
+                                            <p:cond delay="0"/>
+                                          </p:stCondLst>
+                                        </p:cTn>
+                                        <p:tgtEl>
+                                          <p:spTgt spid="3">
+                                            <p:txEl>
+                                              <p:pRg st="4" end="4"/>
+                                            </p:txEl>
+                                          </p:spTgt>
+                                        </p:tgtEl>
+                                        <p:attrNameLst>
+                                          <p:attrName>style.visibility</p:attrName>
+                                        </p:attrNameLst>
+                                      </p:cBhvr>
+                                      <p:to>
+                                        <p:strVal val="visible"/>
+                                      </p:to>
+                                    </p:set>
+                                  </p:childTnLst>
+                                </p:cTn>
+                              </p:par>
+                              <p:par>
+                                <p:cTn id="19" presetID="1" presetClass="entr" presetSubtype="0" fill="hold" nodeType="withEffect">
+                                  <p:stCondLst>
+                                    <p:cond delay="0"/>
+                                  </p:stCondLst>
+                                  <p:childTnLst>
+                                    <p:set>
+                                      <p:cBhvr>
+                                        <p:cTn id="20" dur="1" fill="hold">
+                                          <p:stCondLst>
+                                            <p:cond delay="0"/>
+                                          </p:stCondLst>
+                                        </p:cTn>
+                                        <p:tgtEl>
+                                          <p:spTgt spid="3">
+                                            <p:txEl>
+                                              <p:pRg st="5" end="5"/>
+                                            </p:txEl>
+                                          </p:spTgt>
+                                        </p:tgtEl>
+                                        <p:attrNameLst>
+                                          <p:attrName>style.visibility</p:attrName>
+                                        </p:attrNameLst>
+                                      </p:cBhvr>
+                                      <p:to>
+                                        <p:strVal val="visible"/>
+                                      </p:to>
+                                    </p:set>
+                                  </p:childTnLst>
+                                </p:cTn>
+                              </p:par>
+                            </p:childTnLst>
+                          </p:cTn>
+                        </p:par>
+                      </p:childTnLst>
+                    </p:cTn>
+                  </p:par>
+                  <p:par>
+                    <p:cTn id="21" fill="hold">
+                      <p:stCondLst>
+                        <p:cond delay="indefinite"/>
+                      </p:stCondLst>
+                      <p:childTnLst>
+                        <p:par>
+                          <p:cTn id="22" fill="hold">
+                            <p:stCondLst>
+                              <p:cond delay="0"/>
+                            </p:stCondLst>
+                            <p:childTnLst>
+                              <p:par>
+                                <p:cTn id="23" presetID="1" presetClass="entr" presetSubtype="0" fill="hold" nodeType="clickEffect">
+                                  <p:stCondLst>
+                                    <p:cond delay="0"/>
+                                  </p:stCondLst>
+                                  <p:childTnLst>
+                                    <p:set>
+                                      <p:cBhvr>
+                                        <p:cTn id="24" dur="1" fill="hold">
+                                          <p:stCondLst>
+                                            <p:cond delay="0"/>
+                                          </p:stCondLst>
+                                        </p:cTn>
+                                        <p:tgtEl>
+                                          <p:spTgt spid="3">
+                                            <p:txEl>
+                                              <p:pRg st="6" end="6"/>
+                                            </p:txEl>
+                                          </p:spTgt>
+                                        </p:tgtEl>
+                                        <p:attrNameLst>
+                                          <p:attrName>style.visibility</p:attrName>
+                                        </p:attrNameLst>
+                                      </p:cBhvr>
+                                      <p:to>
+                                        <p:strVal val="visible"/>
+                                      </p:to>
+                                    </p:set>
+                                  </p:childTnLst>
+                                </p:cTn>
+                              </p:par>
+                            </p:childTnLst>
+                          </p:cTn>
+                        </p:par>
+                      </p:childTnLst>
+                    </p:cTn>
+                  </p:par>
+                </p:childTnLst>
+              </p:cTn>
+              <p:prevCondLst>
+                <p:cond evt="onPrev" delay="0">
+                  <p:tgtEl>
+                    <p:sldTgt/>
+                  </p:tgtEl>
+                </p:cond>
+              </p:prevCondLst>
+              <p:nextCondLst>
+                <p:cond evt="onNext" delay="0">
+                  <p:tgtEl>
+                    <p:sldTgt/>
+                  </p:tgtEl>
+                </p:cond>
+              </p:nextCondLst>
+            </p:seq>
+          </p:childTnLst>
+        </p:cTn>
+      </p:par>
+    </p:tnLst>
+  </p:timing>
+</p:sld>
+</file>
+
+<file path=ppt/slides/slide8.xml><?xml version="1.0" encoding="utf-8"?>
+<p:sld xmlns:a="http://schemas.openxmlformats.org/drawingml/2006/main" xmlns:r="http://schemas.openxmlformats.org/officeDocument/2006/relationships" xmlns:p="http://schemas.openxmlformats.org/presentationml/2006/main">
+  <p:cSld>
+    <p:spTree>
+      <p:nvGrpSpPr>
+        <p:cNvPr id="1" name=""/>
+        <p:cNvGrpSpPr/>
+        <p:nvPr/>
+      </p:nvGrpSpPr>
+      <p:grpSpPr>
+        <a:xfrm>
+          <a:off x="0" y="0"/>
+          <a:ext cx="0" cy="0"/>
+          <a:chOff x="0" y="0"/>
+          <a:chExt cx="0" cy="0"/>
+        </a:xfrm>
+      </p:grpSpPr>
+      <p:sp>
+        <p:nvSpPr>
+          <p:cNvPr id="2" name="Title 1">
+            <a:extLst>
+              <a:ext uri="{FF2B5EF4-FFF2-40B4-BE49-F238E27FC236}">
+                <a16:creationId xmlns:a16="http://schemas.microsoft.com/office/drawing/2014/main" id="{B5DA88FC-2661-1C67-EE60-CFCB4284E496}"/>
+              </a:ext>
+            </a:extLst>
+          </p:cNvPr>
+          <p:cNvSpPr>
+            <a:spLocks noGrp="1"/>
+          </p:cNvSpPr>
+          <p:nvPr>
+            <p:ph type="title"/>
+          </p:nvPr>
+        </p:nvSpPr>
+        <p:spPr/>
+        <p:txBody>
+          <a:bodyPr/>
+          <a:lstStyle/>
+          <a:p>
+            <a:r>
+              <a:rPr lang="en-GB" dirty="0"/>
+              <a:t>Penalised Least Squares Smoothing</a:t>
+            </a:r>
+          </a:p>
+        </p:txBody>
+      </p:sp>
+      <mc:AlternateContent xmlns:mc="http://schemas.openxmlformats.org/markup-compatibility/2006">
+        <mc:Choice xmlns:a14="http://schemas.microsoft.com/office/drawing/2010/main" Requires="a14">
+          <p:sp>
+            <p:nvSpPr>
+              <p:cNvPr id="3" name="Content Placeholder 2">
+                <a:extLst>
+                  <a:ext uri="{FF2B5EF4-FFF2-40B4-BE49-F238E27FC236}">
+                    <a16:creationId xmlns:a16="http://schemas.microsoft.com/office/drawing/2014/main" id="{30D084D6-88BB-15A7-8CD3-8937B88C4B36}"/>
+                  </a:ext>
+                </a:extLst>
+              </p:cNvPr>
+              <p:cNvSpPr>
+                <a:spLocks noGrp="1"/>
+              </p:cNvSpPr>
+              <p:nvPr>
+                <p:ph idx="1"/>
+              </p:nvPr>
+            </p:nvSpPr>
+            <p:spPr/>
+            <p:txBody>
+              <a:bodyPr>
+                <a:normAutofit lnSpcReduction="10000"/>
+              </a:bodyPr>
+              <a:lstStyle/>
+              <a:p>
+                <a:r>
+                  <a:rPr lang="en-GB" dirty="0"/>
+                  <a:t>Instead, we choose a rich basis (i.e., large </a:t>
+                </a:r>
+                <a14:m>
+                  <m:oMath xmlns:m="http://schemas.openxmlformats.org/officeDocument/2006/math">
+                    <m:r>
+                      <a:rPr lang="en-IE" b="0" i="1" smtClean="0">
+                        <a:latin typeface="Cambria Math" panose="02040503050406030204" pitchFamily="18" charset="0"/>
+                      </a:rPr>
+                      <m:t>𝐾</m:t>
+                    </m:r>
+                  </m:oMath>
+                </a14:m>
+                <a:r>
+                  <a:rPr lang="en-GB" dirty="0"/>
+                  <a:t>) and add a penalty on the roughness of the fitted function</a:t>
+                </a:r>
+              </a:p>
+              <a:p>
+                <a:pPr marL="0" indent="0">
+                  <a:buNone/>
+                </a:pPr>
+                <a14:m>
+                  <m:oMathPara xmlns:m="http://schemas.openxmlformats.org/officeDocument/2006/math">
+                    <m:oMathParaPr>
+                      <m:jc m:val="centerGroup"/>
+                    </m:oMathParaPr>
+                    <m:oMath xmlns:m="http://schemas.openxmlformats.org/officeDocument/2006/math">
+                      <m:r>
+                        <m:rPr>
+                          <m:sty m:val="p"/>
+                        </m:rPr>
+                        <a:rPr lang="en-IE" b="0" i="0" smtClean="0">
+                          <a:latin typeface="Cambria Math" panose="02040503050406030204" pitchFamily="18" charset="0"/>
+                        </a:rPr>
+                        <m:t>PENSSE</m:t>
+                      </m:r>
+                      <m:r>
+                        <a:rPr lang="en-IE" b="0" i="1" smtClean="0">
+                          <a:latin typeface="Cambria Math" panose="02040503050406030204" pitchFamily="18" charset="0"/>
+                        </a:rPr>
+                        <m:t>=</m:t>
+                      </m:r>
+                      <m:nary>
+                        <m:naryPr>
+                          <m:chr m:val="∑"/>
+                          <m:ctrlPr>
+                            <a:rPr lang="en-IE" i="1">
+                              <a:latin typeface="Cambria Math" panose="02040503050406030204" pitchFamily="18" charset="0"/>
+                            </a:rPr>
+                          </m:ctrlPr>
+                        </m:naryPr>
+                        <m:sub>
+                          <m:r>
+                            <m:rPr>
+                              <m:brk m:alnAt="23"/>
+                            </m:rPr>
+                            <a:rPr lang="en-IE" i="1">
+                              <a:latin typeface="Cambria Math" panose="02040503050406030204" pitchFamily="18" charset="0"/>
+                            </a:rPr>
+                            <m:t>𝑗</m:t>
+                          </m:r>
+                          <m:r>
+                            <a:rPr lang="en-IE" i="1">
+                              <a:latin typeface="Cambria Math" panose="02040503050406030204" pitchFamily="18" charset="0"/>
+                            </a:rPr>
+                            <m:t>=1</m:t>
+                          </m:r>
+                        </m:sub>
+                        <m:sup>
+                          <m:r>
+                            <a:rPr lang="en-IE" i="1">
+                              <a:latin typeface="Cambria Math" panose="02040503050406030204" pitchFamily="18" charset="0"/>
+                            </a:rPr>
+                            <m:t>𝑛</m:t>
+                          </m:r>
+                        </m:sup>
+                        <m:e>
+                          <m:sSup>
+                            <m:sSupPr>
+                              <m:ctrlPr>
+                                <a:rPr lang="en-IE" i="1">
+                                  <a:latin typeface="Cambria Math" panose="02040503050406030204" pitchFamily="18" charset="0"/>
+                                </a:rPr>
+                              </m:ctrlPr>
+                            </m:sSupPr>
+                            <m:e>
+                              <m:d>
+                                <m:dPr>
+                                  <m:ctrlPr>
+                                    <a:rPr lang="en-IE" i="1">
+                                      <a:latin typeface="Cambria Math" panose="02040503050406030204" pitchFamily="18" charset="0"/>
+                                    </a:rPr>
+                                  </m:ctrlPr>
+                                </m:dPr>
+                                <m:e>
+                                  <m:sSub>
+                                    <m:sSubPr>
+                                      <m:ctrlPr>
+                                        <a:rPr lang="en-IE" i="1">
+                                          <a:latin typeface="Cambria Math" panose="02040503050406030204" pitchFamily="18" charset="0"/>
+                                        </a:rPr>
+                                      </m:ctrlPr>
+                                    </m:sSubPr>
+                                    <m:e>
+                                      <m:r>
+                                        <a:rPr lang="en-IE" i="1">
+                                          <a:latin typeface="Cambria Math" panose="02040503050406030204" pitchFamily="18" charset="0"/>
+                                        </a:rPr>
+                                        <m:t>𝑦</m:t>
+                                      </m:r>
+                                    </m:e>
+                                    <m:sub>
+                                      <m:r>
+                                        <a:rPr lang="en-IE" i="1">
+                                          <a:latin typeface="Cambria Math" panose="02040503050406030204" pitchFamily="18" charset="0"/>
+                                        </a:rPr>
+                                        <m:t>𝑗</m:t>
+                                      </m:r>
+                                    </m:sub>
+                                  </m:sSub>
+                                  <m:r>
+                                    <a:rPr lang="en-IE" i="1">
+                                      <a:latin typeface="Cambria Math" panose="02040503050406030204" pitchFamily="18" charset="0"/>
+                                    </a:rPr>
+                                    <m:t>−</m:t>
+                                  </m:r>
+                                  <m:nary>
+                                    <m:naryPr>
+                                      <m:chr m:val="∑"/>
+                                      <m:ctrlPr>
+                                        <a:rPr lang="en-IE" i="1">
+                                          <a:latin typeface="Cambria Math" panose="02040503050406030204" pitchFamily="18" charset="0"/>
+                                        </a:rPr>
+                                      </m:ctrlPr>
+                                    </m:naryPr>
+                                    <m:sub>
+                                      <m:r>
+                                        <m:rPr>
+                                          <m:brk m:alnAt="23"/>
+                                        </m:rPr>
+                                        <a:rPr lang="en-IE" i="1">
+                                          <a:latin typeface="Cambria Math" panose="02040503050406030204" pitchFamily="18" charset="0"/>
+                                        </a:rPr>
+                                        <m:t>𝑘</m:t>
+                                      </m:r>
+                                      <m:r>
+                                        <a:rPr lang="en-IE" i="1">
+                                          <a:latin typeface="Cambria Math" panose="02040503050406030204" pitchFamily="18" charset="0"/>
+                                        </a:rPr>
+                                        <m:t>=1</m:t>
+                                      </m:r>
+                                    </m:sub>
+                                    <m:sup>
+                                      <m:r>
+                                        <a:rPr lang="en-IE" i="1">
+                                          <a:latin typeface="Cambria Math" panose="02040503050406030204" pitchFamily="18" charset="0"/>
+                                        </a:rPr>
+                                        <m:t>𝐾</m:t>
+                                      </m:r>
+                                    </m:sup>
+                                    <m:e>
+                                      <m:sSub>
+                                        <m:sSubPr>
+                                          <m:ctrlPr>
+                                            <a:rPr lang="en-IE" i="1">
+                                              <a:latin typeface="Cambria Math" panose="02040503050406030204" pitchFamily="18" charset="0"/>
+                                            </a:rPr>
+                                          </m:ctrlPr>
+                                        </m:sSubPr>
+                                        <m:e>
+                                          <m:r>
+                                            <a:rPr lang="en-IE" i="1">
+                                              <a:latin typeface="Cambria Math" panose="02040503050406030204" pitchFamily="18" charset="0"/>
+                                            </a:rPr>
+                                            <m:t>𝑐</m:t>
+                                          </m:r>
+                                        </m:e>
+                                        <m:sub>
+                                          <m:r>
+                                            <a:rPr lang="en-IE" i="1">
+                                              <a:latin typeface="Cambria Math" panose="02040503050406030204" pitchFamily="18" charset="0"/>
+                                            </a:rPr>
+                                            <m:t>𝑘</m:t>
+                                          </m:r>
+                                        </m:sub>
+                                      </m:sSub>
+                                      <m:sSub>
+                                        <m:sSubPr>
+                                          <m:ctrlPr>
+                                            <a:rPr lang="en-IE" i="1">
+                                              <a:latin typeface="Cambria Math" panose="02040503050406030204" pitchFamily="18" charset="0"/>
+                                            </a:rPr>
+                                          </m:ctrlPr>
+                                        </m:sSubPr>
+                                        <m:e>
+                                          <m:r>
+                                            <a:rPr lang="en-IE" i="1">
+                                              <a:latin typeface="Cambria Math" panose="02040503050406030204" pitchFamily="18" charset="0"/>
+                                            </a:rPr>
+                                            <m:t>𝜙</m:t>
+                                          </m:r>
+                                        </m:e>
+                                        <m:sub>
+                                          <m:r>
+                                            <a:rPr lang="en-IE" i="1">
+                                              <a:latin typeface="Cambria Math" panose="02040503050406030204" pitchFamily="18" charset="0"/>
+                                            </a:rPr>
+                                            <m:t>𝑘</m:t>
+                                          </m:r>
+                                        </m:sub>
+                                      </m:sSub>
+                                      <m:d>
+                                        <m:dPr>
+                                          <m:ctrlPr>
+                                            <a:rPr lang="en-IE" i="1">
+                                              <a:latin typeface="Cambria Math" panose="02040503050406030204" pitchFamily="18" charset="0"/>
+                                            </a:rPr>
+                                          </m:ctrlPr>
+                                        </m:dPr>
+                                        <m:e>
+                                          <m:sSub>
+                                            <m:sSubPr>
+                                              <m:ctrlPr>
+                                                <a:rPr lang="en-IE" i="1">
+                                                  <a:latin typeface="Cambria Math" panose="02040503050406030204" pitchFamily="18" charset="0"/>
+                                                </a:rPr>
+                                              </m:ctrlPr>
+                                            </m:sSubPr>
+                                            <m:e>
+                                              <m:r>
+                                                <a:rPr lang="en-IE" i="1">
+                                                  <a:latin typeface="Cambria Math" panose="02040503050406030204" pitchFamily="18" charset="0"/>
+                                                </a:rPr>
+                                                <m:t>𝑡</m:t>
+                                              </m:r>
+                                            </m:e>
+                                            <m:sub>
+                                              <m:r>
+                                                <a:rPr lang="en-IE" i="1">
+                                                  <a:latin typeface="Cambria Math" panose="02040503050406030204" pitchFamily="18" charset="0"/>
+                                                </a:rPr>
+                                                <m:t>𝑗</m:t>
+                                              </m:r>
+                                            </m:sub>
+                                          </m:sSub>
+                                        </m:e>
+                                      </m:d>
+                                    </m:e>
+                                  </m:nary>
+                                </m:e>
+                              </m:d>
+                            </m:e>
+                            <m:sup>
+                              <m:r>
+                                <a:rPr lang="en-IE" i="1">
+                                  <a:latin typeface="Cambria Math" panose="02040503050406030204" pitchFamily="18" charset="0"/>
+                                </a:rPr>
+                                <m:t>2</m:t>
+                              </m:r>
+                            </m:sup>
+                          </m:sSup>
+                          <m:r>
+                            <a:rPr lang="en-IE" b="0" i="1" smtClean="0">
+                              <a:latin typeface="Cambria Math" panose="02040503050406030204" pitchFamily="18" charset="0"/>
+                            </a:rPr>
+                            <m:t>+</m:t>
+                          </m:r>
+                          <m:r>
+                            <a:rPr lang="en-IE" b="0" i="1" smtClean="0">
+                              <a:latin typeface="Cambria Math" panose="02040503050406030204" pitchFamily="18" charset="0"/>
+                            </a:rPr>
+                            <m:t>𝜆</m:t>
+                          </m:r>
+                          <m:r>
+                            <a:rPr lang="en-IE" b="0" i="1" smtClean="0">
+                              <a:latin typeface="Cambria Math" panose="02040503050406030204" pitchFamily="18" charset="0"/>
+                            </a:rPr>
+                            <m:t> </m:t>
+                          </m:r>
+                          <m:r>
+                            <m:rPr>
+                              <m:sty m:val="p"/>
+                            </m:rPr>
+                            <a:rPr lang="en-IE" b="0" i="0" smtClean="0">
+                              <a:latin typeface="Cambria Math" panose="02040503050406030204" pitchFamily="18" charset="0"/>
+                            </a:rPr>
+                            <m:t>PEN</m:t>
+                          </m:r>
+                          <m:d>
+                            <m:dPr>
+                              <m:ctrlPr>
+                                <a:rPr lang="en-IE" b="0" i="1" smtClean="0">
+                                  <a:latin typeface="Cambria Math" panose="02040503050406030204" pitchFamily="18" charset="0"/>
+                                </a:rPr>
+                              </m:ctrlPr>
+                            </m:dPr>
+                            <m:e>
+                              <m:r>
+                                <a:rPr lang="en-IE" b="0" i="1" smtClean="0">
+                                  <a:latin typeface="Cambria Math" panose="02040503050406030204" pitchFamily="18" charset="0"/>
+                                </a:rPr>
+                                <m:t>𝑥</m:t>
+                              </m:r>
+                              <m:d>
+                                <m:dPr>
+                                  <m:ctrlPr>
+                                    <a:rPr lang="en-IE" b="0" i="1" smtClean="0">
+                                      <a:latin typeface="Cambria Math" panose="02040503050406030204" pitchFamily="18" charset="0"/>
+                                    </a:rPr>
+                                  </m:ctrlPr>
+                                </m:dPr>
+                                <m:e>
+                                  <m:r>
+                                    <a:rPr lang="en-IE" b="0" i="1" smtClean="0">
+                                      <a:latin typeface="Cambria Math" panose="02040503050406030204" pitchFamily="18" charset="0"/>
+                                    </a:rPr>
+                                    <m:t>𝑡</m:t>
+                                  </m:r>
+                                </m:e>
+                              </m:d>
+                            </m:e>
+                          </m:d>
+                        </m:e>
+                      </m:nary>
+                    </m:oMath>
+                  </m:oMathPara>
+                </a14:m>
+                <a:endParaRPr lang="en-GB" dirty="0"/>
+              </a:p>
+              <a:p>
+                <a:pPr marL="0" indent="0">
+                  <a:buNone/>
+                </a:pPr>
+                <a:endParaRPr lang="en-GB" dirty="0"/>
+              </a:p>
+              <a:p>
+                <a:pPr marL="0" indent="0">
+                  <a:buNone/>
+                </a:pPr>
+                <a:endParaRPr lang="en-GB" dirty="0"/>
+              </a:p>
+              <a:p>
+                <a:r>
+                  <a:rPr lang="en-GB" dirty="0"/>
+                  <a:t>Typically, </a:t>
+                </a:r>
+                <a14:m>
+                  <m:oMath xmlns:m="http://schemas.openxmlformats.org/officeDocument/2006/math">
+                    <m:r>
+                      <m:rPr>
+                        <m:sty m:val="p"/>
+                      </m:rPr>
+                      <a:rPr lang="en-IE" b="0" i="0" smtClean="0">
+                        <a:latin typeface="Cambria Math" panose="02040503050406030204" pitchFamily="18" charset="0"/>
+                      </a:rPr>
+                      <m:t>PEN</m:t>
+                    </m:r>
+                    <m:d>
+                      <m:dPr>
+                        <m:ctrlPr>
+                          <a:rPr lang="en-IE" b="0" i="1" smtClean="0">
+                            <a:latin typeface="Cambria Math" panose="02040503050406030204" pitchFamily="18" charset="0"/>
+                          </a:rPr>
+                        </m:ctrlPr>
+                      </m:dPr>
+                      <m:e>
+                        <m:r>
+                          <a:rPr lang="en-IE" b="0" i="1" smtClean="0">
+                            <a:latin typeface="Cambria Math" panose="02040503050406030204" pitchFamily="18" charset="0"/>
+                          </a:rPr>
+                          <m:t>𝑥</m:t>
+                        </m:r>
+                        <m:d>
+                          <m:dPr>
+                            <m:ctrlPr>
+                              <a:rPr lang="en-IE" b="0" i="1" smtClean="0">
+                                <a:latin typeface="Cambria Math" panose="02040503050406030204" pitchFamily="18" charset="0"/>
+                              </a:rPr>
+                            </m:ctrlPr>
+                          </m:dPr>
+                          <m:e>
+                            <m:r>
+                              <a:rPr lang="en-IE" b="0" i="1" smtClean="0">
+                                <a:latin typeface="Cambria Math" panose="02040503050406030204" pitchFamily="18" charset="0"/>
+                              </a:rPr>
+                              <m:t>𝑡</m:t>
+                            </m:r>
+                          </m:e>
+                        </m:d>
+                      </m:e>
+                    </m:d>
+                    <m:r>
+                      <a:rPr lang="en-IE" b="0" i="1" smtClean="0">
+                        <a:latin typeface="Cambria Math" panose="02040503050406030204" pitchFamily="18" charset="0"/>
+                      </a:rPr>
+                      <m:t>=∫</m:t>
+                    </m:r>
+                    <m:sSup>
+                      <m:sSupPr>
+                        <m:ctrlPr>
+                          <a:rPr lang="en-IE" b="0" i="1" smtClean="0">
+                            <a:latin typeface="Cambria Math" panose="02040503050406030204" pitchFamily="18" charset="0"/>
+                          </a:rPr>
+                        </m:ctrlPr>
+                      </m:sSupPr>
+                      <m:e>
+                        <m:r>
+                          <a:rPr lang="en-IE" b="0" i="1" smtClean="0">
+                            <a:latin typeface="Cambria Math" panose="02040503050406030204" pitchFamily="18" charset="0"/>
+                          </a:rPr>
+                          <m:t>𝑥</m:t>
+                        </m:r>
+                      </m:e>
+                      <m:sup>
+                        <m:r>
+                          <a:rPr lang="en-IE" b="0" i="1" smtClean="0">
+                            <a:latin typeface="Cambria Math" panose="02040503050406030204" pitchFamily="18" charset="0"/>
+                          </a:rPr>
+                          <m:t>′′</m:t>
+                        </m:r>
+                      </m:sup>
+                    </m:sSup>
+                    <m:sSup>
+                      <m:sSupPr>
+                        <m:ctrlPr>
+                          <a:rPr lang="en-IE" b="0" i="1" smtClean="0">
+                            <a:latin typeface="Cambria Math" panose="02040503050406030204" pitchFamily="18" charset="0"/>
+                          </a:rPr>
+                        </m:ctrlPr>
+                      </m:sSupPr>
+                      <m:e>
+                        <m:d>
+                          <m:dPr>
+                            <m:ctrlPr>
+                              <a:rPr lang="en-IE" b="0" i="1" smtClean="0">
+                                <a:latin typeface="Cambria Math" panose="02040503050406030204" pitchFamily="18" charset="0"/>
+                              </a:rPr>
+                            </m:ctrlPr>
+                          </m:dPr>
+                          <m:e>
+                            <m:r>
+                              <a:rPr lang="en-IE" b="0" i="1" smtClean="0">
+                                <a:latin typeface="Cambria Math" panose="02040503050406030204" pitchFamily="18" charset="0"/>
+                              </a:rPr>
+                              <m:t>𝑡</m:t>
+                            </m:r>
+                          </m:e>
+                        </m:d>
+                      </m:e>
+                      <m:sup>
+                        <m:r>
+                          <a:rPr lang="en-IE" b="0" i="1" smtClean="0">
+                            <a:latin typeface="Cambria Math" panose="02040503050406030204" pitchFamily="18" charset="0"/>
+                          </a:rPr>
+                          <m:t>2</m:t>
+                        </m:r>
+                      </m:sup>
+                    </m:sSup>
+                    <m:r>
+                      <m:rPr>
+                        <m:sty m:val="p"/>
+                      </m:rPr>
+                      <a:rPr lang="en-IE" b="0" i="0" smtClean="0">
+                        <a:latin typeface="Cambria Math" panose="02040503050406030204" pitchFamily="18" charset="0"/>
+                      </a:rPr>
+                      <m:t>d</m:t>
+                    </m:r>
+                    <m:r>
+                      <a:rPr lang="en-IE" b="0" i="1" smtClean="0">
+                        <a:latin typeface="Cambria Math" panose="02040503050406030204" pitchFamily="18" charset="0"/>
+                      </a:rPr>
+                      <m:t>𝑡</m:t>
+                    </m:r>
+                  </m:oMath>
+                </a14:m>
+                <a:r>
+                  <a:rPr lang="en-GB" dirty="0"/>
+                  <a:t> but more general penalties possible</a:t>
+                </a:r>
+              </a:p>
+              <a:p>
+                <a14:m>
+                  <m:oMath xmlns:m="http://schemas.openxmlformats.org/officeDocument/2006/math">
+                    <m:r>
+                      <a:rPr lang="en-IE" b="0" i="1" smtClean="0">
+                        <a:latin typeface="Cambria Math" panose="02040503050406030204" pitchFamily="18" charset="0"/>
+                      </a:rPr>
+                      <m:t>𝜆</m:t>
+                    </m:r>
+                  </m:oMath>
+                </a14:m>
+                <a:r>
+                  <a:rPr lang="en-GB" dirty="0"/>
+                  <a:t> controls the trade-off between smoothness and fit to the data</a:t>
+                </a:r>
+              </a:p>
+            </p:txBody>
+          </p:sp>
+        </mc:Choice>
+        <mc:Fallback>
+          <p:sp>
+            <p:nvSpPr>
+              <p:cNvPr id="3" name="Content Placeholder 2">
+                <a:extLst>
+                  <a:ext uri="{FF2B5EF4-FFF2-40B4-BE49-F238E27FC236}">
+                    <a16:creationId xmlns:a16="http://schemas.microsoft.com/office/drawing/2014/main" id="{30D084D6-88BB-15A7-8CD3-8937B88C4B36}"/>
+                  </a:ext>
+                </a:extLst>
+              </p:cNvPr>
+              <p:cNvSpPr>
+                <a:spLocks noGrp="1" noRot="1" noChangeAspect="1" noMove="1" noResize="1" noEditPoints="1" noAdjustHandles="1" noChangeArrowheads="1" noChangeShapeType="1" noTextEdit="1"/>
+              </p:cNvSpPr>
+              <p:nvPr>
+                <p:ph idx="1"/>
+              </p:nvPr>
+            </p:nvSpPr>
+            <p:spPr>
+              <a:blipFill>
+                <a:blip r:embed="rId2"/>
+                <a:stretch>
+                  <a:fillRect l="-1086" t="-15116" r="-1206" b="-1453"/>
+                </a:stretch>
+              </a:blipFill>
+            </p:spPr>
+            <p:txBody>
+              <a:bodyPr/>
+              <a:lstStyle/>
+              <a:p>
+                <a:r>
+                  <a:rPr lang="en-GB">
+                    <a:noFill/>
+                  </a:rPr>
+                  <a:t> </a:t>
+                </a:r>
+              </a:p>
+            </p:txBody>
+          </p:sp>
+        </mc:Fallback>
+      </mc:AlternateContent>
+      <p:sp>
+        <p:nvSpPr>
+          <p:cNvPr id="4" name="Left Brace 3">
+            <a:extLst>
+              <a:ext uri="{FF2B5EF4-FFF2-40B4-BE49-F238E27FC236}">
+                <a16:creationId xmlns:a16="http://schemas.microsoft.com/office/drawing/2014/main" id="{42CBC74D-F322-2966-E10B-04AAB6AE7C16}"/>
+              </a:ext>
+            </a:extLst>
+          </p:cNvPr>
+          <p:cNvSpPr/>
+          <p:nvPr/>
+        </p:nvSpPr>
+        <p:spPr>
+          <a:xfrm rot="16200000">
+            <a:off x="5438504" y="2551316"/>
+            <a:ext cx="539931" cy="3439887"/>
+          </a:xfrm>
+          <a:prstGeom prst="leftBrace">
+            <a:avLst/>
+          </a:prstGeom>
+          <a:ln w="25400">
+            <a:solidFill>
+              <a:schemeClr val="tx1"/>
+            </a:solidFill>
+          </a:ln>
+        </p:spPr>
+        <p:style>
+          <a:lnRef idx="2">
+            <a:schemeClr val="accent1"/>
+          </a:lnRef>
+          <a:fillRef idx="0">
+            <a:schemeClr val="accent1"/>
+          </a:fillRef>
+          <a:effectRef idx="1">
+            <a:schemeClr val="accent1"/>
+          </a:effectRef>
+          <a:fontRef idx="minor">
+            <a:schemeClr val="tx1"/>
+          </a:fontRef>
+        </p:style>
+        <p:txBody>
+          <a:bodyPr rtlCol="0" anchor="ctr"/>
+          <a:lstStyle/>
+          <a:p>
+            <a:pPr algn="ctr"/>
+            <a:endParaRPr lang="en-GB" dirty="0"/>
+          </a:p>
+        </p:txBody>
+      </p:sp>
+      <mc:AlternateContent xmlns:mc="http://schemas.openxmlformats.org/markup-compatibility/2006">
+        <mc:Choice xmlns:a14="http://schemas.microsoft.com/office/drawing/2010/main" Requires="a14">
+          <p:sp>
+            <p:nvSpPr>
+              <p:cNvPr id="5" name="TextBox 4">
+                <a:extLst>
+                  <a:ext uri="{FF2B5EF4-FFF2-40B4-BE49-F238E27FC236}">
+                    <a16:creationId xmlns:a16="http://schemas.microsoft.com/office/drawing/2014/main" id="{7074F6CD-9468-0091-A474-83E5D3A7A3CB}"/>
+                  </a:ext>
+                </a:extLst>
+              </p:cNvPr>
+              <p:cNvSpPr txBox="1"/>
+              <p:nvPr/>
+            </p:nvSpPr>
+            <p:spPr>
+              <a:xfrm>
+                <a:off x="4027714" y="4541225"/>
+                <a:ext cx="3361510" cy="369332"/>
+              </a:xfrm>
+              <a:prstGeom prst="rect">
+                <a:avLst/>
+              </a:prstGeom>
+              <a:noFill/>
+            </p:spPr>
+            <p:txBody>
+              <a:bodyPr wrap="square" rtlCol="0">
+                <a:spAutoFit/>
+              </a:bodyPr>
+              <a:lstStyle/>
+              <a:p>
+                <a14:m>
+                  <m:oMathPara xmlns:m="http://schemas.openxmlformats.org/officeDocument/2006/math">
+                    <m:oMathParaPr>
+                      <m:jc m:val="centerGroup"/>
+                    </m:oMathParaPr>
+                    <m:oMath xmlns:m="http://schemas.openxmlformats.org/officeDocument/2006/math">
+                      <m:r>
+                        <m:rPr>
+                          <m:sty m:val="p"/>
+                        </m:rPr>
+                        <a:rPr lang="en-IE" b="0" i="0" smtClean="0">
+                          <a:latin typeface="Cambria Math" panose="02040503050406030204" pitchFamily="18" charset="0"/>
+                        </a:rPr>
+                        <m:t>SSE</m:t>
+                      </m:r>
+                    </m:oMath>
+                  </m:oMathPara>
+                </a14:m>
+                <a:endParaRPr lang="en-GB" dirty="0"/>
+              </a:p>
+            </p:txBody>
+          </p:sp>
+        </mc:Choice>
+        <mc:Fallback>
+          <p:sp>
+            <p:nvSpPr>
+              <p:cNvPr id="5" name="TextBox 4">
+                <a:extLst>
+                  <a:ext uri="{FF2B5EF4-FFF2-40B4-BE49-F238E27FC236}">
+                    <a16:creationId xmlns:a16="http://schemas.microsoft.com/office/drawing/2014/main" id="{7074F6CD-9468-0091-A474-83E5D3A7A3CB}"/>
+                  </a:ext>
+                </a:extLst>
+              </p:cNvPr>
+              <p:cNvSpPr txBox="1">
+                <a:spLocks noRot="1" noChangeAspect="1" noMove="1" noResize="1" noEditPoints="1" noAdjustHandles="1" noChangeArrowheads="1" noChangeShapeType="1" noTextEdit="1"/>
+              </p:cNvSpPr>
+              <p:nvPr/>
+            </p:nvSpPr>
+            <p:spPr>
+              <a:xfrm>
+                <a:off x="4027714" y="4541225"/>
+                <a:ext cx="3361510" cy="369332"/>
+              </a:xfrm>
+              <a:prstGeom prst="rect">
+                <a:avLst/>
+              </a:prstGeom>
+              <a:blipFill>
+                <a:blip r:embed="rId3"/>
+                <a:stretch>
+                  <a:fillRect/>
+                </a:stretch>
+              </a:blipFill>
+            </p:spPr>
+            <p:txBody>
+              <a:bodyPr/>
+              <a:lstStyle/>
+              <a:p>
+                <a:r>
+                  <a:rPr lang="en-GB">
+                    <a:noFill/>
+                  </a:rPr>
+                  <a:t> </a:t>
+                </a:r>
+              </a:p>
+            </p:txBody>
+          </p:sp>
+        </mc:Fallback>
+      </mc:AlternateContent>
+      <p:sp>
+        <p:nvSpPr>
+          <p:cNvPr id="6" name="Left Brace 5">
+            <a:extLst>
+              <a:ext uri="{FF2B5EF4-FFF2-40B4-BE49-F238E27FC236}">
+                <a16:creationId xmlns:a16="http://schemas.microsoft.com/office/drawing/2014/main" id="{32006C2D-AFAB-595B-22D7-71D1183FF4ED}"/>
+              </a:ext>
+            </a:extLst>
+          </p:cNvPr>
+          <p:cNvSpPr/>
+          <p:nvPr/>
+        </p:nvSpPr>
+        <p:spPr>
+          <a:xfrm rot="16200000">
+            <a:off x="8842320" y="2992602"/>
+            <a:ext cx="539931" cy="1477449"/>
+          </a:xfrm>
+          <a:prstGeom prst="leftBrace">
+            <a:avLst/>
+          </a:prstGeom>
+          <a:ln w="25400">
+            <a:solidFill>
+              <a:schemeClr val="tx1"/>
+            </a:solidFill>
+          </a:ln>
+        </p:spPr>
+        <p:style>
+          <a:lnRef idx="2">
+            <a:schemeClr val="accent1"/>
+          </a:lnRef>
+          <a:fillRef idx="0">
+            <a:schemeClr val="accent1"/>
+          </a:fillRef>
+          <a:effectRef idx="1">
+            <a:schemeClr val="accent1"/>
+          </a:effectRef>
+          <a:fontRef idx="minor">
+            <a:schemeClr val="tx1"/>
+          </a:fontRef>
+        </p:style>
+        <p:txBody>
+          <a:bodyPr rtlCol="0" anchor="ctr"/>
+          <a:lstStyle/>
+          <a:p>
+            <a:pPr algn="ctr"/>
+            <a:endParaRPr lang="en-GB" dirty="0"/>
+          </a:p>
+        </p:txBody>
+      </p:sp>
+      <mc:AlternateContent xmlns:mc="http://schemas.openxmlformats.org/markup-compatibility/2006">
+        <mc:Choice xmlns:a14="http://schemas.microsoft.com/office/drawing/2010/main" Requires="a14">
+          <p:sp>
+            <p:nvSpPr>
+              <p:cNvPr id="7" name="TextBox 6">
+                <a:extLst>
+                  <a:ext uri="{FF2B5EF4-FFF2-40B4-BE49-F238E27FC236}">
+                    <a16:creationId xmlns:a16="http://schemas.microsoft.com/office/drawing/2014/main" id="{1B7CDC98-CD95-AF9B-2AD7-2A20DBEBB667}"/>
+                  </a:ext>
+                </a:extLst>
+              </p:cNvPr>
+              <p:cNvSpPr txBox="1"/>
+              <p:nvPr/>
+            </p:nvSpPr>
+            <p:spPr>
+              <a:xfrm>
+                <a:off x="7428413" y="4001292"/>
+                <a:ext cx="3361510" cy="369332"/>
+              </a:xfrm>
+              <a:prstGeom prst="rect">
+                <a:avLst/>
+              </a:prstGeom>
+              <a:noFill/>
+            </p:spPr>
+            <p:txBody>
+              <a:bodyPr wrap="square" rtlCol="0">
+                <a:spAutoFit/>
+              </a:bodyPr>
+              <a:lstStyle/>
+              <a:p>
+                <a14:m>
+                  <m:oMathPara xmlns:m="http://schemas.openxmlformats.org/officeDocument/2006/math">
+                    <m:oMathParaPr>
+                      <m:jc m:val="centerGroup"/>
+                    </m:oMathParaPr>
+                    <m:oMath xmlns:m="http://schemas.openxmlformats.org/officeDocument/2006/math">
+                      <m:r>
+                        <m:rPr>
+                          <m:sty m:val="p"/>
+                        </m:rPr>
+                        <a:rPr lang="en-IE" b="0" i="0" smtClean="0">
+                          <a:latin typeface="Cambria Math" panose="02040503050406030204" pitchFamily="18" charset="0"/>
+                        </a:rPr>
+                        <m:t>Penalty</m:t>
+                      </m:r>
+                    </m:oMath>
+                  </m:oMathPara>
+                </a14:m>
+                <a:endParaRPr lang="en-GB" dirty="0"/>
+              </a:p>
+            </p:txBody>
+          </p:sp>
+        </mc:Choice>
+        <mc:Fallback>
+          <p:sp>
+            <p:nvSpPr>
+              <p:cNvPr id="7" name="TextBox 6">
+                <a:extLst>
+                  <a:ext uri="{FF2B5EF4-FFF2-40B4-BE49-F238E27FC236}">
+                    <a16:creationId xmlns:a16="http://schemas.microsoft.com/office/drawing/2014/main" id="{1B7CDC98-CD95-AF9B-2AD7-2A20DBEBB667}"/>
+                  </a:ext>
+                </a:extLst>
+              </p:cNvPr>
+              <p:cNvSpPr txBox="1">
+                <a:spLocks noRot="1" noChangeAspect="1" noMove="1" noResize="1" noEditPoints="1" noAdjustHandles="1" noChangeArrowheads="1" noChangeShapeType="1" noTextEdit="1"/>
+              </p:cNvSpPr>
+              <p:nvPr/>
+            </p:nvSpPr>
+            <p:spPr>
+              <a:xfrm>
+                <a:off x="7428413" y="4001292"/>
+                <a:ext cx="3361510" cy="369332"/>
+              </a:xfrm>
+              <a:prstGeom prst="rect">
+                <a:avLst/>
+              </a:prstGeom>
+              <a:blipFill>
+                <a:blip r:embed="rId4"/>
+                <a:stretch>
+                  <a:fillRect b="-12903"/>
+                </a:stretch>
+              </a:blipFill>
+            </p:spPr>
+            <p:txBody>
+              <a:bodyPr/>
+              <a:lstStyle/>
+              <a:p>
+                <a:r>
+                  <a:rPr lang="en-GB">
+                    <a:noFill/>
+                  </a:rPr>
+                  <a:t> </a:t>
+                </a:r>
+              </a:p>
+            </p:txBody>
+          </p:sp>
+        </mc:Fallback>
+      </mc:AlternateContent>
+      <p:sp>
+        <p:nvSpPr>
+          <p:cNvPr id="8" name="Left Brace 7">
+            <a:extLst>
+              <a:ext uri="{FF2B5EF4-FFF2-40B4-BE49-F238E27FC236}">
+                <a16:creationId xmlns:a16="http://schemas.microsoft.com/office/drawing/2014/main" id="{664A97BE-3D36-ECDF-A036-5D4859475281}"/>
+              </a:ext>
+            </a:extLst>
+          </p:cNvPr>
+          <p:cNvSpPr/>
+          <p:nvPr/>
+        </p:nvSpPr>
+        <p:spPr>
+          <a:xfrm rot="16200000">
+            <a:off x="7981013" y="3493182"/>
+            <a:ext cx="369331" cy="240966"/>
+          </a:xfrm>
+          <a:prstGeom prst="leftBrace">
+            <a:avLst/>
+          </a:prstGeom>
+          <a:ln w="25400">
+            <a:solidFill>
+              <a:schemeClr val="tx1"/>
+            </a:solidFill>
+          </a:ln>
+        </p:spPr>
+        <p:style>
+          <a:lnRef idx="2">
+            <a:schemeClr val="accent1"/>
+          </a:lnRef>
+          <a:fillRef idx="0">
+            <a:schemeClr val="accent1"/>
+          </a:fillRef>
+          <a:effectRef idx="1">
+            <a:schemeClr val="accent1"/>
+          </a:effectRef>
+          <a:fontRef idx="minor">
+            <a:schemeClr val="tx1"/>
+          </a:fontRef>
+        </p:style>
+        <p:txBody>
+          <a:bodyPr rtlCol="0" anchor="ctr"/>
+          <a:lstStyle/>
+          <a:p>
+            <a:pPr algn="ctr"/>
+            <a:endParaRPr lang="en-GB" dirty="0"/>
+          </a:p>
+        </p:txBody>
+      </p:sp>
+      <mc:AlternateContent xmlns:mc="http://schemas.openxmlformats.org/markup-compatibility/2006">
+        <mc:Choice xmlns:a14="http://schemas.microsoft.com/office/drawing/2010/main" Requires="a14">
+          <p:sp>
+            <p:nvSpPr>
+              <p:cNvPr id="9" name="TextBox 8">
+                <a:extLst>
+                  <a:ext uri="{FF2B5EF4-FFF2-40B4-BE49-F238E27FC236}">
+                    <a16:creationId xmlns:a16="http://schemas.microsoft.com/office/drawing/2014/main" id="{AA6B53F7-492C-7094-5A35-6A7F8A59E177}"/>
+                  </a:ext>
+                </a:extLst>
+              </p:cNvPr>
+              <p:cNvSpPr txBox="1"/>
+              <p:nvPr/>
+            </p:nvSpPr>
+            <p:spPr>
+              <a:xfrm>
+                <a:off x="6489500" y="3865904"/>
+                <a:ext cx="3361510" cy="369332"/>
+              </a:xfrm>
+              <a:prstGeom prst="rect">
+                <a:avLst/>
+              </a:prstGeom>
+              <a:noFill/>
+            </p:spPr>
+            <p:txBody>
+              <a:bodyPr wrap="square" rtlCol="0">
+                <a:spAutoFit/>
+              </a:bodyPr>
+              <a:lstStyle/>
+              <a:p>
+                <a14:m>
+                  <m:oMathPara xmlns:m="http://schemas.openxmlformats.org/officeDocument/2006/math">
+                    <m:oMathParaPr>
+                      <m:jc m:val="centerGroup"/>
+                    </m:oMathParaPr>
+                    <m:oMath xmlns:m="http://schemas.openxmlformats.org/officeDocument/2006/math">
+                      <m:r>
+                        <m:rPr>
+                          <m:sty m:val="p"/>
+                        </m:rPr>
+                        <a:rPr lang="en-IE" b="0" i="0" smtClean="0">
+                          <a:latin typeface="Cambria Math" panose="02040503050406030204" pitchFamily="18" charset="0"/>
+                        </a:rPr>
+                        <m:t>Smoothing</m:t>
+                      </m:r>
+                      <m:r>
+                        <a:rPr lang="en-IE" b="0" i="0" smtClean="0">
+                          <a:latin typeface="Cambria Math" panose="02040503050406030204" pitchFamily="18" charset="0"/>
+                        </a:rPr>
+                        <m:t> </m:t>
+                      </m:r>
+                      <m:r>
+                        <m:rPr>
+                          <m:sty m:val="p"/>
+                        </m:rPr>
+                        <a:rPr lang="en-IE" b="0" i="0" smtClean="0">
+                          <a:latin typeface="Cambria Math" panose="02040503050406030204" pitchFamily="18" charset="0"/>
+                        </a:rPr>
+                        <m:t>Parameter</m:t>
+                      </m:r>
+                    </m:oMath>
+                  </m:oMathPara>
+                </a14:m>
+                <a:endParaRPr lang="en-GB" dirty="0"/>
+              </a:p>
+            </p:txBody>
+          </p:sp>
+        </mc:Choice>
+        <mc:Fallback>
+          <p:sp>
+            <p:nvSpPr>
+              <p:cNvPr id="9" name="TextBox 8">
+                <a:extLst>
+                  <a:ext uri="{FF2B5EF4-FFF2-40B4-BE49-F238E27FC236}">
+                    <a16:creationId xmlns:a16="http://schemas.microsoft.com/office/drawing/2014/main" id="{AA6B53F7-492C-7094-5A35-6A7F8A59E177}"/>
+                  </a:ext>
+                </a:extLst>
+              </p:cNvPr>
+              <p:cNvSpPr txBox="1">
+                <a:spLocks noRot="1" noChangeAspect="1" noMove="1" noResize="1" noEditPoints="1" noAdjustHandles="1" noChangeArrowheads="1" noChangeShapeType="1" noTextEdit="1"/>
+              </p:cNvSpPr>
+              <p:nvPr/>
+            </p:nvSpPr>
+            <p:spPr>
+              <a:xfrm>
+                <a:off x="6489500" y="3865904"/>
+                <a:ext cx="3361510" cy="369332"/>
+              </a:xfrm>
+              <a:prstGeom prst="rect">
+                <a:avLst/>
+              </a:prstGeom>
+              <a:blipFill>
+                <a:blip r:embed="rId5"/>
+                <a:stretch>
+                  <a:fillRect b="-16667"/>
+                </a:stretch>
+              </a:blipFill>
+            </p:spPr>
+            <p:txBody>
+              <a:bodyPr/>
+              <a:lstStyle/>
+              <a:p>
+                <a:r>
+                  <a:rPr lang="en-GB">
+                    <a:noFill/>
+                  </a:rPr>
+                  <a:t> </a:t>
+                </a:r>
+              </a:p>
+            </p:txBody>
+          </p:sp>
+        </mc:Fallback>
+      </mc:AlternateContent>
+    </p:spTree>
+    <p:extLst>
+      <p:ext uri="{BB962C8B-B14F-4D97-AF65-F5344CB8AC3E}">
+        <p14:creationId xmlns:p14="http://schemas.microsoft.com/office/powerpoint/2010/main" val="3922052079"/>
+      </p:ext>
+    </p:extLst>
+  </p:cSld>
+  <p:clrMapOvr>
+    <a:masterClrMapping/>
+  </p:clrMapOvr>
+  <p:timing>
+    <p:tnLst>
+      <p:par>
+        <p:cTn id="1" dur="indefinite" restart="never" nodeType="tmRoot">
+          <p:childTnLst>
+            <p:seq concurrent="1" nextAc="seek">
+              <p:cTn id="2" dur="indefinite" nodeType="mainSeq">
+                <p:childTnLst>
+                  <p:par>
+                    <p:cTn id="3" fill="hold">
+                      <p:stCondLst>
+                        <p:cond delay="indefinite"/>
+                      </p:stCondLst>
+                      <p:childTnLst>
+                        <p:par>
+                          <p:cTn id="4" fill="hold">
+                            <p:stCondLst>
+                              <p:cond delay="0"/>
+                            </p:stCondLst>
+                            <p:childTnLst>
+                              <p:par>
+                                <p:cTn id="5" presetID="1" presetClass="entr" presetSubtype="0" fill="hold" grpId="1" nodeType="clickEffect">
+                                  <p:stCondLst>
+                                    <p:cond delay="0"/>
+                                  </p:stCondLst>
+                                  <p:childTnLst>
+                                    <p:set>
+                                      <p:cBhvr>
+                                        <p:cTn id="6" dur="1" fill="hold">
+                                          <p:stCondLst>
+                                            <p:cond delay="0"/>
+                                          </p:stCondLst>
+                                        </p:cTn>
+                                        <p:tgtEl>
+                                          <p:spTgt spid="4"/>
+                                        </p:tgtEl>
+                                        <p:attrNameLst>
+                                          <p:attrName>style.visibility</p:attrName>
+                                        </p:attrNameLst>
+                                      </p:cBhvr>
+                                      <p:to>
+                                        <p:strVal val="visible"/>
+                                      </p:to>
+                                    </p:set>
+                                  </p:childTnLst>
+                                </p:cTn>
+                              </p:par>
+                              <p:par>
+                                <p:cTn id="7" presetID="1" presetClass="entr" presetSubtype="0" fill="hold" grpId="1" nodeType="withEffect">
+                                  <p:stCondLst>
+                                    <p:cond delay="0"/>
+                                  </p:stCondLst>
+                                  <p:childTnLst>
+                                    <p:set>
+                                      <p:cBhvr>
+                                        <p:cTn id="8" dur="1" fill="hold">
+                                          <p:stCondLst>
+                                            <p:cond delay="0"/>
+                                          </p:stCondLst>
+                                        </p:cTn>
+                                        <p:tgtEl>
+                                          <p:spTgt spid="5"/>
+                                        </p:tgtEl>
+                                        <p:attrNameLst>
+                                          <p:attrName>style.visibility</p:attrName>
+                                        </p:attrNameLst>
+                                      </p:cBhvr>
+                                      <p:to>
+                                        <p:strVal val="visible"/>
+                                      </p:to>
+                                    </p:set>
+                                  </p:childTnLst>
+                                </p:cTn>
+                              </p:par>
+                            </p:childTnLst>
+                          </p:cTn>
+                        </p:par>
+                      </p:childTnLst>
+                    </p:cTn>
+                  </p:par>
+                  <p:par>
+                    <p:cTn id="9" fill="hold">
+                      <p:stCondLst>
+                        <p:cond delay="indefinite"/>
+                      </p:stCondLst>
+                      <p:childTnLst>
+                        <p:par>
+                          <p:cTn id="10" fill="hold">
+                            <p:stCondLst>
+                              <p:cond delay="0"/>
+                            </p:stCondLst>
+                            <p:childTnLst>
+                              <p:par>
+                                <p:cTn id="11" presetID="1" presetClass="exit" presetSubtype="0" fill="hold" grpId="0" nodeType="clickEffect">
+                                  <p:stCondLst>
+                                    <p:cond delay="0"/>
+                                  </p:stCondLst>
+                                  <p:childTnLst>
+                                    <p:set>
+                                      <p:cBhvr>
+                                        <p:cTn id="12" dur="1" fill="hold">
+                                          <p:stCondLst>
+                                            <p:cond delay="0"/>
+                                          </p:stCondLst>
+                                        </p:cTn>
+                                        <p:tgtEl>
+                                          <p:spTgt spid="4"/>
+                                        </p:tgtEl>
+                                        <p:attrNameLst>
+                                          <p:attrName>style.visibility</p:attrName>
+                                        </p:attrNameLst>
+                                      </p:cBhvr>
+                                      <p:to>
+                                        <p:strVal val="hidden"/>
+                                      </p:to>
+                                    </p:set>
+                                  </p:childTnLst>
+                                </p:cTn>
+                              </p:par>
+                              <p:par>
+                                <p:cTn id="13" presetID="1" presetClass="exit" presetSubtype="0" fill="hold" grpId="0" nodeType="withEffect">
+                                  <p:stCondLst>
+                                    <p:cond delay="0"/>
+                                  </p:stCondLst>
+                                  <p:childTnLst>
+                                    <p:set>
+                                      <p:cBhvr>
+                                        <p:cTn id="14" dur="1" fill="hold">
+                                          <p:stCondLst>
+                                            <p:cond delay="0"/>
+                                          </p:stCondLst>
+                                        </p:cTn>
+                                        <p:tgtEl>
+                                          <p:spTgt spid="5"/>
+                                        </p:tgtEl>
+                                        <p:attrNameLst>
+                                          <p:attrName>style.visibility</p:attrName>
+                                        </p:attrNameLst>
+                                      </p:cBhvr>
+                                      <p:to>
+                                        <p:strVal val="hidden"/>
+                                      </p:to>
+                                    </p:set>
+                                  </p:childTnLst>
+                                </p:cTn>
+                              </p:par>
+                            </p:childTnLst>
+                          </p:cTn>
+                        </p:par>
+                      </p:childTnLst>
+                    </p:cTn>
+                  </p:par>
+                  <p:par>
+                    <p:cTn id="15" fill="hold">
+                      <p:stCondLst>
+                        <p:cond delay="indefinite"/>
+                      </p:stCondLst>
+                      <p:childTnLst>
+                        <p:par>
+                          <p:cTn id="16" fill="hold">
+                            <p:stCondLst>
+                              <p:cond delay="0"/>
+                            </p:stCondLst>
+                            <p:childTnLst>
+                              <p:par>
+                                <p:cTn id="17" presetID="1" presetClass="entr" presetSubtype="0" fill="hold" grpId="1" nodeType="clickEffect">
+                                  <p:stCondLst>
+                                    <p:cond delay="0"/>
+                                  </p:stCondLst>
+                                  <p:childTnLst>
+                                    <p:set>
+                                      <p:cBhvr>
+                                        <p:cTn id="18" dur="1" fill="hold">
+                                          <p:stCondLst>
+                                            <p:cond delay="0"/>
+                                          </p:stCondLst>
+                                        </p:cTn>
+                                        <p:tgtEl>
+                                          <p:spTgt spid="7"/>
+                                        </p:tgtEl>
+                                        <p:attrNameLst>
+                                          <p:attrName>style.visibility</p:attrName>
+                                        </p:attrNameLst>
+                                      </p:cBhvr>
+                                      <p:to>
+                                        <p:strVal val="visible"/>
+                                      </p:to>
+                                    </p:set>
+                                  </p:childTnLst>
+                                </p:cTn>
+                              </p:par>
+                              <p:par>
+                                <p:cTn id="19" presetID="1" presetClass="entr" presetSubtype="0" fill="hold" grpId="1" nodeType="withEffect">
+                                  <p:stCondLst>
+                                    <p:cond delay="0"/>
+                                  </p:stCondLst>
+                                  <p:childTnLst>
+                                    <p:set>
+                                      <p:cBhvr>
+                                        <p:cTn id="20" dur="1" fill="hold">
+                                          <p:stCondLst>
+                                            <p:cond delay="0"/>
+                                          </p:stCondLst>
+                                        </p:cTn>
+                                        <p:tgtEl>
+                                          <p:spTgt spid="6"/>
+                                        </p:tgtEl>
+                                        <p:attrNameLst>
+                                          <p:attrName>style.visibility</p:attrName>
+                                        </p:attrNameLst>
+                                      </p:cBhvr>
+                                      <p:to>
+                                        <p:strVal val="visible"/>
+                                      </p:to>
+                                    </p:set>
+                                  </p:childTnLst>
+                                </p:cTn>
+                              </p:par>
+                            </p:childTnLst>
+                          </p:cTn>
+                        </p:par>
+                      </p:childTnLst>
+                    </p:cTn>
+                  </p:par>
+                  <p:par>
+                    <p:cTn id="21" fill="hold">
+                      <p:stCondLst>
+                        <p:cond delay="indefinite"/>
+                      </p:stCondLst>
+                      <p:childTnLst>
+                        <p:par>
+                          <p:cTn id="22" fill="hold">
+                            <p:stCondLst>
+                              <p:cond delay="0"/>
+                            </p:stCondLst>
+                            <p:childTnLst>
+                              <p:par>
+                                <p:cTn id="23" presetID="1" presetClass="entr" presetSubtype="0" fill="hold" nodeType="clickEffect">
+                                  <p:stCondLst>
+                                    <p:cond delay="0"/>
+                                  </p:stCondLst>
+                                  <p:childTnLst>
+                                    <p:set>
+                                      <p:cBhvr>
+                                        <p:cTn id="24" dur="1" fill="hold">
+                                          <p:stCondLst>
+                                            <p:cond delay="0"/>
+                                          </p:stCondLst>
+                                        </p:cTn>
+                                        <p:tgtEl>
+                                          <p:spTgt spid="3">
+                                            <p:txEl>
+                                              <p:pRg st="4" end="4"/>
+                                            </p:txEl>
+                                          </p:spTgt>
+                                        </p:tgtEl>
+                                        <p:attrNameLst>
+                                          <p:attrName>style.visibility</p:attrName>
+                                        </p:attrNameLst>
+                                      </p:cBhvr>
+                                      <p:to>
+                                        <p:strVal val="visible"/>
+                                      </p:to>
+                                    </p:set>
+                                  </p:childTnLst>
+                                </p:cTn>
+                              </p:par>
+                            </p:childTnLst>
+                          </p:cTn>
+                        </p:par>
+                      </p:childTnLst>
+                    </p:cTn>
+                  </p:par>
+                  <p:par>
+                    <p:cTn id="25" fill="hold">
+                      <p:stCondLst>
+                        <p:cond delay="indefinite"/>
+                      </p:stCondLst>
+                      <p:childTnLst>
+                        <p:par>
+                          <p:cTn id="26" fill="hold">
+                            <p:stCondLst>
+                              <p:cond delay="0"/>
+                            </p:stCondLst>
+                            <p:childTnLst>
+                              <p:par>
+                                <p:cTn id="27" presetID="1" presetClass="exit" presetSubtype="0" fill="hold" grpId="0" nodeType="clickEffect">
+                                  <p:stCondLst>
+                                    <p:cond delay="0"/>
+                                  </p:stCondLst>
+                                  <p:childTnLst>
+                                    <p:set>
+                                      <p:cBhvr>
+                                        <p:cTn id="28" dur="1" fill="hold">
+                                          <p:stCondLst>
+                                            <p:cond delay="0"/>
+                                          </p:stCondLst>
+                                        </p:cTn>
+                                        <p:tgtEl>
+                                          <p:spTgt spid="7"/>
+                                        </p:tgtEl>
+                                        <p:attrNameLst>
+                                          <p:attrName>style.visibility</p:attrName>
+                                        </p:attrNameLst>
+                                      </p:cBhvr>
+                                      <p:to>
+                                        <p:strVal val="hidden"/>
+                                      </p:to>
+                                    </p:set>
+                                  </p:childTnLst>
+                                </p:cTn>
+                              </p:par>
+                              <p:par>
+                                <p:cTn id="29" presetID="1" presetClass="exit" presetSubtype="0" fill="hold" grpId="0" nodeType="withEffect">
+                                  <p:stCondLst>
+                                    <p:cond delay="0"/>
+                                  </p:stCondLst>
+                                  <p:childTnLst>
+                                    <p:set>
+                                      <p:cBhvr>
+                                        <p:cTn id="30" dur="1" fill="hold">
+                                          <p:stCondLst>
+                                            <p:cond delay="0"/>
+                                          </p:stCondLst>
+                                        </p:cTn>
+                                        <p:tgtEl>
+                                          <p:spTgt spid="6"/>
+                                        </p:tgtEl>
+                                        <p:attrNameLst>
+                                          <p:attrName>style.visibility</p:attrName>
+                                        </p:attrNameLst>
+                                      </p:cBhvr>
+                                      <p:to>
+                                        <p:strVal val="hidden"/>
+                                      </p:to>
+                                    </p:set>
+                                  </p:childTnLst>
+                                </p:cTn>
+                              </p:par>
+                            </p:childTnLst>
+                          </p:cTn>
+                        </p:par>
+                      </p:childTnLst>
+                    </p:cTn>
+                  </p:par>
+                  <p:par>
+                    <p:cTn id="31" fill="hold">
+                      <p:stCondLst>
+                        <p:cond delay="indefinite"/>
+                      </p:stCondLst>
+                      <p:childTnLst>
+                        <p:par>
+                          <p:cTn id="32" fill="hold">
+                            <p:stCondLst>
+                              <p:cond delay="0"/>
+                            </p:stCondLst>
+                            <p:childTnLst>
+                              <p:par>
+                                <p:cTn id="33" presetID="1" presetClass="entr" presetSubtype="0" fill="hold" grpId="0" nodeType="clickEffect">
+                                  <p:stCondLst>
+                                    <p:cond delay="0"/>
+                                  </p:stCondLst>
+                                  <p:childTnLst>
+                                    <p:set>
+                                      <p:cBhvr>
+                                        <p:cTn id="34" dur="1" fill="hold">
+                                          <p:stCondLst>
+                                            <p:cond delay="0"/>
+                                          </p:stCondLst>
+                                        </p:cTn>
+                                        <p:tgtEl>
+                                          <p:spTgt spid="9"/>
+                                        </p:tgtEl>
+                                        <p:attrNameLst>
+                                          <p:attrName>style.visibility</p:attrName>
+                                        </p:attrNameLst>
+                                      </p:cBhvr>
+                                      <p:to>
+                                        <p:strVal val="visible"/>
+                                      </p:to>
+                                    </p:set>
+                                  </p:childTnLst>
+                                </p:cTn>
+                              </p:par>
+                              <p:par>
+                                <p:cTn id="35" presetID="1" presetClass="entr" presetSubtype="0" fill="hold" grpId="0" nodeType="withEffect">
+                                  <p:stCondLst>
+                                    <p:cond delay="0"/>
+                                  </p:stCondLst>
+                                  <p:childTnLst>
+                                    <p:set>
+                                      <p:cBhvr>
+                                        <p:cTn id="36" dur="1" fill="hold">
+                                          <p:stCondLst>
+                                            <p:cond delay="0"/>
+                                          </p:stCondLst>
+                                        </p:cTn>
+                                        <p:tgtEl>
+                                          <p:spTgt spid="8"/>
+                                        </p:tgtEl>
+                                        <p:attrNameLst>
+                                          <p:attrName>style.visibility</p:attrName>
+                                        </p:attrNameLst>
+                                      </p:cBhvr>
+                                      <p:to>
+                                        <p:strVal val="visible"/>
+                                      </p:to>
+                                    </p:set>
+                                  </p:childTnLst>
+                                </p:cTn>
+                              </p:par>
+                            </p:childTnLst>
+                          </p:cTn>
+                        </p:par>
+                      </p:childTnLst>
+                    </p:cTn>
+                  </p:par>
+                  <p:par>
+                    <p:cTn id="37" fill="hold">
+                      <p:stCondLst>
+                        <p:cond delay="indefinite"/>
+                      </p:stCondLst>
+                      <p:childTnLst>
+                        <p:par>
+                          <p:cTn id="38" fill="hold">
+                            <p:stCondLst>
+                              <p:cond delay="0"/>
+                            </p:stCondLst>
+                            <p:childTnLst>
+                              <p:par>
+                                <p:cTn id="39" presetID="1" presetClass="entr" presetSubtype="0" fill="hold" nodeType="clickEffect">
+                                  <p:stCondLst>
+                                    <p:cond delay="0"/>
+                                  </p:stCondLst>
+                                  <p:childTnLst>
+                                    <p:set>
+                                      <p:cBhvr>
+                                        <p:cTn id="40" dur="1" fill="hold">
+                                          <p:stCondLst>
+                                            <p:cond delay="0"/>
+                                          </p:stCondLst>
+                                        </p:cTn>
+                                        <p:tgtEl>
+                                          <p:spTgt spid="3">
+                                            <p:txEl>
+                                              <p:pRg st="5" end="5"/>
+                                            </p:txEl>
+                                          </p:spTgt>
+                                        </p:tgtEl>
+                                        <p:attrNameLst>
+                                          <p:attrName>style.visibility</p:attrName>
+                                        </p:attrNameLst>
+                                      </p:cBhvr>
+                                      <p:to>
+                                        <p:strVal val="visible"/>
+                                      </p:to>
+                                    </p:set>
+                                  </p:childTnLst>
+                                </p:cTn>
+                              </p:par>
+                            </p:childTnLst>
+                          </p:cTn>
+                        </p:par>
+                      </p:childTnLst>
+                    </p:cTn>
+                  </p:par>
+                </p:childTnLst>
+              </p:cTn>
+              <p:prevCondLst>
+                <p:cond evt="onPrev" delay="0">
+                  <p:tgtEl>
+                    <p:sldTgt/>
+                  </p:tgtEl>
+                </p:cond>
+              </p:prevCondLst>
+              <p:nextCondLst>
+                <p:cond evt="onNext" delay="0">
+                  <p:tgtEl>
+                    <p:sldTgt/>
+                  </p:tgtEl>
+                </p:cond>
+              </p:nextCondLst>
+            </p:seq>
+          </p:childTnLst>
+        </p:cTn>
+      </p:par>
+    </p:tnLst>
+    <p:bldLst>
+      <p:bldP spid="4" grpId="0" animBg="1"/>
+      <p:bldP spid="4" grpId="1" animBg="1"/>
+      <p:bldP spid="5" grpId="0"/>
+      <p:bldP spid="5" grpId="1"/>
+      <p:bldP spid="6" grpId="0" animBg="1"/>
+      <p:bldP spid="6" grpId="1" animBg="1"/>
+      <p:bldP spid="7" grpId="0"/>
+      <p:bldP spid="7" grpId="1"/>
+      <p:bldP spid="8" grpId="0" animBg="1"/>
+      <p:bldP spid="9" grpId="0"/>
+    </p:bldLst>
+  </p:timing>
+</p:sld>
+</file>
+
+<file path=ppt/slides/slide9.xml><?xml version="1.0" encoding="utf-8"?>
+<p:sld xmlns:a="http://schemas.openxmlformats.org/drawingml/2006/main" xmlns:r="http://schemas.openxmlformats.org/officeDocument/2006/relationships" xmlns:p="http://schemas.openxmlformats.org/presentationml/2006/main">
+  <p:cSld>
+    <p:spTree>
+      <p:nvGrpSpPr>
+        <p:cNvPr id="1" name=""/>
+        <p:cNvGrpSpPr/>
+        <p:nvPr/>
+      </p:nvGrpSpPr>
+      <p:grpSpPr>
+        <a:xfrm>
+          <a:off x="0" y="0"/>
+          <a:ext cx="0" cy="0"/>
+          <a:chOff x="0" y="0"/>
+          <a:chExt cx="0" cy="0"/>
+        </a:xfrm>
+      </p:grpSpPr>
+      <mc:AlternateContent xmlns:mc="http://schemas.openxmlformats.org/markup-compatibility/2006">
+        <mc:Choice xmlns:a14="http://schemas.microsoft.com/office/drawing/2010/main" Requires="a14">
+          <p:sp>
+            <p:nvSpPr>
+              <p:cNvPr id="2" name="Title 1">
+                <a:extLst>
+                  <a:ext uri="{FF2B5EF4-FFF2-40B4-BE49-F238E27FC236}">
+                    <a16:creationId xmlns:a16="http://schemas.microsoft.com/office/drawing/2014/main" id="{4EA7420C-FF9D-72A8-93CE-9923D1B72272}"/>
+                  </a:ext>
+                </a:extLst>
+              </p:cNvPr>
+              <p:cNvSpPr>
+                <a:spLocks noGrp="1"/>
+              </p:cNvSpPr>
+              <p:nvPr>
+                <p:ph type="title"/>
+              </p:nvPr>
+            </p:nvSpPr>
+            <p:spPr/>
+            <p:txBody>
+              <a:bodyPr/>
+              <a:lstStyle/>
+              <a:p>
+                <a:r>
+                  <a:rPr lang="en-GB" dirty="0"/>
+                  <a:t>Choosing </a:t>
+                </a:r>
+                <a14:m>
+                  <m:oMath xmlns:m="http://schemas.openxmlformats.org/officeDocument/2006/math">
+                    <m:r>
+                      <a:rPr lang="en-IE" b="0" i="1" smtClean="0">
+                        <a:latin typeface="Cambria Math" panose="02040503050406030204" pitchFamily="18" charset="0"/>
+                      </a:rPr>
+                      <m:t>𝜆</m:t>
+                    </m:r>
+                  </m:oMath>
+                </a14:m>
+                <a:endParaRPr lang="en-GB" dirty="0"/>
+              </a:p>
+            </p:txBody>
+          </p:sp>
+        </mc:Choice>
+        <mc:Fallback>
+          <p:sp>
+            <p:nvSpPr>
+              <p:cNvPr id="2" name="Title 1">
+                <a:extLst>
+                  <a:ext uri="{FF2B5EF4-FFF2-40B4-BE49-F238E27FC236}">
+                    <a16:creationId xmlns:a16="http://schemas.microsoft.com/office/drawing/2014/main" id="{4EA7420C-FF9D-72A8-93CE-9923D1B72272}"/>
+                  </a:ext>
+                </a:extLst>
+              </p:cNvPr>
+              <p:cNvSpPr>
+                <a:spLocks noGrp="1" noRot="1" noChangeAspect="1" noMove="1" noResize="1" noEditPoints="1" noAdjustHandles="1" noChangeArrowheads="1" noChangeShapeType="1" noTextEdit="1"/>
+              </p:cNvSpPr>
+              <p:nvPr>
+                <p:ph type="title"/>
+              </p:nvPr>
+            </p:nvSpPr>
+            <p:spPr>
+              <a:blipFill>
+                <a:blip r:embed="rId3"/>
+                <a:stretch>
+                  <a:fillRect l="-2413"/>
+                </a:stretch>
+              </a:blipFill>
+            </p:spPr>
+            <p:txBody>
+              <a:bodyPr/>
+              <a:lstStyle/>
+              <a:p>
+                <a:r>
+                  <a:rPr lang="en-GB">
+                    <a:noFill/>
+                  </a:rPr>
+                  <a:t> </a:t>
+                </a:r>
+              </a:p>
+            </p:txBody>
+          </p:sp>
+        </mc:Fallback>
+      </mc:AlternateContent>
+      <p:pic>
+        <p:nvPicPr>
+          <p:cNvPr id="5" name="Content Placeholder 4">
+            <a:extLst>
+              <a:ext uri="{FF2B5EF4-FFF2-40B4-BE49-F238E27FC236}">
+                <a16:creationId xmlns:a16="http://schemas.microsoft.com/office/drawing/2014/main" id="{942BE6C2-F384-B6D1-AD53-B0CB43098DB8}"/>
+              </a:ext>
+            </a:extLst>
+          </p:cNvPr>
+          <p:cNvPicPr>
+            <a:picLocks noGrp="1" noChangeAspect="1"/>
+          </p:cNvPicPr>
+          <p:nvPr>
+            <p:ph idx="1"/>
+          </p:nvPr>
+        </p:nvPicPr>
+        <p:blipFill>
+          <a:blip r:embed="rId4"/>
+          <a:stretch>
+            <a:fillRect/>
+          </a:stretch>
+        </p:blipFill>
+        <p:spPr>
+          <a:xfrm>
+            <a:off x="1264642" y="1988344"/>
+            <a:ext cx="9662716" cy="4504531"/>
+          </a:xfrm>
+        </p:spPr>
+      </p:pic>
+      <p:sp>
+        <p:nvSpPr>
+          <p:cNvPr id="6" name="Rectangle 5">
+            <a:extLst>
+              <a:ext uri="{FF2B5EF4-FFF2-40B4-BE49-F238E27FC236}">
+                <a16:creationId xmlns:a16="http://schemas.microsoft.com/office/drawing/2014/main" id="{8AC776D1-E79B-EFF1-A2AB-1289CEDCF392}"/>
+              </a:ext>
+            </a:extLst>
+          </p:cNvPr>
+          <p:cNvSpPr/>
+          <p:nvPr/>
+        </p:nvSpPr>
+        <p:spPr>
+          <a:xfrm>
+            <a:off x="6096000" y="1905000"/>
+            <a:ext cx="4927600" cy="4587875"/>
+          </a:xfrm>
+          <a:prstGeom prst="rect">
+            <a:avLst/>
+          </a:prstGeom>
+          <a:solidFill>
+            <a:schemeClr val="bg1"/>
+          </a:solidFill>
+          <a:ln>
+            <a:noFill/>
+          </a:ln>
+        </p:spPr>
+        <p:style>
+          <a:lnRef idx="2">
+            <a:schemeClr val="accent1">
+              <a:shade val="15000"/>
+            </a:schemeClr>
+          </a:lnRef>
+          <a:fillRef idx="1">
+            <a:schemeClr val="accent1"/>
+          </a:fillRef>
+          <a:effectRef idx="0">
+            <a:schemeClr val="accent1"/>
+          </a:effectRef>
+          <a:fontRef idx="minor">
+            <a:schemeClr val="lt1"/>
+          </a:fontRef>
+        </p:style>
+        <p:txBody>
+          <a:bodyPr rtlCol="0" anchor="ctr"/>
+          <a:lstStyle/>
+          <a:p>
+            <a:pPr algn="ctr"/>
+            <a:endParaRPr lang="en-GB"/>
+          </a:p>
+        </p:txBody>
+      </p:sp>
+      <mc:AlternateContent xmlns:mc="http://schemas.openxmlformats.org/markup-compatibility/2006">
+        <mc:Choice xmlns:a14="http://schemas.microsoft.com/office/drawing/2010/main" Requires="a14">
+          <p:sp>
+            <p:nvSpPr>
+              <p:cNvPr id="7" name="TextBox 6">
+                <a:extLst>
+                  <a:ext uri="{FF2B5EF4-FFF2-40B4-BE49-F238E27FC236}">
+                    <a16:creationId xmlns:a16="http://schemas.microsoft.com/office/drawing/2014/main" id="{4F4177D1-C64A-926A-A3C1-974CB6402876}"/>
+                  </a:ext>
+                </a:extLst>
+              </p:cNvPr>
+              <p:cNvSpPr txBox="1"/>
+              <p:nvPr/>
+            </p:nvSpPr>
+            <p:spPr>
+              <a:xfrm>
+                <a:off x="6388100" y="2159000"/>
+                <a:ext cx="4749800" cy="2031325"/>
+              </a:xfrm>
+              <a:prstGeom prst="rect">
+                <a:avLst/>
+              </a:prstGeom>
+              <a:noFill/>
+            </p:spPr>
+            <p:txBody>
+              <a:bodyPr wrap="square" rtlCol="0">
+                <a:spAutoFit/>
+              </a:bodyPr>
+              <a:lstStyle/>
+              <a:p>
+                <a:pPr marL="285750" indent="-285750">
+                  <a:buFont typeface="Arial" panose="020B0604020202020204" pitchFamily="34" charset="0"/>
+                  <a:buChar char="•"/>
+                </a:pPr>
+                <a:r>
+                  <a:rPr lang="en-GB" dirty="0"/>
+                  <a:t>Choose </a:t>
+                </a:r>
+                <a14:m>
+                  <m:oMath xmlns:m="http://schemas.openxmlformats.org/officeDocument/2006/math">
+                    <m:r>
+                      <a:rPr lang="en-IE" b="0" i="1" smtClean="0">
+                        <a:latin typeface="Cambria Math" panose="02040503050406030204" pitchFamily="18" charset="0"/>
+                      </a:rPr>
+                      <m:t>𝜆</m:t>
+                    </m:r>
+                  </m:oMath>
+                </a14:m>
+                <a:r>
+                  <a:rPr lang="en-GB" dirty="0"/>
+                  <a:t> using </a:t>
+                </a:r>
+                <a:r>
+                  <a:rPr lang="en-GB" b="1" dirty="0"/>
+                  <a:t>prediction error </a:t>
+                </a:r>
+                <a:r>
+                  <a:rPr lang="en-GB" dirty="0"/>
+                  <a:t>approaches – “what is the average squared error using the curve to predict a data point not used to fit it?”</a:t>
+                </a:r>
+              </a:p>
+              <a:p>
+                <a:pPr marL="285750" indent="-285750">
+                  <a:buFont typeface="Arial" panose="020B0604020202020204" pitchFamily="34" charset="0"/>
+                  <a:buChar char="•"/>
+                </a:pPr>
+                <a:r>
+                  <a:rPr lang="en-GB" dirty="0"/>
+                  <a:t>Cross-validation/ generalised cross- validation (GCV) are well established approaches for estimating prediction error</a:t>
+                </a:r>
+              </a:p>
+            </p:txBody>
+          </p:sp>
+        </mc:Choice>
+        <mc:Fallback>
+          <p:sp>
+            <p:nvSpPr>
+              <p:cNvPr id="7" name="TextBox 6">
+                <a:extLst>
+                  <a:ext uri="{FF2B5EF4-FFF2-40B4-BE49-F238E27FC236}">
+                    <a16:creationId xmlns:a16="http://schemas.microsoft.com/office/drawing/2014/main" id="{4F4177D1-C64A-926A-A3C1-974CB6402876}"/>
+                  </a:ext>
+                </a:extLst>
+              </p:cNvPr>
+              <p:cNvSpPr txBox="1">
+                <a:spLocks noRot="1" noChangeAspect="1" noMove="1" noResize="1" noEditPoints="1" noAdjustHandles="1" noChangeArrowheads="1" noChangeShapeType="1" noTextEdit="1"/>
+              </p:cNvSpPr>
+              <p:nvPr/>
+            </p:nvSpPr>
+            <p:spPr>
+              <a:xfrm>
+                <a:off x="6388100" y="2159000"/>
+                <a:ext cx="4749800" cy="2031325"/>
+              </a:xfrm>
+              <a:prstGeom prst="rect">
+                <a:avLst/>
+              </a:prstGeom>
+              <a:blipFill>
+                <a:blip r:embed="rId5"/>
+                <a:stretch>
+                  <a:fillRect l="-802" t="-621" r="-802" b="-3727"/>
+                </a:stretch>
+              </a:blipFill>
+            </p:spPr>
+            <p:txBody>
+              <a:bodyPr/>
+              <a:lstStyle/>
+              <a:p>
+                <a:r>
+                  <a:rPr lang="en-GB">
+                    <a:noFill/>
+                  </a:rPr>
+                  <a:t> </a:t>
+                </a:r>
+              </a:p>
+            </p:txBody>
+          </p:sp>
+        </mc:Fallback>
+      </mc:AlternateContent>
+      <p:sp>
+        <p:nvSpPr>
+          <p:cNvPr id="8" name="TextBox 7">
+            <a:extLst>
+              <a:ext uri="{FF2B5EF4-FFF2-40B4-BE49-F238E27FC236}">
+                <a16:creationId xmlns:a16="http://schemas.microsoft.com/office/drawing/2014/main" id="{BE5816F1-50E6-DBE5-FBF0-EE0CAFB2EE79}"/>
+              </a:ext>
+            </a:extLst>
+          </p:cNvPr>
+          <p:cNvSpPr txBox="1"/>
+          <p:nvPr/>
+        </p:nvSpPr>
+        <p:spPr>
+          <a:xfrm>
+            <a:off x="4686300" y="6421199"/>
+            <a:ext cx="7620000" cy="369332"/>
+          </a:xfrm>
+          <a:prstGeom prst="rect">
+            <a:avLst/>
+          </a:prstGeom>
+          <a:noFill/>
+        </p:spPr>
+        <p:txBody>
+          <a:bodyPr wrap="square" rtlCol="0">
+            <a:spAutoFit/>
+          </a:bodyPr>
+          <a:lstStyle/>
+          <a:p>
+            <a:r>
+              <a:rPr lang="en-GB" dirty="0"/>
+              <a:t>Other approaches (e.g., adjusting by eye) also possible (see </a:t>
+            </a:r>
+            <a:r>
+              <a:rPr lang="en-GB" dirty="0">
+                <a:hlinkClick r:id="rId6"/>
+              </a:rPr>
+              <a:t>our Shiny app</a:t>
+            </a:r>
+            <a:r>
+              <a:rPr lang="en-GB" dirty="0"/>
+              <a:t>)</a:t>
+            </a:r>
+          </a:p>
+        </p:txBody>
+      </p:sp>
+    </p:spTree>
+    <p:extLst>
+      <p:ext uri="{BB962C8B-B14F-4D97-AF65-F5344CB8AC3E}">
+        <p14:creationId xmlns:p14="http://schemas.microsoft.com/office/powerpoint/2010/main" val="2825889512"/>
+      </p:ext>
+    </p:extLst>
+  </p:cSld>
+  <p:clrMapOvr>
+    <a:masterClrMapping/>
+  </p:clrMapOvr>
+  <p:timing>
+    <p:tnLst>
+      <p:par>
+        <p:cTn id="1" dur="indefinite" restart="never" nodeType="tmRoot">
+          <p:childTnLst>
+            <p:seq concurrent="1" nextAc="seek">
+              <p:cTn id="2" dur="indefinite" nodeType="mainSeq">
+                <p:childTnLst>
+                  <p:par>
+                    <p:cTn id="3" fill="hold">
+                      <p:stCondLst>
+                        <p:cond delay="indefinite"/>
+                      </p:stCondLst>
+                      <p:childTnLst>
+                        <p:par>
+                          <p:cTn id="4" fill="hold">
+                            <p:stCondLst>
+                              <p:cond delay="0"/>
+                            </p:stCondLst>
+                            <p:childTnLst>
+                              <p:par>
+                                <p:cTn id="5" presetID="1" presetClass="entr" presetSubtype="0" fill="hold" nodeType="clickEffect">
+                                  <p:stCondLst>
+                                    <p:cond delay="0"/>
+                                  </p:stCondLst>
+                                  <p:childTnLst>
+                                    <p:set>
+                                      <p:cBhvr>
+                                        <p:cTn id="6" dur="1" fill="hold">
+                                          <p:stCondLst>
+                                            <p:cond delay="0"/>
+                                          </p:stCondLst>
+                                        </p:cTn>
+                                        <p:tgtEl>
+                                          <p:spTgt spid="7">
+                                            <p:txEl>
+                                              <p:pRg st="0" end="0"/>
+                                            </p:txEl>
+                                          </p:spTgt>
+                                        </p:tgtEl>
+                                        <p:attrNameLst>
+                                          <p:attrName>style.visibility</p:attrName>
+                                        </p:attrNameLst>
+                                      </p:cBhvr>
+                                      <p:to>
+                                        <p:strVal val="visible"/>
+                                      </p:to>
+                                    </p:set>
+                                  </p:childTnLst>
+                                </p:cTn>
+                              </p:par>
+                            </p:childTnLst>
+                          </p:cTn>
+                        </p:par>
+                      </p:childTnLst>
+                    </p:cTn>
+                  </p:par>
+                  <p:par>
+                    <p:cTn id="7" fill="hold">
+                      <p:stCondLst>
+                        <p:cond delay="indefinite"/>
+                      </p:stCondLst>
+                      <p:childTnLst>
+                        <p:par>
+                          <p:cTn id="8" fill="hold">
+                            <p:stCondLst>
+                              <p:cond delay="0"/>
+                            </p:stCondLst>
+                            <p:childTnLst>
+                              <p:par>
+                                <p:cTn id="9" presetID="1" presetClass="entr" presetSubtype="0" fill="hold" nodeType="clickEffect">
+                                  <p:stCondLst>
+                                    <p:cond delay="0"/>
+                                  </p:stCondLst>
+                                  <p:childTnLst>
+                                    <p:set>
+                                      <p:cBhvr>
+                                        <p:cTn id="10" dur="1" fill="hold">
+                                          <p:stCondLst>
+                                            <p:cond delay="0"/>
+                                          </p:stCondLst>
+                                        </p:cTn>
+                                        <p:tgtEl>
+                                          <p:spTgt spid="7">
+                                            <p:txEl>
+                                              <p:pRg st="1" end="1"/>
+                                            </p:txEl>
+                                          </p:spTgt>
+                                        </p:tgtEl>
+                                        <p:attrNameLst>
+                                          <p:attrName>style.visibility</p:attrName>
+                                        </p:attrNameLst>
+                                      </p:cBhvr>
+                                      <p:to>
+                                        <p:strVal val="visible"/>
+                                      </p:to>
+                                    </p:set>
+                                  </p:childTnLst>
+                                </p:cTn>
+                              </p:par>
+                            </p:childTnLst>
+                          </p:cTn>
+                        </p:par>
+                      </p:childTnLst>
+                    </p:cTn>
+                  </p:par>
+                  <p:par>
+                    <p:cTn id="11" fill="hold">
+                      <p:stCondLst>
+                        <p:cond delay="indefinite"/>
+                      </p:stCondLst>
+                      <p:childTnLst>
+                        <p:par>
+                          <p:cTn id="12" fill="hold">
+                            <p:stCondLst>
+                              <p:cond delay="0"/>
+                            </p:stCondLst>
+                            <p:childTnLst>
+                              <p:par>
+                                <p:cTn id="13" presetID="1" presetClass="exit" presetSubtype="0" fill="hold" grpId="0" nodeType="clickEffect">
+                                  <p:stCondLst>
+                                    <p:cond delay="0"/>
+                                  </p:stCondLst>
+                                  <p:childTnLst>
+                                    <p:set>
+                                      <p:cBhvr>
+                                        <p:cTn id="14" dur="1" fill="hold">
+                                          <p:stCondLst>
+                                            <p:cond delay="0"/>
+                                          </p:stCondLst>
+                                        </p:cTn>
+                                        <p:tgtEl>
+                                          <p:spTgt spid="7">
+                                            <p:txEl>
+                                              <p:pRg st="0" end="0"/>
+                                            </p:txEl>
+                                          </p:spTgt>
+                                        </p:tgtEl>
+                                        <p:attrNameLst>
+                                          <p:attrName>style.visibility</p:attrName>
+                                        </p:attrNameLst>
+                                      </p:cBhvr>
+                                      <p:to>
+                                        <p:strVal val="hidden"/>
+                                      </p:to>
+                                    </p:set>
+                                  </p:childTnLst>
+                                </p:cTn>
+                              </p:par>
+                              <p:par>
+                                <p:cTn id="15" presetID="1" presetClass="exit" presetSubtype="0" fill="hold" grpId="0" nodeType="withEffect">
+                                  <p:stCondLst>
+                                    <p:cond delay="0"/>
+                                  </p:stCondLst>
+                                  <p:childTnLst>
+                                    <p:set>
+                                      <p:cBhvr>
+                                        <p:cTn id="16" dur="1" fill="hold">
+                                          <p:stCondLst>
+                                            <p:cond delay="0"/>
+                                          </p:stCondLst>
+                                        </p:cTn>
+                                        <p:tgtEl>
+                                          <p:spTgt spid="7">
+                                            <p:txEl>
+                                              <p:pRg st="1" end="1"/>
+                                            </p:txEl>
+                                          </p:spTgt>
+                                        </p:tgtEl>
+                                        <p:attrNameLst>
+                                          <p:attrName>style.visibility</p:attrName>
+                                        </p:attrNameLst>
+                                      </p:cBhvr>
+                                      <p:to>
+                                        <p:strVal val="hidden"/>
+                                      </p:to>
+                                    </p:set>
+                                  </p:childTnLst>
+                                </p:cTn>
+                              </p:par>
+                              <p:par>
+                                <p:cTn id="17" presetID="1" presetClass="exit" presetSubtype="0" fill="hold" grpId="0" nodeType="withEffect">
+                                  <p:stCondLst>
+                                    <p:cond delay="0"/>
+                                  </p:stCondLst>
+                                  <p:childTnLst>
+                                    <p:set>
+                                      <p:cBhvr>
+                                        <p:cTn id="18" dur="1" fill="hold">
+                                          <p:stCondLst>
+                                            <p:cond delay="0"/>
+                                          </p:stCondLst>
+                                        </p:cTn>
+                                        <p:tgtEl>
+                                          <p:spTgt spid="6"/>
+                                        </p:tgtEl>
+                                        <p:attrNameLst>
+                                          <p:attrName>style.visibility</p:attrName>
+                                        </p:attrNameLst>
+                                      </p:cBhvr>
+                                      <p:to>
+                                        <p:strVal val="hidden"/>
+                                      </p:to>
+                                    </p:set>
+                                  </p:childTnLst>
+                                </p:cTn>
+                              </p:par>
+                            </p:childTnLst>
+                          </p:cTn>
+                        </p:par>
+                      </p:childTnLst>
+                    </p:cTn>
+                  </p:par>
+                  <p:par>
+                    <p:cTn id="19" fill="hold">
+                      <p:stCondLst>
+                        <p:cond delay="indefinite"/>
+                      </p:stCondLst>
+                      <p:childTnLst>
+                        <p:par>
+                          <p:cTn id="20" fill="hold">
+                            <p:stCondLst>
+                              <p:cond delay="0"/>
+                            </p:stCondLst>
+                            <p:childTnLst>
+                              <p:par>
+                                <p:cTn id="21" presetID="1" presetClass="entr" presetSubtype="0" fill="hold" grpId="0" nodeType="clickEffect">
+                                  <p:stCondLst>
+                                    <p:cond delay="0"/>
+                                  </p:stCondLst>
+                                  <p:childTnLst>
+                                    <p:set>
+                                      <p:cBhvr>
+                                        <p:cTn id="22" dur="1" fill="hold">
+                                          <p:stCondLst>
+                                            <p:cond delay="0"/>
+                                          </p:stCondLst>
+                                        </p:cTn>
+                                        <p:tgtEl>
+                                          <p:spTgt spid="8"/>
+                                        </p:tgtEl>
+                                        <p:attrNameLst>
+                                          <p:attrName>style.visibility</p:attrName>
+                                        </p:attrNameLst>
+                                      </p:cBhvr>
+                                      <p:to>
+                                        <p:strVal val="visible"/>
+                                      </p:to>
+                                    </p:set>
+                                  </p:childTnLst>
+                                </p:cTn>
+                              </p:par>
+                            </p:childTnLst>
+                          </p:cTn>
+                        </p:par>
+                      </p:childTnLst>
+                    </p:cTn>
+                  </p:par>
+                </p:childTnLst>
+              </p:cTn>
+              <p:prevCondLst>
+                <p:cond evt="onPrev" delay="0">
+                  <p:tgtEl>
+                    <p:sldTgt/>
+                  </p:tgtEl>
+                </p:cond>
+              </p:prevCondLst>
+              <p:nextCondLst>
+                <p:cond evt="onNext" delay="0">
+                  <p:tgtEl>
+                    <p:sldTgt/>
+                  </p:tgtEl>
+                </p:cond>
+              </p:nextCondLst>
+            </p:seq>
+          </p:childTnLst>
+        </p:cTn>
+      </p:par>
+    </p:tnLst>
+    <p:bldLst>
+      <p:bldP spid="6" grpId="0" animBg="1"/>
+      <p:bldP spid="7" grpId="0" build="allAtOnce"/>
+      <p:bldP spid="8" grpId="0"/>
     </p:bldLst>
   </p:timing>
 </p:sld>

--- a/slides/02-smoothing.pptx
+++ b/slides/02-smoothing.pptx
@@ -207,7 +207,7 @@
           <a:p>
             <a:fld id="{C3BDFCC3-9444-904F-8BDC-F0A1FF6E28DC}" type="datetimeFigureOut">
               <a:rPr lang="en-GB" smtClean="0"/>
-              <a:t>09/07/2024</a:t>
+              <a:t>14/07/2024</a:t>
             </a:fld>
             <a:endParaRPr lang="en-GB"/>
           </a:p>
@@ -857,7 +857,7 @@
           <a:p>
             <a:fld id="{C6CF10CA-94B3-504B-A812-19B0C18E6A91}" type="datetimeFigureOut">
               <a:rPr lang="en-GB" smtClean="0"/>
-              <a:t>09/07/2024</a:t>
+              <a:t>14/07/2024</a:t>
             </a:fld>
             <a:endParaRPr lang="en-GB"/>
           </a:p>
@@ -1027,7 +1027,7 @@
           <a:p>
             <a:fld id="{C6CF10CA-94B3-504B-A812-19B0C18E6A91}" type="datetimeFigureOut">
               <a:rPr lang="en-GB" smtClean="0"/>
-              <a:t>09/07/2024</a:t>
+              <a:t>14/07/2024</a:t>
             </a:fld>
             <a:endParaRPr lang="en-GB"/>
           </a:p>
@@ -1207,7 +1207,7 @@
           <a:p>
             <a:fld id="{C6CF10CA-94B3-504B-A812-19B0C18E6A91}" type="datetimeFigureOut">
               <a:rPr lang="en-GB" smtClean="0"/>
-              <a:t>09/07/2024</a:t>
+              <a:t>14/07/2024</a:t>
             </a:fld>
             <a:endParaRPr lang="en-GB"/>
           </a:p>
@@ -1377,7 +1377,7 @@
           <a:p>
             <a:fld id="{C6CF10CA-94B3-504B-A812-19B0C18E6A91}" type="datetimeFigureOut">
               <a:rPr lang="en-GB" smtClean="0"/>
-              <a:t>09/07/2024</a:t>
+              <a:t>14/07/2024</a:t>
             </a:fld>
             <a:endParaRPr lang="en-GB"/>
           </a:p>
@@ -1623,7 +1623,7 @@
           <a:p>
             <a:fld id="{C6CF10CA-94B3-504B-A812-19B0C18E6A91}" type="datetimeFigureOut">
               <a:rPr lang="en-GB" smtClean="0"/>
-              <a:t>09/07/2024</a:t>
+              <a:t>14/07/2024</a:t>
             </a:fld>
             <a:endParaRPr lang="en-GB"/>
           </a:p>
@@ -1855,7 +1855,7 @@
           <a:p>
             <a:fld id="{C6CF10CA-94B3-504B-A812-19B0C18E6A91}" type="datetimeFigureOut">
               <a:rPr lang="en-GB" smtClean="0"/>
-              <a:t>09/07/2024</a:t>
+              <a:t>14/07/2024</a:t>
             </a:fld>
             <a:endParaRPr lang="en-GB"/>
           </a:p>
@@ -2222,7 +2222,7 @@
           <a:p>
             <a:fld id="{C6CF10CA-94B3-504B-A812-19B0C18E6A91}" type="datetimeFigureOut">
               <a:rPr lang="en-GB" smtClean="0"/>
-              <a:t>09/07/2024</a:t>
+              <a:t>14/07/2024</a:t>
             </a:fld>
             <a:endParaRPr lang="en-GB"/>
           </a:p>
@@ -2340,7 +2340,7 @@
           <a:p>
             <a:fld id="{C6CF10CA-94B3-504B-A812-19B0C18E6A91}" type="datetimeFigureOut">
               <a:rPr lang="en-GB" smtClean="0"/>
-              <a:t>09/07/2024</a:t>
+              <a:t>14/07/2024</a:t>
             </a:fld>
             <a:endParaRPr lang="en-GB"/>
           </a:p>
@@ -2435,7 +2435,7 @@
           <a:p>
             <a:fld id="{C6CF10CA-94B3-504B-A812-19B0C18E6A91}" type="datetimeFigureOut">
               <a:rPr lang="en-GB" smtClean="0"/>
-              <a:t>09/07/2024</a:t>
+              <a:t>14/07/2024</a:t>
             </a:fld>
             <a:endParaRPr lang="en-GB"/>
           </a:p>
@@ -2712,7 +2712,7 @@
           <a:p>
             <a:fld id="{C6CF10CA-94B3-504B-A812-19B0C18E6A91}" type="datetimeFigureOut">
               <a:rPr lang="en-GB" smtClean="0"/>
-              <a:t>09/07/2024</a:t>
+              <a:t>14/07/2024</a:t>
             </a:fld>
             <a:endParaRPr lang="en-GB"/>
           </a:p>
@@ -2969,7 +2969,7 @@
           <a:p>
             <a:fld id="{C6CF10CA-94B3-504B-A812-19B0C18E6A91}" type="datetimeFigureOut">
               <a:rPr lang="en-GB" smtClean="0"/>
-              <a:t>09/07/2024</a:t>
+              <a:t>14/07/2024</a:t>
             </a:fld>
             <a:endParaRPr lang="en-GB"/>
           </a:p>
@@ -3182,7 +3182,7 @@
           <a:p>
             <a:fld id="{C6CF10CA-94B3-504B-A812-19B0C18E6A91}" type="datetimeFigureOut">
               <a:rPr lang="en-GB" smtClean="0"/>
-              <a:t>09/07/2024</a:t>
+              <a:t>14/07/2024</a:t>
             </a:fld>
             <a:endParaRPr lang="en-GB"/>
           </a:p>
@@ -3880,13 +3880,13 @@
               <a:p>
                 <a:r>
                   <a:rPr lang="en-GB" dirty="0"/>
-                  <a:t>Basis functions = “building blocks” for functional data</a:t>
+                  <a:t>Basis functions = “building blocks” for functional data.</a:t>
                 </a:r>
               </a:p>
               <a:p>
                 <a:r>
                   <a:rPr lang="en-GB" dirty="0"/>
-                  <a:t>Represent each curve as a weighted sum of the basis functions</a:t>
+                  <a:t>Represent each curve as a weighted sum of the basis functions.</a:t>
                 </a:r>
               </a:p>
               <a:p>
@@ -3905,7 +3905,7 @@
                 </a:r>
                 <a:r>
                   <a:rPr lang="en-GB" b="1" dirty="0"/>
-                  <a:t>smooth</a:t>
+                  <a:t>smooth.</a:t>
                 </a:r>
               </a:p>
               <a:p>
@@ -3937,7 +3937,10 @@
                     </m:r>
                   </m:oMath>
                 </a14:m>
-                <a:endParaRPr lang="en-GB" dirty="0"/>
+                <a:r>
+                  <a:rPr lang="en-GB" dirty="0"/>
+                  <a:t>.</a:t>
+                </a:r>
               </a:p>
               <a:p>
                 <a:pPr marL="914400" lvl="1" indent="-457200">
@@ -3960,7 +3963,7 @@
                 </a14:m>
                 <a:r>
                   <a:rPr lang="en-GB" dirty="0"/>
-                  <a:t>)</a:t>
+                  <a:t>).</a:t>
                 </a:r>
               </a:p>
               <a:p>
@@ -7011,8 +7014,8 @@
           </a:p>
         </p:txBody>
       </p:sp>
-      <mc:AlternateContent xmlns:mc="http://schemas.openxmlformats.org/markup-compatibility/2006" xmlns:a14="http://schemas.microsoft.com/office/drawing/2010/main">
-        <mc:Choice Requires="a14">
+      <mc:AlternateContent xmlns:mc="http://schemas.openxmlformats.org/markup-compatibility/2006">
+        <mc:Choice xmlns:a14="http://schemas.microsoft.com/office/drawing/2010/main" Requires="a14">
           <p:sp>
             <p:nvSpPr>
               <p:cNvPr id="3" name="Content Placeholder 2">
@@ -7152,7 +7155,10 @@
                     </m:r>
                   </m:oMath>
                 </a14:m>
-                <a:endParaRPr lang="en-GB" dirty="0"/>
+                <a:r>
+                  <a:rPr lang="en-GB" dirty="0"/>
+                  <a:t>.</a:t>
+                </a:r>
               </a:p>
               <a:p>
                 <a:r>
@@ -7226,7 +7232,7 @@
             </p:txBody>
           </p:sp>
         </mc:Choice>
-        <mc:Fallback xmlns="">
+        <mc:Fallback>
           <p:sp>
             <p:nvSpPr>
               <p:cNvPr id="3" name="Content Placeholder 2">
@@ -8257,6 +8263,33 @@
                                   </p:childTnLst>
                                 </p:cTn>
                               </p:par>
+                              <p:par>
+                                <p:cTn id="25" presetID="1" presetClass="exit" presetSubtype="0" fill="hold" nodeType="withEffect">
+                                  <p:stCondLst>
+                                    <p:cond delay="0"/>
+                                  </p:stCondLst>
+                                  <p:childTnLst>
+                                    <p:set>
+                                      <p:cBhvr>
+                                        <p:cTn id="26" dur="1" fill="hold">
+                                          <p:stCondLst>
+                                            <p:cond delay="0"/>
+                                          </p:stCondLst>
+                                        </p:cTn>
+                                        <p:tgtEl>
+                                          <p:spTgt spid="10"/>
+                                        </p:tgtEl>
+                                        <p:attrNameLst>
+                                          <p:attrName>style.visibility</p:attrName>
+                                        </p:attrNameLst>
+                                      </p:cBhvr>
+                                      <p:to>
+                                        <p:strVal val="hidden"/>
+                                      </p:to>
+                                    </p:set>
+                                  </p:childTnLst>
+                                </p:cTn>
+                              </p:par>
                             </p:childTnLst>
                           </p:cTn>
                         </p:par>
@@ -8264,26 +8297,26 @@
                     </p:cTn>
                   </p:par>
                   <p:par>
-                    <p:cTn id="25" fill="hold">
+                    <p:cTn id="27" fill="hold">
                       <p:stCondLst>
                         <p:cond delay="indefinite"/>
                       </p:stCondLst>
                       <p:childTnLst>
                         <p:par>
-                          <p:cTn id="26" fill="hold">
+                          <p:cTn id="28" fill="hold">
                             <p:stCondLst>
                               <p:cond delay="0"/>
                             </p:stCondLst>
                             <p:childTnLst>
                               <p:par>
-                                <p:cTn id="27" presetID="1" presetClass="entr" presetSubtype="0" fill="hold" grpId="1" nodeType="clickEffect">
+                                <p:cTn id="29" presetID="1" presetClass="entr" presetSubtype="0" fill="hold" grpId="1" nodeType="clickEffect">
                                   <p:stCondLst>
                                     <p:cond delay="0"/>
                                   </p:stCondLst>
                                   <p:childTnLst>
                                     <p:set>
                                       <p:cBhvr>
-                                        <p:cTn id="28" dur="1" fill="hold">
+                                        <p:cTn id="30" dur="1" fill="hold">
                                           <p:stCondLst>
                                             <p:cond delay="0"/>
                                           </p:stCondLst>
@@ -8303,14 +8336,14 @@
                                 </p:cTn>
                               </p:par>
                               <p:par>
-                                <p:cTn id="29" presetID="1" presetClass="entr" presetSubtype="0" fill="hold" nodeType="withEffect">
+                                <p:cTn id="31" presetID="1" presetClass="entr" presetSubtype="0" fill="hold" nodeType="withEffect">
                                   <p:stCondLst>
                                     <p:cond delay="0"/>
                                   </p:stCondLst>
                                   <p:childTnLst>
                                     <p:set>
                                       <p:cBhvr>
-                                        <p:cTn id="30" dur="1" fill="hold">
+                                        <p:cTn id="32" dur="1" fill="hold">
                                           <p:stCondLst>
                                             <p:cond delay="0"/>
                                           </p:stCondLst>
@@ -8324,33 +8357,6 @@
                                       </p:cBhvr>
                                       <p:to>
                                         <p:strVal val="visible"/>
-                                      </p:to>
-                                    </p:set>
-                                  </p:childTnLst>
-                                </p:cTn>
-                              </p:par>
-                              <p:par>
-                                <p:cTn id="31" presetID="1" presetClass="exit" presetSubtype="0" fill="hold" nodeType="withEffect">
-                                  <p:stCondLst>
-                                    <p:cond delay="0"/>
-                                  </p:stCondLst>
-                                  <p:childTnLst>
-                                    <p:set>
-                                      <p:cBhvr>
-                                        <p:cTn id="32" dur="1" fill="hold">
-                                          <p:stCondLst>
-                                            <p:cond delay="0"/>
-                                          </p:stCondLst>
-                                        </p:cTn>
-                                        <p:tgtEl>
-                                          <p:spTgt spid="10"/>
-                                        </p:tgtEl>
-                                        <p:attrNameLst>
-                                          <p:attrName>style.visibility</p:attrName>
-                                        </p:attrNameLst>
-                                      </p:cBhvr>
-                                      <p:to>
-                                        <p:strVal val="hidden"/>
                                       </p:to>
                                     </p:set>
                                   </p:childTnLst>
@@ -8529,8 +8535,8 @@
           <a:chExt cx="0" cy="0"/>
         </a:xfrm>
       </p:grpSpPr>
-      <mc:AlternateContent xmlns:mc="http://schemas.openxmlformats.org/markup-compatibility/2006">
-        <mc:Choice xmlns:a14="http://schemas.microsoft.com/office/drawing/2010/main" Requires="a14">
+      <mc:AlternateContent xmlns:mc="http://schemas.openxmlformats.org/markup-compatibility/2006" xmlns:a14="http://schemas.microsoft.com/office/drawing/2010/main">
+        <mc:Choice Requires="a14">
           <p:sp>
             <p:nvSpPr>
               <p:cNvPr id="2" name="Title 1">
@@ -8574,7 +8580,7 @@
             </p:txBody>
           </p:sp>
         </mc:Choice>
-        <mc:Fallback>
+        <mc:Fallback xmlns="">
           <p:sp>
             <p:nvSpPr>
               <p:cNvPr id="2" name="Title 1">
@@ -8614,8 +8620,8 @@
           </p:sp>
         </mc:Fallback>
       </mc:AlternateContent>
-      <mc:AlternateContent xmlns:mc="http://schemas.openxmlformats.org/markup-compatibility/2006">
-        <mc:Choice xmlns:a14="http://schemas.microsoft.com/office/drawing/2010/main" Requires="a14">
+      <mc:AlternateContent xmlns:mc="http://schemas.openxmlformats.org/markup-compatibility/2006" xmlns:a14="http://schemas.microsoft.com/office/drawing/2010/main">
+        <mc:Choice Requires="a14">
           <p:sp>
             <p:nvSpPr>
               <p:cNvPr id="3" name="Content Placeholder 2">
@@ -9186,7 +9192,7 @@
             </p:txBody>
           </p:sp>
         </mc:Choice>
-        <mc:Fallback>
+        <mc:Fallback xmlns="">
           <p:sp>
             <p:nvSpPr>
               <p:cNvPr id="3" name="Content Placeholder 2">
@@ -9464,8 +9470,8 @@
           <a:chExt cx="0" cy="0"/>
         </a:xfrm>
       </p:grpSpPr>
-      <mc:AlternateContent xmlns:mc="http://schemas.openxmlformats.org/markup-compatibility/2006">
-        <mc:Choice xmlns:a14="http://schemas.microsoft.com/office/drawing/2010/main" Requires="a14">
+      <mc:AlternateContent xmlns:mc="http://schemas.openxmlformats.org/markup-compatibility/2006" xmlns:a14="http://schemas.microsoft.com/office/drawing/2010/main">
+        <mc:Choice Requires="a14">
           <p:sp>
             <p:nvSpPr>
               <p:cNvPr id="2" name="Title 1">
@@ -9509,7 +9515,7 @@
             </p:txBody>
           </p:sp>
         </mc:Choice>
-        <mc:Fallback>
+        <mc:Fallback xmlns="">
           <p:sp>
             <p:nvSpPr>
               <p:cNvPr id="2" name="Title 1">
@@ -9549,8 +9555,8 @@
           </p:sp>
         </mc:Fallback>
       </mc:AlternateContent>
-      <mc:AlternateContent xmlns:mc="http://schemas.openxmlformats.org/markup-compatibility/2006">
-        <mc:Choice xmlns:a14="http://schemas.microsoft.com/office/drawing/2010/main" Requires="a14">
+      <mc:AlternateContent xmlns:mc="http://schemas.openxmlformats.org/markup-compatibility/2006" xmlns:a14="http://schemas.microsoft.com/office/drawing/2010/main">
+        <mc:Choice Requires="a14">
           <p:sp>
             <p:nvSpPr>
               <p:cNvPr id="3" name="Content Placeholder 2">
@@ -9840,7 +9846,7 @@
             </p:txBody>
           </p:sp>
         </mc:Choice>
-        <mc:Fallback>
+        <mc:Fallback xmlns="">
           <p:sp>
             <p:nvSpPr>
               <p:cNvPr id="3" name="Content Placeholder 2">
@@ -10608,6 +10614,12 @@
                           </m:d>
                         </m:e>
                       </m:nary>
+                      <m:r>
+                        <a:rPr lang="en-IE" b="0" i="1" smtClean="0">
+                          <a:latin typeface="Cambria Math" panose="02040503050406030204" pitchFamily="18" charset="0"/>
+                        </a:rPr>
+                        <m:t>.</m:t>
+                      </m:r>
                     </m:oMath>
                   </m:oMathPara>
                 </a14:m>
@@ -10761,7 +10773,7 @@
                 </a14:m>
                 <a:r>
                   <a:rPr lang="en-GB" dirty="0"/>
-                  <a:t> but more general penalties possible</a:t>
+                  <a:t> but more general penalties are possible.</a:t>
                 </a:r>
               </a:p>
               <a:p>
@@ -10777,7 +10789,7 @@
                 </a14:m>
                 <a:r>
                   <a:rPr lang="en-GB" dirty="0"/>
-                  <a:t> controls the trade-off between smoothness and fit to the data</a:t>
+                  <a:t> controls the trade-off between smoothness and fit to the data.</a:t>
                 </a:r>
               </a:p>
             </p:txBody>
@@ -10872,8 +10884,8 @@
           </a:p>
         </p:txBody>
       </p:sp>
-      <mc:AlternateContent xmlns:mc="http://schemas.openxmlformats.org/markup-compatibility/2006">
-        <mc:Choice xmlns:a14="http://schemas.microsoft.com/office/drawing/2010/main" Requires="a14">
+      <mc:AlternateContent xmlns:mc="http://schemas.openxmlformats.org/markup-compatibility/2006" xmlns:a14="http://schemas.microsoft.com/office/drawing/2010/main">
+        <mc:Choice Requires="a14">
           <p:sp>
             <p:nvSpPr>
               <p:cNvPr id="5" name="TextBox 4">
@@ -10902,6 +10914,7 @@
               </a:bodyPr>
               <a:lstStyle/>
               <a:p>
+                <a:pPr/>
                 <a14:m>
                   <m:oMathPara xmlns:m="http://schemas.openxmlformats.org/officeDocument/2006/math">
                     <m:oMathParaPr>
@@ -10925,7 +10938,7 @@
             </p:txBody>
           </p:sp>
         </mc:Choice>
-        <mc:Fallback>
+        <mc:Fallback xmlns="">
           <p:sp>
             <p:nvSpPr>
               <p:cNvPr id="5" name="TextBox 4">
@@ -11019,8 +11032,8 @@
           </a:p>
         </p:txBody>
       </p:sp>
-      <mc:AlternateContent xmlns:mc="http://schemas.openxmlformats.org/markup-compatibility/2006">
-        <mc:Choice xmlns:a14="http://schemas.microsoft.com/office/drawing/2010/main" Requires="a14">
+      <mc:AlternateContent xmlns:mc="http://schemas.openxmlformats.org/markup-compatibility/2006" xmlns:a14="http://schemas.microsoft.com/office/drawing/2010/main">
+        <mc:Choice Requires="a14">
           <p:sp>
             <p:nvSpPr>
               <p:cNvPr id="7" name="TextBox 6">
@@ -11049,6 +11062,7 @@
               </a:bodyPr>
               <a:lstStyle/>
               <a:p>
+                <a:pPr/>
                 <a14:m>
                   <m:oMathPara xmlns:m="http://schemas.openxmlformats.org/officeDocument/2006/math">
                     <m:oMathParaPr>
@@ -11072,7 +11086,7 @@
             </p:txBody>
           </p:sp>
         </mc:Choice>
-        <mc:Fallback>
+        <mc:Fallback xmlns="">
           <p:sp>
             <p:nvSpPr>
               <p:cNvPr id="7" name="TextBox 6">
@@ -11166,8 +11180,8 @@
           </a:p>
         </p:txBody>
       </p:sp>
-      <mc:AlternateContent xmlns:mc="http://schemas.openxmlformats.org/markup-compatibility/2006">
-        <mc:Choice xmlns:a14="http://schemas.microsoft.com/office/drawing/2010/main" Requires="a14">
+      <mc:AlternateContent xmlns:mc="http://schemas.openxmlformats.org/markup-compatibility/2006" xmlns:a14="http://schemas.microsoft.com/office/drawing/2010/main">
+        <mc:Choice Requires="a14">
           <p:sp>
             <p:nvSpPr>
               <p:cNvPr id="9" name="TextBox 8">
@@ -11196,6 +11210,7 @@
               </a:bodyPr>
               <a:lstStyle/>
               <a:p>
+                <a:pPr/>
                 <a14:m>
                   <m:oMathPara xmlns:m="http://schemas.openxmlformats.org/officeDocument/2006/math">
                     <m:oMathParaPr>
@@ -11234,7 +11249,7 @@
             </p:txBody>
           </p:sp>
         </mc:Choice>
-        <mc:Fallback>
+        <mc:Fallback xmlns="">
           <p:sp>
             <p:nvSpPr>
               <p:cNvPr id="9" name="TextBox 8">
@@ -11526,7 +11541,7 @@
                             </p:stCondLst>
                             <p:childTnLst>
                               <p:par>
-                                <p:cTn id="23" presetID="1" presetClass="entr" presetSubtype="0" fill="hold" nodeType="clickEffect">
+                                <p:cTn id="23" presetID="1" presetClass="exit" presetSubtype="0" fill="hold" grpId="0" nodeType="clickEffect">
                                   <p:stCondLst>
                                     <p:cond delay="0"/>
                                   </p:stCondLst>
@@ -11534,55 +11549,6 @@
                                     <p:set>
                                       <p:cBhvr>
                                         <p:cTn id="24" dur="1" fill="hold">
-                                          <p:stCondLst>
-                                            <p:cond delay="0"/>
-                                          </p:stCondLst>
-                                        </p:cTn>
-                                        <p:tgtEl>
-                                          <p:spTgt spid="3">
-                                            <p:txEl>
-                                              <p:pRg st="4" end="4"/>
-                                            </p:txEl>
-                                          </p:spTgt>
-                                        </p:tgtEl>
-                                        <p:attrNameLst>
-                                          <p:attrName>style.visibility</p:attrName>
-                                        </p:attrNameLst>
-                                      </p:cBhvr>
-                                      <p:to>
-                                        <p:strVal val="visible"/>
-                                      </p:to>
-                                    </p:set>
-                                  </p:childTnLst>
-                                </p:cTn>
-                              </p:par>
-                            </p:childTnLst>
-                          </p:cTn>
-                        </p:par>
-                      </p:childTnLst>
-                    </p:cTn>
-                  </p:par>
-                  <p:par>
-                    <p:cTn id="25" fill="hold">
-                      <p:stCondLst>
-                        <p:cond delay="indefinite"/>
-                      </p:stCondLst>
-                      <p:childTnLst>
-                        <p:par>
-                          <p:cTn id="26" fill="hold">
-                            <p:stCondLst>
-                              <p:cond delay="0"/>
-                            </p:stCondLst>
-                            <p:childTnLst>
-                              <p:par>
-                                <p:cTn id="27" presetID="1" presetClass="exit" presetSubtype="0" fill="hold" grpId="0" nodeType="clickEffect">
-                                  <p:stCondLst>
-                                    <p:cond delay="0"/>
-                                  </p:stCondLst>
-                                  <p:childTnLst>
-                                    <p:set>
-                                      <p:cBhvr>
-                                        <p:cTn id="28" dur="1" fill="hold">
                                           <p:stCondLst>
                                             <p:cond delay="0"/>
                                           </p:stCondLst>
@@ -11602,14 +11568,14 @@
                                 </p:cTn>
                               </p:par>
                               <p:par>
-                                <p:cTn id="29" presetID="1" presetClass="exit" presetSubtype="0" fill="hold" grpId="0" nodeType="withEffect">
+                                <p:cTn id="25" presetID="1" presetClass="exit" presetSubtype="0" fill="hold" grpId="0" nodeType="withEffect">
                                   <p:stCondLst>
                                     <p:cond delay="0"/>
                                   </p:stCondLst>
                                   <p:childTnLst>
                                     <p:set>
                                       <p:cBhvr>
-                                        <p:cTn id="30" dur="1" fill="hold">
+                                        <p:cTn id="26" dur="1" fill="hold">
                                           <p:stCondLst>
                                             <p:cond delay="0"/>
                                           </p:stCondLst>
@@ -11635,26 +11601,26 @@
                     </p:cTn>
                   </p:par>
                   <p:par>
-                    <p:cTn id="31" fill="hold">
+                    <p:cTn id="27" fill="hold">
                       <p:stCondLst>
                         <p:cond delay="indefinite"/>
                       </p:stCondLst>
                       <p:childTnLst>
                         <p:par>
-                          <p:cTn id="32" fill="hold">
+                          <p:cTn id="28" fill="hold">
                             <p:stCondLst>
                               <p:cond delay="0"/>
                             </p:stCondLst>
                             <p:childTnLst>
                               <p:par>
-                                <p:cTn id="33" presetID="1" presetClass="entr" presetSubtype="0" fill="hold" grpId="0" nodeType="clickEffect">
+                                <p:cTn id="29" presetID="1" presetClass="entr" presetSubtype="0" fill="hold" grpId="0" nodeType="clickEffect">
                                   <p:stCondLst>
                                     <p:cond delay="0"/>
                                   </p:stCondLst>
                                   <p:childTnLst>
                                     <p:set>
                                       <p:cBhvr>
-                                        <p:cTn id="34" dur="1" fill="hold">
+                                        <p:cTn id="30" dur="1" fill="hold">
                                           <p:stCondLst>
                                             <p:cond delay="0"/>
                                           </p:stCondLst>
@@ -11674,69 +11640,20 @@
                                 </p:cTn>
                               </p:par>
                               <p:par>
-                                <p:cTn id="35" presetID="1" presetClass="entr" presetSubtype="0" fill="hold" grpId="0" nodeType="withEffect">
+                                <p:cTn id="31" presetID="1" presetClass="entr" presetSubtype="0" fill="hold" grpId="0" nodeType="withEffect">
                                   <p:stCondLst>
                                     <p:cond delay="0"/>
                                   </p:stCondLst>
                                   <p:childTnLst>
                                     <p:set>
                                       <p:cBhvr>
-                                        <p:cTn id="36" dur="1" fill="hold">
+                                        <p:cTn id="32" dur="1" fill="hold">
                                           <p:stCondLst>
                                             <p:cond delay="0"/>
                                           </p:stCondLst>
                                         </p:cTn>
                                         <p:tgtEl>
                                           <p:spTgt spid="8"/>
-                                        </p:tgtEl>
-                                        <p:attrNameLst>
-                                          <p:attrName>style.visibility</p:attrName>
-                                        </p:attrNameLst>
-                                      </p:cBhvr>
-                                      <p:to>
-                                        <p:strVal val="visible"/>
-                                      </p:to>
-                                    </p:set>
-                                  </p:childTnLst>
-                                </p:cTn>
-                              </p:par>
-                            </p:childTnLst>
-                          </p:cTn>
-                        </p:par>
-                      </p:childTnLst>
-                    </p:cTn>
-                  </p:par>
-                  <p:par>
-                    <p:cTn id="37" fill="hold">
-                      <p:stCondLst>
-                        <p:cond delay="indefinite"/>
-                      </p:stCondLst>
-                      <p:childTnLst>
-                        <p:par>
-                          <p:cTn id="38" fill="hold">
-                            <p:stCondLst>
-                              <p:cond delay="0"/>
-                            </p:stCondLst>
-                            <p:childTnLst>
-                              <p:par>
-                                <p:cTn id="39" presetID="1" presetClass="entr" presetSubtype="0" fill="hold" nodeType="clickEffect">
-                                  <p:stCondLst>
-                                    <p:cond delay="0"/>
-                                  </p:stCondLst>
-                                  <p:childTnLst>
-                                    <p:set>
-                                      <p:cBhvr>
-                                        <p:cTn id="40" dur="1" fill="hold">
-                                          <p:stCondLst>
-                                            <p:cond delay="0"/>
-                                          </p:stCondLst>
-                                        </p:cTn>
-                                        <p:tgtEl>
-                                          <p:spTgt spid="3">
-                                            <p:txEl>
-                                              <p:pRg st="5" end="5"/>
-                                            </p:txEl>
-                                          </p:spTgt>
                                         </p:tgtEl>
                                         <p:attrNameLst>
                                           <p:attrName>style.visibility</p:attrName>
@@ -11809,8 +11726,8 @@
           <a:chExt cx="0" cy="0"/>
         </a:xfrm>
       </p:grpSpPr>
-      <mc:AlternateContent xmlns:mc="http://schemas.openxmlformats.org/markup-compatibility/2006">
-        <mc:Choice xmlns:a14="http://schemas.microsoft.com/office/drawing/2010/main" Requires="a14">
+      <mc:AlternateContent xmlns:mc="http://schemas.openxmlformats.org/markup-compatibility/2006" xmlns:a14="http://schemas.microsoft.com/office/drawing/2010/main">
+        <mc:Choice Requires="a14">
           <p:sp>
             <p:nvSpPr>
               <p:cNvPr id="2" name="Title 1">
@@ -11851,7 +11768,7 @@
             </p:txBody>
           </p:sp>
         </mc:Choice>
-        <mc:Fallback>
+        <mc:Fallback xmlns="">
           <p:sp>
             <p:nvSpPr>
               <p:cNvPr id="2" name="Title 1">
@@ -11972,8 +11889,8 @@
           </a:p>
         </p:txBody>
       </p:sp>
-      <mc:AlternateContent xmlns:mc="http://schemas.openxmlformats.org/markup-compatibility/2006">
-        <mc:Choice xmlns:a14="http://schemas.microsoft.com/office/drawing/2010/main" Requires="a14">
+      <mc:AlternateContent xmlns:mc="http://schemas.openxmlformats.org/markup-compatibility/2006" xmlns:a14="http://schemas.microsoft.com/office/drawing/2010/main">
+        <mc:Choice Requires="a14">
           <p:sp>
             <p:nvSpPr>
               <p:cNvPr id="7" name="TextBox 6">
@@ -12046,7 +11963,7 @@
             </p:txBody>
           </p:sp>
         </mc:Choice>
-        <mc:Fallback>
+        <mc:Fallback xmlns="">
           <p:sp>
             <p:nvSpPr>
               <p:cNvPr id="7" name="TextBox 6">
